--- a/slides/Java 8 - Lambda Expresssions.pptx
+++ b/slides/Java 8 - Lambda Expresssions.pptx
@@ -11,22 +11,23 @@
     <p:sldId id="259" r:id="rId5"/>
     <p:sldId id="260" r:id="rId6"/>
     <p:sldId id="261" r:id="rId7"/>
-    <p:sldId id="262" r:id="rId8"/>
-    <p:sldId id="263" r:id="rId9"/>
-    <p:sldId id="264" r:id="rId10"/>
-    <p:sldId id="265" r:id="rId11"/>
-    <p:sldId id="266" r:id="rId12"/>
-    <p:sldId id="267" r:id="rId13"/>
-    <p:sldId id="268" r:id="rId14"/>
-    <p:sldId id="269" r:id="rId15"/>
-    <p:sldId id="270" r:id="rId16"/>
-    <p:sldId id="272" r:id="rId17"/>
-    <p:sldId id="273" r:id="rId18"/>
-    <p:sldId id="274" r:id="rId19"/>
-    <p:sldId id="275" r:id="rId20"/>
-    <p:sldId id="276" r:id="rId21"/>
-    <p:sldId id="277" r:id="rId22"/>
-    <p:sldId id="278" r:id="rId23"/>
+    <p:sldId id="263" r:id="rId8"/>
+    <p:sldId id="264" r:id="rId9"/>
+    <p:sldId id="265" r:id="rId10"/>
+    <p:sldId id="266" r:id="rId11"/>
+    <p:sldId id="267" r:id="rId12"/>
+    <p:sldId id="268" r:id="rId13"/>
+    <p:sldId id="269" r:id="rId14"/>
+    <p:sldId id="270" r:id="rId15"/>
+    <p:sldId id="272" r:id="rId16"/>
+    <p:sldId id="273" r:id="rId17"/>
+    <p:sldId id="274" r:id="rId18"/>
+    <p:sldId id="275" r:id="rId19"/>
+    <p:sldId id="276" r:id="rId20"/>
+    <p:sldId id="277" r:id="rId21"/>
+    <p:sldId id="278" r:id="rId22"/>
+    <p:sldId id="279" r:id="rId23"/>
+    <p:sldId id="280" r:id="rId24"/>
   </p:sldIdLst>
   <p:sldSz cx="9144000" cy="6858000" type="screen4x3"/>
   <p:notesSz cx="7772400" cy="10058400"/>
@@ -3728,7 +3729,7 @@
                   <a:srgbClr val="3095B4"/>
                 </a:solidFill>
               </a:rPr>
-              <a:t>Task 3</a:t>
+              <a:t>Task 4</a:t>
             </a:r>
           </a:p>
           <a:p>
@@ -3744,13 +3745,16 @@
             </a:endParaRPr>
           </a:p>
           <a:p>
+            <a:pPr marL="457200" indent="-457200">
+              <a:buAutoNum type="arabicPeriod"/>
+            </a:pPr>
             <a:r>
               <a:rPr lang="en-US" sz="2000" dirty="0" smtClean="0">
                 <a:solidFill>
                   <a:srgbClr val="3095B4"/>
                 </a:solidFill>
               </a:rPr>
-              <a:t>1. Create a </a:t>
+              <a:t>Call </a:t>
             </a:r>
             <a:r>
               <a:rPr lang="en-US" sz="2000" dirty="0" err="1" smtClean="0">
@@ -3758,7 +3762,7 @@
                   <a:srgbClr val="3095B4"/>
                 </a:solidFill>
               </a:rPr>
-              <a:t>CheckPerson</a:t>
+              <a:t>printPerson</a:t>
             </a:r>
             <a:r>
               <a:rPr lang="en-US" sz="2000" dirty="0" smtClean="0">
@@ -3766,14 +3770,12 @@
                   <a:srgbClr val="3095B4"/>
                 </a:solidFill>
               </a:rPr>
-              <a:t> interface with one test method taking a Person object as input parameter</a:t>
-            </a:r>
-          </a:p>
-          <a:p>
-            <a:pPr>
-              <a:lnSpc>
-                <a:spcPct val="100000"/>
-              </a:lnSpc>
+              <a:t> and Specify Search Criteria Code in an Anonymous Class</a:t>
+            </a:r>
+          </a:p>
+          <a:p>
+            <a:pPr marL="457200" indent="-457200">
+              <a:buAutoNum type="arabicPeriod"/>
             </a:pPr>
             <a:endParaRPr lang="en-US" sz="2000" dirty="0" smtClean="0">
               <a:solidFill>
@@ -3787,21 +3789,6 @@
                 <a:spcPct val="100000"/>
               </a:lnSpc>
             </a:pPr>
-            <a:r>
-              <a:rPr lang="en-US" sz="2000" dirty="0" smtClean="0">
-                <a:solidFill>
-                  <a:srgbClr val="3095B4"/>
-                </a:solidFill>
-              </a:rPr>
-              <a:t>2. Write a body to this method:</a:t>
-            </a:r>
-          </a:p>
-          <a:p>
-            <a:pPr>
-              <a:lnSpc>
-                <a:spcPct val="100000"/>
-              </a:lnSpc>
-            </a:pPr>
             <a:endParaRPr lang="en-US" sz="2000" dirty="0" smtClean="0">
               <a:solidFill>
                 <a:srgbClr val="3095B4"/>
@@ -3815,47 +3802,15 @@
               </a:lnSpc>
             </a:pPr>
             <a:r>
-              <a:rPr lang="sv-SE" dirty="0" smtClean="0">
-                <a:solidFill>
-                  <a:srgbClr val="3095B4"/>
-                </a:solidFill>
-              </a:rPr>
-              <a:t>public </a:t>
-            </a:r>
-            <a:r>
-              <a:rPr lang="sv-SE" dirty="0" err="1" smtClean="0">
-                <a:solidFill>
-                  <a:srgbClr val="3095B4"/>
-                </a:solidFill>
-              </a:rPr>
-              <a:t>static</a:t>
-            </a:r>
-            <a:r>
-              <a:rPr lang="sv-SE" dirty="0" smtClean="0">
-                <a:solidFill>
-                  <a:srgbClr val="3095B4"/>
-                </a:solidFill>
-              </a:rPr>
-              <a:t> </a:t>
-            </a:r>
-            <a:r>
-              <a:rPr lang="sv-SE" dirty="0" err="1" smtClean="0">
-                <a:solidFill>
-                  <a:srgbClr val="3095B4"/>
-                </a:solidFill>
-              </a:rPr>
-              <a:t>void</a:t>
-            </a:r>
-            <a:r>
-              <a:rPr lang="sv-SE" dirty="0" smtClean="0">
-                <a:solidFill>
-                  <a:srgbClr val="3095B4"/>
-                </a:solidFill>
-              </a:rPr>
-              <a:t> </a:t>
-            </a:r>
-            <a:r>
-              <a:rPr lang="sv-SE" dirty="0" err="1" smtClean="0">
+              <a:rPr lang="sv-SE" sz="2000" dirty="0" smtClean="0">
+                <a:solidFill>
+                  <a:srgbClr val="3095B4"/>
+                </a:solidFill>
+              </a:rPr>
+              <a:t>	</a:t>
+            </a:r>
+            <a:r>
+              <a:rPr lang="sv-SE" sz="2000" dirty="0" err="1" smtClean="0">
                 <a:solidFill>
                   <a:srgbClr val="3095B4"/>
                 </a:solidFill>
@@ -3863,15 +3818,23 @@
               <a:t>printPersons</a:t>
             </a:r>
             <a:r>
-              <a:rPr lang="sv-SE" dirty="0" smtClean="0">
-                <a:solidFill>
-                  <a:srgbClr val="3095B4"/>
-                </a:solidFill>
-              </a:rPr>
-              <a:t>( List&lt;Person&gt; persons, </a:t>
-            </a:r>
-            <a:r>
-              <a:rPr lang="sv-SE" dirty="0" err="1" smtClean="0">
+              <a:rPr lang="sv-SE" sz="2000" dirty="0">
+                <a:solidFill>
+                  <a:srgbClr val="3095B4"/>
+                </a:solidFill>
+              </a:rPr>
+              <a:t>( </a:t>
+            </a:r>
+            <a:r>
+              <a:rPr lang="sv-SE" sz="2000" dirty="0" smtClean="0">
+                <a:solidFill>
+                  <a:srgbClr val="3095B4"/>
+                </a:solidFill>
+              </a:rPr>
+              <a:t>person, new </a:t>
+            </a:r>
+            <a:r>
+              <a:rPr lang="sv-SE" sz="2000" dirty="0" err="1" smtClean="0">
                 <a:solidFill>
                   <a:srgbClr val="3095B4"/>
                 </a:solidFill>
@@ -3879,268 +3842,25 @@
               <a:t>CheckPerson</a:t>
             </a:r>
             <a:r>
-              <a:rPr lang="sv-SE" dirty="0" smtClean="0">
-                <a:solidFill>
-                  <a:srgbClr val="3095B4"/>
-                </a:solidFill>
-              </a:rPr>
-              <a:t> tester) {</a:t>
-            </a:r>
-          </a:p>
-          <a:p>
-            <a:pPr>
-              <a:lnSpc>
-                <a:spcPct val="100000"/>
-              </a:lnSpc>
-            </a:pPr>
-            <a:r>
-              <a:rPr lang="sv-SE" dirty="0" smtClean="0">
-                <a:solidFill>
-                  <a:srgbClr val="3095B4"/>
-                </a:solidFill>
-              </a:rPr>
-              <a:t>}</a:t>
-            </a:r>
-          </a:p>
-          <a:p>
-            <a:pPr>
-              <a:lnSpc>
-                <a:spcPct val="100000"/>
-              </a:lnSpc>
-            </a:pPr>
-            <a:endParaRPr lang="sv-SE" dirty="0" smtClean="0">
+              <a:rPr lang="sv-SE" sz="2000" dirty="0" smtClean="0">
+                <a:solidFill>
+                  <a:srgbClr val="3095B4"/>
+                </a:solidFill>
+              </a:rPr>
+              <a:t>() {…</a:t>
+            </a:r>
+            <a:endParaRPr lang="en-US" sz="2000" dirty="0">
               <a:solidFill>
                 <a:srgbClr val="3095B4"/>
               </a:solidFill>
             </a:endParaRPr>
           </a:p>
-          <a:p>
-            <a:pPr>
-              <a:lnSpc>
-                <a:spcPct val="100000"/>
-              </a:lnSpc>
-            </a:pPr>
-            <a:r>
-              <a:rPr lang="sv-SE" dirty="0" smtClean="0">
-                <a:solidFill>
-                  <a:srgbClr val="3095B4"/>
-                </a:solidFill>
-              </a:rPr>
-              <a:t>3. </a:t>
-            </a:r>
-            <a:r>
-              <a:rPr lang="sv-SE" dirty="0" err="1" smtClean="0">
-                <a:solidFill>
-                  <a:srgbClr val="3095B4"/>
-                </a:solidFill>
-              </a:rPr>
-              <a:t>Write</a:t>
-            </a:r>
-            <a:r>
-              <a:rPr lang="sv-SE" dirty="0" smtClean="0">
-                <a:solidFill>
-                  <a:srgbClr val="3095B4"/>
-                </a:solidFill>
-              </a:rPr>
-              <a:t> a </a:t>
-            </a:r>
-            <a:r>
-              <a:rPr lang="sv-SE" dirty="0" err="1" smtClean="0">
-                <a:solidFill>
-                  <a:srgbClr val="3095B4"/>
-                </a:solidFill>
-              </a:rPr>
-              <a:t>body</a:t>
-            </a:r>
-            <a:r>
-              <a:rPr lang="sv-SE" dirty="0" smtClean="0">
-                <a:solidFill>
-                  <a:srgbClr val="3095B4"/>
-                </a:solidFill>
-              </a:rPr>
-              <a:t> </a:t>
-            </a:r>
-            <a:r>
-              <a:rPr lang="sv-SE" dirty="0" err="1" smtClean="0">
-                <a:solidFill>
-                  <a:srgbClr val="3095B4"/>
-                </a:solidFill>
-              </a:rPr>
-              <a:t>to</a:t>
-            </a:r>
-            <a:r>
-              <a:rPr lang="sv-SE" dirty="0" smtClean="0">
-                <a:solidFill>
-                  <a:srgbClr val="3095B4"/>
-                </a:solidFill>
-              </a:rPr>
-              <a:t> </a:t>
-            </a:r>
-            <a:r>
-              <a:rPr lang="sv-SE" dirty="0" err="1" smtClean="0">
-                <a:solidFill>
-                  <a:srgbClr val="3095B4"/>
-                </a:solidFill>
-              </a:rPr>
-              <a:t>this</a:t>
-            </a:r>
-            <a:r>
-              <a:rPr lang="sv-SE" dirty="0" smtClean="0">
-                <a:solidFill>
-                  <a:srgbClr val="3095B4"/>
-                </a:solidFill>
-              </a:rPr>
-              <a:t> </a:t>
-            </a:r>
-            <a:r>
-              <a:rPr lang="sv-SE" dirty="0" err="1" smtClean="0">
-                <a:solidFill>
-                  <a:srgbClr val="3095B4"/>
-                </a:solidFill>
-              </a:rPr>
-              <a:t>method</a:t>
-            </a:r>
-            <a:r>
-              <a:rPr lang="sv-SE" dirty="0" smtClean="0">
-                <a:solidFill>
-                  <a:srgbClr val="3095B4"/>
-                </a:solidFill>
-              </a:rPr>
-              <a:t> (:</a:t>
-            </a:r>
-            <a:endParaRPr lang="en-US" dirty="0" smtClean="0">
-              <a:solidFill>
-                <a:srgbClr val="3095B4"/>
-              </a:solidFill>
-            </a:endParaRPr>
-          </a:p>
-          <a:p>
-            <a:pPr>
-              <a:lnSpc>
-                <a:spcPct val="100000"/>
-              </a:lnSpc>
-            </a:pPr>
-            <a:r>
-              <a:rPr lang="en-US" dirty="0">
-                <a:solidFill>
-                  <a:srgbClr val="3095B4"/>
-                </a:solidFill>
-              </a:rPr>
-              <a:t>class </a:t>
-            </a:r>
-            <a:r>
-              <a:rPr lang="en-US" dirty="0" err="1">
-                <a:solidFill>
-                  <a:srgbClr val="3095B4"/>
-                </a:solidFill>
-              </a:rPr>
-              <a:t>CheckPersonEligibleForSelectiveService</a:t>
-            </a:r>
-            <a:r>
-              <a:rPr lang="en-US" dirty="0">
-                <a:solidFill>
-                  <a:srgbClr val="3095B4"/>
-                </a:solidFill>
-              </a:rPr>
-              <a:t> implements </a:t>
-            </a:r>
-            <a:r>
-              <a:rPr lang="en-US" dirty="0" err="1">
-                <a:solidFill>
-                  <a:srgbClr val="3095B4"/>
-                </a:solidFill>
-              </a:rPr>
-              <a:t>CheckPerson</a:t>
-            </a:r>
-            <a:r>
-              <a:rPr lang="en-US" dirty="0">
-                <a:solidFill>
-                  <a:srgbClr val="3095B4"/>
-                </a:solidFill>
-              </a:rPr>
-              <a:t> { </a:t>
-            </a:r>
-            <a:r>
-              <a:rPr lang="en-US" dirty="0" smtClean="0">
-                <a:solidFill>
-                  <a:srgbClr val="3095B4"/>
-                </a:solidFill>
-              </a:rPr>
-              <a:t>	public </a:t>
-            </a:r>
-            <a:r>
-              <a:rPr lang="en-US" dirty="0" err="1">
-                <a:solidFill>
-                  <a:srgbClr val="3095B4"/>
-                </a:solidFill>
-              </a:rPr>
-              <a:t>boolean</a:t>
-            </a:r>
-            <a:r>
-              <a:rPr lang="en-US" dirty="0">
-                <a:solidFill>
-                  <a:srgbClr val="3095B4"/>
-                </a:solidFill>
-              </a:rPr>
-              <a:t> test(Person p) </a:t>
-            </a:r>
-            <a:r>
-              <a:rPr lang="en-US" dirty="0" smtClean="0">
-                <a:solidFill>
-                  <a:srgbClr val="3095B4"/>
-                </a:solidFill>
-              </a:rPr>
-              <a:t>{</a:t>
-            </a:r>
-          </a:p>
-          <a:p>
-            <a:pPr>
-              <a:lnSpc>
-                <a:spcPct val="100000"/>
-              </a:lnSpc>
-            </a:pPr>
-            <a:r>
-              <a:rPr lang="en-US" dirty="0" smtClean="0">
-                <a:solidFill>
-                  <a:srgbClr val="3095B4"/>
-                </a:solidFill>
-              </a:rPr>
-              <a:t>	}</a:t>
-            </a:r>
-          </a:p>
-          <a:p>
-            <a:pPr>
-              <a:lnSpc>
-                <a:spcPct val="100000"/>
-              </a:lnSpc>
-            </a:pPr>
-            <a:r>
-              <a:rPr lang="en-US" dirty="0">
-                <a:solidFill>
-                  <a:srgbClr val="3095B4"/>
-                </a:solidFill>
-              </a:rPr>
-              <a:t>}</a:t>
-            </a:r>
-          </a:p>
-          <a:p>
-            <a:pPr>
-              <a:lnSpc>
-                <a:spcPct val="100000"/>
-              </a:lnSpc>
-            </a:pPr>
-            <a:endParaRPr lang="en-US" sz="2000" dirty="0" smtClean="0">
-              <a:solidFill>
-                <a:srgbClr val="3095B4"/>
-              </a:solidFill>
-            </a:endParaRPr>
-          </a:p>
         </p:txBody>
       </p:sp>
     </p:spTree>
     <p:extLst>
       <p:ext uri="{BB962C8B-B14F-4D97-AF65-F5344CB8AC3E}">
-        <p14:creationId xmlns:p14="http://schemas.microsoft.com/office/powerpoint/2010/main" val="3288175128"/>
+        <p14:creationId xmlns:p14="http://schemas.microsoft.com/office/powerpoint/2010/main" val="949413036"/>
       </p:ext>
     </p:extLst>
   </p:cSld>
@@ -4275,7 +3995,7 @@
                   <a:srgbClr val="3095B4"/>
                 </a:solidFill>
               </a:rPr>
-              <a:t>Task 4</a:t>
+              <a:t>Task 5</a:t>
             </a:r>
           </a:p>
           <a:p>
@@ -4295,33 +4015,35 @@
               <a:buAutoNum type="arabicPeriod"/>
             </a:pPr>
             <a:r>
-              <a:rPr lang="en-US" sz="2000" dirty="0" smtClean="0">
-                <a:solidFill>
-                  <a:srgbClr val="3095B4"/>
-                </a:solidFill>
-              </a:rPr>
-              <a:t>Call </a:t>
-            </a:r>
-            <a:r>
-              <a:rPr lang="en-US" sz="2000" dirty="0" err="1" smtClean="0">
-                <a:solidFill>
-                  <a:srgbClr val="3095B4"/>
-                </a:solidFill>
-              </a:rPr>
-              <a:t>printPerson</a:t>
-            </a:r>
-            <a:r>
-              <a:rPr lang="en-US" sz="2000" dirty="0" smtClean="0">
-                <a:solidFill>
-                  <a:srgbClr val="3095B4"/>
-                </a:solidFill>
-              </a:rPr>
-              <a:t> and Specify Search Criteria Code in an Anonymous Class</a:t>
-            </a:r>
-          </a:p>
-          <a:p>
-            <a:pPr marL="457200" indent="-457200">
-              <a:buAutoNum type="arabicPeriod"/>
+              <a:rPr lang="en-US" sz="2000" dirty="0">
+                <a:solidFill>
+                  <a:srgbClr val="3095B4"/>
+                </a:solidFill>
+              </a:rPr>
+              <a:t>The </a:t>
+            </a:r>
+            <a:r>
+              <a:rPr lang="en-US" sz="2000" dirty="0" err="1">
+                <a:solidFill>
+                  <a:srgbClr val="3095B4"/>
+                </a:solidFill>
+              </a:rPr>
+              <a:t>CheckPerson</a:t>
+            </a:r>
+            <a:r>
+              <a:rPr lang="en-US" sz="2000" dirty="0">
+                <a:solidFill>
+                  <a:srgbClr val="3095B4"/>
+                </a:solidFill>
+              </a:rPr>
+              <a:t> interface is a functional interface. A functional interface is any interface that contains only one method</a:t>
+            </a:r>
+          </a:p>
+          <a:p>
+            <a:pPr>
+              <a:lnSpc>
+                <a:spcPct val="100000"/>
+              </a:lnSpc>
             </a:pPr>
             <a:endParaRPr lang="en-US" sz="2000" dirty="0" smtClean="0">
               <a:solidFill>
@@ -4329,84 +4051,12 @@
               </a:solidFill>
             </a:endParaRPr>
           </a:p>
-          <a:p>
-            <a:pPr>
-              <a:lnSpc>
-                <a:spcPct val="100000"/>
-              </a:lnSpc>
-            </a:pPr>
-            <a:endParaRPr lang="en-US" sz="2000" dirty="0" smtClean="0">
-              <a:solidFill>
-                <a:srgbClr val="3095B4"/>
-              </a:solidFill>
-            </a:endParaRPr>
-          </a:p>
-          <a:p>
-            <a:pPr>
-              <a:lnSpc>
-                <a:spcPct val="100000"/>
-              </a:lnSpc>
-            </a:pPr>
-            <a:r>
-              <a:rPr lang="sv-SE" sz="2000" dirty="0" smtClean="0">
-                <a:solidFill>
-                  <a:srgbClr val="3095B4"/>
-                </a:solidFill>
-              </a:rPr>
-              <a:t>	</a:t>
-            </a:r>
-            <a:r>
-              <a:rPr lang="sv-SE" sz="2000" dirty="0" err="1" smtClean="0">
-                <a:solidFill>
-                  <a:srgbClr val="3095B4"/>
-                </a:solidFill>
-              </a:rPr>
-              <a:t>printPersons</a:t>
-            </a:r>
-            <a:r>
-              <a:rPr lang="sv-SE" sz="2000" dirty="0">
-                <a:solidFill>
-                  <a:srgbClr val="3095B4"/>
-                </a:solidFill>
-              </a:rPr>
-              <a:t>( </a:t>
-            </a:r>
-            <a:r>
-              <a:rPr lang="sv-SE" sz="2000" dirty="0" smtClean="0">
-                <a:solidFill>
-                  <a:srgbClr val="3095B4"/>
-                </a:solidFill>
-              </a:rPr>
-              <a:t>person, new </a:t>
-            </a:r>
-            <a:r>
-              <a:rPr lang="sv-SE" sz="2000" dirty="0" err="1" smtClean="0">
-                <a:solidFill>
-                  <a:srgbClr val="3095B4"/>
-                </a:solidFill>
-              </a:rPr>
-              <a:t>CheckPerson</a:t>
-            </a:r>
-            <a:r>
-              <a:rPr lang="sv-SE" sz="2000" dirty="0" smtClean="0">
-                <a:solidFill>
-                  <a:srgbClr val="3095B4"/>
-                </a:solidFill>
-              </a:rPr>
-              <a:t>() {…</a:t>
-            </a:r>
-            <a:endParaRPr lang="en-US" sz="2000" dirty="0">
-              <a:solidFill>
-                <a:srgbClr val="3095B4"/>
-              </a:solidFill>
-            </a:endParaRPr>
-          </a:p>
         </p:txBody>
       </p:sp>
     </p:spTree>
     <p:extLst>
       <p:ext uri="{BB962C8B-B14F-4D97-AF65-F5344CB8AC3E}">
-        <p14:creationId xmlns:p14="http://schemas.microsoft.com/office/powerpoint/2010/main" val="949413036"/>
+        <p14:creationId xmlns:p14="http://schemas.microsoft.com/office/powerpoint/2010/main" val="1860879513"/>
       </p:ext>
     </p:extLst>
   </p:cSld>
@@ -4561,48 +4211,115 @@
               <a:buAutoNum type="arabicPeriod"/>
             </a:pPr>
             <a:r>
-              <a:rPr lang="en-US" sz="2000" dirty="0">
-                <a:solidFill>
-                  <a:srgbClr val="3095B4"/>
-                </a:solidFill>
-              </a:rPr>
-              <a:t>The </a:t>
-            </a:r>
-            <a:r>
-              <a:rPr lang="en-US" sz="2000" dirty="0" err="1">
-                <a:solidFill>
-                  <a:srgbClr val="3095B4"/>
-                </a:solidFill>
-              </a:rPr>
-              <a:t>CheckPerson</a:t>
-            </a:r>
-            <a:r>
-              <a:rPr lang="en-US" sz="2000" dirty="0">
-                <a:solidFill>
-                  <a:srgbClr val="3095B4"/>
-                </a:solidFill>
-              </a:rPr>
-              <a:t> interface is a functional interface. A functional interface is any interface that contains only one method</a:t>
-            </a:r>
-          </a:p>
-          <a:p>
-            <a:pPr>
-              <a:lnSpc>
-                <a:spcPct val="100000"/>
-              </a:lnSpc>
-            </a:pPr>
+              <a:rPr lang="en-US" sz="2000" dirty="0" smtClean="0">
+                <a:solidFill>
+                  <a:srgbClr val="3095B4"/>
+                </a:solidFill>
+              </a:rPr>
+              <a:t>Call </a:t>
+            </a:r>
+            <a:r>
+              <a:rPr lang="en-US" sz="2000" dirty="0" err="1" smtClean="0">
+                <a:solidFill>
+                  <a:srgbClr val="3095B4"/>
+                </a:solidFill>
+              </a:rPr>
+              <a:t>printPerson</a:t>
+            </a:r>
+            <a:r>
+              <a:rPr lang="en-US" sz="2000" dirty="0" smtClean="0">
+                <a:solidFill>
+                  <a:srgbClr val="3095B4"/>
+                </a:solidFill>
+              </a:rPr>
+              <a:t> and Specify Search Criteria Code with a Lambda </a:t>
+            </a:r>
+            <a:r>
+              <a:rPr lang="en-US" sz="2000" dirty="0" err="1" smtClean="0">
+                <a:solidFill>
+                  <a:srgbClr val="3095B4"/>
+                </a:solidFill>
+              </a:rPr>
+              <a:t>Expresssion</a:t>
+            </a:r>
             <a:endParaRPr lang="en-US" sz="2000" dirty="0" smtClean="0">
               <a:solidFill>
                 <a:srgbClr val="3095B4"/>
               </a:solidFill>
             </a:endParaRPr>
           </a:p>
+          <a:p>
+            <a:pPr marL="457200" indent="-457200">
+              <a:buAutoNum type="arabicPeriod"/>
+            </a:pPr>
+            <a:endParaRPr lang="en-US" sz="2000" dirty="0" smtClean="0">
+              <a:solidFill>
+                <a:srgbClr val="3095B4"/>
+              </a:solidFill>
+            </a:endParaRPr>
+          </a:p>
+          <a:p>
+            <a:pPr>
+              <a:lnSpc>
+                <a:spcPct val="100000"/>
+              </a:lnSpc>
+            </a:pPr>
+            <a:endParaRPr lang="en-US" sz="2000" dirty="0" smtClean="0">
+              <a:solidFill>
+                <a:srgbClr val="3095B4"/>
+              </a:solidFill>
+            </a:endParaRPr>
+          </a:p>
+          <a:p>
+            <a:pPr>
+              <a:lnSpc>
+                <a:spcPct val="100000"/>
+              </a:lnSpc>
+            </a:pPr>
+            <a:r>
+              <a:rPr lang="sv-SE" sz="2000" dirty="0" smtClean="0">
+                <a:solidFill>
+                  <a:srgbClr val="3095B4"/>
+                </a:solidFill>
+              </a:rPr>
+              <a:t>	</a:t>
+            </a:r>
+            <a:r>
+              <a:rPr lang="sv-SE" sz="2000" dirty="0" err="1" smtClean="0">
+                <a:solidFill>
+                  <a:srgbClr val="3095B4"/>
+                </a:solidFill>
+              </a:rPr>
+              <a:t>printPersons</a:t>
+            </a:r>
+            <a:r>
+              <a:rPr lang="sv-SE" sz="2000" dirty="0">
+                <a:solidFill>
+                  <a:srgbClr val="3095B4"/>
+                </a:solidFill>
+              </a:rPr>
+              <a:t>( </a:t>
+            </a:r>
+            <a:r>
+              <a:rPr lang="sv-SE" sz="2000" dirty="0" smtClean="0">
+                <a:solidFill>
+                  <a:srgbClr val="3095B4"/>
+                </a:solidFill>
+              </a:rPr>
+              <a:t>person, (Person p) -&gt;</a:t>
+            </a:r>
+            <a:endParaRPr lang="en-US" sz="2000" dirty="0">
+              <a:solidFill>
+                <a:srgbClr val="3095B4"/>
+              </a:solidFill>
+            </a:endParaRPr>
+          </a:p>
         </p:txBody>
       </p:sp>
     </p:spTree>
     <p:extLst>
       <p:ext uri="{BB962C8B-B14F-4D97-AF65-F5344CB8AC3E}">
-        <p14:creationId xmlns:p14="http://schemas.microsoft.com/office/powerpoint/2010/main" val="1860879513"/>
+        <p14:creationId xmlns:p14="http://schemas.microsoft.com/office/powerpoint/2010/main" val="3319973182"/>
       </p:ext>
     </p:extLst>
   </p:cSld>
@@ -4737,7 +4454,7 @@
                   <a:srgbClr val="3095B4"/>
                 </a:solidFill>
               </a:rPr>
-              <a:t>Task 5</a:t>
+              <a:t>Task 6 Replace your interface with an existing one</a:t>
             </a:r>
           </a:p>
           <a:p>
@@ -4753,48 +4470,37 @@
             </a:endParaRPr>
           </a:p>
           <a:p>
-            <a:pPr marL="457200" indent="-457200">
-              <a:buAutoNum type="arabicPeriod"/>
-            </a:pPr>
+            <a:r>
+              <a:rPr lang="en-US" sz="2000" dirty="0">
+                <a:solidFill>
+                  <a:srgbClr val="3095B4"/>
+                </a:solidFill>
+              </a:rPr>
+              <a:t> </a:t>
+            </a:r>
             <a:r>
               <a:rPr lang="en-US" sz="2000" dirty="0" smtClean="0">
                 <a:solidFill>
                   <a:srgbClr val="3095B4"/>
                 </a:solidFill>
               </a:rPr>
-              <a:t>Call </a:t>
-            </a:r>
-            <a:r>
-              <a:rPr lang="en-US" sz="2000" dirty="0" err="1" smtClean="0">
-                <a:solidFill>
-                  <a:srgbClr val="3095B4"/>
-                </a:solidFill>
-              </a:rPr>
-              <a:t>printPerson</a:t>
-            </a:r>
-            <a:r>
-              <a:rPr lang="en-US" sz="2000" dirty="0" smtClean="0">
-                <a:solidFill>
-                  <a:srgbClr val="3095B4"/>
-                </a:solidFill>
-              </a:rPr>
-              <a:t> and Specify Search Criteria Code </a:t>
-            </a:r>
-            <a:r>
-              <a:rPr lang="en-US" sz="2000" dirty="0" smtClean="0">
-                <a:solidFill>
-                  <a:srgbClr val="3095B4"/>
-                </a:solidFill>
-              </a:rPr>
-              <a:t>with a Lambda </a:t>
-            </a:r>
-            <a:r>
-              <a:rPr lang="en-US" sz="2000" dirty="0" err="1" smtClean="0">
-                <a:solidFill>
-                  <a:srgbClr val="3095B4"/>
-                </a:solidFill>
-              </a:rPr>
-              <a:t>Expresssion</a:t>
+              <a:t>      interface </a:t>
+            </a:r>
+            <a:r>
+              <a:rPr lang="en-US" sz="2000" dirty="0" err="1">
+                <a:solidFill>
+                  <a:srgbClr val="3095B4"/>
+                </a:solidFill>
+              </a:rPr>
+              <a:t>CheckPerson</a:t>
+            </a:r>
+            <a:r>
+              <a:rPr lang="en-US" sz="2000" dirty="0">
+                <a:solidFill>
+                  <a:srgbClr val="3095B4"/>
+                </a:solidFill>
+              </a:rPr>
+              <a:t> { </a:t>
             </a:r>
             <a:endParaRPr lang="en-US" sz="2000" dirty="0" smtClean="0">
               <a:solidFill>
@@ -4803,9 +4509,39 @@
             </a:endParaRPr>
           </a:p>
           <a:p>
-            <a:pPr marL="457200" indent="-457200">
-              <a:buAutoNum type="arabicPeriod"/>
-            </a:pPr>
+            <a:pPr lvl="1"/>
+            <a:r>
+              <a:rPr lang="en-US" sz="2000" dirty="0" smtClean="0">
+                <a:solidFill>
+                  <a:srgbClr val="3095B4"/>
+                </a:solidFill>
+              </a:rPr>
+              <a:t>         </a:t>
+            </a:r>
+            <a:r>
+              <a:rPr lang="en-US" sz="2000" dirty="0" err="1" smtClean="0">
+                <a:solidFill>
+                  <a:srgbClr val="3095B4"/>
+                </a:solidFill>
+              </a:rPr>
+              <a:t>boolean</a:t>
+            </a:r>
+            <a:r>
+              <a:rPr lang="en-US" sz="2000" dirty="0" smtClean="0">
+                <a:solidFill>
+                  <a:srgbClr val="3095B4"/>
+                </a:solidFill>
+              </a:rPr>
+              <a:t> </a:t>
+            </a:r>
+            <a:r>
+              <a:rPr lang="en-US" sz="2000" dirty="0">
+                <a:solidFill>
+                  <a:srgbClr val="3095B4"/>
+                </a:solidFill>
+              </a:rPr>
+              <a:t>test(Person p); </a:t>
+            </a:r>
             <a:endParaRPr lang="en-US" sz="2000" dirty="0" smtClean="0">
               <a:solidFill>
                 <a:srgbClr val="3095B4"/>
@@ -4813,54 +4549,14 @@
             </a:endParaRPr>
           </a:p>
           <a:p>
-            <a:pPr>
-              <a:lnSpc>
-                <a:spcPct val="100000"/>
-              </a:lnSpc>
-            </a:pPr>
-            <a:endParaRPr lang="en-US" sz="2000" dirty="0" smtClean="0">
-              <a:solidFill>
-                <a:srgbClr val="3095B4"/>
-              </a:solidFill>
-            </a:endParaRPr>
-          </a:p>
-          <a:p>
-            <a:pPr>
-              <a:lnSpc>
-                <a:spcPct val="100000"/>
-              </a:lnSpc>
-            </a:pPr>
-            <a:r>
-              <a:rPr lang="sv-SE" sz="2000" dirty="0" smtClean="0">
-                <a:solidFill>
-                  <a:srgbClr val="3095B4"/>
-                </a:solidFill>
-              </a:rPr>
-              <a:t>	</a:t>
-            </a:r>
-            <a:r>
-              <a:rPr lang="sv-SE" sz="2000" dirty="0" err="1" smtClean="0">
-                <a:solidFill>
-                  <a:srgbClr val="3095B4"/>
-                </a:solidFill>
-              </a:rPr>
-              <a:t>printPersons</a:t>
-            </a:r>
-            <a:r>
-              <a:rPr lang="sv-SE" sz="2000" dirty="0">
-                <a:solidFill>
-                  <a:srgbClr val="3095B4"/>
-                </a:solidFill>
-              </a:rPr>
-              <a:t>( </a:t>
-            </a:r>
-            <a:r>
-              <a:rPr lang="sv-SE" sz="2000" dirty="0" smtClean="0">
-                <a:solidFill>
-                  <a:srgbClr val="3095B4"/>
-                </a:solidFill>
-              </a:rPr>
-              <a:t>person, (Person p) -&gt;</a:t>
+            <a:pPr lvl="1"/>
+            <a:r>
+              <a:rPr lang="en-US" sz="2000" dirty="0" smtClean="0">
+                <a:solidFill>
+                  <a:srgbClr val="3095B4"/>
+                </a:solidFill>
+              </a:rPr>
+              <a:t>}</a:t>
             </a:r>
             <a:endParaRPr lang="en-US" sz="2000" dirty="0">
               <a:solidFill>
@@ -4873,7 +4569,7 @@
     </p:spTree>
     <p:extLst>
       <p:ext uri="{BB962C8B-B14F-4D97-AF65-F5344CB8AC3E}">
-        <p14:creationId xmlns:p14="http://schemas.microsoft.com/office/powerpoint/2010/main" val="3319973182"/>
+        <p14:creationId xmlns:p14="http://schemas.microsoft.com/office/powerpoint/2010/main" val="3549172482"/>
       </p:ext>
     </p:extLst>
   </p:cSld>
@@ -5008,7 +4704,7 @@
                   <a:srgbClr val="3095B4"/>
                 </a:solidFill>
               </a:rPr>
-              <a:t>Task 6 Replace your interface with an existing one</a:t>
+              <a:t>Task 6 This is a good one</a:t>
             </a:r>
           </a:p>
           <a:p>
@@ -5038,42 +4734,49 @@
                   <a:srgbClr val="3095B4"/>
                 </a:solidFill>
               </a:rPr>
-              <a:t>      interface </a:t>
-            </a:r>
-            <a:r>
-              <a:rPr lang="en-US" sz="2000" dirty="0" err="1">
-                <a:solidFill>
-                  <a:srgbClr val="3095B4"/>
-                </a:solidFill>
-              </a:rPr>
-              <a:t>CheckPerson</a:t>
-            </a:r>
-            <a:r>
-              <a:rPr lang="en-US" sz="2000" dirty="0">
-                <a:solidFill>
-                  <a:srgbClr val="3095B4"/>
-                </a:solidFill>
-              </a:rPr>
-              <a:t> { </a:t>
-            </a:r>
-            <a:endParaRPr lang="en-US" sz="2000" dirty="0" smtClean="0">
+              <a:t>      </a:t>
+            </a:r>
+            <a:r>
+              <a:rPr lang="sv-SE" sz="2000" dirty="0">
+                <a:solidFill>
+                  <a:srgbClr val="3095B4"/>
+                </a:solidFill>
+              </a:rPr>
+              <a:t>interface </a:t>
+            </a:r>
+            <a:r>
+              <a:rPr lang="sv-SE" sz="2000" dirty="0" err="1">
+                <a:solidFill>
+                  <a:srgbClr val="3095B4"/>
+                </a:solidFill>
+              </a:rPr>
+              <a:t>Predicate</a:t>
+            </a:r>
+            <a:r>
+              <a:rPr lang="sv-SE" sz="2000" dirty="0">
+                <a:solidFill>
+                  <a:srgbClr val="3095B4"/>
+                </a:solidFill>
+              </a:rPr>
+              <a:t>&lt;T&gt; { </a:t>
+            </a:r>
+            <a:endParaRPr lang="sv-SE" sz="2000" dirty="0" smtClean="0">
               <a:solidFill>
                 <a:srgbClr val="3095B4"/>
               </a:solidFill>
             </a:endParaRPr>
           </a:p>
           <a:p>
-            <a:pPr lvl="1"/>
-            <a:r>
-              <a:rPr lang="en-US" sz="2000" dirty="0" smtClean="0">
-                <a:solidFill>
-                  <a:srgbClr val="3095B4"/>
-                </a:solidFill>
-              </a:rPr>
-              <a:t>         </a:t>
-            </a:r>
-            <a:r>
-              <a:rPr lang="en-US" sz="2000" dirty="0" err="1" smtClean="0">
+            <a:r>
+              <a:rPr lang="sv-SE" sz="2000" dirty="0">
+                <a:solidFill>
+                  <a:srgbClr val="3095B4"/>
+                </a:solidFill>
+              </a:rPr>
+              <a:t>	</a:t>
+            </a:r>
+            <a:r>
+              <a:rPr lang="sv-SE" sz="2000" dirty="0" err="1" smtClean="0">
                 <a:solidFill>
                   <a:srgbClr val="3095B4"/>
                 </a:solidFill>
@@ -5081,7 +4784,7 @@
               <a:t>boolean</a:t>
             </a:r>
             <a:r>
-              <a:rPr lang="en-US" sz="2000" dirty="0" smtClean="0">
+              <a:rPr lang="sv-SE" sz="2000" dirty="0" smtClean="0">
                 <a:solidFill>
                   <a:srgbClr val="3095B4"/>
                 </a:solidFill>
@@ -5089,28 +4792,27 @@
               <a:t> </a:t>
             </a:r>
             <a:r>
-              <a:rPr lang="en-US" sz="2000" dirty="0">
-                <a:solidFill>
-                  <a:srgbClr val="3095B4"/>
-                </a:solidFill>
-              </a:rPr>
-              <a:t>test(Person p); </a:t>
-            </a:r>
-            <a:endParaRPr lang="en-US" sz="2000" dirty="0" smtClean="0">
+              <a:rPr lang="sv-SE" sz="2000" dirty="0">
+                <a:solidFill>
+                  <a:srgbClr val="3095B4"/>
+                </a:solidFill>
+              </a:rPr>
+              <a:t>test(T t); </a:t>
+            </a:r>
+            <a:endParaRPr lang="sv-SE" sz="2000" dirty="0" smtClean="0">
               <a:solidFill>
                 <a:srgbClr val="3095B4"/>
               </a:solidFill>
             </a:endParaRPr>
           </a:p>
           <a:p>
-            <a:pPr lvl="1"/>
-            <a:r>
-              <a:rPr lang="en-US" sz="2000" dirty="0" smtClean="0">
-                <a:solidFill>
-                  <a:srgbClr val="3095B4"/>
-                </a:solidFill>
-              </a:rPr>
-              <a:t>}</a:t>
+            <a:r>
+              <a:rPr lang="sv-SE" sz="2000" dirty="0" smtClean="0">
+                <a:solidFill>
+                  <a:srgbClr val="3095B4"/>
+                </a:solidFill>
+              </a:rPr>
+              <a:t>        }</a:t>
             </a:r>
             <a:endParaRPr lang="en-US" sz="2000" dirty="0">
               <a:solidFill>
@@ -5123,7 +4825,7 @@
     </p:spTree>
     <p:extLst>
       <p:ext uri="{BB962C8B-B14F-4D97-AF65-F5344CB8AC3E}">
-        <p14:creationId xmlns:p14="http://schemas.microsoft.com/office/powerpoint/2010/main" val="3549172482"/>
+        <p14:creationId xmlns:p14="http://schemas.microsoft.com/office/powerpoint/2010/main" val="3099518014"/>
       </p:ext>
     </p:extLst>
   </p:cSld>
@@ -5258,7 +4960,7 @@
                   <a:srgbClr val="3095B4"/>
                 </a:solidFill>
               </a:rPr>
-              <a:t>Task 6 This is a good one</a:t>
+              <a:t>Task 6 Task 5 should still work</a:t>
             </a:r>
           </a:p>
           <a:p>
@@ -5273,113 +4975,12 @@
               </a:solidFill>
             </a:endParaRPr>
           </a:p>
-          <a:p>
-            <a:r>
-              <a:rPr lang="en-US" sz="2000" dirty="0">
-                <a:solidFill>
-                  <a:srgbClr val="3095B4"/>
-                </a:solidFill>
-              </a:rPr>
-              <a:t> </a:t>
-            </a:r>
-            <a:r>
-              <a:rPr lang="en-US" sz="2000" dirty="0" smtClean="0">
-                <a:solidFill>
-                  <a:srgbClr val="3095B4"/>
-                </a:solidFill>
-              </a:rPr>
-              <a:t>      </a:t>
-            </a:r>
-            <a:r>
-              <a:rPr lang="sv-SE" sz="2000" dirty="0">
-                <a:solidFill>
-                  <a:srgbClr val="3095B4"/>
-                </a:solidFill>
-              </a:rPr>
-              <a:t>interface </a:t>
-            </a:r>
-            <a:r>
-              <a:rPr lang="sv-SE" sz="2000" dirty="0" err="1">
-                <a:solidFill>
-                  <a:srgbClr val="3095B4"/>
-                </a:solidFill>
-              </a:rPr>
-              <a:t>Predicate</a:t>
-            </a:r>
-            <a:r>
-              <a:rPr lang="sv-SE" sz="2000" dirty="0">
-                <a:solidFill>
-                  <a:srgbClr val="3095B4"/>
-                </a:solidFill>
-              </a:rPr>
-              <a:t>&lt;T&gt; { </a:t>
-            </a:r>
-            <a:endParaRPr lang="sv-SE" sz="2000" dirty="0" smtClean="0">
-              <a:solidFill>
-                <a:srgbClr val="3095B4"/>
-              </a:solidFill>
-            </a:endParaRPr>
-          </a:p>
-          <a:p>
-            <a:r>
-              <a:rPr lang="sv-SE" sz="2000" dirty="0">
-                <a:solidFill>
-                  <a:srgbClr val="3095B4"/>
-                </a:solidFill>
-              </a:rPr>
-              <a:t>	</a:t>
-            </a:r>
-            <a:r>
-              <a:rPr lang="sv-SE" sz="2000" dirty="0" err="1" smtClean="0">
-                <a:solidFill>
-                  <a:srgbClr val="3095B4"/>
-                </a:solidFill>
-              </a:rPr>
-              <a:t>boolean</a:t>
-            </a:r>
-            <a:r>
-              <a:rPr lang="sv-SE" sz="2000" dirty="0" smtClean="0">
-                <a:solidFill>
-                  <a:srgbClr val="3095B4"/>
-                </a:solidFill>
-              </a:rPr>
-              <a:t> </a:t>
-            </a:r>
-            <a:r>
-              <a:rPr lang="sv-SE" sz="2000" dirty="0">
-                <a:solidFill>
-                  <a:srgbClr val="3095B4"/>
-                </a:solidFill>
-              </a:rPr>
-              <a:t>test(T t); </a:t>
-            </a:r>
-            <a:endParaRPr lang="sv-SE" sz="2000" dirty="0" smtClean="0">
-              <a:solidFill>
-                <a:srgbClr val="3095B4"/>
-              </a:solidFill>
-            </a:endParaRPr>
-          </a:p>
-          <a:p>
-            <a:r>
-              <a:rPr lang="sv-SE" sz="2000" dirty="0" smtClean="0">
-                <a:solidFill>
-                  <a:srgbClr val="3095B4"/>
-                </a:solidFill>
-              </a:rPr>
-              <a:t>        }</a:t>
-            </a:r>
-            <a:endParaRPr lang="en-US" sz="2000" dirty="0">
-              <a:solidFill>
-                <a:srgbClr val="3095B4"/>
-              </a:solidFill>
-            </a:endParaRPr>
-          </a:p>
         </p:txBody>
       </p:sp>
     </p:spTree>
     <p:extLst>
       <p:ext uri="{BB962C8B-B14F-4D97-AF65-F5344CB8AC3E}">
-        <p14:creationId xmlns:p14="http://schemas.microsoft.com/office/powerpoint/2010/main" val="3099518014"/>
+        <p14:creationId xmlns:p14="http://schemas.microsoft.com/office/powerpoint/2010/main" val="993777835"/>
       </p:ext>
     </p:extLst>
   </p:cSld>
@@ -5514,7 +5115,7 @@
                   <a:srgbClr val="3095B4"/>
                 </a:solidFill>
               </a:rPr>
-              <a:t>Task 6 Task 5 should still work</a:t>
+              <a:t>Task 7 Could we replace more code with Lambda Expressions?</a:t>
             </a:r>
           </a:p>
           <a:p>
@@ -5534,7 +5135,7 @@
     </p:spTree>
     <p:extLst>
       <p:ext uri="{BB962C8B-B14F-4D97-AF65-F5344CB8AC3E}">
-        <p14:creationId xmlns:p14="http://schemas.microsoft.com/office/powerpoint/2010/main" val="993777835"/>
+        <p14:creationId xmlns:p14="http://schemas.microsoft.com/office/powerpoint/2010/main" val="3040441235"/>
       </p:ext>
     </p:extLst>
   </p:cSld>
@@ -5669,7 +5270,50 @@
                   <a:srgbClr val="3095B4"/>
                 </a:solidFill>
               </a:rPr>
-              <a:t>Task 7 Could we replace more code with Lambda Expressions?</a:t>
+              <a:t>Task 7 </a:t>
+            </a:r>
+            <a:r>
+              <a:rPr lang="en-US" sz="2000" dirty="0" err="1" smtClean="0">
+                <a:solidFill>
+                  <a:srgbClr val="3095B4"/>
+                </a:solidFill>
+              </a:rPr>
+              <a:t>p.printPerson</a:t>
+            </a:r>
+            <a:r>
+              <a:rPr lang="en-US" sz="2000" dirty="0" smtClean="0">
+                <a:solidFill>
+                  <a:srgbClr val="3095B4"/>
+                </a:solidFill>
+              </a:rPr>
+              <a:t>()?</a:t>
+            </a:r>
+          </a:p>
+          <a:p>
+            <a:pPr>
+              <a:lnSpc>
+                <a:spcPct val="100000"/>
+              </a:lnSpc>
+            </a:pPr>
+            <a:endParaRPr lang="en-US" sz="2000" dirty="0">
+              <a:solidFill>
+                <a:srgbClr val="3095B4"/>
+              </a:solidFill>
+            </a:endParaRPr>
+          </a:p>
+          <a:p>
+            <a:pPr>
+              <a:lnSpc>
+                <a:spcPct val="100000"/>
+              </a:lnSpc>
+            </a:pPr>
+            <a:r>
+              <a:rPr lang="en-US" sz="2000" dirty="0" smtClean="0">
+                <a:solidFill>
+                  <a:srgbClr val="3095B4"/>
+                </a:solidFill>
+              </a:rPr>
+              <a:t>Person -&gt; void</a:t>
             </a:r>
           </a:p>
           <a:p>
@@ -5689,7 +5333,7 @@
     </p:spTree>
     <p:extLst>
       <p:ext uri="{BB962C8B-B14F-4D97-AF65-F5344CB8AC3E}">
-        <p14:creationId xmlns:p14="http://schemas.microsoft.com/office/powerpoint/2010/main" val="3040441235"/>
+        <p14:creationId xmlns:p14="http://schemas.microsoft.com/office/powerpoint/2010/main" val="2671806943"/>
       </p:ext>
     </p:extLst>
   </p:cSld>
@@ -5824,23 +5468,7 @@
                   <a:srgbClr val="3095B4"/>
                 </a:solidFill>
               </a:rPr>
-              <a:t>Task 7 </a:t>
-            </a:r>
-            <a:r>
-              <a:rPr lang="en-US" sz="2000" dirty="0" err="1" smtClean="0">
-                <a:solidFill>
-                  <a:srgbClr val="3095B4"/>
-                </a:solidFill>
-              </a:rPr>
-              <a:t>p.printPerson</a:t>
-            </a:r>
-            <a:r>
-              <a:rPr lang="en-US" sz="2000" dirty="0" smtClean="0">
-                <a:solidFill>
-                  <a:srgbClr val="3095B4"/>
-                </a:solidFill>
-              </a:rPr>
-              <a:t>()?</a:t>
+              <a:t>Task 7 Consumer</a:t>
             </a:r>
           </a:p>
           <a:p>
@@ -5867,7 +5495,7 @@
                   <a:srgbClr val="3095B4"/>
                 </a:solidFill>
               </a:rPr>
-              <a:t>Person -&gt; void</a:t>
+              <a:t>T-&gt; void</a:t>
             </a:r>
           </a:p>
           <a:p>
@@ -5887,7 +5515,7 @@
     </p:spTree>
     <p:extLst>
       <p:ext uri="{BB962C8B-B14F-4D97-AF65-F5344CB8AC3E}">
-        <p14:creationId xmlns:p14="http://schemas.microsoft.com/office/powerpoint/2010/main" val="2671806943"/>
+        <p14:creationId xmlns:p14="http://schemas.microsoft.com/office/powerpoint/2010/main" val="2990108188"/>
       </p:ext>
     </p:extLst>
   </p:cSld>
@@ -6022,7 +5650,7 @@
                   <a:srgbClr val="3095B4"/>
                 </a:solidFill>
               </a:rPr>
-              <a:t>Task 7 Consumer</a:t>
+              <a:t>Task 7 Add Consumer to this method</a:t>
             </a:r>
           </a:p>
           <a:p>
@@ -6044,32 +5672,370 @@
               </a:lnSpc>
             </a:pPr>
             <a:r>
-              <a:rPr lang="en-US" sz="2000" dirty="0" smtClean="0">
-                <a:solidFill>
-                  <a:srgbClr val="3095B4"/>
-                </a:solidFill>
-              </a:rPr>
-              <a:t>T-&gt; void</a:t>
-            </a:r>
-          </a:p>
-          <a:p>
-            <a:pPr>
-              <a:lnSpc>
-                <a:spcPct val="100000"/>
-              </a:lnSpc>
-            </a:pPr>
-            <a:endParaRPr lang="en-US" sz="2000" dirty="0" smtClean="0">
+              <a:rPr lang="sv-SE" sz="2000" dirty="0">
+                <a:solidFill>
+                  <a:srgbClr val="3095B4"/>
+                </a:solidFill>
+              </a:rPr>
+              <a:t>public </a:t>
+            </a:r>
+            <a:r>
+              <a:rPr lang="sv-SE" sz="2000" dirty="0" err="1" smtClean="0">
+                <a:solidFill>
+                  <a:srgbClr val="3095B4"/>
+                </a:solidFill>
+              </a:rPr>
+              <a:t>void</a:t>
+            </a:r>
+            <a:r>
+              <a:rPr lang="sv-SE" sz="2000" dirty="0" smtClean="0">
+                <a:solidFill>
+                  <a:srgbClr val="3095B4"/>
+                </a:solidFill>
+              </a:rPr>
+              <a:t> </a:t>
+            </a:r>
+            <a:r>
+              <a:rPr lang="sv-SE" sz="2000" dirty="0" err="1">
+                <a:solidFill>
+                  <a:srgbClr val="3095B4"/>
+                </a:solidFill>
+              </a:rPr>
+              <a:t>printPersonsWithPredicate</a:t>
+            </a:r>
+            <a:r>
+              <a:rPr lang="sv-SE" sz="2000" dirty="0">
+                <a:solidFill>
+                  <a:srgbClr val="3095B4"/>
+                </a:solidFill>
+              </a:rPr>
+              <a:t>( </a:t>
+            </a:r>
+            <a:endParaRPr lang="sv-SE" sz="2000" dirty="0" smtClean="0">
               <a:solidFill>
                 <a:srgbClr val="3095B4"/>
               </a:solidFill>
             </a:endParaRPr>
           </a:p>
+          <a:p>
+            <a:pPr>
+              <a:lnSpc>
+                <a:spcPct val="100000"/>
+              </a:lnSpc>
+            </a:pPr>
+            <a:r>
+              <a:rPr lang="sv-SE" sz="2000" dirty="0">
+                <a:solidFill>
+                  <a:srgbClr val="3095B4"/>
+                </a:solidFill>
+              </a:rPr>
+              <a:t>	</a:t>
+            </a:r>
+            <a:r>
+              <a:rPr lang="sv-SE" sz="2000" dirty="0" smtClean="0">
+                <a:solidFill>
+                  <a:srgbClr val="3095B4"/>
+                </a:solidFill>
+              </a:rPr>
+              <a:t>List&lt;Person</a:t>
+            </a:r>
+            <a:r>
+              <a:rPr lang="sv-SE" sz="2000" dirty="0">
+                <a:solidFill>
+                  <a:srgbClr val="3095B4"/>
+                </a:solidFill>
+              </a:rPr>
+              <a:t>&gt; </a:t>
+            </a:r>
+            <a:r>
+              <a:rPr lang="sv-SE" sz="2000" dirty="0" err="1">
+                <a:solidFill>
+                  <a:srgbClr val="3095B4"/>
+                </a:solidFill>
+              </a:rPr>
+              <a:t>roster</a:t>
+            </a:r>
+            <a:r>
+              <a:rPr lang="sv-SE" sz="2000" dirty="0">
+                <a:solidFill>
+                  <a:srgbClr val="3095B4"/>
+                </a:solidFill>
+              </a:rPr>
+              <a:t>, </a:t>
+            </a:r>
+            <a:r>
+              <a:rPr lang="sv-SE" sz="2000" dirty="0" err="1">
+                <a:solidFill>
+                  <a:srgbClr val="3095B4"/>
+                </a:solidFill>
+              </a:rPr>
+              <a:t>Predicate</a:t>
+            </a:r>
+            <a:r>
+              <a:rPr lang="sv-SE" sz="2000" dirty="0">
+                <a:solidFill>
+                  <a:srgbClr val="3095B4"/>
+                </a:solidFill>
+              </a:rPr>
+              <a:t>&lt;Person&gt; tester) </a:t>
+            </a:r>
+            <a:endParaRPr lang="sv-SE" sz="2000" dirty="0" smtClean="0">
+              <a:solidFill>
+                <a:srgbClr val="3095B4"/>
+              </a:solidFill>
+            </a:endParaRPr>
+          </a:p>
+          <a:p>
+            <a:pPr>
+              <a:lnSpc>
+                <a:spcPct val="100000"/>
+              </a:lnSpc>
+            </a:pPr>
+            <a:r>
+              <a:rPr lang="sv-SE" sz="2000" dirty="0" smtClean="0">
+                <a:solidFill>
+                  <a:srgbClr val="3095B4"/>
+                </a:solidFill>
+              </a:rPr>
+              <a:t>{ </a:t>
+            </a:r>
+          </a:p>
+          <a:p>
+            <a:pPr>
+              <a:lnSpc>
+                <a:spcPct val="100000"/>
+              </a:lnSpc>
+            </a:pPr>
+            <a:r>
+              <a:rPr lang="sv-SE" sz="2000" dirty="0">
+                <a:solidFill>
+                  <a:srgbClr val="3095B4"/>
+                </a:solidFill>
+              </a:rPr>
+              <a:t>	</a:t>
+            </a:r>
+            <a:r>
+              <a:rPr lang="sv-SE" sz="2000" dirty="0" smtClean="0">
+                <a:solidFill>
+                  <a:srgbClr val="3095B4"/>
+                </a:solidFill>
+              </a:rPr>
+              <a:t>for </a:t>
+            </a:r>
+            <a:r>
+              <a:rPr lang="sv-SE" sz="2000" dirty="0">
+                <a:solidFill>
+                  <a:srgbClr val="3095B4"/>
+                </a:solidFill>
+              </a:rPr>
+              <a:t>(Person p : </a:t>
+            </a:r>
+            <a:r>
+              <a:rPr lang="sv-SE" sz="2000" dirty="0" err="1">
+                <a:solidFill>
+                  <a:srgbClr val="3095B4"/>
+                </a:solidFill>
+              </a:rPr>
+              <a:t>roster</a:t>
+            </a:r>
+            <a:r>
+              <a:rPr lang="sv-SE" sz="2000" dirty="0">
+                <a:solidFill>
+                  <a:srgbClr val="3095B4"/>
+                </a:solidFill>
+              </a:rPr>
+              <a:t>) { </a:t>
+            </a:r>
+            <a:endParaRPr lang="sv-SE" sz="2000" dirty="0" smtClean="0">
+              <a:solidFill>
+                <a:srgbClr val="3095B4"/>
+              </a:solidFill>
+            </a:endParaRPr>
+          </a:p>
+          <a:p>
+            <a:pPr>
+              <a:lnSpc>
+                <a:spcPct val="100000"/>
+              </a:lnSpc>
+            </a:pPr>
+            <a:r>
+              <a:rPr lang="sv-SE" sz="2000" dirty="0">
+                <a:solidFill>
+                  <a:srgbClr val="3095B4"/>
+                </a:solidFill>
+              </a:rPr>
+              <a:t>	</a:t>
+            </a:r>
+            <a:r>
+              <a:rPr lang="sv-SE" sz="2000" dirty="0" smtClean="0">
+                <a:solidFill>
+                  <a:srgbClr val="3095B4"/>
+                </a:solidFill>
+              </a:rPr>
+              <a:t>	</a:t>
+            </a:r>
+            <a:r>
+              <a:rPr lang="sv-SE" sz="2000" dirty="0" err="1" smtClean="0">
+                <a:solidFill>
+                  <a:srgbClr val="3095B4"/>
+                </a:solidFill>
+              </a:rPr>
+              <a:t>if</a:t>
+            </a:r>
+            <a:r>
+              <a:rPr lang="sv-SE" sz="2000" dirty="0" smtClean="0">
+                <a:solidFill>
+                  <a:srgbClr val="3095B4"/>
+                </a:solidFill>
+              </a:rPr>
+              <a:t> </a:t>
+            </a:r>
+            <a:r>
+              <a:rPr lang="sv-SE" sz="2000" dirty="0">
+                <a:solidFill>
+                  <a:srgbClr val="3095B4"/>
+                </a:solidFill>
+              </a:rPr>
+              <a:t>(</a:t>
+            </a:r>
+            <a:r>
+              <a:rPr lang="sv-SE" sz="2000" dirty="0" err="1">
+                <a:solidFill>
+                  <a:srgbClr val="3095B4"/>
+                </a:solidFill>
+              </a:rPr>
+              <a:t>tester.test</a:t>
+            </a:r>
+            <a:r>
+              <a:rPr lang="sv-SE" sz="2000" dirty="0">
+                <a:solidFill>
+                  <a:srgbClr val="3095B4"/>
+                </a:solidFill>
+              </a:rPr>
+              <a:t>(p)) { </a:t>
+            </a:r>
+            <a:endParaRPr lang="sv-SE" sz="2000" dirty="0" smtClean="0">
+              <a:solidFill>
+                <a:srgbClr val="3095B4"/>
+              </a:solidFill>
+            </a:endParaRPr>
+          </a:p>
+          <a:p>
+            <a:pPr>
+              <a:lnSpc>
+                <a:spcPct val="100000"/>
+              </a:lnSpc>
+            </a:pPr>
+            <a:r>
+              <a:rPr lang="sv-SE" sz="2000" dirty="0">
+                <a:solidFill>
+                  <a:srgbClr val="3095B4"/>
+                </a:solidFill>
+              </a:rPr>
+              <a:t>	</a:t>
+            </a:r>
+            <a:r>
+              <a:rPr lang="sv-SE" sz="2000" dirty="0" smtClean="0">
+                <a:solidFill>
+                  <a:srgbClr val="3095B4"/>
+                </a:solidFill>
+              </a:rPr>
+              <a:t>		</a:t>
+            </a:r>
+            <a:r>
+              <a:rPr lang="sv-SE" sz="2000" dirty="0" err="1" smtClean="0">
+                <a:solidFill>
+                  <a:srgbClr val="3095B4"/>
+                </a:solidFill>
+              </a:rPr>
+              <a:t>p.printPerson</a:t>
+            </a:r>
+            <a:r>
+              <a:rPr lang="sv-SE" sz="2000" dirty="0">
+                <a:solidFill>
+                  <a:srgbClr val="3095B4"/>
+                </a:solidFill>
+              </a:rPr>
+              <a:t>(); </a:t>
+            </a:r>
+            <a:endParaRPr lang="sv-SE" sz="2000" dirty="0" smtClean="0">
+              <a:solidFill>
+                <a:srgbClr val="3095B4"/>
+              </a:solidFill>
+            </a:endParaRPr>
+          </a:p>
+          <a:p>
+            <a:pPr>
+              <a:lnSpc>
+                <a:spcPct val="100000"/>
+              </a:lnSpc>
+            </a:pPr>
+            <a:r>
+              <a:rPr lang="sv-SE" sz="2000" dirty="0">
+                <a:solidFill>
+                  <a:srgbClr val="3095B4"/>
+                </a:solidFill>
+              </a:rPr>
+              <a:t>	</a:t>
+            </a:r>
+            <a:r>
+              <a:rPr lang="sv-SE" sz="2000" dirty="0" smtClean="0">
+                <a:solidFill>
+                  <a:srgbClr val="3095B4"/>
+                </a:solidFill>
+              </a:rPr>
+              <a:t>	} </a:t>
+            </a:r>
+          </a:p>
+          <a:p>
+            <a:pPr>
+              <a:lnSpc>
+                <a:spcPct val="100000"/>
+              </a:lnSpc>
+            </a:pPr>
+            <a:r>
+              <a:rPr lang="sv-SE" sz="2000" dirty="0">
+                <a:solidFill>
+                  <a:srgbClr val="3095B4"/>
+                </a:solidFill>
+              </a:rPr>
+              <a:t>	</a:t>
+            </a:r>
+            <a:r>
+              <a:rPr lang="sv-SE" sz="2000" dirty="0" smtClean="0">
+                <a:solidFill>
+                  <a:srgbClr val="3095B4"/>
+                </a:solidFill>
+              </a:rPr>
+              <a:t>} </a:t>
+            </a:r>
+          </a:p>
+          <a:p>
+            <a:pPr>
+              <a:lnSpc>
+                <a:spcPct val="100000"/>
+              </a:lnSpc>
+            </a:pPr>
+            <a:r>
+              <a:rPr lang="sv-SE" sz="2000" dirty="0" smtClean="0">
+                <a:solidFill>
+                  <a:srgbClr val="3095B4"/>
+                </a:solidFill>
+              </a:rPr>
+              <a:t>}</a:t>
+            </a:r>
+            <a:endParaRPr lang="en-US" sz="2000" dirty="0">
+              <a:solidFill>
+                <a:srgbClr val="3095B4"/>
+              </a:solidFill>
+            </a:endParaRPr>
+          </a:p>
         </p:txBody>
       </p:sp>
     </p:spTree>
     <p:extLst>
       <p:ext uri="{BB962C8B-B14F-4D97-AF65-F5344CB8AC3E}">
-        <p14:creationId xmlns:p14="http://schemas.microsoft.com/office/powerpoint/2010/main" val="2990108188"/>
+        <p14:creationId xmlns:p14="http://schemas.microsoft.com/office/powerpoint/2010/main" val="752415888"/>
       </p:ext>
     </p:extLst>
   </p:cSld>
@@ -6450,8 +6416,21 @@
                   <a:srgbClr val="3095B4"/>
                 </a:solidFill>
               </a:rPr>
-              <a:t>Task 7 Add Consumer to this method</a:t>
-            </a:r>
+              <a:t>Task 7 Go to Task 5 and change the call </a:t>
+            </a:r>
+            <a:r>
+              <a:rPr lang="en-US" sz="2000" dirty="0" err="1" smtClean="0">
+                <a:solidFill>
+                  <a:srgbClr val="3095B4"/>
+                </a:solidFill>
+              </a:rPr>
+              <a:t>printPersons</a:t>
+            </a:r>
+            <a:endParaRPr lang="en-US" sz="2000" dirty="0" smtClean="0">
+              <a:solidFill>
+                <a:srgbClr val="3095B4"/>
+              </a:solidFill>
+            </a:endParaRPr>
           </a:p>
           <a:p>
             <a:pPr>
@@ -6465,377 +6444,12 @@
               </a:solidFill>
             </a:endParaRPr>
           </a:p>
-          <a:p>
-            <a:pPr>
-              <a:lnSpc>
-                <a:spcPct val="100000"/>
-              </a:lnSpc>
-            </a:pPr>
-            <a:r>
-              <a:rPr lang="sv-SE" sz="2000" dirty="0">
-                <a:solidFill>
-                  <a:srgbClr val="3095B4"/>
-                </a:solidFill>
-              </a:rPr>
-              <a:t>public </a:t>
-            </a:r>
-            <a:r>
-              <a:rPr lang="sv-SE" sz="2000" dirty="0" err="1" smtClean="0">
-                <a:solidFill>
-                  <a:srgbClr val="3095B4"/>
-                </a:solidFill>
-              </a:rPr>
-              <a:t>void</a:t>
-            </a:r>
-            <a:r>
-              <a:rPr lang="sv-SE" sz="2000" dirty="0" smtClean="0">
-                <a:solidFill>
-                  <a:srgbClr val="3095B4"/>
-                </a:solidFill>
-              </a:rPr>
-              <a:t> </a:t>
-            </a:r>
-            <a:r>
-              <a:rPr lang="sv-SE" sz="2000" dirty="0" err="1">
-                <a:solidFill>
-                  <a:srgbClr val="3095B4"/>
-                </a:solidFill>
-              </a:rPr>
-              <a:t>printPersonsWithPredicate</a:t>
-            </a:r>
-            <a:r>
-              <a:rPr lang="sv-SE" sz="2000" dirty="0">
-                <a:solidFill>
-                  <a:srgbClr val="3095B4"/>
-                </a:solidFill>
-              </a:rPr>
-              <a:t>( </a:t>
-            </a:r>
-            <a:endParaRPr lang="sv-SE" sz="2000" dirty="0" smtClean="0">
-              <a:solidFill>
-                <a:srgbClr val="3095B4"/>
-              </a:solidFill>
-            </a:endParaRPr>
-          </a:p>
-          <a:p>
-            <a:pPr>
-              <a:lnSpc>
-                <a:spcPct val="100000"/>
-              </a:lnSpc>
-            </a:pPr>
-            <a:r>
-              <a:rPr lang="sv-SE" sz="2000" dirty="0">
-                <a:solidFill>
-                  <a:srgbClr val="3095B4"/>
-                </a:solidFill>
-              </a:rPr>
-              <a:t>	</a:t>
-            </a:r>
-            <a:r>
-              <a:rPr lang="sv-SE" sz="2000" dirty="0" smtClean="0">
-                <a:solidFill>
-                  <a:srgbClr val="3095B4"/>
-                </a:solidFill>
-              </a:rPr>
-              <a:t>List&lt;Person</a:t>
-            </a:r>
-            <a:r>
-              <a:rPr lang="sv-SE" sz="2000" dirty="0">
-                <a:solidFill>
-                  <a:srgbClr val="3095B4"/>
-                </a:solidFill>
-              </a:rPr>
-              <a:t>&gt; </a:t>
-            </a:r>
-            <a:r>
-              <a:rPr lang="sv-SE" sz="2000" dirty="0" err="1">
-                <a:solidFill>
-                  <a:srgbClr val="3095B4"/>
-                </a:solidFill>
-              </a:rPr>
-              <a:t>roster</a:t>
-            </a:r>
-            <a:r>
-              <a:rPr lang="sv-SE" sz="2000" dirty="0">
-                <a:solidFill>
-                  <a:srgbClr val="3095B4"/>
-                </a:solidFill>
-              </a:rPr>
-              <a:t>, </a:t>
-            </a:r>
-            <a:r>
-              <a:rPr lang="sv-SE" sz="2000" dirty="0" err="1">
-                <a:solidFill>
-                  <a:srgbClr val="3095B4"/>
-                </a:solidFill>
-              </a:rPr>
-              <a:t>Predicate</a:t>
-            </a:r>
-            <a:r>
-              <a:rPr lang="sv-SE" sz="2000" dirty="0">
-                <a:solidFill>
-                  <a:srgbClr val="3095B4"/>
-                </a:solidFill>
-              </a:rPr>
-              <a:t>&lt;Person&gt; tester) </a:t>
-            </a:r>
-            <a:endParaRPr lang="sv-SE" sz="2000" dirty="0" smtClean="0">
-              <a:solidFill>
-                <a:srgbClr val="3095B4"/>
-              </a:solidFill>
-            </a:endParaRPr>
-          </a:p>
-          <a:p>
-            <a:pPr>
-              <a:lnSpc>
-                <a:spcPct val="100000"/>
-              </a:lnSpc>
-            </a:pPr>
-            <a:r>
-              <a:rPr lang="sv-SE" sz="2000" dirty="0" smtClean="0">
-                <a:solidFill>
-                  <a:srgbClr val="3095B4"/>
-                </a:solidFill>
-              </a:rPr>
-              <a:t>{ </a:t>
-            </a:r>
-          </a:p>
-          <a:p>
-            <a:pPr>
-              <a:lnSpc>
-                <a:spcPct val="100000"/>
-              </a:lnSpc>
-            </a:pPr>
-            <a:r>
-              <a:rPr lang="sv-SE" sz="2000" dirty="0">
-                <a:solidFill>
-                  <a:srgbClr val="3095B4"/>
-                </a:solidFill>
-              </a:rPr>
-              <a:t>	</a:t>
-            </a:r>
-            <a:r>
-              <a:rPr lang="sv-SE" sz="2000" dirty="0" smtClean="0">
-                <a:solidFill>
-                  <a:srgbClr val="3095B4"/>
-                </a:solidFill>
-              </a:rPr>
-              <a:t>for </a:t>
-            </a:r>
-            <a:r>
-              <a:rPr lang="sv-SE" sz="2000" dirty="0">
-                <a:solidFill>
-                  <a:srgbClr val="3095B4"/>
-                </a:solidFill>
-              </a:rPr>
-              <a:t>(Person p : </a:t>
-            </a:r>
-            <a:r>
-              <a:rPr lang="sv-SE" sz="2000" dirty="0" err="1">
-                <a:solidFill>
-                  <a:srgbClr val="3095B4"/>
-                </a:solidFill>
-              </a:rPr>
-              <a:t>roster</a:t>
-            </a:r>
-            <a:r>
-              <a:rPr lang="sv-SE" sz="2000" dirty="0">
-                <a:solidFill>
-                  <a:srgbClr val="3095B4"/>
-                </a:solidFill>
-              </a:rPr>
-              <a:t>) { </a:t>
-            </a:r>
-            <a:endParaRPr lang="sv-SE" sz="2000" dirty="0" smtClean="0">
-              <a:solidFill>
-                <a:srgbClr val="3095B4"/>
-              </a:solidFill>
-            </a:endParaRPr>
-          </a:p>
-          <a:p>
-            <a:pPr>
-              <a:lnSpc>
-                <a:spcPct val="100000"/>
-              </a:lnSpc>
-            </a:pPr>
-            <a:r>
-              <a:rPr lang="sv-SE" sz="2000" dirty="0">
-                <a:solidFill>
-                  <a:srgbClr val="3095B4"/>
-                </a:solidFill>
-              </a:rPr>
-              <a:t>	</a:t>
-            </a:r>
-            <a:r>
-              <a:rPr lang="sv-SE" sz="2000" dirty="0" smtClean="0">
-                <a:solidFill>
-                  <a:srgbClr val="3095B4"/>
-                </a:solidFill>
-              </a:rPr>
-              <a:t>	</a:t>
-            </a:r>
-            <a:r>
-              <a:rPr lang="sv-SE" sz="2000" dirty="0" err="1" smtClean="0">
-                <a:solidFill>
-                  <a:srgbClr val="3095B4"/>
-                </a:solidFill>
-              </a:rPr>
-              <a:t>if</a:t>
-            </a:r>
-            <a:r>
-              <a:rPr lang="sv-SE" sz="2000" dirty="0" smtClean="0">
-                <a:solidFill>
-                  <a:srgbClr val="3095B4"/>
-                </a:solidFill>
-              </a:rPr>
-              <a:t> </a:t>
-            </a:r>
-            <a:r>
-              <a:rPr lang="sv-SE" sz="2000" dirty="0">
-                <a:solidFill>
-                  <a:srgbClr val="3095B4"/>
-                </a:solidFill>
-              </a:rPr>
-              <a:t>(</a:t>
-            </a:r>
-            <a:r>
-              <a:rPr lang="sv-SE" sz="2000" dirty="0" err="1">
-                <a:solidFill>
-                  <a:srgbClr val="3095B4"/>
-                </a:solidFill>
-              </a:rPr>
-              <a:t>tester.test</a:t>
-            </a:r>
-            <a:r>
-              <a:rPr lang="sv-SE" sz="2000" dirty="0">
-                <a:solidFill>
-                  <a:srgbClr val="3095B4"/>
-                </a:solidFill>
-              </a:rPr>
-              <a:t>(p)) { </a:t>
-            </a:r>
-            <a:endParaRPr lang="sv-SE" sz="2000" dirty="0" smtClean="0">
-              <a:solidFill>
-                <a:srgbClr val="3095B4"/>
-              </a:solidFill>
-            </a:endParaRPr>
-          </a:p>
-          <a:p>
-            <a:pPr>
-              <a:lnSpc>
-                <a:spcPct val="100000"/>
-              </a:lnSpc>
-            </a:pPr>
-            <a:r>
-              <a:rPr lang="sv-SE" sz="2000" dirty="0">
-                <a:solidFill>
-                  <a:srgbClr val="3095B4"/>
-                </a:solidFill>
-              </a:rPr>
-              <a:t>	</a:t>
-            </a:r>
-            <a:r>
-              <a:rPr lang="sv-SE" sz="2000" dirty="0" smtClean="0">
-                <a:solidFill>
-                  <a:srgbClr val="3095B4"/>
-                </a:solidFill>
-              </a:rPr>
-              <a:t>		</a:t>
-            </a:r>
-            <a:r>
-              <a:rPr lang="sv-SE" sz="2000" dirty="0" err="1" smtClean="0">
-                <a:solidFill>
-                  <a:srgbClr val="3095B4"/>
-                </a:solidFill>
-              </a:rPr>
-              <a:t>p.printPerson</a:t>
-            </a:r>
-            <a:r>
-              <a:rPr lang="sv-SE" sz="2000" dirty="0">
-                <a:solidFill>
-                  <a:srgbClr val="3095B4"/>
-                </a:solidFill>
-              </a:rPr>
-              <a:t>(); </a:t>
-            </a:r>
-            <a:endParaRPr lang="sv-SE" sz="2000" dirty="0" smtClean="0">
-              <a:solidFill>
-                <a:srgbClr val="3095B4"/>
-              </a:solidFill>
-            </a:endParaRPr>
-          </a:p>
-          <a:p>
-            <a:pPr>
-              <a:lnSpc>
-                <a:spcPct val="100000"/>
-              </a:lnSpc>
-            </a:pPr>
-            <a:r>
-              <a:rPr lang="sv-SE" sz="2000" dirty="0">
-                <a:solidFill>
-                  <a:srgbClr val="3095B4"/>
-                </a:solidFill>
-              </a:rPr>
-              <a:t>	</a:t>
-            </a:r>
-            <a:r>
-              <a:rPr lang="sv-SE" sz="2000" dirty="0" smtClean="0">
-                <a:solidFill>
-                  <a:srgbClr val="3095B4"/>
-                </a:solidFill>
-              </a:rPr>
-              <a:t>	} </a:t>
-            </a:r>
-          </a:p>
-          <a:p>
-            <a:pPr>
-              <a:lnSpc>
-                <a:spcPct val="100000"/>
-              </a:lnSpc>
-            </a:pPr>
-            <a:r>
-              <a:rPr lang="sv-SE" sz="2000" dirty="0">
-                <a:solidFill>
-                  <a:srgbClr val="3095B4"/>
-                </a:solidFill>
-              </a:rPr>
-              <a:t>	</a:t>
-            </a:r>
-            <a:r>
-              <a:rPr lang="sv-SE" sz="2000" dirty="0" smtClean="0">
-                <a:solidFill>
-                  <a:srgbClr val="3095B4"/>
-                </a:solidFill>
-              </a:rPr>
-              <a:t>} </a:t>
-            </a:r>
-          </a:p>
-          <a:p>
-            <a:pPr>
-              <a:lnSpc>
-                <a:spcPct val="100000"/>
-              </a:lnSpc>
-            </a:pPr>
-            <a:r>
-              <a:rPr lang="sv-SE" sz="2000" dirty="0" smtClean="0">
-                <a:solidFill>
-                  <a:srgbClr val="3095B4"/>
-                </a:solidFill>
-              </a:rPr>
-              <a:t>}</a:t>
-            </a:r>
-            <a:endParaRPr lang="en-US" sz="2000" dirty="0">
-              <a:solidFill>
-                <a:srgbClr val="3095B4"/>
-              </a:solidFill>
-            </a:endParaRPr>
-          </a:p>
         </p:txBody>
       </p:sp>
     </p:spTree>
     <p:extLst>
       <p:ext uri="{BB962C8B-B14F-4D97-AF65-F5344CB8AC3E}">
-        <p14:creationId xmlns:p14="http://schemas.microsoft.com/office/powerpoint/2010/main" val="752415888"/>
+        <p14:creationId xmlns:p14="http://schemas.microsoft.com/office/powerpoint/2010/main" val="3354717438"/>
       </p:ext>
     </p:extLst>
   </p:cSld>
@@ -6970,16 +6584,15 @@
                   <a:srgbClr val="3095B4"/>
                 </a:solidFill>
               </a:rPr>
-              <a:t>Task 7 Go to Task 5 and change the call </a:t>
-            </a:r>
-            <a:r>
-              <a:rPr lang="en-US" sz="2000" dirty="0" err="1" smtClean="0">
-                <a:solidFill>
-                  <a:srgbClr val="3095B4"/>
-                </a:solidFill>
-              </a:rPr>
-              <a:t>printPersons</a:t>
-            </a:r>
+              <a:t>Final solution:</a:t>
+            </a:r>
+          </a:p>
+          <a:p>
+            <a:pPr>
+              <a:lnSpc>
+                <a:spcPct val="100000"/>
+              </a:lnSpc>
+            </a:pPr>
             <a:endParaRPr lang="en-US" sz="2000" dirty="0" smtClean="0">
               <a:solidFill>
                 <a:srgbClr val="3095B4"/>
@@ -6992,18 +6605,1022 @@
                 <a:spcPct val="100000"/>
               </a:lnSpc>
             </a:pPr>
+            <a:r>
+              <a:rPr lang="sv-SE" sz="2000" dirty="0">
+                <a:solidFill>
+                  <a:srgbClr val="3095B4"/>
+                </a:solidFill>
+              </a:rPr>
+              <a:t>public </a:t>
+            </a:r>
+            <a:r>
+              <a:rPr lang="sv-SE" sz="2000" dirty="0" smtClean="0">
+                <a:solidFill>
+                  <a:srgbClr val="3095B4"/>
+                </a:solidFill>
+              </a:rPr>
+              <a:t>&lt;X</a:t>
+            </a:r>
+            <a:r>
+              <a:rPr lang="sv-SE" sz="2000" dirty="0">
+                <a:solidFill>
+                  <a:srgbClr val="3095B4"/>
+                </a:solidFill>
+              </a:rPr>
+              <a:t>, Y&gt; </a:t>
+            </a:r>
+            <a:r>
+              <a:rPr lang="sv-SE" sz="2000" dirty="0" err="1">
+                <a:solidFill>
+                  <a:srgbClr val="3095B4"/>
+                </a:solidFill>
+              </a:rPr>
+              <a:t>void</a:t>
+            </a:r>
+            <a:r>
+              <a:rPr lang="sv-SE" sz="2000" dirty="0">
+                <a:solidFill>
+                  <a:srgbClr val="3095B4"/>
+                </a:solidFill>
+              </a:rPr>
+              <a:t> </a:t>
+            </a:r>
+            <a:r>
+              <a:rPr lang="sv-SE" sz="2000" dirty="0" err="1">
+                <a:solidFill>
+                  <a:srgbClr val="3095B4"/>
+                </a:solidFill>
+              </a:rPr>
+              <a:t>processElements</a:t>
+            </a:r>
+            <a:r>
+              <a:rPr lang="sv-SE" sz="2000" dirty="0">
+                <a:solidFill>
+                  <a:srgbClr val="3095B4"/>
+                </a:solidFill>
+              </a:rPr>
+              <a:t>( </a:t>
+            </a:r>
+            <a:endParaRPr lang="sv-SE" sz="2000" dirty="0" smtClean="0">
+              <a:solidFill>
+                <a:srgbClr val="3095B4"/>
+              </a:solidFill>
+            </a:endParaRPr>
+          </a:p>
+          <a:p>
+            <a:pPr>
+              <a:lnSpc>
+                <a:spcPct val="100000"/>
+              </a:lnSpc>
+            </a:pPr>
+            <a:r>
+              <a:rPr lang="sv-SE" sz="2000" dirty="0">
+                <a:solidFill>
+                  <a:srgbClr val="3095B4"/>
+                </a:solidFill>
+              </a:rPr>
+              <a:t>	</a:t>
+            </a:r>
+            <a:r>
+              <a:rPr lang="sv-SE" sz="2000" dirty="0" err="1" smtClean="0">
+                <a:solidFill>
+                  <a:srgbClr val="3095B4"/>
+                </a:solidFill>
+              </a:rPr>
+              <a:t>Iterable</a:t>
+            </a:r>
+            <a:r>
+              <a:rPr lang="sv-SE" sz="2000" dirty="0" smtClean="0">
+                <a:solidFill>
+                  <a:srgbClr val="3095B4"/>
+                </a:solidFill>
+              </a:rPr>
+              <a:t>&lt;X</a:t>
+            </a:r>
+            <a:r>
+              <a:rPr lang="sv-SE" sz="2000" dirty="0">
+                <a:solidFill>
+                  <a:srgbClr val="3095B4"/>
+                </a:solidFill>
+              </a:rPr>
+              <a:t>&gt; source, </a:t>
+            </a:r>
+            <a:endParaRPr lang="sv-SE" sz="2000" dirty="0" smtClean="0">
+              <a:solidFill>
+                <a:srgbClr val="3095B4"/>
+              </a:solidFill>
+            </a:endParaRPr>
+          </a:p>
+          <a:p>
+            <a:pPr>
+              <a:lnSpc>
+                <a:spcPct val="100000"/>
+              </a:lnSpc>
+            </a:pPr>
+            <a:r>
+              <a:rPr lang="sv-SE" sz="2000" dirty="0">
+                <a:solidFill>
+                  <a:srgbClr val="3095B4"/>
+                </a:solidFill>
+              </a:rPr>
+              <a:t>	</a:t>
+            </a:r>
+            <a:r>
+              <a:rPr lang="sv-SE" sz="2000" dirty="0" err="1" smtClean="0">
+                <a:solidFill>
+                  <a:srgbClr val="3095B4"/>
+                </a:solidFill>
+              </a:rPr>
+              <a:t>Predicate</a:t>
+            </a:r>
+            <a:r>
+              <a:rPr lang="sv-SE" sz="2000" dirty="0" smtClean="0">
+                <a:solidFill>
+                  <a:srgbClr val="3095B4"/>
+                </a:solidFill>
+              </a:rPr>
+              <a:t>&lt;X</a:t>
+            </a:r>
+            <a:r>
+              <a:rPr lang="sv-SE" sz="2000" dirty="0">
+                <a:solidFill>
+                  <a:srgbClr val="3095B4"/>
+                </a:solidFill>
+              </a:rPr>
+              <a:t>&gt; tester, </a:t>
+            </a:r>
+            <a:endParaRPr lang="sv-SE" sz="2000" dirty="0" smtClean="0">
+              <a:solidFill>
+                <a:srgbClr val="3095B4"/>
+              </a:solidFill>
+            </a:endParaRPr>
+          </a:p>
+          <a:p>
+            <a:pPr>
+              <a:lnSpc>
+                <a:spcPct val="100000"/>
+              </a:lnSpc>
+            </a:pPr>
+            <a:r>
+              <a:rPr lang="sv-SE" sz="2000" dirty="0">
+                <a:solidFill>
+                  <a:srgbClr val="3095B4"/>
+                </a:solidFill>
+              </a:rPr>
+              <a:t>	</a:t>
+            </a:r>
+            <a:r>
+              <a:rPr lang="sv-SE" sz="2000" dirty="0" err="1" smtClean="0">
+                <a:solidFill>
+                  <a:srgbClr val="3095B4"/>
+                </a:solidFill>
+              </a:rPr>
+              <a:t>Function</a:t>
+            </a:r>
+            <a:r>
+              <a:rPr lang="sv-SE" sz="2000" dirty="0" smtClean="0">
+                <a:solidFill>
+                  <a:srgbClr val="3095B4"/>
+                </a:solidFill>
+              </a:rPr>
+              <a:t> </a:t>
+            </a:r>
+            <a:r>
+              <a:rPr lang="sv-SE" sz="2000" dirty="0">
+                <a:solidFill>
+                  <a:srgbClr val="3095B4"/>
+                </a:solidFill>
+              </a:rPr>
+              <a:t>&lt;X, Y&gt; </a:t>
+            </a:r>
+            <a:r>
+              <a:rPr lang="sv-SE" sz="2000" dirty="0" err="1">
+                <a:solidFill>
+                  <a:srgbClr val="3095B4"/>
+                </a:solidFill>
+              </a:rPr>
+              <a:t>mapper</a:t>
+            </a:r>
+            <a:r>
+              <a:rPr lang="sv-SE" sz="2000" dirty="0">
+                <a:solidFill>
+                  <a:srgbClr val="3095B4"/>
+                </a:solidFill>
+              </a:rPr>
+              <a:t>, </a:t>
+            </a:r>
+            <a:endParaRPr lang="sv-SE" sz="2000" dirty="0" smtClean="0">
+              <a:solidFill>
+                <a:srgbClr val="3095B4"/>
+              </a:solidFill>
+            </a:endParaRPr>
+          </a:p>
+          <a:p>
+            <a:pPr>
+              <a:lnSpc>
+                <a:spcPct val="100000"/>
+              </a:lnSpc>
+            </a:pPr>
+            <a:r>
+              <a:rPr lang="sv-SE" sz="2000" dirty="0">
+                <a:solidFill>
+                  <a:srgbClr val="3095B4"/>
+                </a:solidFill>
+              </a:rPr>
+              <a:t>	</a:t>
+            </a:r>
+            <a:r>
+              <a:rPr lang="sv-SE" sz="2000" dirty="0" err="1" smtClean="0">
+                <a:solidFill>
+                  <a:srgbClr val="3095B4"/>
+                </a:solidFill>
+              </a:rPr>
+              <a:t>Consumer</a:t>
+            </a:r>
+            <a:r>
+              <a:rPr lang="sv-SE" sz="2000" dirty="0" smtClean="0">
+                <a:solidFill>
+                  <a:srgbClr val="3095B4"/>
+                </a:solidFill>
+              </a:rPr>
+              <a:t>&lt;Y</a:t>
+            </a:r>
+            <a:r>
+              <a:rPr lang="sv-SE" sz="2000" dirty="0">
+                <a:solidFill>
+                  <a:srgbClr val="3095B4"/>
+                </a:solidFill>
+              </a:rPr>
+              <a:t>&gt; block) { </a:t>
+            </a:r>
+            <a:endParaRPr lang="sv-SE" sz="2000" dirty="0" smtClean="0">
+              <a:solidFill>
+                <a:srgbClr val="3095B4"/>
+              </a:solidFill>
+            </a:endParaRPr>
+          </a:p>
+          <a:p>
+            <a:pPr>
+              <a:lnSpc>
+                <a:spcPct val="100000"/>
+              </a:lnSpc>
+            </a:pPr>
+            <a:r>
+              <a:rPr lang="sv-SE" sz="2000" dirty="0">
+                <a:solidFill>
+                  <a:srgbClr val="3095B4"/>
+                </a:solidFill>
+              </a:rPr>
+              <a:t>	</a:t>
+            </a:r>
+            <a:r>
+              <a:rPr lang="sv-SE" sz="2000" dirty="0" smtClean="0">
+                <a:solidFill>
+                  <a:srgbClr val="3095B4"/>
+                </a:solidFill>
+              </a:rPr>
+              <a:t>	for </a:t>
+            </a:r>
+            <a:r>
+              <a:rPr lang="sv-SE" sz="2000" dirty="0">
+                <a:solidFill>
+                  <a:srgbClr val="3095B4"/>
+                </a:solidFill>
+              </a:rPr>
+              <a:t>(X p : source) { </a:t>
+            </a:r>
+            <a:endParaRPr lang="sv-SE" sz="2000" dirty="0" smtClean="0">
+              <a:solidFill>
+                <a:srgbClr val="3095B4"/>
+              </a:solidFill>
+            </a:endParaRPr>
+          </a:p>
+          <a:p>
+            <a:pPr>
+              <a:lnSpc>
+                <a:spcPct val="100000"/>
+              </a:lnSpc>
+            </a:pPr>
+            <a:r>
+              <a:rPr lang="sv-SE" sz="2000" dirty="0">
+                <a:solidFill>
+                  <a:srgbClr val="3095B4"/>
+                </a:solidFill>
+              </a:rPr>
+              <a:t>	</a:t>
+            </a:r>
+            <a:r>
+              <a:rPr lang="sv-SE" sz="2000" dirty="0" smtClean="0">
+                <a:solidFill>
+                  <a:srgbClr val="3095B4"/>
+                </a:solidFill>
+              </a:rPr>
+              <a:t>		</a:t>
+            </a:r>
+            <a:r>
+              <a:rPr lang="sv-SE" sz="2000" dirty="0" err="1" smtClean="0">
+                <a:solidFill>
+                  <a:srgbClr val="3095B4"/>
+                </a:solidFill>
+              </a:rPr>
+              <a:t>if</a:t>
+            </a:r>
+            <a:r>
+              <a:rPr lang="sv-SE" sz="2000" dirty="0" smtClean="0">
+                <a:solidFill>
+                  <a:srgbClr val="3095B4"/>
+                </a:solidFill>
+              </a:rPr>
+              <a:t> </a:t>
+            </a:r>
+            <a:r>
+              <a:rPr lang="sv-SE" sz="2000" dirty="0">
+                <a:solidFill>
+                  <a:srgbClr val="3095B4"/>
+                </a:solidFill>
+              </a:rPr>
+              <a:t>(</a:t>
+            </a:r>
+            <a:r>
+              <a:rPr lang="sv-SE" sz="2000" dirty="0" err="1">
+                <a:solidFill>
+                  <a:srgbClr val="3095B4"/>
+                </a:solidFill>
+              </a:rPr>
+              <a:t>tester.test</a:t>
+            </a:r>
+            <a:r>
+              <a:rPr lang="sv-SE" sz="2000" dirty="0">
+                <a:solidFill>
+                  <a:srgbClr val="3095B4"/>
+                </a:solidFill>
+              </a:rPr>
+              <a:t>(p)) { </a:t>
+            </a:r>
+            <a:endParaRPr lang="sv-SE" sz="2000" dirty="0" smtClean="0">
+              <a:solidFill>
+                <a:srgbClr val="3095B4"/>
+              </a:solidFill>
+            </a:endParaRPr>
+          </a:p>
+          <a:p>
+            <a:pPr>
+              <a:lnSpc>
+                <a:spcPct val="100000"/>
+              </a:lnSpc>
+            </a:pPr>
+            <a:r>
+              <a:rPr lang="sv-SE" sz="2000" dirty="0">
+                <a:solidFill>
+                  <a:srgbClr val="3095B4"/>
+                </a:solidFill>
+              </a:rPr>
+              <a:t>	</a:t>
+            </a:r>
+            <a:r>
+              <a:rPr lang="sv-SE" sz="2000" dirty="0" smtClean="0">
+                <a:solidFill>
+                  <a:srgbClr val="3095B4"/>
+                </a:solidFill>
+              </a:rPr>
+              <a:t>			Y </a:t>
+            </a:r>
+            <a:r>
+              <a:rPr lang="sv-SE" sz="2000" dirty="0">
+                <a:solidFill>
+                  <a:srgbClr val="3095B4"/>
+                </a:solidFill>
+              </a:rPr>
+              <a:t>data = </a:t>
+            </a:r>
+            <a:r>
+              <a:rPr lang="sv-SE" sz="2000" dirty="0" err="1">
+                <a:solidFill>
+                  <a:srgbClr val="3095B4"/>
+                </a:solidFill>
+              </a:rPr>
+              <a:t>mapper.apply</a:t>
+            </a:r>
+            <a:r>
+              <a:rPr lang="sv-SE" sz="2000" dirty="0">
+                <a:solidFill>
+                  <a:srgbClr val="3095B4"/>
+                </a:solidFill>
+              </a:rPr>
+              <a:t>(p); </a:t>
+            </a:r>
+            <a:r>
+              <a:rPr lang="sv-SE" sz="2000" dirty="0" smtClean="0">
+                <a:solidFill>
+                  <a:srgbClr val="3095B4"/>
+                </a:solidFill>
+              </a:rPr>
+              <a:t>					</a:t>
+            </a:r>
+            <a:r>
+              <a:rPr lang="sv-SE" sz="2000" dirty="0" err="1" smtClean="0">
+                <a:solidFill>
+                  <a:srgbClr val="3095B4"/>
+                </a:solidFill>
+              </a:rPr>
+              <a:t>block.accept</a:t>
+            </a:r>
+            <a:r>
+              <a:rPr lang="sv-SE" sz="2000" dirty="0" smtClean="0">
+                <a:solidFill>
+                  <a:srgbClr val="3095B4"/>
+                </a:solidFill>
+              </a:rPr>
+              <a:t>(data);</a:t>
+            </a:r>
+          </a:p>
+          <a:p>
+            <a:pPr>
+              <a:lnSpc>
+                <a:spcPct val="100000"/>
+              </a:lnSpc>
+            </a:pPr>
+            <a:r>
+              <a:rPr lang="sv-SE" sz="2000" dirty="0">
+                <a:solidFill>
+                  <a:srgbClr val="3095B4"/>
+                </a:solidFill>
+              </a:rPr>
+              <a:t>	</a:t>
+            </a:r>
+            <a:r>
+              <a:rPr lang="sv-SE" sz="2000" dirty="0" smtClean="0">
+                <a:solidFill>
+                  <a:srgbClr val="3095B4"/>
+                </a:solidFill>
+              </a:rPr>
+              <a:t>		 </a:t>
+            </a:r>
+            <a:r>
+              <a:rPr lang="sv-SE" sz="2000" dirty="0">
+                <a:solidFill>
+                  <a:srgbClr val="3095B4"/>
+                </a:solidFill>
+              </a:rPr>
+              <a:t>} </a:t>
+            </a:r>
+            <a:endParaRPr lang="sv-SE" sz="2000" dirty="0" smtClean="0">
+              <a:solidFill>
+                <a:srgbClr val="3095B4"/>
+              </a:solidFill>
+            </a:endParaRPr>
+          </a:p>
+          <a:p>
+            <a:pPr>
+              <a:lnSpc>
+                <a:spcPct val="100000"/>
+              </a:lnSpc>
+            </a:pPr>
+            <a:r>
+              <a:rPr lang="sv-SE" sz="2000" dirty="0">
+                <a:solidFill>
+                  <a:srgbClr val="3095B4"/>
+                </a:solidFill>
+              </a:rPr>
+              <a:t>	</a:t>
+            </a:r>
+            <a:r>
+              <a:rPr lang="sv-SE" sz="2000" dirty="0" smtClean="0">
+                <a:solidFill>
+                  <a:srgbClr val="3095B4"/>
+                </a:solidFill>
+              </a:rPr>
+              <a:t>	} </a:t>
+            </a:r>
+          </a:p>
+          <a:p>
+            <a:pPr>
+              <a:lnSpc>
+                <a:spcPct val="100000"/>
+              </a:lnSpc>
+            </a:pPr>
+            <a:r>
+              <a:rPr lang="sv-SE" sz="2000" dirty="0">
+                <a:solidFill>
+                  <a:srgbClr val="3095B4"/>
+                </a:solidFill>
+              </a:rPr>
+              <a:t>	</a:t>
+            </a:r>
+            <a:r>
+              <a:rPr lang="sv-SE" sz="2000" dirty="0" smtClean="0">
+                <a:solidFill>
+                  <a:srgbClr val="3095B4"/>
+                </a:solidFill>
+              </a:rPr>
+              <a:t>}</a:t>
+            </a:r>
             <a:endParaRPr lang="en-US" sz="2000" dirty="0">
               <a:solidFill>
                 <a:srgbClr val="3095B4"/>
               </a:solidFill>
             </a:endParaRPr>
           </a:p>
+          <a:p>
+            <a:pPr>
+              <a:lnSpc>
+                <a:spcPct val="100000"/>
+              </a:lnSpc>
+            </a:pPr>
+            <a:endParaRPr lang="en-US" sz="2000" dirty="0">
+              <a:solidFill>
+                <a:srgbClr val="3095B4"/>
+              </a:solidFill>
+            </a:endParaRPr>
+          </a:p>
         </p:txBody>
       </p:sp>
     </p:spTree>
     <p:extLst>
       <p:ext uri="{BB962C8B-B14F-4D97-AF65-F5344CB8AC3E}">
-        <p14:creationId xmlns:p14="http://schemas.microsoft.com/office/powerpoint/2010/main" val="3354717438"/>
+        <p14:creationId xmlns:p14="http://schemas.microsoft.com/office/powerpoint/2010/main" val="3051950035"/>
+      </p:ext>
+    </p:extLst>
+  </p:cSld>
+  <p:clrMapOvr>
+    <a:masterClrMapping/>
+  </p:clrMapOvr>
+  <p:timing>
+    <p:tnLst>
+      <p:par>
+        <p:cTn id="1" dur="indefinite" restart="never" nodeType="tmRoot">
+          <p:childTnLst>
+            <p:seq>
+              <p:cTn id="2" nodeType="mainSeq">
+                <p:childTnLst>
+                  <p:par>
+                    <p:cTn id="3"/>
+                  </p:par>
+                </p:childTnLst>
+              </p:cTn>
+              <p:prevCondLst>
+                <p:cond evt="onPrev" delay="0">
+                  <p:tgtEl>
+                    <p:sldTgt/>
+                  </p:tgtEl>
+                </p:cond>
+              </p:prevCondLst>
+              <p:nextCondLst>
+                <p:cond evt="onNext" delay="0">
+                  <p:tgtEl>
+                    <p:sldTgt/>
+                  </p:tgtEl>
+                </p:cond>
+              </p:nextCondLst>
+            </p:seq>
+          </p:childTnLst>
+        </p:cTn>
+      </p:par>
+    </p:tnLst>
+  </p:timing>
+</p:sld>
+</file>
+
+<file path=ppt/slides/slide22.xml><?xml version="1.0" encoding="utf-8"?>
+<p:sld xmlns:a="http://schemas.openxmlformats.org/drawingml/2006/main" xmlns:r="http://schemas.openxmlformats.org/officeDocument/2006/relationships" xmlns:p="http://schemas.openxmlformats.org/presentationml/2006/main">
+  <p:cSld>
+    <p:spTree>
+      <p:nvGrpSpPr>
+        <p:cNvPr id="1" name=""/>
+        <p:cNvGrpSpPr/>
+        <p:nvPr/>
+      </p:nvGrpSpPr>
+      <p:grpSpPr>
+        <a:xfrm>
+          <a:off x="0" y="0"/>
+          <a:ext cx="0" cy="0"/>
+          <a:chOff x="0" y="0"/>
+          <a:chExt cx="0" cy="0"/>
+        </a:xfrm>
+      </p:grpSpPr>
+      <p:sp>
+        <p:nvSpPr>
+          <p:cNvPr id="78" name="CustomShape 1"/>
+          <p:cNvSpPr/>
+          <p:nvPr/>
+        </p:nvSpPr>
+        <p:spPr>
+          <a:xfrm>
+            <a:off x="497160" y="57960"/>
+            <a:ext cx="7820280" cy="1160640"/>
+          </a:xfrm>
+          <a:prstGeom prst="rect">
+            <a:avLst/>
+          </a:prstGeom>
+        </p:spPr>
+        <p:txBody>
+          <a:bodyPr lIns="90000" tIns="45000" rIns="90000" bIns="45000" anchor="b"/>
+          <a:lstStyle/>
+          <a:p>
+            <a:pPr>
+              <a:lnSpc>
+                <a:spcPct val="100000"/>
+              </a:lnSpc>
+            </a:pPr>
+            <a:r>
+              <a:rPr lang="en-US" sz="3200" dirty="0" smtClean="0">
+                <a:solidFill>
+                  <a:srgbClr val="5C7F92"/>
+                </a:solidFill>
+                <a:latin typeface="Lucida Bright"/>
+              </a:rPr>
+              <a:t>Lambda Expressions</a:t>
+            </a:r>
+            <a:endParaRPr lang="en-US" sz="3200" dirty="0"/>
+          </a:p>
+        </p:txBody>
+      </p:sp>
+      <p:sp>
+        <p:nvSpPr>
+          <p:cNvPr id="79" name="CustomShape 2"/>
+          <p:cNvSpPr/>
+          <p:nvPr/>
+        </p:nvSpPr>
+        <p:spPr>
+          <a:xfrm>
+            <a:off x="871200" y="1626840"/>
+            <a:ext cx="7808400" cy="5042520"/>
+          </a:xfrm>
+          <a:prstGeom prst="rect">
+            <a:avLst/>
+          </a:prstGeom>
+        </p:spPr>
+        <p:txBody>
+          <a:bodyPr lIns="90000" tIns="45000" rIns="90000" bIns="45000"/>
+          <a:lstStyle/>
+          <a:p>
+            <a:pPr>
+              <a:lnSpc>
+                <a:spcPct val="100000"/>
+              </a:lnSpc>
+            </a:pPr>
+            <a:endParaRPr dirty="0"/>
+          </a:p>
+          <a:p>
+            <a:pPr>
+              <a:lnSpc>
+                <a:spcPct val="100000"/>
+              </a:lnSpc>
+            </a:pPr>
+            <a:r>
+              <a:rPr lang="en-US" sz="2000" dirty="0" smtClean="0">
+                <a:solidFill>
+                  <a:srgbClr val="3095B4"/>
+                </a:solidFill>
+              </a:rPr>
+              <a:t>Final call:</a:t>
+            </a:r>
+          </a:p>
+          <a:p>
+            <a:pPr>
+              <a:lnSpc>
+                <a:spcPct val="100000"/>
+              </a:lnSpc>
+            </a:pPr>
+            <a:endParaRPr lang="en-US" sz="2000" dirty="0" smtClean="0">
+              <a:solidFill>
+                <a:srgbClr val="3095B4"/>
+              </a:solidFill>
+            </a:endParaRPr>
+          </a:p>
+          <a:p>
+            <a:pPr>
+              <a:lnSpc>
+                <a:spcPct val="100000"/>
+              </a:lnSpc>
+            </a:pPr>
+            <a:r>
+              <a:rPr lang="sv-SE" sz="2000" dirty="0" err="1">
+                <a:solidFill>
+                  <a:srgbClr val="3095B4"/>
+                </a:solidFill>
+              </a:rPr>
+              <a:t>processElements</a:t>
+            </a:r>
+            <a:r>
+              <a:rPr lang="sv-SE" sz="2000" dirty="0">
+                <a:solidFill>
+                  <a:srgbClr val="3095B4"/>
+                </a:solidFill>
+              </a:rPr>
+              <a:t>( </a:t>
+            </a:r>
+            <a:r>
+              <a:rPr lang="sv-SE" sz="2000" dirty="0" err="1">
+                <a:solidFill>
+                  <a:srgbClr val="3095B4"/>
+                </a:solidFill>
+              </a:rPr>
+              <a:t>roster</a:t>
+            </a:r>
+            <a:r>
+              <a:rPr lang="sv-SE" sz="2000" dirty="0">
+                <a:solidFill>
+                  <a:srgbClr val="3095B4"/>
+                </a:solidFill>
+              </a:rPr>
+              <a:t>, </a:t>
+            </a:r>
+            <a:endParaRPr lang="sv-SE" sz="2000" dirty="0" smtClean="0">
+              <a:solidFill>
+                <a:srgbClr val="3095B4"/>
+              </a:solidFill>
+            </a:endParaRPr>
+          </a:p>
+          <a:p>
+            <a:pPr>
+              <a:lnSpc>
+                <a:spcPct val="100000"/>
+              </a:lnSpc>
+            </a:pPr>
+            <a:r>
+              <a:rPr lang="sv-SE" sz="2000" dirty="0">
+                <a:solidFill>
+                  <a:srgbClr val="3095B4"/>
+                </a:solidFill>
+              </a:rPr>
+              <a:t>	</a:t>
+            </a:r>
+            <a:r>
+              <a:rPr lang="sv-SE" sz="2000" dirty="0" smtClean="0">
+                <a:solidFill>
+                  <a:srgbClr val="3095B4"/>
+                </a:solidFill>
+              </a:rPr>
+              <a:t>p </a:t>
+            </a:r>
+            <a:r>
+              <a:rPr lang="sv-SE" sz="2000" dirty="0">
+                <a:solidFill>
+                  <a:srgbClr val="3095B4"/>
+                </a:solidFill>
+              </a:rPr>
+              <a:t>-&gt; </a:t>
+            </a:r>
+            <a:r>
+              <a:rPr lang="sv-SE" sz="2000" dirty="0" err="1">
+                <a:solidFill>
+                  <a:srgbClr val="3095B4"/>
+                </a:solidFill>
+              </a:rPr>
+              <a:t>p.getGender</a:t>
+            </a:r>
+            <a:r>
+              <a:rPr lang="sv-SE" sz="2000" dirty="0">
+                <a:solidFill>
+                  <a:srgbClr val="3095B4"/>
+                </a:solidFill>
+              </a:rPr>
+              <a:t>() == </a:t>
+            </a:r>
+            <a:r>
+              <a:rPr lang="sv-SE" sz="2000" dirty="0" err="1">
+                <a:solidFill>
+                  <a:srgbClr val="3095B4"/>
+                </a:solidFill>
+              </a:rPr>
+              <a:t>Person.Sex.MALE</a:t>
+            </a:r>
+            <a:r>
+              <a:rPr lang="sv-SE" sz="2000" dirty="0">
+                <a:solidFill>
+                  <a:srgbClr val="3095B4"/>
+                </a:solidFill>
+              </a:rPr>
+              <a:t> </a:t>
+            </a:r>
+            <a:endParaRPr lang="sv-SE" sz="2000" dirty="0" smtClean="0">
+              <a:solidFill>
+                <a:srgbClr val="3095B4"/>
+              </a:solidFill>
+            </a:endParaRPr>
+          </a:p>
+          <a:p>
+            <a:pPr>
+              <a:lnSpc>
+                <a:spcPct val="100000"/>
+              </a:lnSpc>
+            </a:pPr>
+            <a:r>
+              <a:rPr lang="sv-SE" sz="2000" dirty="0">
+                <a:solidFill>
+                  <a:srgbClr val="3095B4"/>
+                </a:solidFill>
+              </a:rPr>
+              <a:t>	</a:t>
+            </a:r>
+            <a:r>
+              <a:rPr lang="sv-SE" sz="2000" dirty="0" smtClean="0">
+                <a:solidFill>
+                  <a:srgbClr val="3095B4"/>
+                </a:solidFill>
+              </a:rPr>
+              <a:t>&amp;&amp; </a:t>
+            </a:r>
+            <a:r>
+              <a:rPr lang="sv-SE" sz="2000" dirty="0" err="1">
+                <a:solidFill>
+                  <a:srgbClr val="3095B4"/>
+                </a:solidFill>
+              </a:rPr>
+              <a:t>p.getAge</a:t>
+            </a:r>
+            <a:r>
+              <a:rPr lang="sv-SE" sz="2000" dirty="0">
+                <a:solidFill>
+                  <a:srgbClr val="3095B4"/>
+                </a:solidFill>
+              </a:rPr>
+              <a:t>() &gt;= 18 </a:t>
+            </a:r>
+            <a:endParaRPr lang="sv-SE" sz="2000" dirty="0" smtClean="0">
+              <a:solidFill>
+                <a:srgbClr val="3095B4"/>
+              </a:solidFill>
+            </a:endParaRPr>
+          </a:p>
+          <a:p>
+            <a:pPr>
+              <a:lnSpc>
+                <a:spcPct val="100000"/>
+              </a:lnSpc>
+            </a:pPr>
+            <a:r>
+              <a:rPr lang="sv-SE" sz="2000" dirty="0">
+                <a:solidFill>
+                  <a:srgbClr val="3095B4"/>
+                </a:solidFill>
+              </a:rPr>
+              <a:t>	</a:t>
+            </a:r>
+            <a:r>
+              <a:rPr lang="sv-SE" sz="2000" dirty="0" smtClean="0">
+                <a:solidFill>
+                  <a:srgbClr val="3095B4"/>
+                </a:solidFill>
+              </a:rPr>
+              <a:t>&amp;&amp; </a:t>
+            </a:r>
+            <a:r>
+              <a:rPr lang="sv-SE" sz="2000" dirty="0" err="1" smtClean="0">
+                <a:solidFill>
+                  <a:srgbClr val="3095B4"/>
+                </a:solidFill>
+              </a:rPr>
+              <a:t>p.getAge</a:t>
+            </a:r>
+            <a:r>
+              <a:rPr lang="sv-SE" sz="2000" dirty="0">
+                <a:solidFill>
+                  <a:srgbClr val="3095B4"/>
+                </a:solidFill>
+              </a:rPr>
+              <a:t>() &lt;= 25, </a:t>
+            </a:r>
+            <a:endParaRPr lang="sv-SE" sz="2000" dirty="0" smtClean="0">
+              <a:solidFill>
+                <a:srgbClr val="3095B4"/>
+              </a:solidFill>
+            </a:endParaRPr>
+          </a:p>
+          <a:p>
+            <a:pPr>
+              <a:lnSpc>
+                <a:spcPct val="100000"/>
+              </a:lnSpc>
+            </a:pPr>
+            <a:r>
+              <a:rPr lang="sv-SE" sz="2000" dirty="0">
+                <a:solidFill>
+                  <a:srgbClr val="3095B4"/>
+                </a:solidFill>
+              </a:rPr>
+              <a:t>	</a:t>
+            </a:r>
+            <a:r>
+              <a:rPr lang="sv-SE" sz="2000" dirty="0" smtClean="0">
+                <a:solidFill>
+                  <a:srgbClr val="3095B4"/>
+                </a:solidFill>
+              </a:rPr>
+              <a:t>p </a:t>
+            </a:r>
+            <a:r>
+              <a:rPr lang="sv-SE" sz="2000" dirty="0">
+                <a:solidFill>
+                  <a:srgbClr val="3095B4"/>
+                </a:solidFill>
+              </a:rPr>
+              <a:t>-&gt; </a:t>
+            </a:r>
+            <a:r>
+              <a:rPr lang="sv-SE" sz="2000" dirty="0" err="1">
+                <a:solidFill>
+                  <a:srgbClr val="3095B4"/>
+                </a:solidFill>
+              </a:rPr>
+              <a:t>p.getEmailAddress</a:t>
+            </a:r>
+            <a:r>
+              <a:rPr lang="sv-SE" sz="2000" dirty="0">
+                <a:solidFill>
+                  <a:srgbClr val="3095B4"/>
+                </a:solidFill>
+              </a:rPr>
+              <a:t>(), </a:t>
+            </a:r>
+            <a:endParaRPr lang="sv-SE" sz="2000" dirty="0" smtClean="0">
+              <a:solidFill>
+                <a:srgbClr val="3095B4"/>
+              </a:solidFill>
+            </a:endParaRPr>
+          </a:p>
+          <a:p>
+            <a:pPr>
+              <a:lnSpc>
+                <a:spcPct val="100000"/>
+              </a:lnSpc>
+            </a:pPr>
+            <a:r>
+              <a:rPr lang="sv-SE" sz="2000" dirty="0">
+                <a:solidFill>
+                  <a:srgbClr val="3095B4"/>
+                </a:solidFill>
+              </a:rPr>
+              <a:t>	</a:t>
+            </a:r>
+            <a:r>
+              <a:rPr lang="sv-SE" sz="2000" dirty="0" smtClean="0">
+                <a:solidFill>
+                  <a:srgbClr val="3095B4"/>
+                </a:solidFill>
+              </a:rPr>
+              <a:t>email </a:t>
+            </a:r>
+            <a:r>
+              <a:rPr lang="sv-SE" sz="2000" dirty="0">
+                <a:solidFill>
+                  <a:srgbClr val="3095B4"/>
+                </a:solidFill>
+              </a:rPr>
+              <a:t>-&gt; </a:t>
+            </a:r>
+            <a:r>
+              <a:rPr lang="sv-SE" sz="2000" dirty="0" err="1">
+                <a:solidFill>
+                  <a:srgbClr val="3095B4"/>
+                </a:solidFill>
+              </a:rPr>
+              <a:t>System.out.println</a:t>
+            </a:r>
+            <a:r>
+              <a:rPr lang="sv-SE" sz="2000">
+                <a:solidFill>
+                  <a:srgbClr val="3095B4"/>
+                </a:solidFill>
+              </a:rPr>
+              <a:t>(email</a:t>
+            </a:r>
+            <a:r>
+              <a:rPr lang="sv-SE" sz="2000" smtClean="0">
+                <a:solidFill>
+                  <a:srgbClr val="3095B4"/>
+                </a:solidFill>
+              </a:rPr>
+              <a:t>)</a:t>
+            </a:r>
+          </a:p>
+          <a:p>
+            <a:pPr>
+              <a:lnSpc>
+                <a:spcPct val="100000"/>
+              </a:lnSpc>
+            </a:pPr>
+            <a:r>
+              <a:rPr lang="sv-SE" sz="2000" smtClean="0">
+                <a:solidFill>
+                  <a:srgbClr val="3095B4"/>
+                </a:solidFill>
+              </a:rPr>
+              <a:t>);</a:t>
+            </a:r>
+            <a:endParaRPr lang="en-US" sz="2000" dirty="0">
+              <a:solidFill>
+                <a:srgbClr val="3095B4"/>
+              </a:solidFill>
+            </a:endParaRPr>
+          </a:p>
+        </p:txBody>
+      </p:sp>
+    </p:spTree>
+    <p:extLst>
+      <p:ext uri="{BB962C8B-B14F-4D97-AF65-F5344CB8AC3E}">
+        <p14:creationId xmlns:p14="http://schemas.microsoft.com/office/powerpoint/2010/main" val="3480618671"/>
       </p:ext>
     </p:extLst>
   </p:cSld>
@@ -8095,7 +8712,7 @@
                   <a:srgbClr val="3095B4"/>
                 </a:solidFill>
               </a:rPr>
-              <a:t>Write a body to this method:</a:t>
+              <a:t>Problems about this?</a:t>
             </a:r>
           </a:p>
           <a:p>
@@ -8111,135 +8728,21 @@
             </a:endParaRPr>
           </a:p>
           <a:p>
-            <a:pPr>
-              <a:lnSpc>
-                <a:spcPct val="100000"/>
-              </a:lnSpc>
-            </a:pPr>
-            <a:r>
-              <a:rPr lang="sv-SE" sz="1400" dirty="0">
-                <a:solidFill>
-                  <a:srgbClr val="3095B4"/>
-                </a:solidFill>
-              </a:rPr>
-              <a:t>public </a:t>
-            </a:r>
-            <a:r>
-              <a:rPr lang="sv-SE" sz="1400" dirty="0" err="1">
-                <a:solidFill>
-                  <a:srgbClr val="3095B4"/>
-                </a:solidFill>
-              </a:rPr>
-              <a:t>static</a:t>
-            </a:r>
-            <a:r>
-              <a:rPr lang="sv-SE" sz="1400" dirty="0">
-                <a:solidFill>
-                  <a:srgbClr val="3095B4"/>
-                </a:solidFill>
-              </a:rPr>
-              <a:t> </a:t>
-            </a:r>
-            <a:r>
-              <a:rPr lang="sv-SE" sz="1400" dirty="0" err="1">
-                <a:solidFill>
-                  <a:srgbClr val="3095B4"/>
-                </a:solidFill>
-              </a:rPr>
-              <a:t>void</a:t>
-            </a:r>
-            <a:r>
-              <a:rPr lang="sv-SE" sz="1400" dirty="0">
-                <a:solidFill>
-                  <a:srgbClr val="3095B4"/>
-                </a:solidFill>
-              </a:rPr>
-              <a:t> </a:t>
-            </a:r>
-            <a:r>
-              <a:rPr lang="sv-SE" sz="1400" dirty="0" err="1">
-                <a:solidFill>
-                  <a:srgbClr val="3095B4"/>
-                </a:solidFill>
-              </a:rPr>
-              <a:t>printPersonsWithinAgeRange</a:t>
-            </a:r>
-            <a:r>
-              <a:rPr lang="sv-SE" sz="1400" dirty="0">
-                <a:solidFill>
-                  <a:srgbClr val="3095B4"/>
-                </a:solidFill>
-              </a:rPr>
-              <a:t>(</a:t>
-            </a:r>
-            <a:r>
-              <a:rPr lang="en-US" sz="1400" dirty="0">
-                <a:solidFill>
-                  <a:srgbClr val="3095B4"/>
-                </a:solidFill>
-              </a:rPr>
-              <a:t>List&lt;Person&gt; roster, </a:t>
-            </a:r>
-            <a:r>
-              <a:rPr lang="en-US" sz="1400" dirty="0" err="1">
-                <a:solidFill>
-                  <a:srgbClr val="3095B4"/>
-                </a:solidFill>
-              </a:rPr>
-              <a:t>int</a:t>
-            </a:r>
-            <a:r>
-              <a:rPr lang="en-US" sz="1400" dirty="0">
-                <a:solidFill>
-                  <a:srgbClr val="3095B4"/>
-                </a:solidFill>
-              </a:rPr>
-              <a:t> low, </a:t>
-            </a:r>
-            <a:r>
-              <a:rPr lang="en-US" sz="1400" dirty="0" err="1">
-                <a:solidFill>
-                  <a:srgbClr val="3095B4"/>
-                </a:solidFill>
-              </a:rPr>
-              <a:t>int</a:t>
-            </a:r>
-            <a:r>
-              <a:rPr lang="en-US" sz="1400" dirty="0">
-                <a:solidFill>
-                  <a:srgbClr val="3095B4"/>
-                </a:solidFill>
-              </a:rPr>
-              <a:t> high) {</a:t>
-            </a:r>
-          </a:p>
-          <a:p>
-            <a:pPr>
-              <a:lnSpc>
-                <a:spcPct val="100000"/>
-              </a:lnSpc>
-            </a:pPr>
-            <a:endParaRPr lang="en-US" sz="1400" dirty="0" smtClean="0">
-              <a:solidFill>
-                <a:srgbClr val="3095B4"/>
-              </a:solidFill>
-            </a:endParaRPr>
-          </a:p>
-          <a:p>
-            <a:pPr>
-              <a:lnSpc>
-                <a:spcPct val="100000"/>
-              </a:lnSpc>
-            </a:pPr>
-            <a:r>
-              <a:rPr lang="en-US" sz="1400" dirty="0" smtClean="0">
-                <a:solidFill>
-                  <a:srgbClr val="3095B4"/>
-                </a:solidFill>
-              </a:rPr>
-              <a:t>}</a:t>
-            </a:r>
-            <a:endParaRPr lang="en-US" sz="1400" dirty="0">
+            <a:pPr marL="457200" indent="-457200">
+              <a:lnSpc>
+                <a:spcPct val="100000"/>
+              </a:lnSpc>
+              <a:buAutoNum type="arabicPeriod"/>
+            </a:pPr>
+            <a:r>
+              <a:rPr lang="en-US" sz="2000" dirty="0" smtClean="0">
+                <a:solidFill>
+                  <a:srgbClr val="3095B4"/>
+                </a:solidFill>
+              </a:rPr>
+              <a:t>Same problem as for 1</a:t>
+            </a:r>
+            <a:endParaRPr lang="en-US" sz="2000" dirty="0">
               <a:solidFill>
                 <a:srgbClr val="3095B4"/>
               </a:solidFill>
@@ -8385,62 +8888,7 @@
                   <a:srgbClr val="3095B4"/>
                 </a:solidFill>
               </a:rPr>
-              <a:t>Task 2</a:t>
-            </a:r>
-          </a:p>
-          <a:p>
-            <a:pPr>
-              <a:lnSpc>
-                <a:spcPct val="100000"/>
-              </a:lnSpc>
-            </a:pPr>
-            <a:endParaRPr lang="en-US" sz="2000" dirty="0" smtClean="0">
-              <a:solidFill>
-                <a:srgbClr val="3095B4"/>
-              </a:solidFill>
-            </a:endParaRPr>
-          </a:p>
-          <a:p>
-            <a:pPr>
-              <a:lnSpc>
-                <a:spcPct val="100000"/>
-              </a:lnSpc>
-            </a:pPr>
-            <a:r>
-              <a:rPr lang="en-US" sz="2000" dirty="0" smtClean="0">
-                <a:solidFill>
-                  <a:srgbClr val="3095B4"/>
-                </a:solidFill>
-              </a:rPr>
-              <a:t>Problems about this?</a:t>
-            </a:r>
-          </a:p>
-          <a:p>
-            <a:pPr>
-              <a:lnSpc>
-                <a:spcPct val="100000"/>
-              </a:lnSpc>
-            </a:pPr>
-            <a:endParaRPr lang="en-US" sz="2000" dirty="0" smtClean="0">
-              <a:solidFill>
-                <a:srgbClr val="3095B4"/>
-              </a:solidFill>
-            </a:endParaRPr>
-          </a:p>
-          <a:p>
-            <a:pPr marL="457200" indent="-457200">
-              <a:lnSpc>
-                <a:spcPct val="100000"/>
-              </a:lnSpc>
-              <a:buAutoNum type="arabicPeriod"/>
-            </a:pPr>
-            <a:r>
-              <a:rPr lang="en-US" sz="2000" dirty="0" smtClean="0">
-                <a:solidFill>
-                  <a:srgbClr val="3095B4"/>
-                </a:solidFill>
-              </a:rPr>
-              <a:t>Same problem as for 1</a:t>
+              <a:t>Solution?</a:t>
             </a:r>
             <a:endParaRPr lang="en-US" sz="2000" dirty="0">
               <a:solidFill>
@@ -8453,7 +8901,7 @@
     </p:spTree>
     <p:extLst>
       <p:ext uri="{BB962C8B-B14F-4D97-AF65-F5344CB8AC3E}">
-        <p14:creationId xmlns:p14="http://schemas.microsoft.com/office/powerpoint/2010/main" val="3315742542"/>
+        <p14:creationId xmlns:p14="http://schemas.microsoft.com/office/powerpoint/2010/main" val="776329511"/>
       </p:ext>
     </p:extLst>
   </p:cSld>
@@ -8590,18 +9038,52 @@
               </a:rPr>
               <a:t>Solution?</a:t>
             </a:r>
+          </a:p>
+          <a:p>
+            <a:pPr>
+              <a:lnSpc>
+                <a:spcPct val="100000"/>
+              </a:lnSpc>
+            </a:pPr>
             <a:endParaRPr lang="en-US" sz="2000" dirty="0">
               <a:solidFill>
                 <a:srgbClr val="3095B4"/>
               </a:solidFill>
             </a:endParaRPr>
           </a:p>
+          <a:p>
+            <a:pPr>
+              <a:lnSpc>
+                <a:spcPct val="100000"/>
+              </a:lnSpc>
+            </a:pPr>
+            <a:r>
+              <a:rPr lang="en-US" sz="2000" dirty="0" smtClean="0">
+                <a:solidFill>
+                  <a:srgbClr val="3095B4"/>
+                </a:solidFill>
+              </a:rPr>
+              <a:t>Separate the code that specifies the criteria you want to search in a different class.</a:t>
+            </a:r>
+          </a:p>
+          <a:p>
+            <a:pPr>
+              <a:lnSpc>
+                <a:spcPct val="100000"/>
+              </a:lnSpc>
+            </a:pPr>
+            <a:endParaRPr lang="en-US" sz="2000" dirty="0">
+              <a:solidFill>
+                <a:srgbClr val="3095B4"/>
+              </a:solidFill>
+            </a:endParaRPr>
+          </a:p>
         </p:txBody>
       </p:sp>
     </p:spTree>
     <p:extLst>
       <p:ext uri="{BB962C8B-B14F-4D97-AF65-F5344CB8AC3E}">
-        <p14:creationId xmlns:p14="http://schemas.microsoft.com/office/powerpoint/2010/main" val="776329511"/>
+        <p14:creationId xmlns:p14="http://schemas.microsoft.com/office/powerpoint/2010/main" val="2933177584"/>
       </p:ext>
     </p:extLst>
   </p:cSld>
@@ -8707,7 +9189,7 @@
         <p:spPr>
           <a:xfrm>
             <a:off x="871200" y="1626840"/>
-            <a:ext cx="7808400" cy="3664440"/>
+            <a:ext cx="7808400" cy="5042520"/>
           </a:xfrm>
           <a:prstGeom prst="rect">
             <a:avLst/>
@@ -8736,54 +9218,419 @@
                   <a:srgbClr val="3095B4"/>
                 </a:solidFill>
               </a:rPr>
-              <a:t>Solution?</a:t>
-            </a:r>
-          </a:p>
-          <a:p>
-            <a:pPr>
-              <a:lnSpc>
-                <a:spcPct val="100000"/>
-              </a:lnSpc>
-            </a:pPr>
-            <a:endParaRPr lang="en-US" sz="2000" dirty="0">
+              <a:t>Task 3</a:t>
+            </a:r>
+          </a:p>
+          <a:p>
+            <a:pPr>
+              <a:lnSpc>
+                <a:spcPct val="100000"/>
+              </a:lnSpc>
+            </a:pPr>
+            <a:endParaRPr lang="en-US" sz="2000" dirty="0" smtClean="0">
               <a:solidFill>
                 <a:srgbClr val="3095B4"/>
               </a:solidFill>
             </a:endParaRPr>
           </a:p>
           <a:p>
-            <a:pPr>
-              <a:lnSpc>
-                <a:spcPct val="100000"/>
-              </a:lnSpc>
-            </a:pPr>
             <a:r>
               <a:rPr lang="en-US" sz="2000" dirty="0" smtClean="0">
                 <a:solidFill>
                   <a:srgbClr val="3095B4"/>
                 </a:solidFill>
               </a:rPr>
-              <a:t>Separate the code that specifies the criteria you want to search in a different class.</a:t>
-            </a:r>
-          </a:p>
-          <a:p>
-            <a:pPr>
-              <a:lnSpc>
-                <a:spcPct val="100000"/>
-              </a:lnSpc>
-            </a:pPr>
-            <a:endParaRPr lang="en-US" sz="2000" dirty="0">
+              <a:t>1. Create a </a:t>
+            </a:r>
+            <a:r>
+              <a:rPr lang="en-US" sz="2000" dirty="0" err="1" smtClean="0">
+                <a:solidFill>
+                  <a:srgbClr val="3095B4"/>
+                </a:solidFill>
+              </a:rPr>
+              <a:t>CheckPerson</a:t>
+            </a:r>
+            <a:r>
+              <a:rPr lang="en-US" sz="2000" dirty="0" smtClean="0">
+                <a:solidFill>
+                  <a:srgbClr val="3095B4"/>
+                </a:solidFill>
+              </a:rPr>
+              <a:t> interface with one test method taking a Person object as input parameter</a:t>
+            </a:r>
+          </a:p>
+          <a:p>
+            <a:pPr>
+              <a:lnSpc>
+                <a:spcPct val="100000"/>
+              </a:lnSpc>
+            </a:pPr>
+            <a:endParaRPr lang="en-US" sz="2000" dirty="0" smtClean="0">
               <a:solidFill>
                 <a:srgbClr val="3095B4"/>
               </a:solidFill>
             </a:endParaRPr>
           </a:p>
+          <a:p>
+            <a:pPr>
+              <a:lnSpc>
+                <a:spcPct val="100000"/>
+              </a:lnSpc>
+            </a:pPr>
+            <a:r>
+              <a:rPr lang="en-US" sz="2000" dirty="0" smtClean="0">
+                <a:solidFill>
+                  <a:srgbClr val="3095B4"/>
+                </a:solidFill>
+              </a:rPr>
+              <a:t>2. Write a body to this method:</a:t>
+            </a:r>
+          </a:p>
+          <a:p>
+            <a:pPr>
+              <a:lnSpc>
+                <a:spcPct val="100000"/>
+              </a:lnSpc>
+            </a:pPr>
+            <a:endParaRPr lang="en-US" sz="2000" dirty="0" smtClean="0">
+              <a:solidFill>
+                <a:srgbClr val="3095B4"/>
+              </a:solidFill>
+            </a:endParaRPr>
+          </a:p>
+          <a:p>
+            <a:pPr>
+              <a:lnSpc>
+                <a:spcPct val="100000"/>
+              </a:lnSpc>
+            </a:pPr>
+            <a:r>
+              <a:rPr lang="sv-SE" dirty="0" smtClean="0">
+                <a:solidFill>
+                  <a:srgbClr val="3095B4"/>
+                </a:solidFill>
+              </a:rPr>
+              <a:t>public </a:t>
+            </a:r>
+            <a:r>
+              <a:rPr lang="sv-SE" dirty="0" err="1" smtClean="0">
+                <a:solidFill>
+                  <a:srgbClr val="3095B4"/>
+                </a:solidFill>
+              </a:rPr>
+              <a:t>static</a:t>
+            </a:r>
+            <a:r>
+              <a:rPr lang="sv-SE" dirty="0" smtClean="0">
+                <a:solidFill>
+                  <a:srgbClr val="3095B4"/>
+                </a:solidFill>
+              </a:rPr>
+              <a:t> </a:t>
+            </a:r>
+            <a:r>
+              <a:rPr lang="sv-SE" dirty="0" err="1" smtClean="0">
+                <a:solidFill>
+                  <a:srgbClr val="3095B4"/>
+                </a:solidFill>
+              </a:rPr>
+              <a:t>void</a:t>
+            </a:r>
+            <a:r>
+              <a:rPr lang="sv-SE" dirty="0" smtClean="0">
+                <a:solidFill>
+                  <a:srgbClr val="3095B4"/>
+                </a:solidFill>
+              </a:rPr>
+              <a:t> </a:t>
+            </a:r>
+            <a:r>
+              <a:rPr lang="sv-SE" dirty="0" err="1" smtClean="0">
+                <a:solidFill>
+                  <a:srgbClr val="3095B4"/>
+                </a:solidFill>
+              </a:rPr>
+              <a:t>printPersons</a:t>
+            </a:r>
+            <a:r>
+              <a:rPr lang="sv-SE" dirty="0" smtClean="0">
+                <a:solidFill>
+                  <a:srgbClr val="3095B4"/>
+                </a:solidFill>
+              </a:rPr>
+              <a:t>( List&lt;Person&gt; persons, </a:t>
+            </a:r>
+            <a:r>
+              <a:rPr lang="sv-SE" dirty="0" err="1" smtClean="0">
+                <a:solidFill>
+                  <a:srgbClr val="3095B4"/>
+                </a:solidFill>
+              </a:rPr>
+              <a:t>CheckPerson</a:t>
+            </a:r>
+            <a:r>
+              <a:rPr lang="sv-SE" dirty="0" smtClean="0">
+                <a:solidFill>
+                  <a:srgbClr val="3095B4"/>
+                </a:solidFill>
+              </a:rPr>
+              <a:t> tester) {</a:t>
+            </a:r>
+          </a:p>
+          <a:p>
+            <a:pPr>
+              <a:lnSpc>
+                <a:spcPct val="100000"/>
+              </a:lnSpc>
+            </a:pPr>
+            <a:r>
+              <a:rPr lang="sv-SE" dirty="0" smtClean="0">
+                <a:solidFill>
+                  <a:srgbClr val="3095B4"/>
+                </a:solidFill>
+              </a:rPr>
+              <a:t>}</a:t>
+            </a:r>
+          </a:p>
+          <a:p>
+            <a:pPr>
+              <a:lnSpc>
+                <a:spcPct val="100000"/>
+              </a:lnSpc>
+            </a:pPr>
+            <a:endParaRPr lang="sv-SE" dirty="0" smtClean="0">
+              <a:solidFill>
+                <a:srgbClr val="3095B4"/>
+              </a:solidFill>
+            </a:endParaRPr>
+          </a:p>
+          <a:p>
+            <a:pPr>
+              <a:lnSpc>
+                <a:spcPct val="100000"/>
+              </a:lnSpc>
+            </a:pPr>
+            <a:r>
+              <a:rPr lang="sv-SE" dirty="0" smtClean="0">
+                <a:solidFill>
+                  <a:srgbClr val="3095B4"/>
+                </a:solidFill>
+              </a:rPr>
+              <a:t>3. </a:t>
+            </a:r>
+            <a:r>
+              <a:rPr lang="sv-SE" dirty="0" err="1" smtClean="0">
+                <a:solidFill>
+                  <a:srgbClr val="3095B4"/>
+                </a:solidFill>
+              </a:rPr>
+              <a:t>Write</a:t>
+            </a:r>
+            <a:r>
+              <a:rPr lang="sv-SE" dirty="0" smtClean="0">
+                <a:solidFill>
+                  <a:srgbClr val="3095B4"/>
+                </a:solidFill>
+              </a:rPr>
+              <a:t> a </a:t>
+            </a:r>
+            <a:r>
+              <a:rPr lang="sv-SE" dirty="0" err="1" smtClean="0">
+                <a:solidFill>
+                  <a:srgbClr val="3095B4"/>
+                </a:solidFill>
+              </a:rPr>
+              <a:t>body</a:t>
+            </a:r>
+            <a:r>
+              <a:rPr lang="sv-SE" dirty="0" smtClean="0">
+                <a:solidFill>
+                  <a:srgbClr val="3095B4"/>
+                </a:solidFill>
+              </a:rPr>
+              <a:t> </a:t>
+            </a:r>
+            <a:r>
+              <a:rPr lang="sv-SE" dirty="0" err="1" smtClean="0">
+                <a:solidFill>
+                  <a:srgbClr val="3095B4"/>
+                </a:solidFill>
+              </a:rPr>
+              <a:t>to</a:t>
+            </a:r>
+            <a:r>
+              <a:rPr lang="sv-SE" dirty="0" smtClean="0">
+                <a:solidFill>
+                  <a:srgbClr val="3095B4"/>
+                </a:solidFill>
+              </a:rPr>
+              <a:t> </a:t>
+            </a:r>
+            <a:r>
+              <a:rPr lang="sv-SE" dirty="0" err="1" smtClean="0">
+                <a:solidFill>
+                  <a:srgbClr val="3095B4"/>
+                </a:solidFill>
+              </a:rPr>
+              <a:t>this</a:t>
+            </a:r>
+            <a:r>
+              <a:rPr lang="sv-SE" dirty="0" smtClean="0">
+                <a:solidFill>
+                  <a:srgbClr val="3095B4"/>
+                </a:solidFill>
+              </a:rPr>
+              <a:t> </a:t>
+            </a:r>
+            <a:r>
+              <a:rPr lang="sv-SE" dirty="0" err="1" smtClean="0">
+                <a:solidFill>
+                  <a:srgbClr val="3095B4"/>
+                </a:solidFill>
+              </a:rPr>
+              <a:t>method</a:t>
+            </a:r>
+            <a:r>
+              <a:rPr lang="sv-SE" dirty="0" smtClean="0">
+                <a:solidFill>
+                  <a:srgbClr val="3095B4"/>
+                </a:solidFill>
+              </a:rPr>
+              <a:t> (:</a:t>
+            </a:r>
+            <a:endParaRPr lang="en-US" dirty="0" smtClean="0">
+              <a:solidFill>
+                <a:srgbClr val="3095B4"/>
+              </a:solidFill>
+            </a:endParaRPr>
+          </a:p>
+          <a:p>
+            <a:pPr>
+              <a:lnSpc>
+                <a:spcPct val="100000"/>
+              </a:lnSpc>
+            </a:pPr>
+            <a:r>
+              <a:rPr lang="en-US" dirty="0">
+                <a:solidFill>
+                  <a:srgbClr val="3095B4"/>
+                </a:solidFill>
+              </a:rPr>
+              <a:t>class </a:t>
+            </a:r>
+            <a:r>
+              <a:rPr lang="en-US" dirty="0" err="1">
+                <a:solidFill>
+                  <a:srgbClr val="3095B4"/>
+                </a:solidFill>
+              </a:rPr>
+              <a:t>CheckPersonEligibleForSelectiveService</a:t>
+            </a:r>
+            <a:r>
+              <a:rPr lang="en-US" dirty="0">
+                <a:solidFill>
+                  <a:srgbClr val="3095B4"/>
+                </a:solidFill>
+              </a:rPr>
+              <a:t> implements </a:t>
+            </a:r>
+            <a:r>
+              <a:rPr lang="en-US" dirty="0" err="1">
+                <a:solidFill>
+                  <a:srgbClr val="3095B4"/>
+                </a:solidFill>
+              </a:rPr>
+              <a:t>CheckPerson</a:t>
+            </a:r>
+            <a:r>
+              <a:rPr lang="en-US" dirty="0">
+                <a:solidFill>
+                  <a:srgbClr val="3095B4"/>
+                </a:solidFill>
+              </a:rPr>
+              <a:t> { </a:t>
+            </a:r>
+            <a:r>
+              <a:rPr lang="en-US" dirty="0" smtClean="0">
+                <a:solidFill>
+                  <a:srgbClr val="3095B4"/>
+                </a:solidFill>
+              </a:rPr>
+              <a:t>	public </a:t>
+            </a:r>
+            <a:r>
+              <a:rPr lang="en-US" dirty="0" err="1">
+                <a:solidFill>
+                  <a:srgbClr val="3095B4"/>
+                </a:solidFill>
+              </a:rPr>
+              <a:t>boolean</a:t>
+            </a:r>
+            <a:r>
+              <a:rPr lang="en-US" dirty="0">
+                <a:solidFill>
+                  <a:srgbClr val="3095B4"/>
+                </a:solidFill>
+              </a:rPr>
+              <a:t> test(Person p) </a:t>
+            </a:r>
+            <a:r>
+              <a:rPr lang="en-US" dirty="0" smtClean="0">
+                <a:solidFill>
+                  <a:srgbClr val="3095B4"/>
+                </a:solidFill>
+              </a:rPr>
+              <a:t>{</a:t>
+            </a:r>
+          </a:p>
+          <a:p>
+            <a:pPr>
+              <a:lnSpc>
+                <a:spcPct val="100000"/>
+              </a:lnSpc>
+            </a:pPr>
+            <a:r>
+              <a:rPr lang="en-US" dirty="0" smtClean="0">
+                <a:solidFill>
+                  <a:srgbClr val="3095B4"/>
+                </a:solidFill>
+              </a:rPr>
+              <a:t>	}</a:t>
+            </a:r>
+          </a:p>
+          <a:p>
+            <a:pPr>
+              <a:lnSpc>
+                <a:spcPct val="100000"/>
+              </a:lnSpc>
+            </a:pPr>
+            <a:r>
+              <a:rPr lang="en-US" dirty="0">
+                <a:solidFill>
+                  <a:srgbClr val="3095B4"/>
+                </a:solidFill>
+              </a:rPr>
+              <a:t>}</a:t>
+            </a:r>
+          </a:p>
+          <a:p>
+            <a:pPr>
+              <a:lnSpc>
+                <a:spcPct val="100000"/>
+              </a:lnSpc>
+            </a:pPr>
+            <a:endParaRPr lang="en-US" sz="2000" dirty="0" smtClean="0">
+              <a:solidFill>
+                <a:srgbClr val="3095B4"/>
+              </a:solidFill>
+            </a:endParaRPr>
+          </a:p>
         </p:txBody>
       </p:sp>
     </p:spTree>
     <p:extLst>
       <p:ext uri="{BB962C8B-B14F-4D97-AF65-F5344CB8AC3E}">
-        <p14:creationId xmlns:p14="http://schemas.microsoft.com/office/powerpoint/2010/main" val="2933177584"/>
+        <p14:creationId xmlns:p14="http://schemas.microsoft.com/office/powerpoint/2010/main" val="3288175128"/>
       </p:ext>
     </p:extLst>
   </p:cSld>

--- a/slides/Java 8 - Lambda Expresssions.pptx
+++ b/slides/Java 8 - Lambda Expresssions.pptx
@@ -7,27 +7,30 @@
   </p:sldMasterIdLst>
   <p:sldIdLst>
     <p:sldId id="256" r:id="rId3"/>
-    <p:sldId id="257" r:id="rId4"/>
-    <p:sldId id="259" r:id="rId5"/>
-    <p:sldId id="260" r:id="rId6"/>
-    <p:sldId id="261" r:id="rId7"/>
-    <p:sldId id="263" r:id="rId8"/>
-    <p:sldId id="264" r:id="rId9"/>
-    <p:sldId id="265" r:id="rId10"/>
-    <p:sldId id="266" r:id="rId11"/>
-    <p:sldId id="267" r:id="rId12"/>
-    <p:sldId id="268" r:id="rId13"/>
-    <p:sldId id="269" r:id="rId14"/>
-    <p:sldId id="270" r:id="rId15"/>
-    <p:sldId id="272" r:id="rId16"/>
-    <p:sldId id="273" r:id="rId17"/>
-    <p:sldId id="274" r:id="rId18"/>
-    <p:sldId id="275" r:id="rId19"/>
-    <p:sldId id="276" r:id="rId20"/>
-    <p:sldId id="277" r:id="rId21"/>
-    <p:sldId id="278" r:id="rId22"/>
-    <p:sldId id="279" r:id="rId23"/>
-    <p:sldId id="280" r:id="rId24"/>
+    <p:sldId id="282" r:id="rId4"/>
+    <p:sldId id="281" r:id="rId5"/>
+    <p:sldId id="283" r:id="rId6"/>
+    <p:sldId id="257" r:id="rId7"/>
+    <p:sldId id="259" r:id="rId8"/>
+    <p:sldId id="260" r:id="rId9"/>
+    <p:sldId id="261" r:id="rId10"/>
+    <p:sldId id="263" r:id="rId11"/>
+    <p:sldId id="264" r:id="rId12"/>
+    <p:sldId id="265" r:id="rId13"/>
+    <p:sldId id="266" r:id="rId14"/>
+    <p:sldId id="267" r:id="rId15"/>
+    <p:sldId id="268" r:id="rId16"/>
+    <p:sldId id="269" r:id="rId17"/>
+    <p:sldId id="270" r:id="rId18"/>
+    <p:sldId id="272" r:id="rId19"/>
+    <p:sldId id="273" r:id="rId20"/>
+    <p:sldId id="274" r:id="rId21"/>
+    <p:sldId id="275" r:id="rId22"/>
+    <p:sldId id="276" r:id="rId23"/>
+    <p:sldId id="277" r:id="rId24"/>
+    <p:sldId id="278" r:id="rId25"/>
+    <p:sldId id="279" r:id="rId26"/>
+    <p:sldId id="280" r:id="rId27"/>
   </p:sldIdLst>
   <p:sldSz cx="9144000" cy="6858000" type="screen4x3"/>
   <p:notesSz cx="7772400" cy="10058400"/>
@@ -3126,54 +3129,21 @@
               <a:buChar char="•"/>
             </a:pPr>
             <a:r>
-              <a:rPr lang="sv-SE" sz="2000" dirty="0" err="1" smtClean="0">
-                <a:solidFill>
-                  <a:srgbClr val="3095B4"/>
-                </a:solidFill>
-              </a:rPr>
-              <a:t>How</a:t>
-            </a:r>
-            <a:r>
-              <a:rPr lang="sv-SE" sz="2000" dirty="0" smtClean="0">
-                <a:solidFill>
-                  <a:srgbClr val="3095B4"/>
-                </a:solidFill>
-              </a:rPr>
-              <a:t> </a:t>
-            </a:r>
-            <a:r>
-              <a:rPr lang="sv-SE" sz="2000" dirty="0" err="1" smtClean="0">
-                <a:solidFill>
-                  <a:srgbClr val="3095B4"/>
-                </a:solidFill>
-              </a:rPr>
-              <a:t>to</a:t>
-            </a:r>
-            <a:r>
-              <a:rPr lang="sv-SE" sz="2000" dirty="0" smtClean="0">
-                <a:solidFill>
-                  <a:srgbClr val="3095B4"/>
-                </a:solidFill>
-              </a:rPr>
-              <a:t> pass </a:t>
-            </a:r>
-            <a:r>
-              <a:rPr lang="sv-SE" sz="2000" dirty="0" err="1" smtClean="0">
-                <a:solidFill>
-                  <a:srgbClr val="3095B4"/>
-                </a:solidFill>
-              </a:rPr>
-              <a:t>functionality</a:t>
-            </a:r>
-            <a:r>
-              <a:rPr lang="sv-SE" sz="2000" dirty="0" smtClean="0">
-                <a:solidFill>
-                  <a:srgbClr val="3095B4"/>
-                </a:solidFill>
-              </a:rPr>
-              <a:t> as an argument?</a:t>
-            </a:r>
-            <a:endParaRPr lang="sv-SE" dirty="0"/>
+              <a:rPr lang="en-US" sz="2000" dirty="0">
+                <a:solidFill>
+                  <a:srgbClr val="3095B4"/>
+                </a:solidFill>
+              </a:rPr>
+              <a:t>A lambda expression is like a method: it provides a list of formal parameters and a </a:t>
+            </a:r>
+            <a:r>
+              <a:rPr lang="en-US" sz="2000" dirty="0" smtClean="0">
+                <a:solidFill>
+                  <a:srgbClr val="3095B4"/>
+                </a:solidFill>
+              </a:rPr>
+              <a:t>body</a:t>
+            </a:r>
           </a:p>
           <a:p>
             <a:pPr>
@@ -3183,47 +3153,7 @@
               <a:buFont typeface="Arial"/>
               <a:buChar char="•"/>
             </a:pPr>
-            <a:r>
-              <a:rPr lang="sv-SE" sz="2000" dirty="0" err="1" smtClean="0">
-                <a:solidFill>
-                  <a:srgbClr val="3095B4"/>
-                </a:solidFill>
-              </a:rPr>
-              <a:t>Answer</a:t>
-            </a:r>
-            <a:r>
-              <a:rPr lang="sv-SE" sz="2000" dirty="0" smtClean="0">
-                <a:solidFill>
-                  <a:srgbClr val="3095B4"/>
-                </a:solidFill>
-              </a:rPr>
-              <a:t>: </a:t>
-            </a:r>
-            <a:r>
-              <a:rPr lang="sv-SE" sz="2000" dirty="0" err="1" smtClean="0">
-                <a:solidFill>
-                  <a:srgbClr val="3095B4"/>
-                </a:solidFill>
-              </a:rPr>
-              <a:t>Anomymous</a:t>
-            </a:r>
-            <a:r>
-              <a:rPr lang="sv-SE" sz="2000" dirty="0" smtClean="0">
-                <a:solidFill>
-                  <a:srgbClr val="3095B4"/>
-                </a:solidFill>
-              </a:rPr>
-              <a:t> </a:t>
-            </a:r>
-            <a:r>
-              <a:rPr lang="sv-SE" sz="2000" dirty="0" err="1" smtClean="0">
-                <a:solidFill>
-                  <a:srgbClr val="3095B4"/>
-                </a:solidFill>
-              </a:rPr>
-              <a:t>classes</a:t>
-            </a:r>
-            <a:endParaRPr lang="sv-SE" sz="2000" dirty="0" smtClean="0">
+            <a:endParaRPr lang="en-US" sz="2000" dirty="0" smtClean="0">
               <a:solidFill>
                 <a:srgbClr val="3095B4"/>
               </a:solidFill>
@@ -3237,362 +3167,168 @@
               <a:buFont typeface="Arial"/>
               <a:buChar char="•"/>
             </a:pPr>
-            <a:endParaRPr lang="sv-SE" sz="2000" dirty="0">
+            <a:r>
+              <a:rPr lang="en-US" sz="2000" dirty="0" smtClean="0">
+                <a:solidFill>
+                  <a:srgbClr val="3095B4"/>
+                </a:solidFill>
+              </a:rPr>
+              <a:t>Examples </a:t>
+            </a:r>
+            <a:r>
+              <a:rPr lang="en-US" sz="2000" dirty="0">
+                <a:solidFill>
+                  <a:srgbClr val="3095B4"/>
+                </a:solidFill>
+              </a:rPr>
+              <a:t>of lambda expressions: </a:t>
+            </a:r>
+          </a:p>
+          <a:p>
+            <a:endParaRPr lang="en-US" sz="2000" dirty="0" smtClean="0">
               <a:solidFill>
                 <a:srgbClr val="3095B4"/>
               </a:solidFill>
             </a:endParaRPr>
           </a:p>
           <a:p>
-            <a:pPr>
-              <a:lnSpc>
-                <a:spcPct val="100000"/>
-              </a:lnSpc>
-              <a:buFont typeface="Arial"/>
-              <a:buChar char="•"/>
-            </a:pPr>
-            <a:r>
-              <a:rPr lang="sv-SE" sz="2000" dirty="0" smtClean="0">
-                <a:solidFill>
-                  <a:srgbClr val="3095B4"/>
-                </a:solidFill>
-              </a:rPr>
-              <a:t>Nice? No, </a:t>
-            </a:r>
-            <a:r>
-              <a:rPr lang="sv-SE" sz="2000" dirty="0" err="1" smtClean="0">
-                <a:solidFill>
-                  <a:srgbClr val="3095B4"/>
-                </a:solidFill>
-              </a:rPr>
-              <a:t>too</a:t>
-            </a:r>
-            <a:r>
-              <a:rPr lang="sv-SE" sz="2000" dirty="0" smtClean="0">
+            <a:r>
+              <a:rPr lang="en-US" sz="2000" dirty="0" smtClean="0">
+                <a:solidFill>
+                  <a:srgbClr val="3095B4"/>
+                </a:solidFill>
+              </a:rPr>
+              <a:t>s </a:t>
+            </a:r>
+            <a:r>
+              <a:rPr lang="en-US" sz="2000" dirty="0">
+                <a:solidFill>
+                  <a:srgbClr val="3095B4"/>
+                </a:solidFill>
+              </a:rPr>
+              <a:t>-&gt; </a:t>
+            </a:r>
+            <a:r>
+              <a:rPr lang="en-US" sz="2000" dirty="0" err="1">
+                <a:solidFill>
+                  <a:srgbClr val="3095B4"/>
+                </a:solidFill>
+              </a:rPr>
+              <a:t>s.length</a:t>
+            </a:r>
+            <a:r>
+              <a:rPr lang="en-US" sz="2000" dirty="0">
+                <a:solidFill>
+                  <a:srgbClr val="3095B4"/>
+                </a:solidFill>
+              </a:rPr>
+              <a:t>() </a:t>
+            </a:r>
+            <a:endParaRPr lang="en-US" sz="2000" dirty="0" smtClean="0">
+              <a:solidFill>
+                <a:srgbClr val="3095B4"/>
+              </a:solidFill>
+            </a:endParaRPr>
+          </a:p>
+          <a:p>
+            <a:endParaRPr lang="en-US" sz="2000" dirty="0">
+              <a:solidFill>
+                <a:srgbClr val="3095B4"/>
+              </a:solidFill>
+            </a:endParaRPr>
+          </a:p>
+          <a:p>
+            <a:r>
+              <a:rPr lang="en-US" sz="2000" dirty="0" smtClean="0">
+                <a:solidFill>
+                  <a:srgbClr val="3095B4"/>
+                </a:solidFill>
+              </a:rPr>
+              <a:t>(</a:t>
+            </a:r>
+            <a:r>
+              <a:rPr lang="en-US" sz="2000" dirty="0" err="1">
+                <a:solidFill>
+                  <a:srgbClr val="3095B4"/>
+                </a:solidFill>
+              </a:rPr>
+              <a:t>int</a:t>
+            </a:r>
+            <a:r>
+              <a:rPr lang="en-US" sz="2000" dirty="0">
+                <a:solidFill>
+                  <a:srgbClr val="3095B4"/>
+                </a:solidFill>
+              </a:rPr>
+              <a:t> x, </a:t>
+            </a:r>
+            <a:r>
+              <a:rPr lang="en-US" sz="2000" dirty="0" err="1">
+                <a:solidFill>
+                  <a:srgbClr val="3095B4"/>
+                </a:solidFill>
+              </a:rPr>
+              <a:t>int</a:t>
+            </a:r>
+            <a:r>
+              <a:rPr lang="en-US" sz="2000" dirty="0">
+                <a:solidFill>
+                  <a:srgbClr val="3095B4"/>
+                </a:solidFill>
+              </a:rPr>
+              <a:t> y) -&gt; </a:t>
+            </a:r>
+            <a:r>
+              <a:rPr lang="en-US" sz="2000" dirty="0" err="1">
+                <a:solidFill>
+                  <a:srgbClr val="3095B4"/>
+                </a:solidFill>
+              </a:rPr>
+              <a:t>x+y</a:t>
+            </a:r>
+            <a:r>
+              <a:rPr lang="en-US" sz="2000" dirty="0">
                 <a:solidFill>
                   <a:srgbClr val="3095B4"/>
                 </a:solidFill>
               </a:rPr>
               <a:t> </a:t>
             </a:r>
-            <a:r>
-              <a:rPr lang="sv-SE" sz="2000" dirty="0" err="1" smtClean="0">
-                <a:solidFill>
-                  <a:srgbClr val="3095B4"/>
-                </a:solidFill>
-              </a:rPr>
-              <a:t>much</a:t>
-            </a:r>
-            <a:r>
-              <a:rPr lang="sv-SE" sz="2000" dirty="0" smtClean="0">
-                <a:solidFill>
-                  <a:srgbClr val="3095B4"/>
-                </a:solidFill>
-              </a:rPr>
-              <a:t> </a:t>
-            </a:r>
-            <a:r>
-              <a:rPr lang="sv-SE" sz="2000" dirty="0" err="1" smtClean="0">
-                <a:solidFill>
-                  <a:srgbClr val="3095B4"/>
-                </a:solidFill>
-              </a:rPr>
-              <a:t>noise</a:t>
-            </a:r>
-            <a:r>
-              <a:rPr lang="sv-SE" sz="2000" dirty="0" smtClean="0">
-                <a:solidFill>
-                  <a:srgbClr val="3095B4"/>
-                </a:solidFill>
-              </a:rPr>
-              <a:t>!</a:t>
+            <a:endParaRPr lang="en-US" sz="2000" dirty="0" smtClean="0">
+              <a:solidFill>
+                <a:srgbClr val="3095B4"/>
+              </a:solidFill>
+            </a:endParaRPr>
+          </a:p>
+          <a:p>
+            <a:endParaRPr lang="en-US" sz="2000" dirty="0">
+              <a:solidFill>
+                <a:srgbClr val="3095B4"/>
+              </a:solidFill>
+            </a:endParaRPr>
+          </a:p>
+          <a:p>
+            <a:r>
+              <a:rPr lang="en-US" sz="2000" dirty="0" smtClean="0">
+                <a:solidFill>
+                  <a:srgbClr val="3095B4"/>
+                </a:solidFill>
+              </a:rPr>
+              <a:t>() </a:t>
+            </a:r>
+            <a:r>
+              <a:rPr lang="en-US" sz="2000" dirty="0">
+                <a:solidFill>
+                  <a:srgbClr val="3095B4"/>
+                </a:solidFill>
+              </a:rPr>
+              <a:t>-&gt; 42 </a:t>
             </a:r>
             <a:endParaRPr sz="2000" dirty="0">
               <a:solidFill>
                 <a:srgbClr val="3095B4"/>
               </a:solidFill>
             </a:endParaRPr>
-          </a:p>
-          <a:p>
-            <a:pPr>
-              <a:lnSpc>
-                <a:spcPct val="100000"/>
-              </a:lnSpc>
-              <a:buFont typeface="Arial"/>
-              <a:buChar char="•"/>
-            </a:pPr>
-            <a:endParaRPr dirty="0"/>
-          </a:p>
-          <a:p>
-            <a:pPr>
-              <a:lnSpc>
-                <a:spcPct val="100000"/>
-              </a:lnSpc>
-              <a:buFont typeface="Arial"/>
-              <a:buChar char="•"/>
-            </a:pPr>
-            <a:r>
-              <a:rPr lang="sv-SE" sz="2000" dirty="0" err="1">
-                <a:solidFill>
-                  <a:srgbClr val="3095B4"/>
-                </a:solidFill>
-              </a:rPr>
-              <a:t>Example</a:t>
-            </a:r>
-            <a:r>
-              <a:rPr lang="sv-SE" sz="2000" dirty="0">
-                <a:solidFill>
-                  <a:srgbClr val="3095B4"/>
-                </a:solidFill>
-              </a:rPr>
-              <a:t>:</a:t>
-            </a:r>
-          </a:p>
-          <a:p>
-            <a:pPr>
-              <a:lnSpc>
-                <a:spcPct val="100000"/>
-              </a:lnSpc>
-            </a:pPr>
-            <a:endParaRPr lang="sv-SE" sz="2000" dirty="0" smtClean="0">
-              <a:solidFill>
-                <a:srgbClr val="3095B4"/>
-              </a:solidFill>
-            </a:endParaRPr>
-          </a:p>
-          <a:p>
-            <a:pPr>
-              <a:lnSpc>
-                <a:spcPct val="100000"/>
-              </a:lnSpc>
-            </a:pPr>
-            <a:r>
-              <a:rPr lang="sv-SE" sz="2000" dirty="0" err="1" smtClean="0">
-                <a:solidFill>
-                  <a:srgbClr val="3095B4"/>
-                </a:solidFill>
-              </a:rPr>
-              <a:t>btn.setOnAction</a:t>
-            </a:r>
-            <a:r>
-              <a:rPr lang="sv-SE" sz="2000" dirty="0" smtClean="0">
-                <a:solidFill>
-                  <a:srgbClr val="3095B4"/>
-                </a:solidFill>
-              </a:rPr>
-              <a:t>(new </a:t>
-            </a:r>
-            <a:r>
-              <a:rPr lang="sv-SE" sz="2000" dirty="0" err="1">
-                <a:solidFill>
-                  <a:srgbClr val="3095B4"/>
-                </a:solidFill>
-              </a:rPr>
-              <a:t>EventHandler</a:t>
-            </a:r>
-            <a:r>
-              <a:rPr lang="sv-SE" sz="2000" dirty="0">
-                <a:solidFill>
-                  <a:srgbClr val="3095B4"/>
-                </a:solidFill>
-              </a:rPr>
-              <a:t>&lt;</a:t>
-            </a:r>
-            <a:r>
-              <a:rPr lang="sv-SE" sz="2000" dirty="0" err="1">
-                <a:solidFill>
-                  <a:srgbClr val="3095B4"/>
-                </a:solidFill>
-              </a:rPr>
-              <a:t>ActionEvent</a:t>
-            </a:r>
-            <a:r>
-              <a:rPr lang="sv-SE" sz="2000" dirty="0">
-                <a:solidFill>
-                  <a:srgbClr val="3095B4"/>
-                </a:solidFill>
-              </a:rPr>
-              <a:t>&gt;() { </a:t>
-            </a:r>
-            <a:endParaRPr lang="sv-SE" sz="2000" dirty="0" smtClean="0">
-              <a:solidFill>
-                <a:srgbClr val="3095B4"/>
-              </a:solidFill>
-            </a:endParaRPr>
-          </a:p>
-          <a:p>
-            <a:pPr>
-              <a:lnSpc>
-                <a:spcPct val="100000"/>
-              </a:lnSpc>
-            </a:pPr>
-            <a:r>
-              <a:rPr lang="sv-SE" sz="2000" dirty="0" smtClean="0">
-                <a:solidFill>
-                  <a:srgbClr val="3095B4"/>
-                </a:solidFill>
-              </a:rPr>
-              <a:t>      @</a:t>
-            </a:r>
-            <a:r>
-              <a:rPr lang="sv-SE" sz="2000" dirty="0" err="1">
-                <a:solidFill>
-                  <a:srgbClr val="3095B4"/>
-                </a:solidFill>
-              </a:rPr>
-              <a:t>Override</a:t>
-            </a:r>
-            <a:r>
-              <a:rPr lang="sv-SE" sz="2000" dirty="0">
-                <a:solidFill>
-                  <a:srgbClr val="3095B4"/>
-                </a:solidFill>
-              </a:rPr>
-              <a:t> </a:t>
-            </a:r>
-          </a:p>
-          <a:p>
-            <a:pPr>
-              <a:lnSpc>
-                <a:spcPct val="100000"/>
-              </a:lnSpc>
-            </a:pPr>
-            <a:r>
-              <a:rPr lang="sv-SE" sz="2000" dirty="0" smtClean="0">
-                <a:solidFill>
-                  <a:srgbClr val="3095B4"/>
-                </a:solidFill>
-              </a:rPr>
-              <a:t>       public </a:t>
-            </a:r>
-            <a:r>
-              <a:rPr lang="sv-SE" sz="2000" dirty="0" err="1">
-                <a:solidFill>
-                  <a:srgbClr val="3095B4"/>
-                </a:solidFill>
-              </a:rPr>
-              <a:t>void</a:t>
-            </a:r>
-            <a:r>
-              <a:rPr lang="sv-SE" sz="2000" dirty="0">
-                <a:solidFill>
-                  <a:srgbClr val="3095B4"/>
-                </a:solidFill>
-              </a:rPr>
-              <a:t> </a:t>
-            </a:r>
-            <a:r>
-              <a:rPr lang="sv-SE" sz="2000" dirty="0" err="1">
-                <a:solidFill>
-                  <a:srgbClr val="3095B4"/>
-                </a:solidFill>
-              </a:rPr>
-              <a:t>handle</a:t>
-            </a:r>
-            <a:r>
-              <a:rPr lang="sv-SE" sz="2000" dirty="0">
-                <a:solidFill>
-                  <a:srgbClr val="3095B4"/>
-                </a:solidFill>
-              </a:rPr>
-              <a:t>(</a:t>
-            </a:r>
-            <a:r>
-              <a:rPr lang="sv-SE" sz="2000" dirty="0" err="1">
-                <a:solidFill>
-                  <a:srgbClr val="3095B4"/>
-                </a:solidFill>
-              </a:rPr>
-              <a:t>ActionEvent</a:t>
-            </a:r>
-            <a:r>
-              <a:rPr lang="sv-SE" sz="2000" dirty="0">
-                <a:solidFill>
-                  <a:srgbClr val="3095B4"/>
-                </a:solidFill>
-              </a:rPr>
-              <a:t> event) { </a:t>
-            </a:r>
-            <a:r>
-              <a:rPr lang="sv-SE" sz="2000" dirty="0" smtClean="0">
-                <a:solidFill>
-                  <a:srgbClr val="3095B4"/>
-                </a:solidFill>
-              </a:rPr>
-              <a:t>				</a:t>
-            </a:r>
-            <a:r>
-              <a:rPr lang="sv-SE" sz="2000" dirty="0" err="1" smtClean="0">
-                <a:solidFill>
-                  <a:srgbClr val="3095B4"/>
-                </a:solidFill>
-              </a:rPr>
-              <a:t>System.out.println</a:t>
-            </a:r>
-            <a:r>
-              <a:rPr lang="sv-SE" sz="2000" dirty="0">
-                <a:solidFill>
-                  <a:srgbClr val="3095B4"/>
-                </a:solidFill>
-              </a:rPr>
-              <a:t>("Hello World!"); </a:t>
-            </a:r>
-            <a:endParaRPr lang="sv-SE" sz="2000" dirty="0" smtClean="0">
-              <a:solidFill>
-                <a:srgbClr val="3095B4"/>
-              </a:solidFill>
-            </a:endParaRPr>
-          </a:p>
-          <a:p>
-            <a:pPr>
-              <a:lnSpc>
-                <a:spcPct val="100000"/>
-              </a:lnSpc>
-            </a:pPr>
-            <a:r>
-              <a:rPr lang="sv-SE" sz="2000" dirty="0">
-                <a:solidFill>
-                  <a:srgbClr val="3095B4"/>
-                </a:solidFill>
-              </a:rPr>
-              <a:t> </a:t>
-            </a:r>
-            <a:r>
-              <a:rPr lang="sv-SE" sz="2000" dirty="0" smtClean="0">
-                <a:solidFill>
-                  <a:srgbClr val="3095B4"/>
-                </a:solidFill>
-              </a:rPr>
-              <a:t>      }</a:t>
-            </a:r>
-          </a:p>
-          <a:p>
-            <a:pPr>
-              <a:lnSpc>
-                <a:spcPct val="100000"/>
-              </a:lnSpc>
-            </a:pPr>
-            <a:r>
-              <a:rPr lang="sv-SE" sz="2000" dirty="0" smtClean="0">
-                <a:solidFill>
-                  <a:srgbClr val="3095B4"/>
-                </a:solidFill>
-              </a:rPr>
-              <a:t>});</a:t>
-            </a:r>
-            <a:endParaRPr sz="2000" dirty="0">
-              <a:solidFill>
-                <a:srgbClr val="3095B4"/>
-              </a:solidFill>
-            </a:endParaRPr>
-          </a:p>
-          <a:p>
-            <a:pPr>
-              <a:lnSpc>
-                <a:spcPct val="100000"/>
-              </a:lnSpc>
-            </a:pPr>
-            <a:endParaRPr dirty="0"/>
           </a:p>
         </p:txBody>
       </p:sp>
@@ -3700,7 +3436,7 @@
         <p:spPr>
           <a:xfrm>
             <a:off x="871200" y="1626840"/>
-            <a:ext cx="7808400" cy="5042520"/>
+            <a:ext cx="7808400" cy="3664440"/>
           </a:xfrm>
           <a:prstGeom prst="rect">
             <a:avLst/>
@@ -3729,125 +3465,7 @@
                   <a:srgbClr val="3095B4"/>
                 </a:solidFill>
               </a:rPr>
-              <a:t>Task 4</a:t>
-            </a:r>
-          </a:p>
-          <a:p>
-            <a:pPr>
-              <a:lnSpc>
-                <a:spcPct val="100000"/>
-              </a:lnSpc>
-            </a:pPr>
-            <a:endParaRPr lang="en-US" sz="2000" dirty="0" smtClean="0">
-              <a:solidFill>
-                <a:srgbClr val="3095B4"/>
-              </a:solidFill>
-            </a:endParaRPr>
-          </a:p>
-          <a:p>
-            <a:pPr marL="457200" indent="-457200">
-              <a:buAutoNum type="arabicPeriod"/>
-            </a:pPr>
-            <a:r>
-              <a:rPr lang="en-US" sz="2000" dirty="0" smtClean="0">
-                <a:solidFill>
-                  <a:srgbClr val="3095B4"/>
-                </a:solidFill>
-              </a:rPr>
-              <a:t>Call </a:t>
-            </a:r>
-            <a:r>
-              <a:rPr lang="en-US" sz="2000" dirty="0" err="1" smtClean="0">
-                <a:solidFill>
-                  <a:srgbClr val="3095B4"/>
-                </a:solidFill>
-              </a:rPr>
-              <a:t>printPerson</a:t>
-            </a:r>
-            <a:r>
-              <a:rPr lang="en-US" sz="2000" dirty="0" smtClean="0">
-                <a:solidFill>
-                  <a:srgbClr val="3095B4"/>
-                </a:solidFill>
-              </a:rPr>
-              <a:t> and Specify Search Criteria Code in an Anonymous Class</a:t>
-            </a:r>
-          </a:p>
-          <a:p>
-            <a:pPr marL="457200" indent="-457200">
-              <a:buAutoNum type="arabicPeriod"/>
-            </a:pPr>
-            <a:endParaRPr lang="en-US" sz="2000" dirty="0" smtClean="0">
-              <a:solidFill>
-                <a:srgbClr val="3095B4"/>
-              </a:solidFill>
-            </a:endParaRPr>
-          </a:p>
-          <a:p>
-            <a:pPr>
-              <a:lnSpc>
-                <a:spcPct val="100000"/>
-              </a:lnSpc>
-            </a:pPr>
-            <a:endParaRPr lang="en-US" sz="2000" dirty="0" smtClean="0">
-              <a:solidFill>
-                <a:srgbClr val="3095B4"/>
-              </a:solidFill>
-            </a:endParaRPr>
-          </a:p>
-          <a:p>
-            <a:pPr>
-              <a:lnSpc>
-                <a:spcPct val="100000"/>
-              </a:lnSpc>
-            </a:pPr>
-            <a:r>
-              <a:rPr lang="sv-SE" sz="2000" dirty="0" smtClean="0">
-                <a:solidFill>
-                  <a:srgbClr val="3095B4"/>
-                </a:solidFill>
-              </a:rPr>
-              <a:t>	</a:t>
-            </a:r>
-            <a:r>
-              <a:rPr lang="sv-SE" sz="2000" dirty="0" err="1" smtClean="0">
-                <a:solidFill>
-                  <a:srgbClr val="3095B4"/>
-                </a:solidFill>
-              </a:rPr>
-              <a:t>printPersons</a:t>
-            </a:r>
-            <a:r>
-              <a:rPr lang="sv-SE" sz="2000" dirty="0">
-                <a:solidFill>
-                  <a:srgbClr val="3095B4"/>
-                </a:solidFill>
-              </a:rPr>
-              <a:t>( </a:t>
-            </a:r>
-            <a:r>
-              <a:rPr lang="sv-SE" sz="2000" dirty="0" smtClean="0">
-                <a:solidFill>
-                  <a:srgbClr val="3095B4"/>
-                </a:solidFill>
-              </a:rPr>
-              <a:t>person, new </a:t>
-            </a:r>
-            <a:r>
-              <a:rPr lang="sv-SE" sz="2000" dirty="0" err="1" smtClean="0">
-                <a:solidFill>
-                  <a:srgbClr val="3095B4"/>
-                </a:solidFill>
-              </a:rPr>
-              <a:t>CheckPerson</a:t>
-            </a:r>
-            <a:r>
-              <a:rPr lang="sv-SE" sz="2000" dirty="0" smtClean="0">
-                <a:solidFill>
-                  <a:srgbClr val="3095B4"/>
-                </a:solidFill>
-              </a:rPr>
-              <a:t>() {…</a:t>
+              <a:t>Solution?</a:t>
             </a:r>
             <a:endParaRPr lang="en-US" sz="2000" dirty="0">
               <a:solidFill>
@@ -3860,7 +3478,7 @@
     </p:spTree>
     <p:extLst>
       <p:ext uri="{BB962C8B-B14F-4D97-AF65-F5344CB8AC3E}">
-        <p14:creationId xmlns:p14="http://schemas.microsoft.com/office/powerpoint/2010/main" val="949413036"/>
+        <p14:creationId xmlns:p14="http://schemas.microsoft.com/office/powerpoint/2010/main" val="776329511"/>
       </p:ext>
     </p:extLst>
   </p:cSld>
@@ -3966,7 +3584,7 @@
         <p:spPr>
           <a:xfrm>
             <a:off x="871200" y="1626840"/>
-            <a:ext cx="7808400" cy="5042520"/>
+            <a:ext cx="7808400" cy="3664440"/>
           </a:xfrm>
           <a:prstGeom prst="rect">
             <a:avLst/>
@@ -3995,57 +3613,43 @@
                   <a:srgbClr val="3095B4"/>
                 </a:solidFill>
               </a:rPr>
-              <a:t>Task 5</a:t>
-            </a:r>
-          </a:p>
-          <a:p>
-            <a:pPr>
-              <a:lnSpc>
-                <a:spcPct val="100000"/>
-              </a:lnSpc>
-            </a:pPr>
-            <a:endParaRPr lang="en-US" sz="2000" dirty="0" smtClean="0">
+              <a:t>Solution?</a:t>
+            </a:r>
+          </a:p>
+          <a:p>
+            <a:pPr>
+              <a:lnSpc>
+                <a:spcPct val="100000"/>
+              </a:lnSpc>
+            </a:pPr>
+            <a:endParaRPr lang="en-US" sz="2000" dirty="0">
               <a:solidFill>
                 <a:srgbClr val="3095B4"/>
               </a:solidFill>
             </a:endParaRPr>
           </a:p>
           <a:p>
-            <a:pPr marL="457200" indent="-457200">
-              <a:buAutoNum type="arabicPeriod"/>
-            </a:pPr>
-            <a:r>
-              <a:rPr lang="en-US" sz="2000" dirty="0">
-                <a:solidFill>
-                  <a:srgbClr val="3095B4"/>
-                </a:solidFill>
-              </a:rPr>
-              <a:t>The </a:t>
-            </a:r>
-            <a:r>
-              <a:rPr lang="en-US" sz="2000" dirty="0" err="1">
-                <a:solidFill>
-                  <a:srgbClr val="3095B4"/>
-                </a:solidFill>
-              </a:rPr>
-              <a:t>CheckPerson</a:t>
-            </a:r>
-            <a:r>
-              <a:rPr lang="en-US" sz="2000" dirty="0">
-                <a:solidFill>
-                  <a:srgbClr val="3095B4"/>
-                </a:solidFill>
-              </a:rPr>
-              <a:t> interface is a functional interface. A functional interface is any interface that contains only one method</a:t>
-            </a:r>
-          </a:p>
-          <a:p>
-            <a:pPr>
-              <a:lnSpc>
-                <a:spcPct val="100000"/>
-              </a:lnSpc>
-            </a:pPr>
-            <a:endParaRPr lang="en-US" sz="2000" dirty="0" smtClean="0">
+            <a:pPr>
+              <a:lnSpc>
+                <a:spcPct val="100000"/>
+              </a:lnSpc>
+            </a:pPr>
+            <a:r>
+              <a:rPr lang="en-US" sz="2000" dirty="0" smtClean="0">
+                <a:solidFill>
+                  <a:srgbClr val="3095B4"/>
+                </a:solidFill>
+              </a:rPr>
+              <a:t>Separate the code that specifies the criteria you want to search in a different class.</a:t>
+            </a:r>
+          </a:p>
+          <a:p>
+            <a:pPr>
+              <a:lnSpc>
+                <a:spcPct val="100000"/>
+              </a:lnSpc>
+            </a:pPr>
+            <a:endParaRPr lang="en-US" sz="2000" dirty="0">
               <a:solidFill>
                 <a:srgbClr val="3095B4"/>
               </a:solidFill>
@@ -4056,7 +3660,7 @@
     </p:spTree>
     <p:extLst>
       <p:ext uri="{BB962C8B-B14F-4D97-AF65-F5344CB8AC3E}">
-        <p14:creationId xmlns:p14="http://schemas.microsoft.com/office/powerpoint/2010/main" val="1860879513"/>
+        <p14:creationId xmlns:p14="http://schemas.microsoft.com/office/powerpoint/2010/main" val="2933177584"/>
       </p:ext>
     </p:extLst>
   </p:cSld>
@@ -4191,7 +3795,7 @@
                   <a:srgbClr val="3095B4"/>
                 </a:solidFill>
               </a:rPr>
-              <a:t>Task 5</a:t>
+              <a:t>Task 3</a:t>
             </a:r>
           </a:p>
           <a:p>
@@ -4207,16 +3811,13 @@
             </a:endParaRPr>
           </a:p>
           <a:p>
-            <a:pPr marL="457200" indent="-457200">
-              <a:buAutoNum type="arabicPeriod"/>
-            </a:pPr>
             <a:r>
               <a:rPr lang="en-US" sz="2000" dirty="0" smtClean="0">
                 <a:solidFill>
                   <a:srgbClr val="3095B4"/>
                 </a:solidFill>
               </a:rPr>
-              <a:t>Call </a:t>
+              <a:t>1. Create a </a:t>
             </a:r>
             <a:r>
               <a:rPr lang="en-US" sz="2000" dirty="0" err="1" smtClean="0">
@@ -4224,7 +3825,7 @@
                   <a:srgbClr val="3095B4"/>
                 </a:solidFill>
               </a:rPr>
-              <a:t>printPerson</a:t>
+              <a:t>CheckPerson</a:t>
             </a:r>
             <a:r>
               <a:rPr lang="en-US" sz="2000" dirty="0" smtClean="0">
@@ -4232,16 +3833,15 @@
                   <a:srgbClr val="3095B4"/>
                 </a:solidFill>
               </a:rPr>
-              <a:t> and Specify Search Criteria Code with a Lambda </a:t>
-            </a:r>
-            <a:r>
-              <a:rPr lang="en-US" sz="2000" dirty="0" err="1" smtClean="0">
-                <a:solidFill>
-                  <a:srgbClr val="3095B4"/>
-                </a:solidFill>
-              </a:rPr>
-              <a:t>Expresssion</a:t>
-            </a:r>
+              <a:t> interface with one test method taking a Person object as input parameter</a:t>
+            </a:r>
+          </a:p>
+          <a:p>
+            <a:pPr>
+              <a:lnSpc>
+                <a:spcPct val="100000"/>
+              </a:lnSpc>
+            </a:pPr>
             <a:endParaRPr lang="en-US" sz="2000" dirty="0" smtClean="0">
               <a:solidFill>
                 <a:srgbClr val="3095B4"/>
@@ -4249,8 +3849,25 @@
             </a:endParaRPr>
           </a:p>
           <a:p>
-            <a:pPr marL="457200" indent="-457200">
-              <a:buAutoNum type="arabicPeriod"/>
+            <a:pPr>
+              <a:lnSpc>
+                <a:spcPct val="100000"/>
+              </a:lnSpc>
+            </a:pPr>
+            <a:r>
+              <a:rPr lang="en-US" sz="2000" dirty="0" smtClean="0">
+                <a:solidFill>
+                  <a:srgbClr val="3095B4"/>
+                </a:solidFill>
+              </a:rPr>
+              <a:t>2. Write a body to this method:</a:t>
+            </a:r>
+          </a:p>
+          <a:p>
+            <a:pPr>
+              <a:lnSpc>
+                <a:spcPct val="100000"/>
+              </a:lnSpc>
             </a:pPr>
             <a:endParaRPr lang="en-US" sz="2000" dirty="0" smtClean="0">
               <a:solidFill>
@@ -4264,62 +3881,333 @@
                 <a:spcPct val="100000"/>
               </a:lnSpc>
             </a:pPr>
+            <a:r>
+              <a:rPr lang="sv-SE" dirty="0" smtClean="0">
+                <a:solidFill>
+                  <a:srgbClr val="3095B4"/>
+                </a:solidFill>
+              </a:rPr>
+              <a:t>public </a:t>
+            </a:r>
+            <a:r>
+              <a:rPr lang="sv-SE" dirty="0" err="1" smtClean="0">
+                <a:solidFill>
+                  <a:srgbClr val="3095B4"/>
+                </a:solidFill>
+              </a:rPr>
+              <a:t>static</a:t>
+            </a:r>
+            <a:r>
+              <a:rPr lang="sv-SE" dirty="0" smtClean="0">
+                <a:solidFill>
+                  <a:srgbClr val="3095B4"/>
+                </a:solidFill>
+              </a:rPr>
+              <a:t> </a:t>
+            </a:r>
+            <a:r>
+              <a:rPr lang="sv-SE" dirty="0" err="1" smtClean="0">
+                <a:solidFill>
+                  <a:srgbClr val="3095B4"/>
+                </a:solidFill>
+              </a:rPr>
+              <a:t>void</a:t>
+            </a:r>
+            <a:r>
+              <a:rPr lang="sv-SE" dirty="0" smtClean="0">
+                <a:solidFill>
+                  <a:srgbClr val="3095B4"/>
+                </a:solidFill>
+              </a:rPr>
+              <a:t> </a:t>
+            </a:r>
+            <a:r>
+              <a:rPr lang="sv-SE" dirty="0" err="1" smtClean="0">
+                <a:solidFill>
+                  <a:srgbClr val="3095B4"/>
+                </a:solidFill>
+              </a:rPr>
+              <a:t>printPersons</a:t>
+            </a:r>
+            <a:r>
+              <a:rPr lang="sv-SE" dirty="0" smtClean="0">
+                <a:solidFill>
+                  <a:srgbClr val="3095B4"/>
+                </a:solidFill>
+              </a:rPr>
+              <a:t>( List&lt;Person&gt; persons, </a:t>
+            </a:r>
+            <a:r>
+              <a:rPr lang="sv-SE" dirty="0" err="1" smtClean="0">
+                <a:solidFill>
+                  <a:srgbClr val="3095B4"/>
+                </a:solidFill>
+              </a:rPr>
+              <a:t>CheckPerson</a:t>
+            </a:r>
+            <a:r>
+              <a:rPr lang="sv-SE" dirty="0" smtClean="0">
+                <a:solidFill>
+                  <a:srgbClr val="3095B4"/>
+                </a:solidFill>
+              </a:rPr>
+              <a:t> tester) {</a:t>
+            </a:r>
+          </a:p>
+          <a:p>
+            <a:pPr>
+              <a:lnSpc>
+                <a:spcPct val="100000"/>
+              </a:lnSpc>
+            </a:pPr>
+            <a:r>
+              <a:rPr lang="sv-SE" dirty="0" smtClean="0">
+                <a:solidFill>
+                  <a:srgbClr val="3095B4"/>
+                </a:solidFill>
+              </a:rPr>
+              <a:t>}</a:t>
+            </a:r>
+          </a:p>
+          <a:p>
+            <a:pPr>
+              <a:lnSpc>
+                <a:spcPct val="100000"/>
+              </a:lnSpc>
+            </a:pPr>
+            <a:endParaRPr lang="sv-SE" dirty="0" smtClean="0">
+              <a:solidFill>
+                <a:srgbClr val="3095B4"/>
+              </a:solidFill>
+            </a:endParaRPr>
+          </a:p>
+          <a:p>
+            <a:pPr>
+              <a:lnSpc>
+                <a:spcPct val="100000"/>
+              </a:lnSpc>
+            </a:pPr>
+            <a:r>
+              <a:rPr lang="sv-SE" dirty="0" smtClean="0">
+                <a:solidFill>
+                  <a:srgbClr val="3095B4"/>
+                </a:solidFill>
+              </a:rPr>
+              <a:t>3. </a:t>
+            </a:r>
+            <a:r>
+              <a:rPr lang="sv-SE" dirty="0" err="1" smtClean="0">
+                <a:solidFill>
+                  <a:srgbClr val="3095B4"/>
+                </a:solidFill>
+              </a:rPr>
+              <a:t>Write</a:t>
+            </a:r>
+            <a:r>
+              <a:rPr lang="sv-SE" dirty="0" smtClean="0">
+                <a:solidFill>
+                  <a:srgbClr val="3095B4"/>
+                </a:solidFill>
+              </a:rPr>
+              <a:t> a </a:t>
+            </a:r>
+            <a:r>
+              <a:rPr lang="sv-SE" dirty="0" err="1" smtClean="0">
+                <a:solidFill>
+                  <a:srgbClr val="3095B4"/>
+                </a:solidFill>
+              </a:rPr>
+              <a:t>body</a:t>
+            </a:r>
+            <a:r>
+              <a:rPr lang="sv-SE" dirty="0" smtClean="0">
+                <a:solidFill>
+                  <a:srgbClr val="3095B4"/>
+                </a:solidFill>
+              </a:rPr>
+              <a:t> </a:t>
+            </a:r>
+            <a:r>
+              <a:rPr lang="sv-SE" dirty="0" err="1" smtClean="0">
+                <a:solidFill>
+                  <a:srgbClr val="3095B4"/>
+                </a:solidFill>
+              </a:rPr>
+              <a:t>to</a:t>
+            </a:r>
+            <a:r>
+              <a:rPr lang="sv-SE" dirty="0" smtClean="0">
+                <a:solidFill>
+                  <a:srgbClr val="3095B4"/>
+                </a:solidFill>
+              </a:rPr>
+              <a:t> </a:t>
+            </a:r>
+            <a:r>
+              <a:rPr lang="sv-SE" dirty="0" err="1" smtClean="0">
+                <a:solidFill>
+                  <a:srgbClr val="3095B4"/>
+                </a:solidFill>
+              </a:rPr>
+              <a:t>this</a:t>
+            </a:r>
+            <a:r>
+              <a:rPr lang="sv-SE" dirty="0" smtClean="0">
+                <a:solidFill>
+                  <a:srgbClr val="3095B4"/>
+                </a:solidFill>
+              </a:rPr>
+              <a:t> </a:t>
+            </a:r>
+            <a:r>
+              <a:rPr lang="sv-SE" dirty="0" err="1" smtClean="0">
+                <a:solidFill>
+                  <a:srgbClr val="3095B4"/>
+                </a:solidFill>
+              </a:rPr>
+              <a:t>method</a:t>
+            </a:r>
+            <a:r>
+              <a:rPr lang="sv-SE" dirty="0" smtClean="0">
+                <a:solidFill>
+                  <a:srgbClr val="3095B4"/>
+                </a:solidFill>
+              </a:rPr>
+              <a:t> (:</a:t>
+            </a:r>
+            <a:endParaRPr lang="en-US" dirty="0" smtClean="0">
+              <a:solidFill>
+                <a:srgbClr val="3095B4"/>
+              </a:solidFill>
+            </a:endParaRPr>
+          </a:p>
+          <a:p>
+            <a:pPr>
+              <a:lnSpc>
+                <a:spcPct val="100000"/>
+              </a:lnSpc>
+            </a:pPr>
+            <a:r>
+              <a:rPr lang="en-US" dirty="0">
+                <a:solidFill>
+                  <a:srgbClr val="3095B4"/>
+                </a:solidFill>
+              </a:rPr>
+              <a:t>class </a:t>
+            </a:r>
+            <a:r>
+              <a:rPr lang="en-US" dirty="0" err="1">
+                <a:solidFill>
+                  <a:srgbClr val="3095B4"/>
+                </a:solidFill>
+              </a:rPr>
+              <a:t>CheckPersonEligibleForSelectiveService</a:t>
+            </a:r>
+            <a:r>
+              <a:rPr lang="en-US" dirty="0">
+                <a:solidFill>
+                  <a:srgbClr val="3095B4"/>
+                </a:solidFill>
+              </a:rPr>
+              <a:t> implements </a:t>
+            </a:r>
+            <a:r>
+              <a:rPr lang="en-US" dirty="0" err="1">
+                <a:solidFill>
+                  <a:srgbClr val="3095B4"/>
+                </a:solidFill>
+              </a:rPr>
+              <a:t>CheckPerson</a:t>
+            </a:r>
+            <a:r>
+              <a:rPr lang="en-US" dirty="0">
+                <a:solidFill>
+                  <a:srgbClr val="3095B4"/>
+                </a:solidFill>
+              </a:rPr>
+              <a:t> { </a:t>
+            </a:r>
+            <a:r>
+              <a:rPr lang="en-US" dirty="0" smtClean="0">
+                <a:solidFill>
+                  <a:srgbClr val="3095B4"/>
+                </a:solidFill>
+              </a:rPr>
+              <a:t>	public </a:t>
+            </a:r>
+            <a:r>
+              <a:rPr lang="en-US" dirty="0" err="1">
+                <a:solidFill>
+                  <a:srgbClr val="3095B4"/>
+                </a:solidFill>
+              </a:rPr>
+              <a:t>boolean</a:t>
+            </a:r>
+            <a:r>
+              <a:rPr lang="en-US" dirty="0">
+                <a:solidFill>
+                  <a:srgbClr val="3095B4"/>
+                </a:solidFill>
+              </a:rPr>
+              <a:t> test(Person p) </a:t>
+            </a:r>
+            <a:r>
+              <a:rPr lang="en-US" dirty="0" smtClean="0">
+                <a:solidFill>
+                  <a:srgbClr val="3095B4"/>
+                </a:solidFill>
+              </a:rPr>
+              <a:t>{</a:t>
+            </a:r>
+          </a:p>
+          <a:p>
+            <a:pPr>
+              <a:lnSpc>
+                <a:spcPct val="100000"/>
+              </a:lnSpc>
+            </a:pPr>
+            <a:r>
+              <a:rPr lang="en-US" dirty="0" smtClean="0">
+                <a:solidFill>
+                  <a:srgbClr val="3095B4"/>
+                </a:solidFill>
+              </a:rPr>
+              <a:t>	}</a:t>
+            </a:r>
+          </a:p>
+          <a:p>
+            <a:pPr>
+              <a:lnSpc>
+                <a:spcPct val="100000"/>
+              </a:lnSpc>
+            </a:pPr>
+            <a:r>
+              <a:rPr lang="en-US" dirty="0">
+                <a:solidFill>
+                  <a:srgbClr val="3095B4"/>
+                </a:solidFill>
+              </a:rPr>
+              <a:t>}</a:t>
+            </a:r>
+          </a:p>
+          <a:p>
+            <a:pPr>
+              <a:lnSpc>
+                <a:spcPct val="100000"/>
+              </a:lnSpc>
+            </a:pPr>
             <a:endParaRPr lang="en-US" sz="2000" dirty="0" smtClean="0">
               <a:solidFill>
                 <a:srgbClr val="3095B4"/>
               </a:solidFill>
             </a:endParaRPr>
           </a:p>
-          <a:p>
-            <a:pPr>
-              <a:lnSpc>
-                <a:spcPct val="100000"/>
-              </a:lnSpc>
-            </a:pPr>
-            <a:r>
-              <a:rPr lang="sv-SE" sz="2000" dirty="0" smtClean="0">
-                <a:solidFill>
-                  <a:srgbClr val="3095B4"/>
-                </a:solidFill>
-              </a:rPr>
-              <a:t>	</a:t>
-            </a:r>
-            <a:r>
-              <a:rPr lang="sv-SE" sz="2000" dirty="0" err="1" smtClean="0">
-                <a:solidFill>
-                  <a:srgbClr val="3095B4"/>
-                </a:solidFill>
-              </a:rPr>
-              <a:t>printPersons</a:t>
-            </a:r>
-            <a:r>
-              <a:rPr lang="sv-SE" sz="2000" dirty="0">
-                <a:solidFill>
-                  <a:srgbClr val="3095B4"/>
-                </a:solidFill>
-              </a:rPr>
-              <a:t>( </a:t>
-            </a:r>
-            <a:r>
-              <a:rPr lang="sv-SE" sz="2000" dirty="0" smtClean="0">
-                <a:solidFill>
-                  <a:srgbClr val="3095B4"/>
-                </a:solidFill>
-              </a:rPr>
-              <a:t>person, (Person p) -&gt;</a:t>
-            </a:r>
-            <a:endParaRPr lang="en-US" sz="2000" dirty="0">
-              <a:solidFill>
-                <a:srgbClr val="3095B4"/>
-              </a:solidFill>
-            </a:endParaRPr>
-          </a:p>
         </p:txBody>
       </p:sp>
     </p:spTree>
     <p:extLst>
       <p:ext uri="{BB962C8B-B14F-4D97-AF65-F5344CB8AC3E}">
-        <p14:creationId xmlns:p14="http://schemas.microsoft.com/office/powerpoint/2010/main" val="3319973182"/>
+        <p14:creationId xmlns:p14="http://schemas.microsoft.com/office/powerpoint/2010/main" val="3288175128"/>
       </p:ext>
     </p:extLst>
   </p:cSld>
@@ -4454,7 +4342,7 @@
                   <a:srgbClr val="3095B4"/>
                 </a:solidFill>
               </a:rPr>
-              <a:t>Task 6 Replace your interface with an existing one</a:t>
+              <a:t>Task 4</a:t>
             </a:r>
           </a:p>
           <a:p>
@@ -4470,38 +4358,38 @@
             </a:endParaRPr>
           </a:p>
           <a:p>
-            <a:r>
-              <a:rPr lang="en-US" sz="2000" dirty="0">
-                <a:solidFill>
-                  <a:srgbClr val="3095B4"/>
-                </a:solidFill>
-              </a:rPr>
-              <a:t> </a:t>
-            </a:r>
+            <a:pPr marL="457200" indent="-457200">
+              <a:buAutoNum type="arabicPeriod"/>
+            </a:pPr>
             <a:r>
               <a:rPr lang="en-US" sz="2000" dirty="0" smtClean="0">
                 <a:solidFill>
                   <a:srgbClr val="3095B4"/>
                 </a:solidFill>
               </a:rPr>
-              <a:t>      interface </a:t>
-            </a:r>
-            <a:r>
-              <a:rPr lang="en-US" sz="2000" dirty="0" err="1">
-                <a:solidFill>
-                  <a:srgbClr val="3095B4"/>
-                </a:solidFill>
-              </a:rPr>
-              <a:t>CheckPerson</a:t>
-            </a:r>
-            <a:r>
-              <a:rPr lang="en-US" sz="2000" dirty="0">
-                <a:solidFill>
-                  <a:srgbClr val="3095B4"/>
-                </a:solidFill>
-              </a:rPr>
-              <a:t> { </a:t>
-            </a:r>
+              <a:t>Call </a:t>
+            </a:r>
+            <a:r>
+              <a:rPr lang="en-US" sz="2000" dirty="0" err="1" smtClean="0">
+                <a:solidFill>
+                  <a:srgbClr val="3095B4"/>
+                </a:solidFill>
+              </a:rPr>
+              <a:t>printPerson</a:t>
+            </a:r>
+            <a:r>
+              <a:rPr lang="en-US" sz="2000" dirty="0" smtClean="0">
+                <a:solidFill>
+                  <a:srgbClr val="3095B4"/>
+                </a:solidFill>
+              </a:rPr>
+              <a:t> and Specify Search Criteria Code in an Anonymous Class</a:t>
+            </a:r>
+          </a:p>
+          <a:p>
+            <a:pPr marL="457200" indent="-457200">
+              <a:buAutoNum type="arabicPeriod"/>
+            </a:pPr>
             <a:endParaRPr lang="en-US" sz="2000" dirty="0" smtClean="0">
               <a:solidFill>
                 <a:srgbClr val="3095B4"/>
@@ -4509,39 +4397,11 @@
             </a:endParaRPr>
           </a:p>
           <a:p>
-            <a:pPr lvl="1"/>
-            <a:r>
-              <a:rPr lang="en-US" sz="2000" dirty="0" smtClean="0">
-                <a:solidFill>
-                  <a:srgbClr val="3095B4"/>
-                </a:solidFill>
-              </a:rPr>
-              <a:t>         </a:t>
-            </a:r>
-            <a:r>
-              <a:rPr lang="en-US" sz="2000" dirty="0" err="1" smtClean="0">
-                <a:solidFill>
-                  <a:srgbClr val="3095B4"/>
-                </a:solidFill>
-              </a:rPr>
-              <a:t>boolean</a:t>
-            </a:r>
-            <a:r>
-              <a:rPr lang="en-US" sz="2000" dirty="0" smtClean="0">
-                <a:solidFill>
-                  <a:srgbClr val="3095B4"/>
-                </a:solidFill>
-              </a:rPr>
-              <a:t> </a:t>
-            </a:r>
-            <a:r>
-              <a:rPr lang="en-US" sz="2000" dirty="0">
-                <a:solidFill>
-                  <a:srgbClr val="3095B4"/>
-                </a:solidFill>
-              </a:rPr>
-              <a:t>test(Person p); </a:t>
-            </a:r>
+            <a:pPr>
+              <a:lnSpc>
+                <a:spcPct val="100000"/>
+              </a:lnSpc>
+            </a:pPr>
             <a:endParaRPr lang="en-US" sz="2000" dirty="0" smtClean="0">
               <a:solidFill>
                 <a:srgbClr val="3095B4"/>
@@ -4549,14 +4409,58 @@
             </a:endParaRPr>
           </a:p>
           <a:p>
-            <a:pPr lvl="1"/>
-            <a:r>
-              <a:rPr lang="en-US" sz="2000" dirty="0" smtClean="0">
-                <a:solidFill>
-                  <a:srgbClr val="3095B4"/>
-                </a:solidFill>
-              </a:rPr>
-              <a:t>}</a:t>
+            <a:pPr>
+              <a:lnSpc>
+                <a:spcPct val="100000"/>
+              </a:lnSpc>
+            </a:pPr>
+            <a:r>
+              <a:rPr lang="sv-SE" sz="2000" dirty="0" smtClean="0">
+                <a:solidFill>
+                  <a:srgbClr val="3095B4"/>
+                </a:solidFill>
+              </a:rPr>
+              <a:t>	</a:t>
+            </a:r>
+            <a:r>
+              <a:rPr lang="sv-SE" sz="2000" dirty="0" err="1" smtClean="0">
+                <a:solidFill>
+                  <a:srgbClr val="3095B4"/>
+                </a:solidFill>
+              </a:rPr>
+              <a:t>printPersons</a:t>
+            </a:r>
+            <a:r>
+              <a:rPr lang="sv-SE" sz="2000" dirty="0">
+                <a:solidFill>
+                  <a:srgbClr val="3095B4"/>
+                </a:solidFill>
+              </a:rPr>
+              <a:t>( </a:t>
+            </a:r>
+            <a:r>
+              <a:rPr lang="sv-SE" sz="2000" dirty="0" smtClean="0">
+                <a:solidFill>
+                  <a:srgbClr val="3095B4"/>
+                </a:solidFill>
+              </a:rPr>
+              <a:t>person, new </a:t>
+            </a:r>
+            <a:r>
+              <a:rPr lang="sv-SE" sz="2000" dirty="0" err="1" smtClean="0">
+                <a:solidFill>
+                  <a:srgbClr val="3095B4"/>
+                </a:solidFill>
+              </a:rPr>
+              <a:t>CheckPerson</a:t>
+            </a:r>
+            <a:r>
+              <a:rPr lang="sv-SE" sz="2000" dirty="0" smtClean="0">
+                <a:solidFill>
+                  <a:srgbClr val="3095B4"/>
+                </a:solidFill>
+              </a:rPr>
+              <a:t>() {…</a:t>
             </a:r>
             <a:endParaRPr lang="en-US" sz="2000" dirty="0">
               <a:solidFill>
@@ -4569,7 +4473,7 @@
     </p:spTree>
     <p:extLst>
       <p:ext uri="{BB962C8B-B14F-4D97-AF65-F5344CB8AC3E}">
-        <p14:creationId xmlns:p14="http://schemas.microsoft.com/office/powerpoint/2010/main" val="3549172482"/>
+        <p14:creationId xmlns:p14="http://schemas.microsoft.com/office/powerpoint/2010/main" val="949413036"/>
       </p:ext>
     </p:extLst>
   </p:cSld>
@@ -4704,7 +4608,7 @@
                   <a:srgbClr val="3095B4"/>
                 </a:solidFill>
               </a:rPr>
-              <a:t>Task 6 This is a good one</a:t>
+              <a:t>Task 5</a:t>
             </a:r>
           </a:p>
           <a:p>
@@ -4720,112 +4624,52 @@
             </a:endParaRPr>
           </a:p>
           <a:p>
+            <a:pPr marL="457200" indent="-457200">
+              <a:buAutoNum type="arabicPeriod"/>
+            </a:pPr>
             <a:r>
               <a:rPr lang="en-US" sz="2000" dirty="0">
                 <a:solidFill>
                   <a:srgbClr val="3095B4"/>
                 </a:solidFill>
               </a:rPr>
-              <a:t> </a:t>
-            </a:r>
-            <a:r>
-              <a:rPr lang="en-US" sz="2000" dirty="0" smtClean="0">
-                <a:solidFill>
-                  <a:srgbClr val="3095B4"/>
-                </a:solidFill>
-              </a:rPr>
-              <a:t>      </a:t>
-            </a:r>
-            <a:r>
-              <a:rPr lang="sv-SE" sz="2000" dirty="0">
-                <a:solidFill>
-                  <a:srgbClr val="3095B4"/>
-                </a:solidFill>
-              </a:rPr>
-              <a:t>interface </a:t>
-            </a:r>
-            <a:r>
-              <a:rPr lang="sv-SE" sz="2000" dirty="0" err="1">
-                <a:solidFill>
-                  <a:srgbClr val="3095B4"/>
-                </a:solidFill>
-              </a:rPr>
-              <a:t>Predicate</a:t>
-            </a:r>
-            <a:r>
-              <a:rPr lang="sv-SE" sz="2000" dirty="0">
-                <a:solidFill>
-                  <a:srgbClr val="3095B4"/>
-                </a:solidFill>
-              </a:rPr>
-              <a:t>&lt;T&gt; { </a:t>
-            </a:r>
-            <a:endParaRPr lang="sv-SE" sz="2000" dirty="0" smtClean="0">
+              <a:t>The </a:t>
+            </a:r>
+            <a:r>
+              <a:rPr lang="en-US" sz="2000" dirty="0" err="1">
+                <a:solidFill>
+                  <a:srgbClr val="3095B4"/>
+                </a:solidFill>
+              </a:rPr>
+              <a:t>CheckPerson</a:t>
+            </a:r>
+            <a:r>
+              <a:rPr lang="en-US" sz="2000" dirty="0">
+                <a:solidFill>
+                  <a:srgbClr val="3095B4"/>
+                </a:solidFill>
+              </a:rPr>
+              <a:t> interface is a functional interface. A functional interface is any interface that contains only one method</a:t>
+            </a:r>
+          </a:p>
+          <a:p>
+            <a:pPr>
+              <a:lnSpc>
+                <a:spcPct val="100000"/>
+              </a:lnSpc>
+            </a:pPr>
+            <a:endParaRPr lang="en-US" sz="2000" dirty="0" smtClean="0">
               <a:solidFill>
                 <a:srgbClr val="3095B4"/>
               </a:solidFill>
             </a:endParaRPr>
           </a:p>
-          <a:p>
-            <a:r>
-              <a:rPr lang="sv-SE" sz="2000" dirty="0">
-                <a:solidFill>
-                  <a:srgbClr val="3095B4"/>
-                </a:solidFill>
-              </a:rPr>
-              <a:t>	</a:t>
-            </a:r>
-            <a:r>
-              <a:rPr lang="sv-SE" sz="2000" dirty="0" err="1" smtClean="0">
-                <a:solidFill>
-                  <a:srgbClr val="3095B4"/>
-                </a:solidFill>
-              </a:rPr>
-              <a:t>boolean</a:t>
-            </a:r>
-            <a:r>
-              <a:rPr lang="sv-SE" sz="2000" dirty="0" smtClean="0">
-                <a:solidFill>
-                  <a:srgbClr val="3095B4"/>
-                </a:solidFill>
-              </a:rPr>
-              <a:t> </a:t>
-            </a:r>
-            <a:r>
-              <a:rPr lang="sv-SE" sz="2000" dirty="0">
-                <a:solidFill>
-                  <a:srgbClr val="3095B4"/>
-                </a:solidFill>
-              </a:rPr>
-              <a:t>test(T t); </a:t>
-            </a:r>
-            <a:endParaRPr lang="sv-SE" sz="2000" dirty="0" smtClean="0">
-              <a:solidFill>
-                <a:srgbClr val="3095B4"/>
-              </a:solidFill>
-            </a:endParaRPr>
-          </a:p>
-          <a:p>
-            <a:r>
-              <a:rPr lang="sv-SE" sz="2000" dirty="0" smtClean="0">
-                <a:solidFill>
-                  <a:srgbClr val="3095B4"/>
-                </a:solidFill>
-              </a:rPr>
-              <a:t>        }</a:t>
-            </a:r>
-            <a:endParaRPr lang="en-US" sz="2000" dirty="0">
-              <a:solidFill>
-                <a:srgbClr val="3095B4"/>
-              </a:solidFill>
-            </a:endParaRPr>
-          </a:p>
         </p:txBody>
       </p:sp>
     </p:spTree>
     <p:extLst>
       <p:ext uri="{BB962C8B-B14F-4D97-AF65-F5344CB8AC3E}">
-        <p14:creationId xmlns:p14="http://schemas.microsoft.com/office/powerpoint/2010/main" val="3099518014"/>
+        <p14:creationId xmlns:p14="http://schemas.microsoft.com/office/powerpoint/2010/main" val="1860879513"/>
       </p:ext>
     </p:extLst>
   </p:cSld>
@@ -4960,7 +4804,7 @@
                   <a:srgbClr val="3095B4"/>
                 </a:solidFill>
               </a:rPr>
-              <a:t>Task 6 Task 5 should still work</a:t>
+              <a:t>Task 5</a:t>
             </a:r>
           </a:p>
           <a:p>
@@ -4975,12 +4819,120 @@
               </a:solidFill>
             </a:endParaRPr>
           </a:p>
+          <a:p>
+            <a:pPr marL="457200" indent="-457200">
+              <a:buAutoNum type="arabicPeriod"/>
+            </a:pPr>
+            <a:r>
+              <a:rPr lang="en-US" sz="2000" dirty="0" smtClean="0">
+                <a:solidFill>
+                  <a:srgbClr val="3095B4"/>
+                </a:solidFill>
+              </a:rPr>
+              <a:t>Call </a:t>
+            </a:r>
+            <a:r>
+              <a:rPr lang="en-US" sz="2000" dirty="0" err="1" smtClean="0">
+                <a:solidFill>
+                  <a:srgbClr val="3095B4"/>
+                </a:solidFill>
+              </a:rPr>
+              <a:t>printPerson</a:t>
+            </a:r>
+            <a:r>
+              <a:rPr lang="en-US" sz="2000" dirty="0" smtClean="0">
+                <a:solidFill>
+                  <a:srgbClr val="3095B4"/>
+                </a:solidFill>
+              </a:rPr>
+              <a:t> and Specify Search Criteria Code with a Lambda </a:t>
+            </a:r>
+            <a:r>
+              <a:rPr lang="en-US" sz="2000" dirty="0" err="1" smtClean="0">
+                <a:solidFill>
+                  <a:srgbClr val="3095B4"/>
+                </a:solidFill>
+              </a:rPr>
+              <a:t>Expresssion</a:t>
+            </a:r>
+            <a:endParaRPr lang="en-US" sz="2000" dirty="0" smtClean="0">
+              <a:solidFill>
+                <a:srgbClr val="3095B4"/>
+              </a:solidFill>
+            </a:endParaRPr>
+          </a:p>
+          <a:p>
+            <a:pPr marL="457200" indent="-457200">
+              <a:buAutoNum type="arabicPeriod"/>
+            </a:pPr>
+            <a:endParaRPr lang="en-US" sz="2000" dirty="0" smtClean="0">
+              <a:solidFill>
+                <a:srgbClr val="3095B4"/>
+              </a:solidFill>
+            </a:endParaRPr>
+          </a:p>
+          <a:p>
+            <a:pPr>
+              <a:lnSpc>
+                <a:spcPct val="100000"/>
+              </a:lnSpc>
+            </a:pPr>
+            <a:endParaRPr lang="en-US" sz="2000" dirty="0" smtClean="0">
+              <a:solidFill>
+                <a:srgbClr val="3095B4"/>
+              </a:solidFill>
+            </a:endParaRPr>
+          </a:p>
+          <a:p>
+            <a:pPr>
+              <a:lnSpc>
+                <a:spcPct val="100000"/>
+              </a:lnSpc>
+            </a:pPr>
+            <a:r>
+              <a:rPr lang="sv-SE" sz="2000" dirty="0" smtClean="0">
+                <a:solidFill>
+                  <a:srgbClr val="3095B4"/>
+                </a:solidFill>
+              </a:rPr>
+              <a:t>	</a:t>
+            </a:r>
+            <a:r>
+              <a:rPr lang="sv-SE" sz="2000" dirty="0" err="1" smtClean="0">
+                <a:solidFill>
+                  <a:srgbClr val="3095B4"/>
+                </a:solidFill>
+              </a:rPr>
+              <a:t>printPersons</a:t>
+            </a:r>
+            <a:r>
+              <a:rPr lang="sv-SE" sz="2000" dirty="0">
+                <a:solidFill>
+                  <a:srgbClr val="3095B4"/>
+                </a:solidFill>
+              </a:rPr>
+              <a:t>( </a:t>
+            </a:r>
+            <a:r>
+              <a:rPr lang="sv-SE" sz="2000" dirty="0" smtClean="0">
+                <a:solidFill>
+                  <a:srgbClr val="3095B4"/>
+                </a:solidFill>
+              </a:rPr>
+              <a:t>person, (Person p) -&gt;</a:t>
+            </a:r>
+            <a:endParaRPr lang="en-US" sz="2000" dirty="0">
+              <a:solidFill>
+                <a:srgbClr val="3095B4"/>
+              </a:solidFill>
+            </a:endParaRPr>
+          </a:p>
         </p:txBody>
       </p:sp>
     </p:spTree>
     <p:extLst>
       <p:ext uri="{BB962C8B-B14F-4D97-AF65-F5344CB8AC3E}">
-        <p14:creationId xmlns:p14="http://schemas.microsoft.com/office/powerpoint/2010/main" val="993777835"/>
+        <p14:creationId xmlns:p14="http://schemas.microsoft.com/office/powerpoint/2010/main" val="3319973182"/>
       </p:ext>
     </p:extLst>
   </p:cSld>
@@ -5115,7 +5067,7 @@
                   <a:srgbClr val="3095B4"/>
                 </a:solidFill>
               </a:rPr>
-              <a:t>Task 7 Could we replace more code with Lambda Expressions?</a:t>
+              <a:t>Task 6 Replace your interface with an existing one</a:t>
             </a:r>
           </a:p>
           <a:p>
@@ -5130,12 +5082,107 @@
               </a:solidFill>
             </a:endParaRPr>
           </a:p>
+          <a:p>
+            <a:r>
+              <a:rPr lang="en-US" sz="2000" dirty="0">
+                <a:solidFill>
+                  <a:srgbClr val="3095B4"/>
+                </a:solidFill>
+              </a:rPr>
+              <a:t> </a:t>
+            </a:r>
+            <a:r>
+              <a:rPr lang="en-US" sz="2000" dirty="0" smtClean="0">
+                <a:solidFill>
+                  <a:srgbClr val="3095B4"/>
+                </a:solidFill>
+              </a:rPr>
+              <a:t>      interface </a:t>
+            </a:r>
+            <a:r>
+              <a:rPr lang="en-US" sz="2000" dirty="0" err="1">
+                <a:solidFill>
+                  <a:srgbClr val="3095B4"/>
+                </a:solidFill>
+              </a:rPr>
+              <a:t>CheckPerson</a:t>
+            </a:r>
+            <a:r>
+              <a:rPr lang="en-US" sz="2000" dirty="0">
+                <a:solidFill>
+                  <a:srgbClr val="3095B4"/>
+                </a:solidFill>
+              </a:rPr>
+              <a:t> { </a:t>
+            </a:r>
+            <a:endParaRPr lang="en-US" sz="2000" dirty="0" smtClean="0">
+              <a:solidFill>
+                <a:srgbClr val="3095B4"/>
+              </a:solidFill>
+            </a:endParaRPr>
+          </a:p>
+          <a:p>
+            <a:pPr lvl="1"/>
+            <a:r>
+              <a:rPr lang="en-US" sz="2000" dirty="0" smtClean="0">
+                <a:solidFill>
+                  <a:srgbClr val="3095B4"/>
+                </a:solidFill>
+              </a:rPr>
+              <a:t>         </a:t>
+            </a:r>
+            <a:r>
+              <a:rPr lang="en-US" sz="2000" dirty="0" err="1" smtClean="0">
+                <a:solidFill>
+                  <a:srgbClr val="3095B4"/>
+                </a:solidFill>
+              </a:rPr>
+              <a:t>boolean</a:t>
+            </a:r>
+            <a:r>
+              <a:rPr lang="en-US" sz="2000" dirty="0" smtClean="0">
+                <a:solidFill>
+                  <a:srgbClr val="3095B4"/>
+                </a:solidFill>
+              </a:rPr>
+              <a:t> </a:t>
+            </a:r>
+            <a:r>
+              <a:rPr lang="en-US" sz="2000" dirty="0">
+                <a:solidFill>
+                  <a:srgbClr val="3095B4"/>
+                </a:solidFill>
+              </a:rPr>
+              <a:t>test(Person p); </a:t>
+            </a:r>
+            <a:endParaRPr lang="en-US" sz="2000" dirty="0" smtClean="0">
+              <a:solidFill>
+                <a:srgbClr val="3095B4"/>
+              </a:solidFill>
+            </a:endParaRPr>
+          </a:p>
+          <a:p>
+            <a:pPr lvl="1"/>
+            <a:r>
+              <a:rPr lang="en-US" sz="2000" dirty="0" smtClean="0">
+                <a:solidFill>
+                  <a:srgbClr val="3095B4"/>
+                </a:solidFill>
+              </a:rPr>
+              <a:t>}</a:t>
+            </a:r>
+            <a:endParaRPr lang="en-US" sz="2000" dirty="0">
+              <a:solidFill>
+                <a:srgbClr val="3095B4"/>
+              </a:solidFill>
+            </a:endParaRPr>
+          </a:p>
         </p:txBody>
       </p:sp>
     </p:spTree>
     <p:extLst>
       <p:ext uri="{BB962C8B-B14F-4D97-AF65-F5344CB8AC3E}">
-        <p14:creationId xmlns:p14="http://schemas.microsoft.com/office/powerpoint/2010/main" val="3040441235"/>
+        <p14:creationId xmlns:p14="http://schemas.microsoft.com/office/powerpoint/2010/main" val="3549172482"/>
       </p:ext>
     </p:extLst>
   </p:cSld>
@@ -5270,15 +5317,29 @@
                   <a:srgbClr val="3095B4"/>
                 </a:solidFill>
               </a:rPr>
-              <a:t>Task 7 </a:t>
-            </a:r>
-            <a:r>
-              <a:rPr lang="en-US" sz="2000" dirty="0" err="1" smtClean="0">
-                <a:solidFill>
-                  <a:srgbClr val="3095B4"/>
-                </a:solidFill>
-              </a:rPr>
-              <a:t>p.printPerson</a:t>
+              <a:t>Task 6 This is a good one</a:t>
+            </a:r>
+          </a:p>
+          <a:p>
+            <a:pPr>
+              <a:lnSpc>
+                <a:spcPct val="100000"/>
+              </a:lnSpc>
+            </a:pPr>
+            <a:endParaRPr lang="en-US" sz="2000" dirty="0" smtClean="0">
+              <a:solidFill>
+                <a:srgbClr val="3095B4"/>
+              </a:solidFill>
+            </a:endParaRPr>
+          </a:p>
+          <a:p>
+            <a:r>
+              <a:rPr lang="en-US" sz="2000" dirty="0">
+                <a:solidFill>
+                  <a:srgbClr val="3095B4"/>
+                </a:solidFill>
+              </a:rPr>
+              <a:t> </a:t>
             </a:r>
             <a:r>
               <a:rPr lang="en-US" sz="2000" dirty="0" smtClean="0">
@@ -5286,54 +5347,98 @@
                   <a:srgbClr val="3095B4"/>
                 </a:solidFill>
               </a:rPr>
-              <a:t>()?</a:t>
-            </a:r>
-          </a:p>
-          <a:p>
-            <a:pPr>
-              <a:lnSpc>
-                <a:spcPct val="100000"/>
-              </a:lnSpc>
-            </a:pPr>
+              <a:t>      </a:t>
+            </a:r>
+            <a:r>
+              <a:rPr lang="sv-SE" sz="2000" dirty="0">
+                <a:solidFill>
+                  <a:srgbClr val="3095B4"/>
+                </a:solidFill>
+              </a:rPr>
+              <a:t>interface </a:t>
+            </a:r>
+            <a:r>
+              <a:rPr lang="sv-SE" sz="2000" dirty="0" err="1">
+                <a:solidFill>
+                  <a:srgbClr val="3095B4"/>
+                </a:solidFill>
+              </a:rPr>
+              <a:t>Predicate</a:t>
+            </a:r>
+            <a:r>
+              <a:rPr lang="sv-SE" sz="2000" dirty="0">
+                <a:solidFill>
+                  <a:srgbClr val="3095B4"/>
+                </a:solidFill>
+              </a:rPr>
+              <a:t>&lt;T&gt; { </a:t>
+            </a:r>
+            <a:endParaRPr lang="sv-SE" sz="2000" dirty="0" smtClean="0">
+              <a:solidFill>
+                <a:srgbClr val="3095B4"/>
+              </a:solidFill>
+            </a:endParaRPr>
+          </a:p>
+          <a:p>
+            <a:r>
+              <a:rPr lang="sv-SE" sz="2000" dirty="0">
+                <a:solidFill>
+                  <a:srgbClr val="3095B4"/>
+                </a:solidFill>
+              </a:rPr>
+              <a:t>	</a:t>
+            </a:r>
+            <a:r>
+              <a:rPr lang="sv-SE" sz="2000" dirty="0" err="1" smtClean="0">
+                <a:solidFill>
+                  <a:srgbClr val="3095B4"/>
+                </a:solidFill>
+              </a:rPr>
+              <a:t>boolean</a:t>
+            </a:r>
+            <a:r>
+              <a:rPr lang="sv-SE" sz="2000" dirty="0" smtClean="0">
+                <a:solidFill>
+                  <a:srgbClr val="3095B4"/>
+                </a:solidFill>
+              </a:rPr>
+              <a:t> </a:t>
+            </a:r>
+            <a:r>
+              <a:rPr lang="sv-SE" sz="2000" dirty="0">
+                <a:solidFill>
+                  <a:srgbClr val="3095B4"/>
+                </a:solidFill>
+              </a:rPr>
+              <a:t>test(T t); </a:t>
+            </a:r>
+            <a:endParaRPr lang="sv-SE" sz="2000" dirty="0" smtClean="0">
+              <a:solidFill>
+                <a:srgbClr val="3095B4"/>
+              </a:solidFill>
+            </a:endParaRPr>
+          </a:p>
+          <a:p>
+            <a:r>
+              <a:rPr lang="sv-SE" sz="2000" dirty="0" smtClean="0">
+                <a:solidFill>
+                  <a:srgbClr val="3095B4"/>
+                </a:solidFill>
+              </a:rPr>
+              <a:t>        }</a:t>
+            </a:r>
             <a:endParaRPr lang="en-US" sz="2000" dirty="0">
               <a:solidFill>
                 <a:srgbClr val="3095B4"/>
               </a:solidFill>
             </a:endParaRPr>
           </a:p>
-          <a:p>
-            <a:pPr>
-              <a:lnSpc>
-                <a:spcPct val="100000"/>
-              </a:lnSpc>
-            </a:pPr>
-            <a:r>
-              <a:rPr lang="en-US" sz="2000" dirty="0" smtClean="0">
-                <a:solidFill>
-                  <a:srgbClr val="3095B4"/>
-                </a:solidFill>
-              </a:rPr>
-              <a:t>Person -&gt; void</a:t>
-            </a:r>
-          </a:p>
-          <a:p>
-            <a:pPr>
-              <a:lnSpc>
-                <a:spcPct val="100000"/>
-              </a:lnSpc>
-            </a:pPr>
-            <a:endParaRPr lang="en-US" sz="2000" dirty="0" smtClean="0">
-              <a:solidFill>
-                <a:srgbClr val="3095B4"/>
-              </a:solidFill>
-            </a:endParaRPr>
-          </a:p>
         </p:txBody>
       </p:sp>
     </p:spTree>
     <p:extLst>
       <p:ext uri="{BB962C8B-B14F-4D97-AF65-F5344CB8AC3E}">
-        <p14:creationId xmlns:p14="http://schemas.microsoft.com/office/powerpoint/2010/main" val="2671806943"/>
+        <p14:creationId xmlns:p14="http://schemas.microsoft.com/office/powerpoint/2010/main" val="3099518014"/>
       </p:ext>
     </p:extLst>
   </p:cSld>
@@ -5468,34 +5573,7 @@
                   <a:srgbClr val="3095B4"/>
                 </a:solidFill>
               </a:rPr>
-              <a:t>Task 7 Consumer</a:t>
-            </a:r>
-          </a:p>
-          <a:p>
-            <a:pPr>
-              <a:lnSpc>
-                <a:spcPct val="100000"/>
-              </a:lnSpc>
-            </a:pPr>
-            <a:endParaRPr lang="en-US" sz="2000" dirty="0">
-              <a:solidFill>
-                <a:srgbClr val="3095B4"/>
-              </a:solidFill>
-            </a:endParaRPr>
-          </a:p>
-          <a:p>
-            <a:pPr>
-              <a:lnSpc>
-                <a:spcPct val="100000"/>
-              </a:lnSpc>
-            </a:pPr>
-            <a:r>
-              <a:rPr lang="en-US" sz="2000" dirty="0" smtClean="0">
-                <a:solidFill>
-                  <a:srgbClr val="3095B4"/>
-                </a:solidFill>
-              </a:rPr>
-              <a:t>T-&gt; void</a:t>
+              <a:t>Task 6 Task 5 should still work</a:t>
             </a:r>
           </a:p>
           <a:p>
@@ -5515,7 +5593,7 @@
     </p:spTree>
     <p:extLst>
       <p:ext uri="{BB962C8B-B14F-4D97-AF65-F5344CB8AC3E}">
-        <p14:creationId xmlns:p14="http://schemas.microsoft.com/office/powerpoint/2010/main" val="2990108188"/>
+        <p14:creationId xmlns:p14="http://schemas.microsoft.com/office/powerpoint/2010/main" val="993777835"/>
       </p:ext>
     </p:extLst>
   </p:cSld>
@@ -5650,392 +5728,27 @@
                   <a:srgbClr val="3095B4"/>
                 </a:solidFill>
               </a:rPr>
-              <a:t>Task 7 Add Consumer to this method</a:t>
-            </a:r>
-          </a:p>
-          <a:p>
-            <a:pPr>
-              <a:lnSpc>
-                <a:spcPct val="100000"/>
-              </a:lnSpc>
-            </a:pPr>
-            <a:endParaRPr lang="en-US" sz="2000" dirty="0">
+              <a:t>Task 7 Could we replace more code with Lambda Expressions?</a:t>
+            </a:r>
+          </a:p>
+          <a:p>
+            <a:pPr>
+              <a:lnSpc>
+                <a:spcPct val="100000"/>
+              </a:lnSpc>
+            </a:pPr>
+            <a:endParaRPr lang="en-US" sz="2000" dirty="0" smtClean="0">
               <a:solidFill>
                 <a:srgbClr val="3095B4"/>
               </a:solidFill>
             </a:endParaRPr>
           </a:p>
-          <a:p>
-            <a:pPr>
-              <a:lnSpc>
-                <a:spcPct val="100000"/>
-              </a:lnSpc>
-            </a:pPr>
-            <a:r>
-              <a:rPr lang="sv-SE" sz="2000" dirty="0">
-                <a:solidFill>
-                  <a:srgbClr val="3095B4"/>
-                </a:solidFill>
-              </a:rPr>
-              <a:t>public </a:t>
-            </a:r>
-            <a:r>
-              <a:rPr lang="sv-SE" sz="2000" dirty="0" err="1" smtClean="0">
-                <a:solidFill>
-                  <a:srgbClr val="3095B4"/>
-                </a:solidFill>
-              </a:rPr>
-              <a:t>void</a:t>
-            </a:r>
-            <a:r>
-              <a:rPr lang="sv-SE" sz="2000" dirty="0" smtClean="0">
-                <a:solidFill>
-                  <a:srgbClr val="3095B4"/>
-                </a:solidFill>
-              </a:rPr>
-              <a:t> </a:t>
-            </a:r>
-            <a:r>
-              <a:rPr lang="sv-SE" sz="2000" dirty="0" err="1">
-                <a:solidFill>
-                  <a:srgbClr val="3095B4"/>
-                </a:solidFill>
-              </a:rPr>
-              <a:t>printPersonsWithPredicate</a:t>
-            </a:r>
-            <a:r>
-              <a:rPr lang="sv-SE" sz="2000" dirty="0">
-                <a:solidFill>
-                  <a:srgbClr val="3095B4"/>
-                </a:solidFill>
-              </a:rPr>
-              <a:t>( </a:t>
-            </a:r>
-            <a:endParaRPr lang="sv-SE" sz="2000" dirty="0" smtClean="0">
-              <a:solidFill>
-                <a:srgbClr val="3095B4"/>
-              </a:solidFill>
-            </a:endParaRPr>
-          </a:p>
-          <a:p>
-            <a:pPr>
-              <a:lnSpc>
-                <a:spcPct val="100000"/>
-              </a:lnSpc>
-            </a:pPr>
-            <a:r>
-              <a:rPr lang="sv-SE" sz="2000" dirty="0">
-                <a:solidFill>
-                  <a:srgbClr val="3095B4"/>
-                </a:solidFill>
-              </a:rPr>
-              <a:t>	</a:t>
-            </a:r>
-            <a:r>
-              <a:rPr lang="sv-SE" sz="2000" dirty="0" smtClean="0">
-                <a:solidFill>
-                  <a:srgbClr val="3095B4"/>
-                </a:solidFill>
-              </a:rPr>
-              <a:t>List&lt;Person</a:t>
-            </a:r>
-            <a:r>
-              <a:rPr lang="sv-SE" sz="2000" dirty="0">
-                <a:solidFill>
-                  <a:srgbClr val="3095B4"/>
-                </a:solidFill>
-              </a:rPr>
-              <a:t>&gt; </a:t>
-            </a:r>
-            <a:r>
-              <a:rPr lang="sv-SE" sz="2000" dirty="0" err="1">
-                <a:solidFill>
-                  <a:srgbClr val="3095B4"/>
-                </a:solidFill>
-              </a:rPr>
-              <a:t>roster</a:t>
-            </a:r>
-            <a:r>
-              <a:rPr lang="sv-SE" sz="2000" dirty="0">
-                <a:solidFill>
-                  <a:srgbClr val="3095B4"/>
-                </a:solidFill>
-              </a:rPr>
-              <a:t>, </a:t>
-            </a:r>
-            <a:r>
-              <a:rPr lang="sv-SE" sz="2000" dirty="0" err="1">
-                <a:solidFill>
-                  <a:srgbClr val="3095B4"/>
-                </a:solidFill>
-              </a:rPr>
-              <a:t>Predicate</a:t>
-            </a:r>
-            <a:r>
-              <a:rPr lang="sv-SE" sz="2000" dirty="0">
-                <a:solidFill>
-                  <a:srgbClr val="3095B4"/>
-                </a:solidFill>
-              </a:rPr>
-              <a:t>&lt;Person&gt; tester) </a:t>
-            </a:r>
-            <a:endParaRPr lang="sv-SE" sz="2000" dirty="0" smtClean="0">
-              <a:solidFill>
-                <a:srgbClr val="3095B4"/>
-              </a:solidFill>
-            </a:endParaRPr>
-          </a:p>
-          <a:p>
-            <a:pPr>
-              <a:lnSpc>
-                <a:spcPct val="100000"/>
-              </a:lnSpc>
-            </a:pPr>
-            <a:r>
-              <a:rPr lang="sv-SE" sz="2000" dirty="0" smtClean="0">
-                <a:solidFill>
-                  <a:srgbClr val="3095B4"/>
-                </a:solidFill>
-              </a:rPr>
-              <a:t>{ </a:t>
-            </a:r>
-          </a:p>
-          <a:p>
-            <a:pPr>
-              <a:lnSpc>
-                <a:spcPct val="100000"/>
-              </a:lnSpc>
-            </a:pPr>
-            <a:r>
-              <a:rPr lang="sv-SE" sz="2000" dirty="0">
-                <a:solidFill>
-                  <a:srgbClr val="3095B4"/>
-                </a:solidFill>
-              </a:rPr>
-              <a:t>	</a:t>
-            </a:r>
-            <a:r>
-              <a:rPr lang="sv-SE" sz="2000" dirty="0" smtClean="0">
-                <a:solidFill>
-                  <a:srgbClr val="3095B4"/>
-                </a:solidFill>
-              </a:rPr>
-              <a:t>for </a:t>
-            </a:r>
-            <a:r>
-              <a:rPr lang="sv-SE" sz="2000" dirty="0">
-                <a:solidFill>
-                  <a:srgbClr val="3095B4"/>
-                </a:solidFill>
-              </a:rPr>
-              <a:t>(Person p : </a:t>
-            </a:r>
-            <a:r>
-              <a:rPr lang="sv-SE" sz="2000" dirty="0" err="1">
-                <a:solidFill>
-                  <a:srgbClr val="3095B4"/>
-                </a:solidFill>
-              </a:rPr>
-              <a:t>roster</a:t>
-            </a:r>
-            <a:r>
-              <a:rPr lang="sv-SE" sz="2000" dirty="0">
-                <a:solidFill>
-                  <a:srgbClr val="3095B4"/>
-                </a:solidFill>
-              </a:rPr>
-              <a:t>) { </a:t>
-            </a:r>
-            <a:endParaRPr lang="sv-SE" sz="2000" dirty="0" smtClean="0">
-              <a:solidFill>
-                <a:srgbClr val="3095B4"/>
-              </a:solidFill>
-            </a:endParaRPr>
-          </a:p>
-          <a:p>
-            <a:pPr>
-              <a:lnSpc>
-                <a:spcPct val="100000"/>
-              </a:lnSpc>
-            </a:pPr>
-            <a:r>
-              <a:rPr lang="sv-SE" sz="2000" dirty="0">
-                <a:solidFill>
-                  <a:srgbClr val="3095B4"/>
-                </a:solidFill>
-              </a:rPr>
-              <a:t>	</a:t>
-            </a:r>
-            <a:r>
-              <a:rPr lang="sv-SE" sz="2000" dirty="0" smtClean="0">
-                <a:solidFill>
-                  <a:srgbClr val="3095B4"/>
-                </a:solidFill>
-              </a:rPr>
-              <a:t>	</a:t>
-            </a:r>
-            <a:r>
-              <a:rPr lang="sv-SE" sz="2000" dirty="0" err="1" smtClean="0">
-                <a:solidFill>
-                  <a:srgbClr val="3095B4"/>
-                </a:solidFill>
-              </a:rPr>
-              <a:t>if</a:t>
-            </a:r>
-            <a:r>
-              <a:rPr lang="sv-SE" sz="2000" dirty="0" smtClean="0">
-                <a:solidFill>
-                  <a:srgbClr val="3095B4"/>
-                </a:solidFill>
-              </a:rPr>
-              <a:t> </a:t>
-            </a:r>
-            <a:r>
-              <a:rPr lang="sv-SE" sz="2000" dirty="0">
-                <a:solidFill>
-                  <a:srgbClr val="3095B4"/>
-                </a:solidFill>
-              </a:rPr>
-              <a:t>(</a:t>
-            </a:r>
-            <a:r>
-              <a:rPr lang="sv-SE" sz="2000" dirty="0" err="1">
-                <a:solidFill>
-                  <a:srgbClr val="3095B4"/>
-                </a:solidFill>
-              </a:rPr>
-              <a:t>tester.test</a:t>
-            </a:r>
-            <a:r>
-              <a:rPr lang="sv-SE" sz="2000" dirty="0">
-                <a:solidFill>
-                  <a:srgbClr val="3095B4"/>
-                </a:solidFill>
-              </a:rPr>
-              <a:t>(p)) { </a:t>
-            </a:r>
-            <a:endParaRPr lang="sv-SE" sz="2000" dirty="0" smtClean="0">
-              <a:solidFill>
-                <a:srgbClr val="3095B4"/>
-              </a:solidFill>
-            </a:endParaRPr>
-          </a:p>
-          <a:p>
-            <a:pPr>
-              <a:lnSpc>
-                <a:spcPct val="100000"/>
-              </a:lnSpc>
-            </a:pPr>
-            <a:r>
-              <a:rPr lang="sv-SE" sz="2000" dirty="0">
-                <a:solidFill>
-                  <a:srgbClr val="3095B4"/>
-                </a:solidFill>
-              </a:rPr>
-              <a:t>	</a:t>
-            </a:r>
-            <a:r>
-              <a:rPr lang="sv-SE" sz="2000" dirty="0" smtClean="0">
-                <a:solidFill>
-                  <a:srgbClr val="3095B4"/>
-                </a:solidFill>
-              </a:rPr>
-              <a:t>		</a:t>
-            </a:r>
-            <a:r>
-              <a:rPr lang="sv-SE" sz="2000" dirty="0" err="1" smtClean="0">
-                <a:solidFill>
-                  <a:srgbClr val="3095B4"/>
-                </a:solidFill>
-              </a:rPr>
-              <a:t>p.printPerson</a:t>
-            </a:r>
-            <a:r>
-              <a:rPr lang="sv-SE" sz="2000" dirty="0">
-                <a:solidFill>
-                  <a:srgbClr val="3095B4"/>
-                </a:solidFill>
-              </a:rPr>
-              <a:t>(); </a:t>
-            </a:r>
-            <a:endParaRPr lang="sv-SE" sz="2000" dirty="0" smtClean="0">
-              <a:solidFill>
-                <a:srgbClr val="3095B4"/>
-              </a:solidFill>
-            </a:endParaRPr>
-          </a:p>
-          <a:p>
-            <a:pPr>
-              <a:lnSpc>
-                <a:spcPct val="100000"/>
-              </a:lnSpc>
-            </a:pPr>
-            <a:r>
-              <a:rPr lang="sv-SE" sz="2000" dirty="0">
-                <a:solidFill>
-                  <a:srgbClr val="3095B4"/>
-                </a:solidFill>
-              </a:rPr>
-              <a:t>	</a:t>
-            </a:r>
-            <a:r>
-              <a:rPr lang="sv-SE" sz="2000" dirty="0" smtClean="0">
-                <a:solidFill>
-                  <a:srgbClr val="3095B4"/>
-                </a:solidFill>
-              </a:rPr>
-              <a:t>	} </a:t>
-            </a:r>
-          </a:p>
-          <a:p>
-            <a:pPr>
-              <a:lnSpc>
-                <a:spcPct val="100000"/>
-              </a:lnSpc>
-            </a:pPr>
-            <a:r>
-              <a:rPr lang="sv-SE" sz="2000" dirty="0">
-                <a:solidFill>
-                  <a:srgbClr val="3095B4"/>
-                </a:solidFill>
-              </a:rPr>
-              <a:t>	</a:t>
-            </a:r>
-            <a:r>
-              <a:rPr lang="sv-SE" sz="2000" dirty="0" smtClean="0">
-                <a:solidFill>
-                  <a:srgbClr val="3095B4"/>
-                </a:solidFill>
-              </a:rPr>
-              <a:t>} </a:t>
-            </a:r>
-          </a:p>
-          <a:p>
-            <a:pPr>
-              <a:lnSpc>
-                <a:spcPct val="100000"/>
-              </a:lnSpc>
-            </a:pPr>
-            <a:r>
-              <a:rPr lang="sv-SE" sz="2000" dirty="0" smtClean="0">
-                <a:solidFill>
-                  <a:srgbClr val="3095B4"/>
-                </a:solidFill>
-              </a:rPr>
-              <a:t>}</a:t>
-            </a:r>
-            <a:endParaRPr lang="en-US" sz="2000" dirty="0">
-              <a:solidFill>
-                <a:srgbClr val="3095B4"/>
-              </a:solidFill>
-            </a:endParaRPr>
-          </a:p>
         </p:txBody>
       </p:sp>
     </p:spTree>
     <p:extLst>
       <p:ext uri="{BB962C8B-B14F-4D97-AF65-F5344CB8AC3E}">
-        <p14:creationId xmlns:p14="http://schemas.microsoft.com/office/powerpoint/2010/main" val="752415888"/>
+        <p14:creationId xmlns:p14="http://schemas.microsoft.com/office/powerpoint/2010/main" val="3040441235"/>
       </p:ext>
     </p:extLst>
   </p:cSld>
@@ -6081,6 +5794,14 @@
 <file path=ppt/slides/slide2.xml><?xml version="1.0" encoding="utf-8"?>
 <p:sld xmlns:a="http://schemas.openxmlformats.org/drawingml/2006/main" xmlns:r="http://schemas.openxmlformats.org/officeDocument/2006/relationships" xmlns:p="http://schemas.openxmlformats.org/presentationml/2006/main">
   <p:cSld>
+    <p:bg>
+      <p:bgPr>
+        <a:solidFill>
+          <a:srgbClr val="FFFFFF"/>
+        </a:solidFill>
+        <a:effectLst/>
+      </p:bgPr>
+    </p:bg>
     <p:spTree>
       <p:nvGrpSpPr>
         <p:cNvPr id="1" name=""/>
@@ -6097,7 +5818,7 @@
       </p:grpSpPr>
       <p:sp>
         <p:nvSpPr>
-          <p:cNvPr id="78" name="CustomShape 1"/>
+          <p:cNvPr id="76" name="CustomShape 1"/>
           <p:cNvSpPr/>
           <p:nvPr/>
         </p:nvSpPr>
@@ -6126,22 +5847,31 @@
                 </a:solidFill>
                 <a:latin typeface="Lucida Bright"/>
               </a:rPr>
-              <a:t>Lambda Expressions</a:t>
-            </a:r>
-            <a:endParaRPr lang="en-US" sz="3200" dirty="0"/>
-          </a:p>
-        </p:txBody>
-      </p:sp>
-      <p:sp>
-        <p:nvSpPr>
-          <p:cNvPr id="79" name="CustomShape 2"/>
+              <a:t>Lambda </a:t>
+            </a:r>
+            <a:r>
+              <a:rPr lang="en-US" sz="3200" dirty="0" smtClean="0">
+                <a:solidFill>
+                  <a:srgbClr val="5C7F92"/>
+                </a:solidFill>
+                <a:latin typeface="Lucida Bright"/>
+              </a:rPr>
+              <a:t>Expressions – some rules</a:t>
+            </a:r>
+            <a:endParaRPr dirty="0"/>
+          </a:p>
+        </p:txBody>
+      </p:sp>
+      <p:sp>
+        <p:nvSpPr>
+          <p:cNvPr id="77" name="CustomShape 2"/>
           <p:cNvSpPr/>
           <p:nvPr/>
         </p:nvSpPr>
         <p:spPr>
           <a:xfrm>
-            <a:off x="871200" y="1626840"/>
-            <a:ext cx="7808400" cy="3664440"/>
+            <a:off x="871200" y="1412776"/>
+            <a:ext cx="7808400" cy="4968552"/>
           </a:xfrm>
           <a:prstGeom prst="rect">
             <a:avLst/>
@@ -6156,137 +5886,238 @@
                 <a:spcPct val="100000"/>
               </a:lnSpc>
             </a:pPr>
-            <a:endParaRPr dirty="0"/>
-          </a:p>
-          <a:p>
-            <a:pPr>
-              <a:lnSpc>
-                <a:spcPct val="100000"/>
-              </a:lnSpc>
-            </a:pPr>
-            <a:r>
-              <a:rPr lang="sv-SE" sz="2000" dirty="0" smtClean="0">
-                <a:solidFill>
-                  <a:srgbClr val="3095B4"/>
-                </a:solidFill>
-              </a:rPr>
-              <a:t>Tasks: </a:t>
-            </a:r>
-            <a:r>
-              <a:rPr lang="sv-SE" sz="2000" dirty="0" err="1" smtClean="0">
-                <a:solidFill>
-                  <a:srgbClr val="3095B4"/>
-                </a:solidFill>
-              </a:rPr>
-              <a:t>Slowly</a:t>
-            </a:r>
-            <a:r>
-              <a:rPr lang="sv-SE" sz="2000" dirty="0" smtClean="0">
-                <a:solidFill>
-                  <a:srgbClr val="3095B4"/>
-                </a:solidFill>
-              </a:rPr>
-              <a:t> </a:t>
-            </a:r>
-            <a:r>
-              <a:rPr lang="sv-SE" sz="2000" dirty="0" err="1" smtClean="0">
-                <a:solidFill>
-                  <a:srgbClr val="3095B4"/>
-                </a:solidFill>
-              </a:rPr>
-              <a:t>change</a:t>
-            </a:r>
-            <a:r>
-              <a:rPr lang="sv-SE" sz="2000" dirty="0" smtClean="0">
-                <a:solidFill>
-                  <a:srgbClr val="3095B4"/>
-                </a:solidFill>
-              </a:rPr>
-              <a:t> </a:t>
-            </a:r>
-            <a:r>
-              <a:rPr lang="sv-SE" sz="2000" dirty="0" err="1" smtClean="0">
-                <a:solidFill>
-                  <a:srgbClr val="3095B4"/>
-                </a:solidFill>
-              </a:rPr>
-              <a:t>your</a:t>
-            </a:r>
-            <a:r>
-              <a:rPr lang="sv-SE" sz="2000" dirty="0" smtClean="0">
-                <a:solidFill>
-                  <a:srgbClr val="3095B4"/>
-                </a:solidFill>
-              </a:rPr>
-              <a:t> </a:t>
-            </a:r>
-            <a:r>
-              <a:rPr lang="sv-SE" sz="2000" dirty="0" err="1" smtClean="0">
-                <a:solidFill>
-                  <a:srgbClr val="3095B4"/>
-                </a:solidFill>
-              </a:rPr>
-              <a:t>code</a:t>
-            </a:r>
-            <a:r>
-              <a:rPr lang="sv-SE" sz="2000" dirty="0" smtClean="0">
-                <a:solidFill>
-                  <a:srgbClr val="3095B4"/>
-                </a:solidFill>
-              </a:rPr>
-              <a:t> </a:t>
-            </a:r>
-            <a:r>
-              <a:rPr lang="sv-SE" sz="2000" dirty="0" err="1" smtClean="0">
-                <a:solidFill>
-                  <a:srgbClr val="3095B4"/>
-                </a:solidFill>
-              </a:rPr>
-              <a:t>to</a:t>
-            </a:r>
-            <a:r>
-              <a:rPr lang="sv-SE" sz="2000" dirty="0" smtClean="0">
-                <a:solidFill>
-                  <a:srgbClr val="3095B4"/>
-                </a:solidFill>
-              </a:rPr>
-              <a:t> </a:t>
-            </a:r>
-            <a:r>
-              <a:rPr lang="sv-SE" sz="2000" dirty="0" err="1" smtClean="0">
-                <a:solidFill>
-                  <a:srgbClr val="3095B4"/>
-                </a:solidFill>
-              </a:rPr>
-              <a:t>use</a:t>
-            </a:r>
-            <a:r>
-              <a:rPr lang="sv-SE" sz="2000" dirty="0" smtClean="0">
-                <a:solidFill>
-                  <a:srgbClr val="3095B4"/>
-                </a:solidFill>
-              </a:rPr>
-              <a:t> Lambda Expressions</a:t>
-            </a:r>
-          </a:p>
-          <a:p>
-            <a:pPr>
-              <a:lnSpc>
-                <a:spcPct val="100000"/>
-              </a:lnSpc>
-            </a:pPr>
-            <a:endParaRPr lang="sv-SE" sz="2000" dirty="0">
+            <a:endParaRPr dirty="0" smtClean="0"/>
+          </a:p>
+          <a:p>
+            <a:pPr>
+              <a:lnSpc>
+                <a:spcPct val="100000"/>
+              </a:lnSpc>
+              <a:buFont typeface="Arial"/>
+              <a:buChar char="•"/>
+            </a:pPr>
+            <a:r>
+              <a:rPr lang="en-US" sz="2000" dirty="0">
+                <a:solidFill>
+                  <a:srgbClr val="3095B4"/>
+                </a:solidFill>
+              </a:rPr>
+              <a:t>Unlike code appearing in anonymous class declarations, the meaning of names and the this and super keywords appearing in a lambda body are the same as in the surrounding </a:t>
+            </a:r>
+            <a:r>
+              <a:rPr lang="en-US" sz="2000" dirty="0" smtClean="0">
+                <a:solidFill>
+                  <a:srgbClr val="3095B4"/>
+                </a:solidFill>
+              </a:rPr>
+              <a:t>context</a:t>
+            </a:r>
+          </a:p>
+          <a:p>
+            <a:pPr>
+              <a:lnSpc>
+                <a:spcPct val="100000"/>
+              </a:lnSpc>
+              <a:buFont typeface="Arial"/>
+              <a:buChar char="•"/>
+            </a:pPr>
+            <a:endParaRPr lang="en-US" sz="2000" dirty="0">
               <a:solidFill>
                 <a:srgbClr val="3095B4"/>
               </a:solidFill>
             </a:endParaRPr>
           </a:p>
+          <a:p>
+            <a:pPr>
+              <a:buFont typeface="Arial"/>
+              <a:buChar char="•"/>
+            </a:pPr>
+            <a:r>
+              <a:rPr lang="en-US" sz="2000" dirty="0" smtClean="0">
+                <a:solidFill>
+                  <a:srgbClr val="3095B4"/>
+                </a:solidFill>
+              </a:rPr>
+              <a:t>Local </a:t>
+            </a:r>
+            <a:r>
+              <a:rPr lang="en-US" sz="2000" dirty="0">
+                <a:solidFill>
+                  <a:srgbClr val="3095B4"/>
+                </a:solidFill>
+              </a:rPr>
+              <a:t>variables in the enclosing context can only be referenced if they are final or effectively final. A variable is effectively final if it is never assigned to after its initialization. </a:t>
+            </a:r>
+            <a:endParaRPr lang="en-US" sz="2000" dirty="0" smtClean="0">
+              <a:solidFill>
+                <a:srgbClr val="3095B4"/>
+              </a:solidFill>
+            </a:endParaRPr>
+          </a:p>
+          <a:p>
+            <a:pPr>
+              <a:buFont typeface="Arial"/>
+              <a:buChar char="•"/>
+            </a:pPr>
+            <a:endParaRPr lang="en-US" sz="2000" dirty="0" smtClean="0">
+              <a:solidFill>
+                <a:srgbClr val="3095B4"/>
+              </a:solidFill>
+            </a:endParaRPr>
+          </a:p>
+          <a:p>
+            <a:pPr>
+              <a:buFont typeface="Arial"/>
+              <a:buChar char="•"/>
+            </a:pPr>
+            <a:r>
+              <a:rPr lang="en-US" sz="2000" dirty="0" smtClean="0">
+                <a:solidFill>
+                  <a:srgbClr val="3095B4"/>
+                </a:solidFill>
+              </a:rPr>
+              <a:t>The </a:t>
+            </a:r>
+            <a:r>
+              <a:rPr lang="en-US" sz="2000" dirty="0">
+                <a:solidFill>
+                  <a:srgbClr val="3095B4"/>
+                </a:solidFill>
+              </a:rPr>
+              <a:t>formal parameters of a lambda expression may have either declared types or inferred </a:t>
+            </a:r>
+            <a:r>
+              <a:rPr lang="en-US" sz="2000" dirty="0" smtClean="0">
+                <a:solidFill>
+                  <a:srgbClr val="3095B4"/>
+                </a:solidFill>
+              </a:rPr>
+              <a:t>types</a:t>
+            </a:r>
+          </a:p>
+          <a:p>
+            <a:r>
+              <a:rPr lang="en-US" sz="2000" dirty="0" smtClean="0">
+                <a:solidFill>
+                  <a:srgbClr val="3095B4"/>
+                </a:solidFill>
+              </a:rPr>
+              <a:t>Example (p) -&gt; </a:t>
+            </a:r>
+            <a:r>
+              <a:rPr lang="en-US" sz="2000" dirty="0" err="1" smtClean="0">
+                <a:solidFill>
+                  <a:srgbClr val="3095B4"/>
+                </a:solidFill>
+              </a:rPr>
+              <a:t>p.getName</a:t>
+            </a:r>
+            <a:r>
+              <a:rPr lang="en-US" sz="2000" dirty="0" smtClean="0">
+                <a:solidFill>
+                  <a:srgbClr val="3095B4"/>
+                </a:solidFill>
+              </a:rPr>
+              <a:t>()  or (Person p) -&gt; </a:t>
+            </a:r>
+            <a:r>
+              <a:rPr lang="en-US" sz="2000" dirty="0" err="1" smtClean="0">
+                <a:solidFill>
+                  <a:srgbClr val="3095B4"/>
+                </a:solidFill>
+              </a:rPr>
+              <a:t>p.getName</a:t>
+            </a:r>
+            <a:r>
+              <a:rPr lang="en-US" sz="2000" dirty="0" smtClean="0">
+                <a:solidFill>
+                  <a:srgbClr val="3095B4"/>
+                </a:solidFill>
+              </a:rPr>
+              <a:t>()</a:t>
+            </a:r>
+          </a:p>
+          <a:p>
+            <a:pPr>
+              <a:buFont typeface="Arial"/>
+              <a:buChar char="•"/>
+            </a:pPr>
+            <a:endParaRPr lang="en-US" sz="2000" dirty="0">
+              <a:solidFill>
+                <a:srgbClr val="3095B4"/>
+              </a:solidFill>
+            </a:endParaRPr>
+          </a:p>
+          <a:p>
+            <a:pPr>
+              <a:buFont typeface="Arial"/>
+              <a:buChar char="•"/>
+            </a:pPr>
+            <a:r>
+              <a:rPr lang="en-US" sz="2000" dirty="0" smtClean="0">
+                <a:solidFill>
+                  <a:srgbClr val="3095B4"/>
+                </a:solidFill>
+              </a:rPr>
+              <a:t>If </a:t>
+            </a:r>
+            <a:r>
+              <a:rPr lang="en-US" sz="2000" dirty="0">
+                <a:solidFill>
+                  <a:srgbClr val="3095B4"/>
+                </a:solidFill>
+              </a:rPr>
+              <a:t>the formal parameters have inferred types, then these types are derived </a:t>
+            </a:r>
+            <a:r>
+              <a:rPr lang="en-US" sz="2000" dirty="0" smtClean="0">
+                <a:solidFill>
+                  <a:srgbClr val="3095B4"/>
+                </a:solidFill>
+              </a:rPr>
+              <a:t>from </a:t>
+            </a:r>
+            <a:r>
+              <a:rPr lang="en-US" sz="2000" dirty="0">
+                <a:solidFill>
+                  <a:srgbClr val="3095B4"/>
+                </a:solidFill>
+              </a:rPr>
+              <a:t>the functional interface type targeted by the lambda expression. </a:t>
+            </a:r>
+          </a:p>
+          <a:p>
+            <a:endParaRPr lang="en-US" sz="2000" dirty="0">
+              <a:solidFill>
+                <a:srgbClr val="3095B4"/>
+              </a:solidFill>
+            </a:endParaRPr>
+          </a:p>
+          <a:p>
+            <a:pPr>
+              <a:lnSpc>
+                <a:spcPct val="100000"/>
+              </a:lnSpc>
+              <a:buFont typeface="Arial"/>
+              <a:buChar char="•"/>
+            </a:pPr>
+            <a:endParaRPr lang="en-US" sz="2000" dirty="0">
+              <a:solidFill>
+                <a:srgbClr val="3095B4"/>
+              </a:solidFill>
+            </a:endParaRPr>
+          </a:p>
         </p:txBody>
       </p:sp>
     </p:spTree>
+    <p:extLst>
+      <p:ext uri="{BB962C8B-B14F-4D97-AF65-F5344CB8AC3E}">
+        <p14:creationId xmlns:p14="http://schemas.microsoft.com/office/powerpoint/2010/main" val="2300798191"/>
+      </p:ext>
+    </p:extLst>
   </p:cSld>
   <p:clrMapOvr>
-    <a:masterClrMapping/>
+    <a:overrideClrMapping bg1="lt1" tx1="dk1" bg2="lt2" tx2="dk2" accent1="accent1" accent2="accent2" accent3="accent3" accent4="accent4" accent5="accent5" accent6="accent6" hlink="hlink" folHlink="folHlink"/>
   </p:clrMapOvr>
   <p:timing>
     <p:tnLst>
@@ -6416,7 +6247,7 @@
                   <a:srgbClr val="3095B4"/>
                 </a:solidFill>
               </a:rPr>
-              <a:t>Task 7 Go to Task 5 and change the call </a:t>
+              <a:t>Task 7 </a:t>
             </a:r>
             <a:r>
               <a:rPr lang="en-US" sz="2000" dirty="0" err="1" smtClean="0">
@@ -6424,32 +6255,62 @@
                   <a:srgbClr val="3095B4"/>
                 </a:solidFill>
               </a:rPr>
-              <a:t>printPersons</a:t>
-            </a:r>
+              <a:t>p.printPerson</a:t>
+            </a:r>
+            <a:r>
+              <a:rPr lang="en-US" sz="2000" dirty="0" smtClean="0">
+                <a:solidFill>
+                  <a:srgbClr val="3095B4"/>
+                </a:solidFill>
+              </a:rPr>
+              <a:t>()?</a:t>
+            </a:r>
+          </a:p>
+          <a:p>
+            <a:pPr>
+              <a:lnSpc>
+                <a:spcPct val="100000"/>
+              </a:lnSpc>
+            </a:pPr>
+            <a:endParaRPr lang="en-US" sz="2000" dirty="0">
+              <a:solidFill>
+                <a:srgbClr val="3095B4"/>
+              </a:solidFill>
+            </a:endParaRPr>
+          </a:p>
+          <a:p>
+            <a:pPr>
+              <a:lnSpc>
+                <a:spcPct val="100000"/>
+              </a:lnSpc>
+            </a:pPr>
+            <a:r>
+              <a:rPr lang="en-US" sz="2000" dirty="0" smtClean="0">
+                <a:solidFill>
+                  <a:srgbClr val="3095B4"/>
+                </a:solidFill>
+              </a:rPr>
+              <a:t>Person -&gt; void</a:t>
+            </a:r>
+          </a:p>
+          <a:p>
+            <a:pPr>
+              <a:lnSpc>
+                <a:spcPct val="100000"/>
+              </a:lnSpc>
+            </a:pPr>
             <a:endParaRPr lang="en-US" sz="2000" dirty="0" smtClean="0">
               <a:solidFill>
                 <a:srgbClr val="3095B4"/>
               </a:solidFill>
             </a:endParaRPr>
           </a:p>
-          <a:p>
-            <a:pPr>
-              <a:lnSpc>
-                <a:spcPct val="100000"/>
-              </a:lnSpc>
-            </a:pPr>
-            <a:endParaRPr lang="en-US" sz="2000" dirty="0">
-              <a:solidFill>
-                <a:srgbClr val="3095B4"/>
-              </a:solidFill>
-            </a:endParaRPr>
-          </a:p>
         </p:txBody>
       </p:sp>
     </p:spTree>
     <p:extLst>
       <p:ext uri="{BB962C8B-B14F-4D97-AF65-F5344CB8AC3E}">
-        <p14:creationId xmlns:p14="http://schemas.microsoft.com/office/powerpoint/2010/main" val="3354717438"/>
+        <p14:creationId xmlns:p14="http://schemas.microsoft.com/office/powerpoint/2010/main" val="2671806943"/>
       </p:ext>
     </p:extLst>
   </p:cSld>
@@ -6584,6 +6445,876 @@
                   <a:srgbClr val="3095B4"/>
                 </a:solidFill>
               </a:rPr>
+              <a:t>Task 7 Consumer</a:t>
+            </a:r>
+          </a:p>
+          <a:p>
+            <a:pPr>
+              <a:lnSpc>
+                <a:spcPct val="100000"/>
+              </a:lnSpc>
+            </a:pPr>
+            <a:endParaRPr lang="en-US" sz="2000" dirty="0">
+              <a:solidFill>
+                <a:srgbClr val="3095B4"/>
+              </a:solidFill>
+            </a:endParaRPr>
+          </a:p>
+          <a:p>
+            <a:pPr>
+              <a:lnSpc>
+                <a:spcPct val="100000"/>
+              </a:lnSpc>
+            </a:pPr>
+            <a:r>
+              <a:rPr lang="en-US" sz="2000" dirty="0" smtClean="0">
+                <a:solidFill>
+                  <a:srgbClr val="3095B4"/>
+                </a:solidFill>
+              </a:rPr>
+              <a:t>T-&gt; void</a:t>
+            </a:r>
+          </a:p>
+          <a:p>
+            <a:pPr>
+              <a:lnSpc>
+                <a:spcPct val="100000"/>
+              </a:lnSpc>
+            </a:pPr>
+            <a:endParaRPr lang="en-US" sz="2000" dirty="0" smtClean="0">
+              <a:solidFill>
+                <a:srgbClr val="3095B4"/>
+              </a:solidFill>
+            </a:endParaRPr>
+          </a:p>
+        </p:txBody>
+      </p:sp>
+    </p:spTree>
+    <p:extLst>
+      <p:ext uri="{BB962C8B-B14F-4D97-AF65-F5344CB8AC3E}">
+        <p14:creationId xmlns:p14="http://schemas.microsoft.com/office/powerpoint/2010/main" val="2990108188"/>
+      </p:ext>
+    </p:extLst>
+  </p:cSld>
+  <p:clrMapOvr>
+    <a:masterClrMapping/>
+  </p:clrMapOvr>
+  <p:timing>
+    <p:tnLst>
+      <p:par>
+        <p:cTn id="1" dur="indefinite" restart="never" nodeType="tmRoot">
+          <p:childTnLst>
+            <p:seq>
+              <p:cTn id="2" nodeType="mainSeq">
+                <p:childTnLst>
+                  <p:par>
+                    <p:cTn id="3"/>
+                  </p:par>
+                </p:childTnLst>
+              </p:cTn>
+              <p:prevCondLst>
+                <p:cond evt="onPrev" delay="0">
+                  <p:tgtEl>
+                    <p:sldTgt/>
+                  </p:tgtEl>
+                </p:cond>
+              </p:prevCondLst>
+              <p:nextCondLst>
+                <p:cond evt="onNext" delay="0">
+                  <p:tgtEl>
+                    <p:sldTgt/>
+                  </p:tgtEl>
+                </p:cond>
+              </p:nextCondLst>
+            </p:seq>
+          </p:childTnLst>
+        </p:cTn>
+      </p:par>
+    </p:tnLst>
+  </p:timing>
+</p:sld>
+</file>
+
+<file path=ppt/slides/slide22.xml><?xml version="1.0" encoding="utf-8"?>
+<p:sld xmlns:a="http://schemas.openxmlformats.org/drawingml/2006/main" xmlns:r="http://schemas.openxmlformats.org/officeDocument/2006/relationships" xmlns:p="http://schemas.openxmlformats.org/presentationml/2006/main">
+  <p:cSld>
+    <p:spTree>
+      <p:nvGrpSpPr>
+        <p:cNvPr id="1" name=""/>
+        <p:cNvGrpSpPr/>
+        <p:nvPr/>
+      </p:nvGrpSpPr>
+      <p:grpSpPr>
+        <a:xfrm>
+          <a:off x="0" y="0"/>
+          <a:ext cx="0" cy="0"/>
+          <a:chOff x="0" y="0"/>
+          <a:chExt cx="0" cy="0"/>
+        </a:xfrm>
+      </p:grpSpPr>
+      <p:sp>
+        <p:nvSpPr>
+          <p:cNvPr id="78" name="CustomShape 1"/>
+          <p:cNvSpPr/>
+          <p:nvPr/>
+        </p:nvSpPr>
+        <p:spPr>
+          <a:xfrm>
+            <a:off x="497160" y="57960"/>
+            <a:ext cx="7820280" cy="1160640"/>
+          </a:xfrm>
+          <a:prstGeom prst="rect">
+            <a:avLst/>
+          </a:prstGeom>
+        </p:spPr>
+        <p:txBody>
+          <a:bodyPr lIns="90000" tIns="45000" rIns="90000" bIns="45000" anchor="b"/>
+          <a:lstStyle/>
+          <a:p>
+            <a:pPr>
+              <a:lnSpc>
+                <a:spcPct val="100000"/>
+              </a:lnSpc>
+            </a:pPr>
+            <a:r>
+              <a:rPr lang="en-US" sz="3200" dirty="0" smtClean="0">
+                <a:solidFill>
+                  <a:srgbClr val="5C7F92"/>
+                </a:solidFill>
+                <a:latin typeface="Lucida Bright"/>
+              </a:rPr>
+              <a:t>Lambda Expressions</a:t>
+            </a:r>
+            <a:endParaRPr lang="en-US" sz="3200" dirty="0"/>
+          </a:p>
+        </p:txBody>
+      </p:sp>
+      <p:sp>
+        <p:nvSpPr>
+          <p:cNvPr id="79" name="CustomShape 2"/>
+          <p:cNvSpPr/>
+          <p:nvPr/>
+        </p:nvSpPr>
+        <p:spPr>
+          <a:xfrm>
+            <a:off x="871200" y="1626840"/>
+            <a:ext cx="7808400" cy="5042520"/>
+          </a:xfrm>
+          <a:prstGeom prst="rect">
+            <a:avLst/>
+          </a:prstGeom>
+        </p:spPr>
+        <p:txBody>
+          <a:bodyPr lIns="90000" tIns="45000" rIns="90000" bIns="45000"/>
+          <a:lstStyle/>
+          <a:p>
+            <a:pPr>
+              <a:lnSpc>
+                <a:spcPct val="100000"/>
+              </a:lnSpc>
+            </a:pPr>
+            <a:endParaRPr dirty="0"/>
+          </a:p>
+          <a:p>
+            <a:pPr>
+              <a:lnSpc>
+                <a:spcPct val="100000"/>
+              </a:lnSpc>
+            </a:pPr>
+            <a:r>
+              <a:rPr lang="en-US" sz="2000" dirty="0" smtClean="0">
+                <a:solidFill>
+                  <a:srgbClr val="3095B4"/>
+                </a:solidFill>
+              </a:rPr>
+              <a:t>Task 7 Add Consumer to this method</a:t>
+            </a:r>
+          </a:p>
+          <a:p>
+            <a:pPr>
+              <a:lnSpc>
+                <a:spcPct val="100000"/>
+              </a:lnSpc>
+            </a:pPr>
+            <a:endParaRPr lang="en-US" sz="2000" dirty="0">
+              <a:solidFill>
+                <a:srgbClr val="3095B4"/>
+              </a:solidFill>
+            </a:endParaRPr>
+          </a:p>
+          <a:p>
+            <a:pPr>
+              <a:lnSpc>
+                <a:spcPct val="100000"/>
+              </a:lnSpc>
+            </a:pPr>
+            <a:r>
+              <a:rPr lang="sv-SE" sz="2000" dirty="0">
+                <a:solidFill>
+                  <a:srgbClr val="3095B4"/>
+                </a:solidFill>
+              </a:rPr>
+              <a:t>public </a:t>
+            </a:r>
+            <a:r>
+              <a:rPr lang="sv-SE" sz="2000" dirty="0" err="1" smtClean="0">
+                <a:solidFill>
+                  <a:srgbClr val="3095B4"/>
+                </a:solidFill>
+              </a:rPr>
+              <a:t>void</a:t>
+            </a:r>
+            <a:r>
+              <a:rPr lang="sv-SE" sz="2000" dirty="0" smtClean="0">
+                <a:solidFill>
+                  <a:srgbClr val="3095B4"/>
+                </a:solidFill>
+              </a:rPr>
+              <a:t> </a:t>
+            </a:r>
+            <a:r>
+              <a:rPr lang="sv-SE" sz="2000" dirty="0" err="1">
+                <a:solidFill>
+                  <a:srgbClr val="3095B4"/>
+                </a:solidFill>
+              </a:rPr>
+              <a:t>printPersonsWithPredicate</a:t>
+            </a:r>
+            <a:r>
+              <a:rPr lang="sv-SE" sz="2000" dirty="0">
+                <a:solidFill>
+                  <a:srgbClr val="3095B4"/>
+                </a:solidFill>
+              </a:rPr>
+              <a:t>( </a:t>
+            </a:r>
+            <a:endParaRPr lang="sv-SE" sz="2000" dirty="0" smtClean="0">
+              <a:solidFill>
+                <a:srgbClr val="3095B4"/>
+              </a:solidFill>
+            </a:endParaRPr>
+          </a:p>
+          <a:p>
+            <a:pPr>
+              <a:lnSpc>
+                <a:spcPct val="100000"/>
+              </a:lnSpc>
+            </a:pPr>
+            <a:r>
+              <a:rPr lang="sv-SE" sz="2000" dirty="0">
+                <a:solidFill>
+                  <a:srgbClr val="3095B4"/>
+                </a:solidFill>
+              </a:rPr>
+              <a:t>	</a:t>
+            </a:r>
+            <a:r>
+              <a:rPr lang="sv-SE" sz="2000" dirty="0" smtClean="0">
+                <a:solidFill>
+                  <a:srgbClr val="3095B4"/>
+                </a:solidFill>
+              </a:rPr>
+              <a:t>List&lt;Person</a:t>
+            </a:r>
+            <a:r>
+              <a:rPr lang="sv-SE" sz="2000" dirty="0">
+                <a:solidFill>
+                  <a:srgbClr val="3095B4"/>
+                </a:solidFill>
+              </a:rPr>
+              <a:t>&gt; </a:t>
+            </a:r>
+            <a:r>
+              <a:rPr lang="sv-SE" sz="2000" dirty="0" err="1">
+                <a:solidFill>
+                  <a:srgbClr val="3095B4"/>
+                </a:solidFill>
+              </a:rPr>
+              <a:t>roster</a:t>
+            </a:r>
+            <a:r>
+              <a:rPr lang="sv-SE" sz="2000" dirty="0">
+                <a:solidFill>
+                  <a:srgbClr val="3095B4"/>
+                </a:solidFill>
+              </a:rPr>
+              <a:t>, </a:t>
+            </a:r>
+            <a:r>
+              <a:rPr lang="sv-SE" sz="2000" dirty="0" err="1">
+                <a:solidFill>
+                  <a:srgbClr val="3095B4"/>
+                </a:solidFill>
+              </a:rPr>
+              <a:t>Predicate</a:t>
+            </a:r>
+            <a:r>
+              <a:rPr lang="sv-SE" sz="2000" dirty="0">
+                <a:solidFill>
+                  <a:srgbClr val="3095B4"/>
+                </a:solidFill>
+              </a:rPr>
+              <a:t>&lt;Person&gt; tester) </a:t>
+            </a:r>
+            <a:endParaRPr lang="sv-SE" sz="2000" dirty="0" smtClean="0">
+              <a:solidFill>
+                <a:srgbClr val="3095B4"/>
+              </a:solidFill>
+            </a:endParaRPr>
+          </a:p>
+          <a:p>
+            <a:pPr>
+              <a:lnSpc>
+                <a:spcPct val="100000"/>
+              </a:lnSpc>
+            </a:pPr>
+            <a:r>
+              <a:rPr lang="sv-SE" sz="2000" dirty="0" smtClean="0">
+                <a:solidFill>
+                  <a:srgbClr val="3095B4"/>
+                </a:solidFill>
+              </a:rPr>
+              <a:t>{ </a:t>
+            </a:r>
+          </a:p>
+          <a:p>
+            <a:pPr>
+              <a:lnSpc>
+                <a:spcPct val="100000"/>
+              </a:lnSpc>
+            </a:pPr>
+            <a:r>
+              <a:rPr lang="sv-SE" sz="2000" dirty="0">
+                <a:solidFill>
+                  <a:srgbClr val="3095B4"/>
+                </a:solidFill>
+              </a:rPr>
+              <a:t>	</a:t>
+            </a:r>
+            <a:r>
+              <a:rPr lang="sv-SE" sz="2000" dirty="0" smtClean="0">
+                <a:solidFill>
+                  <a:srgbClr val="3095B4"/>
+                </a:solidFill>
+              </a:rPr>
+              <a:t>for </a:t>
+            </a:r>
+            <a:r>
+              <a:rPr lang="sv-SE" sz="2000" dirty="0">
+                <a:solidFill>
+                  <a:srgbClr val="3095B4"/>
+                </a:solidFill>
+              </a:rPr>
+              <a:t>(Person p : </a:t>
+            </a:r>
+            <a:r>
+              <a:rPr lang="sv-SE" sz="2000" dirty="0" err="1">
+                <a:solidFill>
+                  <a:srgbClr val="3095B4"/>
+                </a:solidFill>
+              </a:rPr>
+              <a:t>roster</a:t>
+            </a:r>
+            <a:r>
+              <a:rPr lang="sv-SE" sz="2000" dirty="0">
+                <a:solidFill>
+                  <a:srgbClr val="3095B4"/>
+                </a:solidFill>
+              </a:rPr>
+              <a:t>) { </a:t>
+            </a:r>
+            <a:endParaRPr lang="sv-SE" sz="2000" dirty="0" smtClean="0">
+              <a:solidFill>
+                <a:srgbClr val="3095B4"/>
+              </a:solidFill>
+            </a:endParaRPr>
+          </a:p>
+          <a:p>
+            <a:pPr>
+              <a:lnSpc>
+                <a:spcPct val="100000"/>
+              </a:lnSpc>
+            </a:pPr>
+            <a:r>
+              <a:rPr lang="sv-SE" sz="2000" dirty="0">
+                <a:solidFill>
+                  <a:srgbClr val="3095B4"/>
+                </a:solidFill>
+              </a:rPr>
+              <a:t>	</a:t>
+            </a:r>
+            <a:r>
+              <a:rPr lang="sv-SE" sz="2000" dirty="0" smtClean="0">
+                <a:solidFill>
+                  <a:srgbClr val="3095B4"/>
+                </a:solidFill>
+              </a:rPr>
+              <a:t>	</a:t>
+            </a:r>
+            <a:r>
+              <a:rPr lang="sv-SE" sz="2000" dirty="0" err="1" smtClean="0">
+                <a:solidFill>
+                  <a:srgbClr val="3095B4"/>
+                </a:solidFill>
+              </a:rPr>
+              <a:t>if</a:t>
+            </a:r>
+            <a:r>
+              <a:rPr lang="sv-SE" sz="2000" dirty="0" smtClean="0">
+                <a:solidFill>
+                  <a:srgbClr val="3095B4"/>
+                </a:solidFill>
+              </a:rPr>
+              <a:t> </a:t>
+            </a:r>
+            <a:r>
+              <a:rPr lang="sv-SE" sz="2000" dirty="0">
+                <a:solidFill>
+                  <a:srgbClr val="3095B4"/>
+                </a:solidFill>
+              </a:rPr>
+              <a:t>(</a:t>
+            </a:r>
+            <a:r>
+              <a:rPr lang="sv-SE" sz="2000" dirty="0" err="1">
+                <a:solidFill>
+                  <a:srgbClr val="3095B4"/>
+                </a:solidFill>
+              </a:rPr>
+              <a:t>tester.test</a:t>
+            </a:r>
+            <a:r>
+              <a:rPr lang="sv-SE" sz="2000" dirty="0">
+                <a:solidFill>
+                  <a:srgbClr val="3095B4"/>
+                </a:solidFill>
+              </a:rPr>
+              <a:t>(p)) { </a:t>
+            </a:r>
+            <a:endParaRPr lang="sv-SE" sz="2000" dirty="0" smtClean="0">
+              <a:solidFill>
+                <a:srgbClr val="3095B4"/>
+              </a:solidFill>
+            </a:endParaRPr>
+          </a:p>
+          <a:p>
+            <a:pPr>
+              <a:lnSpc>
+                <a:spcPct val="100000"/>
+              </a:lnSpc>
+            </a:pPr>
+            <a:r>
+              <a:rPr lang="sv-SE" sz="2000" dirty="0">
+                <a:solidFill>
+                  <a:srgbClr val="3095B4"/>
+                </a:solidFill>
+              </a:rPr>
+              <a:t>	</a:t>
+            </a:r>
+            <a:r>
+              <a:rPr lang="sv-SE" sz="2000" dirty="0" smtClean="0">
+                <a:solidFill>
+                  <a:srgbClr val="3095B4"/>
+                </a:solidFill>
+              </a:rPr>
+              <a:t>		</a:t>
+            </a:r>
+            <a:r>
+              <a:rPr lang="sv-SE" sz="2000" dirty="0" err="1" smtClean="0">
+                <a:solidFill>
+                  <a:srgbClr val="3095B4"/>
+                </a:solidFill>
+              </a:rPr>
+              <a:t>p.printPerson</a:t>
+            </a:r>
+            <a:r>
+              <a:rPr lang="sv-SE" sz="2000" dirty="0">
+                <a:solidFill>
+                  <a:srgbClr val="3095B4"/>
+                </a:solidFill>
+              </a:rPr>
+              <a:t>(); </a:t>
+            </a:r>
+            <a:endParaRPr lang="sv-SE" sz="2000" dirty="0" smtClean="0">
+              <a:solidFill>
+                <a:srgbClr val="3095B4"/>
+              </a:solidFill>
+            </a:endParaRPr>
+          </a:p>
+          <a:p>
+            <a:pPr>
+              <a:lnSpc>
+                <a:spcPct val="100000"/>
+              </a:lnSpc>
+            </a:pPr>
+            <a:r>
+              <a:rPr lang="sv-SE" sz="2000" dirty="0">
+                <a:solidFill>
+                  <a:srgbClr val="3095B4"/>
+                </a:solidFill>
+              </a:rPr>
+              <a:t>	</a:t>
+            </a:r>
+            <a:r>
+              <a:rPr lang="sv-SE" sz="2000" dirty="0" smtClean="0">
+                <a:solidFill>
+                  <a:srgbClr val="3095B4"/>
+                </a:solidFill>
+              </a:rPr>
+              <a:t>	} </a:t>
+            </a:r>
+          </a:p>
+          <a:p>
+            <a:pPr>
+              <a:lnSpc>
+                <a:spcPct val="100000"/>
+              </a:lnSpc>
+            </a:pPr>
+            <a:r>
+              <a:rPr lang="sv-SE" sz="2000" dirty="0">
+                <a:solidFill>
+                  <a:srgbClr val="3095B4"/>
+                </a:solidFill>
+              </a:rPr>
+              <a:t>	</a:t>
+            </a:r>
+            <a:r>
+              <a:rPr lang="sv-SE" sz="2000" dirty="0" smtClean="0">
+                <a:solidFill>
+                  <a:srgbClr val="3095B4"/>
+                </a:solidFill>
+              </a:rPr>
+              <a:t>} </a:t>
+            </a:r>
+          </a:p>
+          <a:p>
+            <a:pPr>
+              <a:lnSpc>
+                <a:spcPct val="100000"/>
+              </a:lnSpc>
+            </a:pPr>
+            <a:r>
+              <a:rPr lang="sv-SE" sz="2000" dirty="0" smtClean="0">
+                <a:solidFill>
+                  <a:srgbClr val="3095B4"/>
+                </a:solidFill>
+              </a:rPr>
+              <a:t>}</a:t>
+            </a:r>
+            <a:endParaRPr lang="en-US" sz="2000" dirty="0">
+              <a:solidFill>
+                <a:srgbClr val="3095B4"/>
+              </a:solidFill>
+            </a:endParaRPr>
+          </a:p>
+        </p:txBody>
+      </p:sp>
+    </p:spTree>
+    <p:extLst>
+      <p:ext uri="{BB962C8B-B14F-4D97-AF65-F5344CB8AC3E}">
+        <p14:creationId xmlns:p14="http://schemas.microsoft.com/office/powerpoint/2010/main" val="752415888"/>
+      </p:ext>
+    </p:extLst>
+  </p:cSld>
+  <p:clrMapOvr>
+    <a:masterClrMapping/>
+  </p:clrMapOvr>
+  <p:timing>
+    <p:tnLst>
+      <p:par>
+        <p:cTn id="1" dur="indefinite" restart="never" nodeType="tmRoot">
+          <p:childTnLst>
+            <p:seq>
+              <p:cTn id="2" nodeType="mainSeq">
+                <p:childTnLst>
+                  <p:par>
+                    <p:cTn id="3"/>
+                  </p:par>
+                </p:childTnLst>
+              </p:cTn>
+              <p:prevCondLst>
+                <p:cond evt="onPrev" delay="0">
+                  <p:tgtEl>
+                    <p:sldTgt/>
+                  </p:tgtEl>
+                </p:cond>
+              </p:prevCondLst>
+              <p:nextCondLst>
+                <p:cond evt="onNext" delay="0">
+                  <p:tgtEl>
+                    <p:sldTgt/>
+                  </p:tgtEl>
+                </p:cond>
+              </p:nextCondLst>
+            </p:seq>
+          </p:childTnLst>
+        </p:cTn>
+      </p:par>
+    </p:tnLst>
+  </p:timing>
+</p:sld>
+</file>
+
+<file path=ppt/slides/slide23.xml><?xml version="1.0" encoding="utf-8"?>
+<p:sld xmlns:a="http://schemas.openxmlformats.org/drawingml/2006/main" xmlns:r="http://schemas.openxmlformats.org/officeDocument/2006/relationships" xmlns:p="http://schemas.openxmlformats.org/presentationml/2006/main">
+  <p:cSld>
+    <p:spTree>
+      <p:nvGrpSpPr>
+        <p:cNvPr id="1" name=""/>
+        <p:cNvGrpSpPr/>
+        <p:nvPr/>
+      </p:nvGrpSpPr>
+      <p:grpSpPr>
+        <a:xfrm>
+          <a:off x="0" y="0"/>
+          <a:ext cx="0" cy="0"/>
+          <a:chOff x="0" y="0"/>
+          <a:chExt cx="0" cy="0"/>
+        </a:xfrm>
+      </p:grpSpPr>
+      <p:sp>
+        <p:nvSpPr>
+          <p:cNvPr id="78" name="CustomShape 1"/>
+          <p:cNvSpPr/>
+          <p:nvPr/>
+        </p:nvSpPr>
+        <p:spPr>
+          <a:xfrm>
+            <a:off x="497160" y="57960"/>
+            <a:ext cx="7820280" cy="1160640"/>
+          </a:xfrm>
+          <a:prstGeom prst="rect">
+            <a:avLst/>
+          </a:prstGeom>
+        </p:spPr>
+        <p:txBody>
+          <a:bodyPr lIns="90000" tIns="45000" rIns="90000" bIns="45000" anchor="b"/>
+          <a:lstStyle/>
+          <a:p>
+            <a:pPr>
+              <a:lnSpc>
+                <a:spcPct val="100000"/>
+              </a:lnSpc>
+            </a:pPr>
+            <a:r>
+              <a:rPr lang="en-US" sz="3200" dirty="0" smtClean="0">
+                <a:solidFill>
+                  <a:srgbClr val="5C7F92"/>
+                </a:solidFill>
+                <a:latin typeface="Lucida Bright"/>
+              </a:rPr>
+              <a:t>Lambda Expressions</a:t>
+            </a:r>
+            <a:endParaRPr lang="en-US" sz="3200" dirty="0"/>
+          </a:p>
+        </p:txBody>
+      </p:sp>
+      <p:sp>
+        <p:nvSpPr>
+          <p:cNvPr id="79" name="CustomShape 2"/>
+          <p:cNvSpPr/>
+          <p:nvPr/>
+        </p:nvSpPr>
+        <p:spPr>
+          <a:xfrm>
+            <a:off x="871200" y="1626840"/>
+            <a:ext cx="7808400" cy="5042520"/>
+          </a:xfrm>
+          <a:prstGeom prst="rect">
+            <a:avLst/>
+          </a:prstGeom>
+        </p:spPr>
+        <p:txBody>
+          <a:bodyPr lIns="90000" tIns="45000" rIns="90000" bIns="45000"/>
+          <a:lstStyle/>
+          <a:p>
+            <a:pPr>
+              <a:lnSpc>
+                <a:spcPct val="100000"/>
+              </a:lnSpc>
+            </a:pPr>
+            <a:endParaRPr dirty="0"/>
+          </a:p>
+          <a:p>
+            <a:pPr>
+              <a:lnSpc>
+                <a:spcPct val="100000"/>
+              </a:lnSpc>
+            </a:pPr>
+            <a:r>
+              <a:rPr lang="en-US" sz="2000" dirty="0" smtClean="0">
+                <a:solidFill>
+                  <a:srgbClr val="3095B4"/>
+                </a:solidFill>
+              </a:rPr>
+              <a:t>Task 7 Go to Task 5 and change the call </a:t>
+            </a:r>
+            <a:r>
+              <a:rPr lang="en-US" sz="2000" dirty="0" err="1" smtClean="0">
+                <a:solidFill>
+                  <a:srgbClr val="3095B4"/>
+                </a:solidFill>
+              </a:rPr>
+              <a:t>printPersons</a:t>
+            </a:r>
+            <a:endParaRPr lang="en-US" sz="2000" dirty="0" smtClean="0">
+              <a:solidFill>
+                <a:srgbClr val="3095B4"/>
+              </a:solidFill>
+            </a:endParaRPr>
+          </a:p>
+          <a:p>
+            <a:pPr>
+              <a:lnSpc>
+                <a:spcPct val="100000"/>
+              </a:lnSpc>
+            </a:pPr>
+            <a:endParaRPr lang="en-US" sz="2000" dirty="0">
+              <a:solidFill>
+                <a:srgbClr val="3095B4"/>
+              </a:solidFill>
+            </a:endParaRPr>
+          </a:p>
+        </p:txBody>
+      </p:sp>
+    </p:spTree>
+    <p:extLst>
+      <p:ext uri="{BB962C8B-B14F-4D97-AF65-F5344CB8AC3E}">
+        <p14:creationId xmlns:p14="http://schemas.microsoft.com/office/powerpoint/2010/main" val="3354717438"/>
+      </p:ext>
+    </p:extLst>
+  </p:cSld>
+  <p:clrMapOvr>
+    <a:masterClrMapping/>
+  </p:clrMapOvr>
+  <p:timing>
+    <p:tnLst>
+      <p:par>
+        <p:cTn id="1" dur="indefinite" restart="never" nodeType="tmRoot">
+          <p:childTnLst>
+            <p:seq>
+              <p:cTn id="2" nodeType="mainSeq">
+                <p:childTnLst>
+                  <p:par>
+                    <p:cTn id="3"/>
+                  </p:par>
+                </p:childTnLst>
+              </p:cTn>
+              <p:prevCondLst>
+                <p:cond evt="onPrev" delay="0">
+                  <p:tgtEl>
+                    <p:sldTgt/>
+                  </p:tgtEl>
+                </p:cond>
+              </p:prevCondLst>
+              <p:nextCondLst>
+                <p:cond evt="onNext" delay="0">
+                  <p:tgtEl>
+                    <p:sldTgt/>
+                  </p:tgtEl>
+                </p:cond>
+              </p:nextCondLst>
+            </p:seq>
+          </p:childTnLst>
+        </p:cTn>
+      </p:par>
+    </p:tnLst>
+  </p:timing>
+</p:sld>
+</file>
+
+<file path=ppt/slides/slide24.xml><?xml version="1.0" encoding="utf-8"?>
+<p:sld xmlns:a="http://schemas.openxmlformats.org/drawingml/2006/main" xmlns:r="http://schemas.openxmlformats.org/officeDocument/2006/relationships" xmlns:p="http://schemas.openxmlformats.org/presentationml/2006/main">
+  <p:cSld>
+    <p:spTree>
+      <p:nvGrpSpPr>
+        <p:cNvPr id="1" name=""/>
+        <p:cNvGrpSpPr/>
+        <p:nvPr/>
+      </p:nvGrpSpPr>
+      <p:grpSpPr>
+        <a:xfrm>
+          <a:off x="0" y="0"/>
+          <a:ext cx="0" cy="0"/>
+          <a:chOff x="0" y="0"/>
+          <a:chExt cx="0" cy="0"/>
+        </a:xfrm>
+      </p:grpSpPr>
+      <p:sp>
+        <p:nvSpPr>
+          <p:cNvPr id="78" name="CustomShape 1"/>
+          <p:cNvSpPr/>
+          <p:nvPr/>
+        </p:nvSpPr>
+        <p:spPr>
+          <a:xfrm>
+            <a:off x="497160" y="57960"/>
+            <a:ext cx="7820280" cy="1160640"/>
+          </a:xfrm>
+          <a:prstGeom prst="rect">
+            <a:avLst/>
+          </a:prstGeom>
+        </p:spPr>
+        <p:txBody>
+          <a:bodyPr lIns="90000" tIns="45000" rIns="90000" bIns="45000" anchor="b"/>
+          <a:lstStyle/>
+          <a:p>
+            <a:pPr>
+              <a:lnSpc>
+                <a:spcPct val="100000"/>
+              </a:lnSpc>
+            </a:pPr>
+            <a:r>
+              <a:rPr lang="en-US" sz="3200" dirty="0" smtClean="0">
+                <a:solidFill>
+                  <a:srgbClr val="5C7F92"/>
+                </a:solidFill>
+                <a:latin typeface="Lucida Bright"/>
+              </a:rPr>
+              <a:t>Lambda Expressions</a:t>
+            </a:r>
+            <a:endParaRPr lang="en-US" sz="3200" dirty="0"/>
+          </a:p>
+        </p:txBody>
+      </p:sp>
+      <p:sp>
+        <p:nvSpPr>
+          <p:cNvPr id="79" name="CustomShape 2"/>
+          <p:cNvSpPr/>
+          <p:nvPr/>
+        </p:nvSpPr>
+        <p:spPr>
+          <a:xfrm>
+            <a:off x="871200" y="1626840"/>
+            <a:ext cx="7808400" cy="5042520"/>
+          </a:xfrm>
+          <a:prstGeom prst="rect">
+            <a:avLst/>
+          </a:prstGeom>
+        </p:spPr>
+        <p:txBody>
+          <a:bodyPr lIns="90000" tIns="45000" rIns="90000" bIns="45000"/>
+          <a:lstStyle/>
+          <a:p>
+            <a:pPr>
+              <a:lnSpc>
+                <a:spcPct val="100000"/>
+              </a:lnSpc>
+            </a:pPr>
+            <a:endParaRPr dirty="0"/>
+          </a:p>
+          <a:p>
+            <a:pPr>
+              <a:lnSpc>
+                <a:spcPct val="100000"/>
+              </a:lnSpc>
+            </a:pPr>
+            <a:r>
+              <a:rPr lang="en-US" sz="2000" dirty="0" smtClean="0">
+                <a:solidFill>
+                  <a:srgbClr val="3095B4"/>
+                </a:solidFill>
+              </a:rPr>
               <a:t>Final solution:</a:t>
             </a:r>
           </a:p>
@@ -7181,7 +7912,7 @@
 </p:sld>
 </file>
 
-<file path=ppt/slides/slide22.xml><?xml version="1.0" encoding="utf-8"?>
+<file path=ppt/slides/slide25.xml><?xml version="1.0" encoding="utf-8"?>
 <p:sld xmlns:a="http://schemas.openxmlformats.org/drawingml/2006/main" xmlns:r="http://schemas.openxmlformats.org/officeDocument/2006/relationships" xmlns:p="http://schemas.openxmlformats.org/presentationml/2006/main">
   <p:cSld>
     <p:spTree>
@@ -7682,7 +8413,7 @@
       </p:grpSpPr>
       <p:sp>
         <p:nvSpPr>
-          <p:cNvPr id="78" name="CustomShape 1"/>
+          <p:cNvPr id="76" name="CustomShape 1"/>
           <p:cNvSpPr/>
           <p:nvPr/>
         </p:nvSpPr>
@@ -7713,20 +8444,20 @@
               </a:rPr>
               <a:t>Lambda Expressions</a:t>
             </a:r>
-            <a:endParaRPr lang="en-US" sz="3200" dirty="0"/>
-          </a:p>
-        </p:txBody>
-      </p:sp>
-      <p:sp>
-        <p:nvSpPr>
-          <p:cNvPr id="79" name="CustomShape 2"/>
+            <a:endParaRPr dirty="0"/>
+          </a:p>
+        </p:txBody>
+      </p:sp>
+      <p:sp>
+        <p:nvSpPr>
+          <p:cNvPr id="77" name="CustomShape 2"/>
           <p:cNvSpPr/>
           <p:nvPr/>
         </p:nvSpPr>
         <p:spPr>
           <a:xfrm>
             <a:off x="871200" y="1626840"/>
-            <a:ext cx="7808400" cy="3664440"/>
+            <a:ext cx="7808400" cy="4466456"/>
           </a:xfrm>
           <a:prstGeom prst="rect">
             <a:avLst/>
@@ -7748,14 +8479,16 @@
               <a:lnSpc>
                 <a:spcPct val="100000"/>
               </a:lnSpc>
-            </a:pPr>
-            <a:r>
-              <a:rPr lang="sv-SE" sz="2000" dirty="0">
-                <a:solidFill>
-                  <a:srgbClr val="3095B4"/>
-                </a:solidFill>
-              </a:rPr>
-              <a:t>Task </a:t>
+              <a:buFont typeface="Arial"/>
+              <a:buChar char="•"/>
+            </a:pPr>
+            <a:r>
+              <a:rPr lang="sv-SE" sz="2000" dirty="0" err="1" smtClean="0">
+                <a:solidFill>
+                  <a:srgbClr val="3095B4"/>
+                </a:solidFill>
+              </a:rPr>
+              <a:t>How</a:t>
             </a:r>
             <a:r>
               <a:rPr lang="sv-SE" sz="2000" dirty="0" smtClean="0">
@@ -7763,14 +8496,127 @@
                   <a:srgbClr val="3095B4"/>
                 </a:solidFill>
               </a:rPr>
-              <a:t>1</a:t>
-            </a:r>
-          </a:p>
-          <a:p>
-            <a:pPr>
-              <a:lnSpc>
-                <a:spcPct val="100000"/>
-              </a:lnSpc>
+              <a:t> </a:t>
+            </a:r>
+            <a:r>
+              <a:rPr lang="sv-SE" sz="2000" dirty="0" err="1" smtClean="0">
+                <a:solidFill>
+                  <a:srgbClr val="3095B4"/>
+                </a:solidFill>
+              </a:rPr>
+              <a:t>to</a:t>
+            </a:r>
+            <a:r>
+              <a:rPr lang="sv-SE" sz="2000" dirty="0" smtClean="0">
+                <a:solidFill>
+                  <a:srgbClr val="3095B4"/>
+                </a:solidFill>
+              </a:rPr>
+              <a:t> pass </a:t>
+            </a:r>
+            <a:r>
+              <a:rPr lang="sv-SE" sz="2000" dirty="0" err="1" smtClean="0">
+                <a:solidFill>
+                  <a:srgbClr val="3095B4"/>
+                </a:solidFill>
+              </a:rPr>
+              <a:t>functionality</a:t>
+            </a:r>
+            <a:r>
+              <a:rPr lang="sv-SE" sz="2000" dirty="0" smtClean="0">
+                <a:solidFill>
+                  <a:srgbClr val="3095B4"/>
+                </a:solidFill>
+              </a:rPr>
+              <a:t> as an </a:t>
+            </a:r>
+            <a:r>
+              <a:rPr lang="sv-SE" sz="2000" dirty="0" smtClean="0">
+                <a:solidFill>
+                  <a:srgbClr val="3095B4"/>
+                </a:solidFill>
+              </a:rPr>
+              <a:t>argument </a:t>
+            </a:r>
+            <a:r>
+              <a:rPr lang="sv-SE" sz="2000" dirty="0" err="1" smtClean="0">
+                <a:solidFill>
+                  <a:srgbClr val="3095B4"/>
+                </a:solidFill>
+              </a:rPr>
+              <a:t>before</a:t>
+            </a:r>
+            <a:r>
+              <a:rPr lang="sv-SE" sz="2000" dirty="0" smtClean="0">
+                <a:solidFill>
+                  <a:srgbClr val="3095B4"/>
+                </a:solidFill>
+              </a:rPr>
+              <a:t> Java 8?</a:t>
+            </a:r>
+            <a:endParaRPr lang="sv-SE" dirty="0"/>
+          </a:p>
+          <a:p>
+            <a:pPr>
+              <a:lnSpc>
+                <a:spcPct val="100000"/>
+              </a:lnSpc>
+              <a:buFont typeface="Arial"/>
+              <a:buChar char="•"/>
+            </a:pPr>
+            <a:r>
+              <a:rPr lang="sv-SE" sz="2000" dirty="0" err="1" smtClean="0">
+                <a:solidFill>
+                  <a:srgbClr val="3095B4"/>
+                </a:solidFill>
+              </a:rPr>
+              <a:t>Answer</a:t>
+            </a:r>
+            <a:r>
+              <a:rPr lang="sv-SE" sz="2000" dirty="0" smtClean="0">
+                <a:solidFill>
+                  <a:srgbClr val="3095B4"/>
+                </a:solidFill>
+              </a:rPr>
+              <a:t>: </a:t>
+            </a:r>
+            <a:r>
+              <a:rPr lang="sv-SE" sz="2000" dirty="0" err="1" smtClean="0">
+                <a:solidFill>
+                  <a:srgbClr val="3095B4"/>
+                </a:solidFill>
+              </a:rPr>
+              <a:t>Anomymous</a:t>
+            </a:r>
+            <a:r>
+              <a:rPr lang="sv-SE" sz="2000" dirty="0" smtClean="0">
+                <a:solidFill>
+                  <a:srgbClr val="3095B4"/>
+                </a:solidFill>
+              </a:rPr>
+              <a:t> </a:t>
+            </a:r>
+            <a:r>
+              <a:rPr lang="sv-SE" sz="2000" dirty="0" err="1" smtClean="0">
+                <a:solidFill>
+                  <a:srgbClr val="3095B4"/>
+                </a:solidFill>
+              </a:rPr>
+              <a:t>classes</a:t>
+            </a:r>
+            <a:endParaRPr lang="sv-SE" sz="2000" dirty="0" smtClean="0">
+              <a:solidFill>
+                <a:srgbClr val="3095B4"/>
+              </a:solidFill>
+            </a:endParaRPr>
+          </a:p>
+          <a:p>
+            <a:pPr>
+              <a:lnSpc>
+                <a:spcPct val="100000"/>
+              </a:lnSpc>
+              <a:buFont typeface="Arial"/>
+              <a:buChar char="•"/>
             </a:pPr>
             <a:endParaRPr lang="sv-SE" sz="2000" dirty="0">
               <a:solidFill>
@@ -7783,116 +8629,64 @@
               <a:lnSpc>
                 <a:spcPct val="100000"/>
               </a:lnSpc>
-            </a:pPr>
-            <a:r>
-              <a:rPr lang="en-US" sz="2000" dirty="0" smtClean="0">
-                <a:solidFill>
-                  <a:srgbClr val="3095B4"/>
-                </a:solidFill>
-              </a:rPr>
-              <a:t>Write a body to this method:</a:t>
-            </a:r>
-          </a:p>
-          <a:p>
-            <a:pPr>
-              <a:lnSpc>
-                <a:spcPct val="100000"/>
-              </a:lnSpc>
-            </a:pPr>
-            <a:endParaRPr lang="en-US" sz="2000" dirty="0" smtClean="0">
-              <a:solidFill>
-                <a:srgbClr val="3095B4"/>
-              </a:solidFill>
-            </a:endParaRPr>
-          </a:p>
-          <a:p>
-            <a:pPr>
-              <a:lnSpc>
-                <a:spcPct val="100000"/>
-              </a:lnSpc>
-            </a:pPr>
-            <a:r>
-              <a:rPr lang="en-US" sz="2000" dirty="0" smtClean="0">
-                <a:solidFill>
-                  <a:srgbClr val="3095B4"/>
-                </a:solidFill>
-              </a:rPr>
-              <a:t>public </a:t>
-            </a:r>
-            <a:r>
-              <a:rPr lang="en-US" sz="2000" dirty="0">
-                <a:solidFill>
-                  <a:srgbClr val="3095B4"/>
-                </a:solidFill>
-              </a:rPr>
-              <a:t>void </a:t>
-            </a:r>
-            <a:r>
-              <a:rPr lang="en-US" sz="2000" dirty="0" err="1">
-                <a:solidFill>
-                  <a:srgbClr val="3095B4"/>
-                </a:solidFill>
-              </a:rPr>
-              <a:t>printPersonsOlderThan</a:t>
-            </a:r>
-            <a:r>
-              <a:rPr lang="en-US" sz="2000" dirty="0">
-                <a:solidFill>
-                  <a:srgbClr val="3095B4"/>
-                </a:solidFill>
-              </a:rPr>
-              <a:t>(List&lt;Person&gt; </a:t>
-            </a:r>
-            <a:r>
-              <a:rPr lang="en-US" sz="2000" dirty="0" smtClean="0">
-                <a:solidFill>
-                  <a:srgbClr val="3095B4"/>
-                </a:solidFill>
-              </a:rPr>
-              <a:t>persons, </a:t>
-            </a:r>
-            <a:r>
-              <a:rPr lang="en-US" sz="2000" dirty="0" err="1">
-                <a:solidFill>
-                  <a:srgbClr val="3095B4"/>
-                </a:solidFill>
-              </a:rPr>
-              <a:t>int</a:t>
-            </a:r>
-            <a:r>
-              <a:rPr lang="en-US" sz="2000" dirty="0">
-                <a:solidFill>
-                  <a:srgbClr val="3095B4"/>
-                </a:solidFill>
-              </a:rPr>
-              <a:t> age) {</a:t>
-            </a:r>
-          </a:p>
-          <a:p>
-            <a:pPr>
-              <a:lnSpc>
-                <a:spcPct val="100000"/>
-              </a:lnSpc>
-            </a:pPr>
-            <a:endParaRPr lang="en-US" sz="2000" dirty="0">
-              <a:solidFill>
-                <a:srgbClr val="3095B4"/>
-              </a:solidFill>
-            </a:endParaRPr>
-          </a:p>
-          <a:p>
-            <a:pPr>
-              <a:lnSpc>
-                <a:spcPct val="100000"/>
-              </a:lnSpc>
-            </a:pPr>
-            <a:r>
-              <a:rPr lang="en-US" sz="2000" dirty="0">
-                <a:solidFill>
-                  <a:srgbClr val="3095B4"/>
-                </a:solidFill>
-              </a:rPr>
-              <a:t>}</a:t>
+              <a:buFont typeface="Arial"/>
+              <a:buChar char="•"/>
+            </a:pPr>
+            <a:r>
+              <a:rPr lang="sv-SE" sz="2000" dirty="0" smtClean="0">
+                <a:solidFill>
+                  <a:srgbClr val="3095B4"/>
+                </a:solidFill>
+              </a:rPr>
+              <a:t>Nice? No, </a:t>
+            </a:r>
+            <a:r>
+              <a:rPr lang="sv-SE" sz="2000" dirty="0" err="1" smtClean="0">
+                <a:solidFill>
+                  <a:srgbClr val="3095B4"/>
+                </a:solidFill>
+              </a:rPr>
+              <a:t>too</a:t>
+            </a:r>
+            <a:r>
+              <a:rPr lang="sv-SE" sz="2000" dirty="0" smtClean="0">
+                <a:solidFill>
+                  <a:srgbClr val="3095B4"/>
+                </a:solidFill>
+              </a:rPr>
+              <a:t> </a:t>
+            </a:r>
+            <a:r>
+              <a:rPr lang="sv-SE" sz="2000" dirty="0" err="1" smtClean="0">
+                <a:solidFill>
+                  <a:srgbClr val="3095B4"/>
+                </a:solidFill>
+              </a:rPr>
+              <a:t>much</a:t>
+            </a:r>
+            <a:r>
+              <a:rPr lang="sv-SE" sz="2000" dirty="0" smtClean="0">
+                <a:solidFill>
+                  <a:srgbClr val="3095B4"/>
+                </a:solidFill>
+              </a:rPr>
+              <a:t> </a:t>
+            </a:r>
+            <a:r>
+              <a:rPr lang="sv-SE" sz="2000" dirty="0" err="1" smtClean="0">
+                <a:solidFill>
+                  <a:srgbClr val="3095B4"/>
+                </a:solidFill>
+              </a:rPr>
+              <a:t>noise</a:t>
+            </a:r>
+            <a:r>
+              <a:rPr lang="sv-SE" sz="2000" dirty="0" smtClean="0">
+                <a:solidFill>
+                  <a:srgbClr val="3095B4"/>
+                </a:solidFill>
+              </a:rPr>
+              <a:t>!</a:t>
             </a:r>
             <a:endParaRPr sz="2000" dirty="0">
               <a:solidFill>
@@ -7900,12 +8694,293 @@
               </a:solidFill>
             </a:endParaRPr>
           </a:p>
+          <a:p>
+            <a:pPr>
+              <a:lnSpc>
+                <a:spcPct val="100000"/>
+              </a:lnSpc>
+              <a:buFont typeface="Arial"/>
+              <a:buChar char="•"/>
+            </a:pPr>
+            <a:endParaRPr dirty="0"/>
+          </a:p>
+          <a:p>
+            <a:pPr>
+              <a:lnSpc>
+                <a:spcPct val="100000"/>
+              </a:lnSpc>
+              <a:buFont typeface="Arial"/>
+              <a:buChar char="•"/>
+            </a:pPr>
+            <a:r>
+              <a:rPr lang="sv-SE" sz="2000" dirty="0" err="1">
+                <a:solidFill>
+                  <a:srgbClr val="3095B4"/>
+                </a:solidFill>
+              </a:rPr>
+              <a:t>Example</a:t>
+            </a:r>
+            <a:r>
+              <a:rPr lang="sv-SE" sz="2000" dirty="0">
+                <a:solidFill>
+                  <a:srgbClr val="3095B4"/>
+                </a:solidFill>
+              </a:rPr>
+              <a:t>:</a:t>
+            </a:r>
+          </a:p>
+          <a:p>
+            <a:pPr>
+              <a:lnSpc>
+                <a:spcPct val="100000"/>
+              </a:lnSpc>
+            </a:pPr>
+            <a:endParaRPr lang="sv-SE" sz="2000" dirty="0" smtClean="0">
+              <a:solidFill>
+                <a:srgbClr val="3095B4"/>
+              </a:solidFill>
+            </a:endParaRPr>
+          </a:p>
+          <a:p>
+            <a:pPr>
+              <a:lnSpc>
+                <a:spcPct val="100000"/>
+              </a:lnSpc>
+            </a:pPr>
+            <a:r>
+              <a:rPr lang="sv-SE" sz="2000" dirty="0" err="1" smtClean="0">
+                <a:solidFill>
+                  <a:srgbClr val="3095B4"/>
+                </a:solidFill>
+              </a:rPr>
+              <a:t>btn.setOnAction</a:t>
+            </a:r>
+            <a:r>
+              <a:rPr lang="sv-SE" sz="2000" dirty="0" smtClean="0">
+                <a:solidFill>
+                  <a:srgbClr val="3095B4"/>
+                </a:solidFill>
+              </a:rPr>
+              <a:t>(new </a:t>
+            </a:r>
+            <a:r>
+              <a:rPr lang="sv-SE" sz="2000" dirty="0" err="1">
+                <a:solidFill>
+                  <a:srgbClr val="3095B4"/>
+                </a:solidFill>
+              </a:rPr>
+              <a:t>EventHandler</a:t>
+            </a:r>
+            <a:r>
+              <a:rPr lang="sv-SE" sz="2000" dirty="0">
+                <a:solidFill>
+                  <a:srgbClr val="3095B4"/>
+                </a:solidFill>
+              </a:rPr>
+              <a:t>&lt;</a:t>
+            </a:r>
+            <a:r>
+              <a:rPr lang="sv-SE" sz="2000" dirty="0" err="1">
+                <a:solidFill>
+                  <a:srgbClr val="3095B4"/>
+                </a:solidFill>
+              </a:rPr>
+              <a:t>ActionEvent</a:t>
+            </a:r>
+            <a:r>
+              <a:rPr lang="sv-SE" sz="2000" dirty="0">
+                <a:solidFill>
+                  <a:srgbClr val="3095B4"/>
+                </a:solidFill>
+              </a:rPr>
+              <a:t>&gt;() { </a:t>
+            </a:r>
+            <a:endParaRPr lang="sv-SE" sz="2000" dirty="0" smtClean="0">
+              <a:solidFill>
+                <a:srgbClr val="3095B4"/>
+              </a:solidFill>
+            </a:endParaRPr>
+          </a:p>
+          <a:p>
+            <a:pPr>
+              <a:lnSpc>
+                <a:spcPct val="100000"/>
+              </a:lnSpc>
+            </a:pPr>
+            <a:r>
+              <a:rPr lang="sv-SE" sz="2000" dirty="0" smtClean="0">
+                <a:solidFill>
+                  <a:srgbClr val="3095B4"/>
+                </a:solidFill>
+              </a:rPr>
+              <a:t>      @</a:t>
+            </a:r>
+            <a:r>
+              <a:rPr lang="sv-SE" sz="2000" dirty="0" err="1">
+                <a:solidFill>
+                  <a:srgbClr val="3095B4"/>
+                </a:solidFill>
+              </a:rPr>
+              <a:t>Override</a:t>
+            </a:r>
+            <a:r>
+              <a:rPr lang="sv-SE" sz="2000" dirty="0">
+                <a:solidFill>
+                  <a:srgbClr val="3095B4"/>
+                </a:solidFill>
+              </a:rPr>
+              <a:t> </a:t>
+            </a:r>
+          </a:p>
+          <a:p>
+            <a:pPr>
+              <a:lnSpc>
+                <a:spcPct val="100000"/>
+              </a:lnSpc>
+            </a:pPr>
+            <a:r>
+              <a:rPr lang="sv-SE" sz="2000" dirty="0" smtClean="0">
+                <a:solidFill>
+                  <a:srgbClr val="3095B4"/>
+                </a:solidFill>
+              </a:rPr>
+              <a:t>       public </a:t>
+            </a:r>
+            <a:r>
+              <a:rPr lang="sv-SE" sz="2000" dirty="0" err="1">
+                <a:solidFill>
+                  <a:srgbClr val="3095B4"/>
+                </a:solidFill>
+              </a:rPr>
+              <a:t>void</a:t>
+            </a:r>
+            <a:r>
+              <a:rPr lang="sv-SE" sz="2000" dirty="0">
+                <a:solidFill>
+                  <a:srgbClr val="3095B4"/>
+                </a:solidFill>
+              </a:rPr>
+              <a:t> </a:t>
+            </a:r>
+            <a:r>
+              <a:rPr lang="sv-SE" sz="2000" dirty="0" err="1">
+                <a:solidFill>
+                  <a:srgbClr val="3095B4"/>
+                </a:solidFill>
+              </a:rPr>
+              <a:t>handle</a:t>
+            </a:r>
+            <a:r>
+              <a:rPr lang="sv-SE" sz="2000" dirty="0">
+                <a:solidFill>
+                  <a:srgbClr val="3095B4"/>
+                </a:solidFill>
+              </a:rPr>
+              <a:t>(</a:t>
+            </a:r>
+            <a:r>
+              <a:rPr lang="sv-SE" sz="2000" dirty="0" err="1">
+                <a:solidFill>
+                  <a:srgbClr val="3095B4"/>
+                </a:solidFill>
+              </a:rPr>
+              <a:t>ActionEvent</a:t>
+            </a:r>
+            <a:r>
+              <a:rPr lang="sv-SE" sz="2000" dirty="0">
+                <a:solidFill>
+                  <a:srgbClr val="3095B4"/>
+                </a:solidFill>
+              </a:rPr>
+              <a:t> event) { </a:t>
+            </a:r>
+            <a:r>
+              <a:rPr lang="sv-SE" sz="2000" dirty="0" smtClean="0">
+                <a:solidFill>
+                  <a:srgbClr val="3095B4"/>
+                </a:solidFill>
+              </a:rPr>
+              <a:t>				</a:t>
+            </a:r>
+            <a:r>
+              <a:rPr lang="sv-SE" sz="2000" dirty="0" err="1" smtClean="0">
+                <a:solidFill>
+                  <a:srgbClr val="3095B4"/>
+                </a:solidFill>
+              </a:rPr>
+              <a:t>System.out.println</a:t>
+            </a:r>
+            <a:r>
+              <a:rPr lang="sv-SE" sz="2000" dirty="0">
+                <a:solidFill>
+                  <a:srgbClr val="3095B4"/>
+                </a:solidFill>
+              </a:rPr>
+              <a:t>("Hello World!"); </a:t>
+            </a:r>
+            <a:endParaRPr lang="sv-SE" sz="2000" dirty="0" smtClean="0">
+              <a:solidFill>
+                <a:srgbClr val="3095B4"/>
+              </a:solidFill>
+            </a:endParaRPr>
+          </a:p>
+          <a:p>
+            <a:pPr>
+              <a:lnSpc>
+                <a:spcPct val="100000"/>
+              </a:lnSpc>
+            </a:pPr>
+            <a:r>
+              <a:rPr lang="sv-SE" sz="2000" dirty="0">
+                <a:solidFill>
+                  <a:srgbClr val="3095B4"/>
+                </a:solidFill>
+              </a:rPr>
+              <a:t> </a:t>
+            </a:r>
+            <a:r>
+              <a:rPr lang="sv-SE" sz="2000" dirty="0" smtClean="0">
+                <a:solidFill>
+                  <a:srgbClr val="3095B4"/>
+                </a:solidFill>
+              </a:rPr>
+              <a:t>      }</a:t>
+            </a:r>
+          </a:p>
+          <a:p>
+            <a:pPr>
+              <a:lnSpc>
+                <a:spcPct val="100000"/>
+              </a:lnSpc>
+            </a:pPr>
+            <a:r>
+              <a:rPr lang="sv-SE" sz="2000" dirty="0" smtClean="0">
+                <a:solidFill>
+                  <a:srgbClr val="3095B4"/>
+                </a:solidFill>
+              </a:rPr>
+              <a:t>});</a:t>
+            </a:r>
+            <a:endParaRPr sz="2000" dirty="0">
+              <a:solidFill>
+                <a:srgbClr val="3095B4"/>
+              </a:solidFill>
+            </a:endParaRPr>
+          </a:p>
+          <a:p>
+            <a:pPr>
+              <a:lnSpc>
+                <a:spcPct val="100000"/>
+              </a:lnSpc>
+            </a:pPr>
+            <a:endParaRPr dirty="0"/>
+          </a:p>
         </p:txBody>
       </p:sp>
     </p:spTree>
     <p:extLst>
       <p:ext uri="{BB962C8B-B14F-4D97-AF65-F5344CB8AC3E}">
-        <p14:creationId xmlns:p14="http://schemas.microsoft.com/office/powerpoint/2010/main" val="1463622730"/>
+        <p14:creationId xmlns:p14="http://schemas.microsoft.com/office/powerpoint/2010/main" val="2616072176"/>
       </p:ext>
     </p:extLst>
   </p:cSld>
@@ -7967,7 +9042,7 @@
       </p:grpSpPr>
       <p:sp>
         <p:nvSpPr>
-          <p:cNvPr id="78" name="CustomShape 1"/>
+          <p:cNvPr id="76" name="CustomShape 1"/>
           <p:cNvSpPr/>
           <p:nvPr/>
         </p:nvSpPr>
@@ -7998,20 +9073,20 @@
               </a:rPr>
               <a:t>Lambda Expressions</a:t>
             </a:r>
-            <a:endParaRPr lang="en-US" sz="3200" dirty="0"/>
-          </a:p>
-        </p:txBody>
-      </p:sp>
-      <p:sp>
-        <p:nvSpPr>
-          <p:cNvPr id="79" name="CustomShape 2"/>
+            <a:endParaRPr dirty="0"/>
+          </a:p>
+        </p:txBody>
+      </p:sp>
+      <p:sp>
+        <p:nvSpPr>
+          <p:cNvPr id="77" name="CustomShape 2"/>
           <p:cNvSpPr/>
           <p:nvPr/>
         </p:nvSpPr>
         <p:spPr>
           <a:xfrm>
             <a:off x="871200" y="1626840"/>
-            <a:ext cx="7808400" cy="3664440"/>
+            <a:ext cx="7808400" cy="4466456"/>
           </a:xfrm>
           <a:prstGeom prst="rect">
             <a:avLst/>
@@ -8033,14 +9108,16 @@
               <a:lnSpc>
                 <a:spcPct val="100000"/>
               </a:lnSpc>
-            </a:pPr>
-            <a:r>
-              <a:rPr lang="sv-SE" sz="2000" dirty="0">
-                <a:solidFill>
-                  <a:srgbClr val="3095B4"/>
-                </a:solidFill>
-              </a:rPr>
-              <a:t>Task </a:t>
+              <a:buFont typeface="Arial"/>
+              <a:buChar char="•"/>
+            </a:pPr>
+            <a:r>
+              <a:rPr lang="sv-SE" sz="2000" dirty="0" err="1" smtClean="0">
+                <a:solidFill>
+                  <a:srgbClr val="3095B4"/>
+                </a:solidFill>
+              </a:rPr>
+              <a:t>How</a:t>
             </a:r>
             <a:r>
               <a:rPr lang="sv-SE" sz="2000" dirty="0" smtClean="0">
@@ -8048,14 +9125,103 @@
                   <a:srgbClr val="3095B4"/>
                 </a:solidFill>
               </a:rPr>
-              <a:t>1</a:t>
-            </a:r>
-          </a:p>
-          <a:p>
-            <a:pPr>
-              <a:lnSpc>
-                <a:spcPct val="100000"/>
-              </a:lnSpc>
+              <a:t> </a:t>
+            </a:r>
+            <a:r>
+              <a:rPr lang="sv-SE" sz="2000" dirty="0" err="1" smtClean="0">
+                <a:solidFill>
+                  <a:srgbClr val="3095B4"/>
+                </a:solidFill>
+              </a:rPr>
+              <a:t>to</a:t>
+            </a:r>
+            <a:r>
+              <a:rPr lang="sv-SE" sz="2000" dirty="0" smtClean="0">
+                <a:solidFill>
+                  <a:srgbClr val="3095B4"/>
+                </a:solidFill>
+              </a:rPr>
+              <a:t> pass </a:t>
+            </a:r>
+            <a:r>
+              <a:rPr lang="sv-SE" sz="2000" dirty="0" err="1" smtClean="0">
+                <a:solidFill>
+                  <a:srgbClr val="3095B4"/>
+                </a:solidFill>
+              </a:rPr>
+              <a:t>functionality</a:t>
+            </a:r>
+            <a:r>
+              <a:rPr lang="sv-SE" sz="2000" dirty="0" smtClean="0">
+                <a:solidFill>
+                  <a:srgbClr val="3095B4"/>
+                </a:solidFill>
+              </a:rPr>
+              <a:t> as an </a:t>
+            </a:r>
+            <a:r>
+              <a:rPr lang="sv-SE" sz="2000" dirty="0" smtClean="0">
+                <a:solidFill>
+                  <a:srgbClr val="3095B4"/>
+                </a:solidFill>
+              </a:rPr>
+              <a:t>argument </a:t>
+            </a:r>
+            <a:r>
+              <a:rPr lang="sv-SE" sz="2000" dirty="0" err="1" smtClean="0">
+                <a:solidFill>
+                  <a:srgbClr val="3095B4"/>
+                </a:solidFill>
+              </a:rPr>
+              <a:t>after</a:t>
+            </a:r>
+            <a:r>
+              <a:rPr lang="sv-SE" sz="2000" dirty="0" smtClean="0">
+                <a:solidFill>
+                  <a:srgbClr val="3095B4"/>
+                </a:solidFill>
+              </a:rPr>
+              <a:t> Java 8?</a:t>
+            </a:r>
+            <a:endParaRPr lang="sv-SE" dirty="0"/>
+          </a:p>
+          <a:p>
+            <a:pPr>
+              <a:lnSpc>
+                <a:spcPct val="100000"/>
+              </a:lnSpc>
+              <a:buFont typeface="Arial"/>
+              <a:buChar char="•"/>
+            </a:pPr>
+            <a:r>
+              <a:rPr lang="sv-SE" sz="2000" dirty="0" err="1" smtClean="0">
+                <a:solidFill>
+                  <a:srgbClr val="3095B4"/>
+                </a:solidFill>
+              </a:rPr>
+              <a:t>Answer</a:t>
+            </a:r>
+            <a:r>
+              <a:rPr lang="sv-SE" sz="2000" dirty="0" smtClean="0">
+                <a:solidFill>
+                  <a:srgbClr val="3095B4"/>
+                </a:solidFill>
+              </a:rPr>
+              <a:t>: Lambda Expressions</a:t>
+            </a:r>
+            <a:endParaRPr lang="sv-SE" sz="2000" dirty="0" smtClean="0">
+              <a:solidFill>
+                <a:srgbClr val="3095B4"/>
+              </a:solidFill>
+            </a:endParaRPr>
+          </a:p>
+          <a:p>
+            <a:pPr>
+              <a:lnSpc>
+                <a:spcPct val="100000"/>
+              </a:lnSpc>
+              <a:buFont typeface="Arial"/>
+              <a:buChar char="•"/>
             </a:pPr>
             <a:endParaRPr lang="sv-SE" sz="2000" dirty="0">
               <a:solidFill>
@@ -8068,6 +9234,8 @@
               <a:lnSpc>
                 <a:spcPct val="100000"/>
               </a:lnSpc>
+              <a:buFont typeface="Arial"/>
+              <a:buChar char="•"/>
             </a:pPr>
             <a:r>
               <a:rPr lang="sv-SE" sz="2000" dirty="0" smtClean="0">
@@ -8075,7 +9243,7 @@
                   <a:srgbClr val="3095B4"/>
                 </a:solidFill>
               </a:rPr>
-              <a:t>Problems </a:t>
+              <a:t>Nice? </a:t>
             </a:r>
             <a:r>
               <a:rPr lang="sv-SE" sz="2000" dirty="0" err="1" smtClean="0">
@@ -8083,7 +9251,39 @@
                   <a:srgbClr val="3095B4"/>
                 </a:solidFill>
               </a:rPr>
-              <a:t>about</a:t>
+              <a:t>Yes</a:t>
+            </a:r>
+            <a:endParaRPr sz="2000" dirty="0">
+              <a:solidFill>
+                <a:srgbClr val="3095B4"/>
+              </a:solidFill>
+            </a:endParaRPr>
+          </a:p>
+          <a:p>
+            <a:pPr>
+              <a:lnSpc>
+                <a:spcPct val="100000"/>
+              </a:lnSpc>
+              <a:buFont typeface="Arial"/>
+              <a:buChar char="•"/>
+            </a:pPr>
+            <a:endParaRPr dirty="0"/>
+          </a:p>
+          <a:p>
+            <a:pPr>
+              <a:lnSpc>
+                <a:spcPct val="100000"/>
+              </a:lnSpc>
+              <a:buFont typeface="Arial"/>
+              <a:buChar char="•"/>
+            </a:pPr>
+            <a:r>
+              <a:rPr lang="sv-SE" sz="2000" dirty="0" err="1" smtClean="0">
+                <a:solidFill>
+                  <a:srgbClr val="3095B4"/>
+                </a:solidFill>
+              </a:rPr>
+              <a:t>Example</a:t>
             </a:r>
             <a:r>
               <a:rPr lang="sv-SE" sz="2000" dirty="0" smtClean="0">
@@ -8091,24 +9291,13 @@
                   <a:srgbClr val="3095B4"/>
                 </a:solidFill>
               </a:rPr>
-              <a:t> </a:t>
-            </a:r>
-            <a:r>
-              <a:rPr lang="sv-SE" sz="2000" dirty="0" err="1" smtClean="0">
-                <a:solidFill>
-                  <a:srgbClr val="3095B4"/>
-                </a:solidFill>
-              </a:rPr>
-              <a:t>this</a:t>
-            </a:r>
-            <a:r>
-              <a:rPr lang="sv-SE" sz="2000" dirty="0" smtClean="0">
-                <a:solidFill>
-                  <a:srgbClr val="3095B4"/>
-                </a:solidFill>
-              </a:rPr>
-              <a:t>?</a:t>
-            </a:r>
+              <a:t>:</a:t>
+            </a:r>
+            <a:endParaRPr lang="sv-SE" sz="2000" dirty="0">
+              <a:solidFill>
+                <a:srgbClr val="3095B4"/>
+              </a:solidFill>
+            </a:endParaRPr>
           </a:p>
           <a:p>
             <a:pPr>
@@ -8123,11 +9312,10 @@
             </a:endParaRPr>
           </a:p>
           <a:p>
-            <a:pPr marL="457200" indent="-457200">
-              <a:lnSpc>
-                <a:spcPct val="100000"/>
-              </a:lnSpc>
-              <a:buAutoNum type="arabicPeriod"/>
+            <a:pPr>
+              <a:lnSpc>
+                <a:spcPct val="100000"/>
+              </a:lnSpc>
             </a:pPr>
             <a:r>
               <a:rPr lang="sv-SE" sz="2000" dirty="0" err="1" smtClean="0">
@@ -8135,7 +9323,7 @@
                   <a:srgbClr val="3095B4"/>
                 </a:solidFill>
               </a:rPr>
-              <a:t>Dependent</a:t>
+              <a:t>btn.setOnAction</a:t>
             </a:r>
             <a:r>
               <a:rPr lang="sv-SE" sz="2000" dirty="0" smtClean="0">
@@ -8143,7 +9331,7 @@
                   <a:srgbClr val="3095B4"/>
                 </a:solidFill>
               </a:rPr>
-              <a:t> on Person </a:t>
+              <a:t>(e - &gt; </a:t>
             </a:r>
             <a:r>
               <a:rPr lang="sv-SE" sz="2000" dirty="0" err="1" smtClean="0">
@@ -8151,7 +9339,169 @@
                   <a:srgbClr val="3095B4"/>
                 </a:solidFill>
               </a:rPr>
-              <a:t>variables</a:t>
+              <a:t>System.out.println</a:t>
+            </a:r>
+            <a:r>
+              <a:rPr lang="sv-SE" sz="2000" dirty="0" smtClean="0">
+                <a:solidFill>
+                  <a:srgbClr val="3095B4"/>
+                </a:solidFill>
+              </a:rPr>
+              <a:t>("Hello World!"));</a:t>
+            </a:r>
+          </a:p>
+          <a:p>
+            <a:pPr>
+              <a:lnSpc>
+                <a:spcPct val="100000"/>
+              </a:lnSpc>
+            </a:pPr>
+            <a:endParaRPr lang="sv-SE" sz="2000" dirty="0">
+              <a:solidFill>
+                <a:srgbClr val="3095B4"/>
+              </a:solidFill>
+            </a:endParaRPr>
+          </a:p>
+          <a:p>
+            <a:pPr>
+              <a:lnSpc>
+                <a:spcPct val="100000"/>
+              </a:lnSpc>
+            </a:pPr>
+            <a:r>
+              <a:rPr lang="sv-SE" sz="2000" dirty="0">
+                <a:solidFill>
+                  <a:srgbClr val="3095B4"/>
+                </a:solidFill>
+                <a:hlinkClick r:id="rId2"/>
+              </a:rPr>
+              <a:t>http://docs.oracle.com/</a:t>
+            </a:r>
+            <a:r>
+              <a:rPr lang="sv-SE" sz="2000" dirty="0" err="1">
+                <a:solidFill>
+                  <a:srgbClr val="3095B4"/>
+                </a:solidFill>
+                <a:hlinkClick r:id="rId2"/>
+              </a:rPr>
+              <a:t>javafx</a:t>
+            </a:r>
+            <a:r>
+              <a:rPr lang="sv-SE" sz="2000" dirty="0">
+                <a:solidFill>
+                  <a:srgbClr val="3095B4"/>
+                </a:solidFill>
+                <a:hlinkClick r:id="rId2"/>
+              </a:rPr>
+              <a:t>/2/</a:t>
+            </a:r>
+            <a:r>
+              <a:rPr lang="sv-SE" sz="2000" dirty="0" err="1">
+                <a:solidFill>
+                  <a:srgbClr val="3095B4"/>
+                </a:solidFill>
+                <a:hlinkClick r:id="rId2"/>
+              </a:rPr>
+              <a:t>api</a:t>
+            </a:r>
+            <a:r>
+              <a:rPr lang="sv-SE" sz="2000" dirty="0">
+                <a:solidFill>
+                  <a:srgbClr val="3095B4"/>
+                </a:solidFill>
+                <a:hlinkClick r:id="rId2"/>
+              </a:rPr>
+              <a:t>/</a:t>
+            </a:r>
+            <a:r>
+              <a:rPr lang="sv-SE" sz="2000" dirty="0" err="1">
+                <a:solidFill>
+                  <a:srgbClr val="3095B4"/>
+                </a:solidFill>
+                <a:hlinkClick r:id="rId2"/>
+              </a:rPr>
+              <a:t>javafx</a:t>
+            </a:r>
+            <a:r>
+              <a:rPr lang="sv-SE" sz="2000" dirty="0">
+                <a:solidFill>
+                  <a:srgbClr val="3095B4"/>
+                </a:solidFill>
+                <a:hlinkClick r:id="rId2"/>
+              </a:rPr>
+              <a:t>/</a:t>
+            </a:r>
+            <a:r>
+              <a:rPr lang="sv-SE" sz="2000" dirty="0" err="1">
+                <a:solidFill>
+                  <a:srgbClr val="3095B4"/>
+                </a:solidFill>
+                <a:hlinkClick r:id="rId2"/>
+              </a:rPr>
+              <a:t>scene</a:t>
+            </a:r>
+            <a:r>
+              <a:rPr lang="sv-SE" sz="2000" dirty="0">
+                <a:solidFill>
+                  <a:srgbClr val="3095B4"/>
+                </a:solidFill>
+                <a:hlinkClick r:id="rId2"/>
+              </a:rPr>
+              <a:t>/</a:t>
+            </a:r>
+            <a:r>
+              <a:rPr lang="sv-SE" sz="2000" dirty="0" err="1">
+                <a:solidFill>
+                  <a:srgbClr val="3095B4"/>
+                </a:solidFill>
+                <a:hlinkClick r:id="rId2"/>
+              </a:rPr>
+              <a:t>control</a:t>
+            </a:r>
+            <a:r>
+              <a:rPr lang="sv-SE" sz="2000" dirty="0">
+                <a:solidFill>
+                  <a:srgbClr val="3095B4"/>
+                </a:solidFill>
+                <a:hlinkClick r:id="rId2"/>
+              </a:rPr>
+              <a:t>/</a:t>
+            </a:r>
+            <a:r>
+              <a:rPr lang="sv-SE" sz="2000" dirty="0" err="1">
+                <a:solidFill>
+                  <a:srgbClr val="3095B4"/>
+                </a:solidFill>
+                <a:hlinkClick r:id="rId2"/>
+              </a:rPr>
+              <a:t>ButtonBase.html#setOnAction</a:t>
+            </a:r>
+            <a:r>
+              <a:rPr lang="sv-SE" sz="2000" dirty="0">
+                <a:solidFill>
+                  <a:srgbClr val="3095B4"/>
+                </a:solidFill>
+                <a:hlinkClick r:id="rId2"/>
+              </a:rPr>
+              <a:t>(</a:t>
+            </a:r>
+            <a:r>
+              <a:rPr lang="sv-SE" sz="2000" dirty="0" err="1">
+                <a:solidFill>
+                  <a:srgbClr val="3095B4"/>
+                </a:solidFill>
+                <a:hlinkClick r:id="rId2"/>
+              </a:rPr>
+              <a:t>javafx.event.EventHandler</a:t>
+            </a:r>
+            <a:r>
+              <a:rPr lang="sv-SE" sz="2000" dirty="0" smtClean="0">
+                <a:solidFill>
+                  <a:srgbClr val="3095B4"/>
+                </a:solidFill>
+                <a:hlinkClick r:id="rId2"/>
+              </a:rPr>
+              <a:t>)</a:t>
             </a:r>
             <a:endParaRPr lang="sv-SE" sz="2000" dirty="0" smtClean="0">
               <a:solidFill>
@@ -8160,80 +9510,31 @@
             </a:endParaRPr>
           </a:p>
           <a:p>
-            <a:pPr marL="457200" indent="-457200">
-              <a:lnSpc>
-                <a:spcPct val="100000"/>
-              </a:lnSpc>
-              <a:buAutoNum type="arabicPeriod"/>
-            </a:pPr>
-            <a:r>
-              <a:rPr lang="sv-SE" sz="2000" dirty="0" smtClean="0">
-                <a:solidFill>
-                  <a:srgbClr val="3095B4"/>
-                </a:solidFill>
-              </a:rPr>
-              <a:t>If print persons </a:t>
-            </a:r>
-            <a:r>
-              <a:rPr lang="sv-SE" sz="2000" dirty="0" err="1" smtClean="0">
-                <a:solidFill>
-                  <a:srgbClr val="3095B4"/>
-                </a:solidFill>
-              </a:rPr>
-              <a:t>with</a:t>
-            </a:r>
-            <a:r>
-              <a:rPr lang="sv-SE" sz="2000" dirty="0" smtClean="0">
-                <a:solidFill>
-                  <a:srgbClr val="3095B4"/>
-                </a:solidFill>
-              </a:rPr>
-              <a:t> </a:t>
-            </a:r>
-            <a:r>
-              <a:rPr lang="sv-SE" sz="2000" dirty="0" err="1" smtClean="0">
-                <a:solidFill>
-                  <a:srgbClr val="3095B4"/>
-                </a:solidFill>
-              </a:rPr>
-              <a:t>other</a:t>
-            </a:r>
-            <a:r>
-              <a:rPr lang="sv-SE" sz="2000" dirty="0" smtClean="0">
-                <a:solidFill>
-                  <a:srgbClr val="3095B4"/>
-                </a:solidFill>
-              </a:rPr>
-              <a:t> </a:t>
-            </a:r>
-            <a:r>
-              <a:rPr lang="sv-SE" sz="2000" dirty="0" err="1" smtClean="0">
-                <a:solidFill>
-                  <a:srgbClr val="3095B4"/>
-                </a:solidFill>
-              </a:rPr>
-              <a:t>seachcriteria</a:t>
-            </a:r>
-            <a:r>
-              <a:rPr lang="sv-SE" sz="2000" dirty="0" smtClean="0">
-                <a:solidFill>
-                  <a:srgbClr val="3095B4"/>
-                </a:solidFill>
-              </a:rPr>
-              <a:t>?</a:t>
-            </a:r>
+            <a:pPr>
+              <a:lnSpc>
+                <a:spcPct val="100000"/>
+              </a:lnSpc>
+            </a:pPr>
             <a:endParaRPr sz="2000" dirty="0">
               <a:solidFill>
                 <a:srgbClr val="3095B4"/>
               </a:solidFill>
             </a:endParaRPr>
           </a:p>
+          <a:p>
+            <a:pPr>
+              <a:lnSpc>
+                <a:spcPct val="100000"/>
+              </a:lnSpc>
+            </a:pPr>
+            <a:endParaRPr dirty="0"/>
+          </a:p>
         </p:txBody>
       </p:sp>
     </p:spTree>
     <p:extLst>
       <p:ext uri="{BB962C8B-B14F-4D97-AF65-F5344CB8AC3E}">
-        <p14:creationId xmlns:p14="http://schemas.microsoft.com/office/powerpoint/2010/main" val="899164076"/>
+        <p14:creationId xmlns:p14="http://schemas.microsoft.com/office/powerpoint/2010/main" val="3417534943"/>
       </p:ext>
     </p:extLst>
   </p:cSld>
@@ -8363,196 +9664,125 @@
               </a:lnSpc>
             </a:pPr>
             <a:r>
-              <a:rPr lang="en-US" sz="2000" dirty="0" smtClean="0">
-                <a:solidFill>
-                  <a:srgbClr val="3095B4"/>
-                </a:solidFill>
-              </a:rPr>
-              <a:t>Task 2</a:t>
-            </a:r>
-          </a:p>
-          <a:p>
-            <a:pPr>
-              <a:lnSpc>
-                <a:spcPct val="100000"/>
-              </a:lnSpc>
-            </a:pPr>
-            <a:endParaRPr lang="en-US" sz="2000" dirty="0" smtClean="0">
+              <a:rPr lang="sv-SE" sz="2000" dirty="0" smtClean="0">
+                <a:solidFill>
+                  <a:srgbClr val="3095B4"/>
+                </a:solidFill>
+              </a:rPr>
+              <a:t>Tasks: </a:t>
+            </a:r>
+            <a:r>
+              <a:rPr lang="sv-SE" sz="2000" dirty="0" err="1" smtClean="0">
+                <a:solidFill>
+                  <a:srgbClr val="3095B4"/>
+                </a:solidFill>
+              </a:rPr>
+              <a:t>Slowly</a:t>
+            </a:r>
+            <a:r>
+              <a:rPr lang="sv-SE" sz="2000" dirty="0" smtClean="0">
+                <a:solidFill>
+                  <a:srgbClr val="3095B4"/>
+                </a:solidFill>
+              </a:rPr>
+              <a:t> </a:t>
+            </a:r>
+            <a:r>
+              <a:rPr lang="sv-SE" sz="2000" dirty="0" err="1" smtClean="0">
+                <a:solidFill>
+                  <a:srgbClr val="3095B4"/>
+                </a:solidFill>
+              </a:rPr>
+              <a:t>change</a:t>
+            </a:r>
+            <a:r>
+              <a:rPr lang="sv-SE" sz="2000" dirty="0" smtClean="0">
+                <a:solidFill>
+                  <a:srgbClr val="3095B4"/>
+                </a:solidFill>
+              </a:rPr>
+              <a:t> </a:t>
+            </a:r>
+            <a:r>
+              <a:rPr lang="sv-SE" sz="2000" dirty="0" err="1" smtClean="0">
+                <a:solidFill>
+                  <a:srgbClr val="3095B4"/>
+                </a:solidFill>
+              </a:rPr>
+              <a:t>your</a:t>
+            </a:r>
+            <a:r>
+              <a:rPr lang="sv-SE" sz="2000" dirty="0" smtClean="0">
+                <a:solidFill>
+                  <a:srgbClr val="3095B4"/>
+                </a:solidFill>
+              </a:rPr>
+              <a:t> </a:t>
+            </a:r>
+            <a:r>
+              <a:rPr lang="sv-SE" sz="2000" dirty="0" err="1" smtClean="0">
+                <a:solidFill>
+                  <a:srgbClr val="3095B4"/>
+                </a:solidFill>
+              </a:rPr>
+              <a:t>code</a:t>
+            </a:r>
+            <a:r>
+              <a:rPr lang="sv-SE" sz="2000" dirty="0" smtClean="0">
+                <a:solidFill>
+                  <a:srgbClr val="3095B4"/>
+                </a:solidFill>
+              </a:rPr>
+              <a:t> </a:t>
+            </a:r>
+            <a:r>
+              <a:rPr lang="sv-SE" sz="2000" dirty="0" err="1" smtClean="0">
+                <a:solidFill>
+                  <a:srgbClr val="3095B4"/>
+                </a:solidFill>
+              </a:rPr>
+              <a:t>to</a:t>
+            </a:r>
+            <a:r>
+              <a:rPr lang="sv-SE" sz="2000" dirty="0" smtClean="0">
+                <a:solidFill>
+                  <a:srgbClr val="3095B4"/>
+                </a:solidFill>
+              </a:rPr>
+              <a:t> </a:t>
+            </a:r>
+            <a:r>
+              <a:rPr lang="sv-SE" sz="2000" dirty="0" err="1" smtClean="0">
+                <a:solidFill>
+                  <a:srgbClr val="3095B4"/>
+                </a:solidFill>
+              </a:rPr>
+              <a:t>use</a:t>
+            </a:r>
+            <a:r>
+              <a:rPr lang="sv-SE" sz="2000" dirty="0" smtClean="0">
+                <a:solidFill>
+                  <a:srgbClr val="3095B4"/>
+                </a:solidFill>
+              </a:rPr>
+              <a:t> Lambda Expressions</a:t>
+            </a:r>
+          </a:p>
+          <a:p>
+            <a:pPr>
+              <a:lnSpc>
+                <a:spcPct val="100000"/>
+              </a:lnSpc>
+            </a:pPr>
+            <a:endParaRPr lang="sv-SE" sz="2000" dirty="0">
               <a:solidFill>
                 <a:srgbClr val="3095B4"/>
               </a:solidFill>
             </a:endParaRPr>
           </a:p>
-          <a:p>
-            <a:pPr>
-              <a:lnSpc>
-                <a:spcPct val="100000"/>
-              </a:lnSpc>
-            </a:pPr>
-            <a:r>
-              <a:rPr lang="en-US" sz="2000" dirty="0" smtClean="0">
-                <a:solidFill>
-                  <a:srgbClr val="3095B4"/>
-                </a:solidFill>
-              </a:rPr>
-              <a:t>Write a body to this method:</a:t>
-            </a:r>
-          </a:p>
-          <a:p>
-            <a:pPr>
-              <a:lnSpc>
-                <a:spcPct val="100000"/>
-              </a:lnSpc>
-            </a:pPr>
-            <a:endParaRPr lang="en-US" sz="2000" dirty="0" smtClean="0">
-              <a:solidFill>
-                <a:srgbClr val="3095B4"/>
-              </a:solidFill>
-            </a:endParaRPr>
-          </a:p>
-          <a:p>
-            <a:pPr>
-              <a:lnSpc>
-                <a:spcPct val="100000"/>
-              </a:lnSpc>
-            </a:pPr>
-            <a:r>
-              <a:rPr lang="sv-SE" sz="1400" dirty="0">
-                <a:solidFill>
-                  <a:srgbClr val="3095B4"/>
-                </a:solidFill>
-              </a:rPr>
-              <a:t>public </a:t>
-            </a:r>
-            <a:r>
-              <a:rPr lang="sv-SE" sz="1400" dirty="0" err="1">
-                <a:solidFill>
-                  <a:srgbClr val="3095B4"/>
-                </a:solidFill>
-              </a:rPr>
-              <a:t>static</a:t>
-            </a:r>
-            <a:r>
-              <a:rPr lang="sv-SE" sz="1400" dirty="0">
-                <a:solidFill>
-                  <a:srgbClr val="3095B4"/>
-                </a:solidFill>
-              </a:rPr>
-              <a:t> </a:t>
-            </a:r>
-            <a:r>
-              <a:rPr lang="sv-SE" sz="1400" dirty="0" err="1">
-                <a:solidFill>
-                  <a:srgbClr val="3095B4"/>
-                </a:solidFill>
-              </a:rPr>
-              <a:t>void</a:t>
-            </a:r>
-            <a:r>
-              <a:rPr lang="sv-SE" sz="1400" dirty="0">
-                <a:solidFill>
-                  <a:srgbClr val="3095B4"/>
-                </a:solidFill>
-              </a:rPr>
-              <a:t> </a:t>
-            </a:r>
-            <a:r>
-              <a:rPr lang="sv-SE" sz="1400" dirty="0" err="1">
-                <a:solidFill>
-                  <a:srgbClr val="3095B4"/>
-                </a:solidFill>
-              </a:rPr>
-              <a:t>printPersonsWithinAgeRange</a:t>
-            </a:r>
-            <a:r>
-              <a:rPr lang="sv-SE" sz="1400" dirty="0">
-                <a:solidFill>
-                  <a:srgbClr val="3095B4"/>
-                </a:solidFill>
-              </a:rPr>
-              <a:t>(</a:t>
-            </a:r>
-            <a:r>
-              <a:rPr lang="en-US" sz="1400" dirty="0">
-                <a:solidFill>
-                  <a:srgbClr val="3095B4"/>
-                </a:solidFill>
-              </a:rPr>
-              <a:t>List&lt;Person&gt; roster, </a:t>
-            </a:r>
-            <a:r>
-              <a:rPr lang="en-US" sz="1400" dirty="0" err="1">
-                <a:solidFill>
-                  <a:srgbClr val="3095B4"/>
-                </a:solidFill>
-              </a:rPr>
-              <a:t>int</a:t>
-            </a:r>
-            <a:r>
-              <a:rPr lang="en-US" sz="1400" dirty="0">
-                <a:solidFill>
-                  <a:srgbClr val="3095B4"/>
-                </a:solidFill>
-              </a:rPr>
-              <a:t> low, </a:t>
-            </a:r>
-            <a:r>
-              <a:rPr lang="en-US" sz="1400" dirty="0" err="1">
-                <a:solidFill>
-                  <a:srgbClr val="3095B4"/>
-                </a:solidFill>
-              </a:rPr>
-              <a:t>int</a:t>
-            </a:r>
-            <a:r>
-              <a:rPr lang="en-US" sz="1400" dirty="0">
-                <a:solidFill>
-                  <a:srgbClr val="3095B4"/>
-                </a:solidFill>
-              </a:rPr>
-              <a:t> high) {</a:t>
-            </a:r>
-          </a:p>
-          <a:p>
-            <a:pPr>
-              <a:lnSpc>
-                <a:spcPct val="100000"/>
-              </a:lnSpc>
-            </a:pPr>
-            <a:endParaRPr lang="en-US" sz="1400" dirty="0" smtClean="0">
-              <a:solidFill>
-                <a:srgbClr val="3095B4"/>
-              </a:solidFill>
-            </a:endParaRPr>
-          </a:p>
-          <a:p>
-            <a:pPr>
-              <a:lnSpc>
-                <a:spcPct val="100000"/>
-              </a:lnSpc>
-            </a:pPr>
-            <a:r>
-              <a:rPr lang="en-US" sz="1400" dirty="0" smtClean="0">
-                <a:solidFill>
-                  <a:srgbClr val="3095B4"/>
-                </a:solidFill>
-              </a:rPr>
-              <a:t>}</a:t>
-            </a:r>
-            <a:endParaRPr lang="en-US" sz="1400" dirty="0">
-              <a:solidFill>
-                <a:srgbClr val="3095B4"/>
-              </a:solidFill>
-            </a:endParaRPr>
-          </a:p>
         </p:txBody>
       </p:sp>
     </p:spTree>
-    <p:extLst>
-      <p:ext uri="{BB962C8B-B14F-4D97-AF65-F5344CB8AC3E}">
-        <p14:creationId xmlns:p14="http://schemas.microsoft.com/office/powerpoint/2010/main" val="1856119285"/>
-      </p:ext>
-    </p:extLst>
   </p:cSld>
   <p:clrMapOvr>
     <a:masterClrMapping/>
@@ -8680,12 +9910,47 @@
               </a:lnSpc>
             </a:pPr>
             <a:r>
+              <a:rPr lang="sv-SE" sz="2000" dirty="0">
+                <a:solidFill>
+                  <a:srgbClr val="3095B4"/>
+                </a:solidFill>
+              </a:rPr>
+              <a:t>Task </a:t>
+            </a:r>
+            <a:r>
+              <a:rPr lang="sv-SE" sz="2000" dirty="0" smtClean="0">
+                <a:solidFill>
+                  <a:srgbClr val="3095B4"/>
+                </a:solidFill>
+              </a:rPr>
+              <a:t>1</a:t>
+            </a:r>
+          </a:p>
+          <a:p>
+            <a:pPr>
+              <a:lnSpc>
+                <a:spcPct val="100000"/>
+              </a:lnSpc>
+            </a:pPr>
+            <a:endParaRPr lang="sv-SE" sz="2000" dirty="0">
+              <a:solidFill>
+                <a:srgbClr val="3095B4"/>
+              </a:solidFill>
+            </a:endParaRPr>
+          </a:p>
+          <a:p>
+            <a:pPr>
+              <a:lnSpc>
+                <a:spcPct val="100000"/>
+              </a:lnSpc>
+            </a:pPr>
+            <a:r>
               <a:rPr lang="en-US" sz="2000" dirty="0" smtClean="0">
                 <a:solidFill>
                   <a:srgbClr val="3095B4"/>
                 </a:solidFill>
               </a:rPr>
-              <a:t>Task 2</a:t>
+              <a:t>Write a body to this method:</a:t>
             </a:r>
           </a:p>
           <a:p>
@@ -8712,48 +9977,95 @@
                   <a:srgbClr val="3095B4"/>
                 </a:solidFill>
               </a:rPr>
-              <a:t>Problems about this?</a:t>
-            </a:r>
-          </a:p>
-          <a:p>
-            <a:pPr>
-              <a:lnSpc>
-                <a:spcPct val="100000"/>
-              </a:lnSpc>
-            </a:pPr>
-            <a:endParaRPr lang="en-US" sz="2000" dirty="0" smtClean="0">
-              <a:solidFill>
-                <a:srgbClr val="3095B4"/>
-              </a:solidFill>
-            </a:endParaRPr>
-          </a:p>
-          <a:p>
-            <a:pPr marL="457200" indent="-457200">
-              <a:lnSpc>
-                <a:spcPct val="100000"/>
-              </a:lnSpc>
-              <a:buAutoNum type="arabicPeriod"/>
-            </a:pPr>
+              <a:t>public </a:t>
+            </a:r>
+            <a:r>
+              <a:rPr lang="en-US" sz="2000" dirty="0">
+                <a:solidFill>
+                  <a:srgbClr val="3095B4"/>
+                </a:solidFill>
+              </a:rPr>
+              <a:t>void </a:t>
+            </a:r>
+            <a:r>
+              <a:rPr lang="en-US" sz="2000" dirty="0" err="1">
+                <a:solidFill>
+                  <a:srgbClr val="3095B4"/>
+                </a:solidFill>
+              </a:rPr>
+              <a:t>printPersonsOlderThan</a:t>
+            </a:r>
+            <a:r>
+              <a:rPr lang="en-US" sz="2000" dirty="0">
+                <a:solidFill>
+                  <a:srgbClr val="3095B4"/>
+                </a:solidFill>
+              </a:rPr>
+              <a:t>(List&lt;Person&gt; </a:t>
+            </a:r>
             <a:r>
               <a:rPr lang="en-US" sz="2000" dirty="0" smtClean="0">
                 <a:solidFill>
                   <a:srgbClr val="3095B4"/>
                 </a:solidFill>
               </a:rPr>
-              <a:t>Same problem as for 1</a:t>
-            </a:r>
+              <a:t>persons, </a:t>
+            </a:r>
+            <a:r>
+              <a:rPr lang="en-US" sz="2000" dirty="0" err="1">
+                <a:solidFill>
+                  <a:srgbClr val="3095B4"/>
+                </a:solidFill>
+              </a:rPr>
+              <a:t>int</a:t>
+            </a:r>
+            <a:r>
+              <a:rPr lang="en-US" sz="2000" dirty="0">
+                <a:solidFill>
+                  <a:srgbClr val="3095B4"/>
+                </a:solidFill>
+              </a:rPr>
+              <a:t> age) {</a:t>
+            </a:r>
+          </a:p>
+          <a:p>
+            <a:pPr>
+              <a:lnSpc>
+                <a:spcPct val="100000"/>
+              </a:lnSpc>
+            </a:pPr>
             <a:endParaRPr lang="en-US" sz="2000" dirty="0">
               <a:solidFill>
                 <a:srgbClr val="3095B4"/>
               </a:solidFill>
             </a:endParaRPr>
           </a:p>
+          <a:p>
+            <a:pPr>
+              <a:lnSpc>
+                <a:spcPct val="100000"/>
+              </a:lnSpc>
+            </a:pPr>
+            <a:r>
+              <a:rPr lang="en-US" sz="2000" dirty="0">
+                <a:solidFill>
+                  <a:srgbClr val="3095B4"/>
+                </a:solidFill>
+              </a:rPr>
+              <a:t>}</a:t>
+            </a:r>
+            <a:endParaRPr sz="2000" dirty="0">
+              <a:solidFill>
+                <a:srgbClr val="3095B4"/>
+              </a:solidFill>
+            </a:endParaRPr>
+          </a:p>
         </p:txBody>
       </p:sp>
     </p:spTree>
     <p:extLst>
       <p:ext uri="{BB962C8B-B14F-4D97-AF65-F5344CB8AC3E}">
-        <p14:creationId xmlns:p14="http://schemas.microsoft.com/office/powerpoint/2010/main" val="3315742542"/>
+        <p14:creationId xmlns:p14="http://schemas.microsoft.com/office/powerpoint/2010/main" val="1463622730"/>
       </p:ext>
     </p:extLst>
   </p:cSld>
@@ -8883,25 +10195,205 @@
               </a:lnSpc>
             </a:pPr>
             <a:r>
-              <a:rPr lang="en-US" sz="2000" dirty="0" smtClean="0">
-                <a:solidFill>
-                  <a:srgbClr val="3095B4"/>
-                </a:solidFill>
-              </a:rPr>
-              <a:t>Solution?</a:t>
-            </a:r>
-            <a:endParaRPr lang="en-US" sz="2000" dirty="0">
+              <a:rPr lang="sv-SE" sz="2000" dirty="0">
+                <a:solidFill>
+                  <a:srgbClr val="3095B4"/>
+                </a:solidFill>
+              </a:rPr>
+              <a:t>Task </a:t>
+            </a:r>
+            <a:r>
+              <a:rPr lang="sv-SE" sz="2000" dirty="0" smtClean="0">
+                <a:solidFill>
+                  <a:srgbClr val="3095B4"/>
+                </a:solidFill>
+              </a:rPr>
+              <a:t>1</a:t>
+            </a:r>
+          </a:p>
+          <a:p>
+            <a:pPr>
+              <a:lnSpc>
+                <a:spcPct val="100000"/>
+              </a:lnSpc>
+            </a:pPr>
+            <a:endParaRPr lang="sv-SE" sz="2000" dirty="0">
               <a:solidFill>
                 <a:srgbClr val="3095B4"/>
               </a:solidFill>
             </a:endParaRPr>
           </a:p>
+          <a:p>
+            <a:pPr>
+              <a:lnSpc>
+                <a:spcPct val="100000"/>
+              </a:lnSpc>
+            </a:pPr>
+            <a:r>
+              <a:rPr lang="sv-SE" sz="2000" dirty="0" smtClean="0">
+                <a:solidFill>
+                  <a:srgbClr val="3095B4"/>
+                </a:solidFill>
+              </a:rPr>
+              <a:t>Problems </a:t>
+            </a:r>
+            <a:r>
+              <a:rPr lang="sv-SE" sz="2000" dirty="0" err="1" smtClean="0">
+                <a:solidFill>
+                  <a:srgbClr val="3095B4"/>
+                </a:solidFill>
+              </a:rPr>
+              <a:t>about</a:t>
+            </a:r>
+            <a:r>
+              <a:rPr lang="sv-SE" sz="2000" dirty="0" smtClean="0">
+                <a:solidFill>
+                  <a:srgbClr val="3095B4"/>
+                </a:solidFill>
+              </a:rPr>
+              <a:t> </a:t>
+            </a:r>
+            <a:r>
+              <a:rPr lang="sv-SE" sz="2000" dirty="0" err="1" smtClean="0">
+                <a:solidFill>
+                  <a:srgbClr val="3095B4"/>
+                </a:solidFill>
+              </a:rPr>
+              <a:t>this</a:t>
+            </a:r>
+            <a:r>
+              <a:rPr lang="sv-SE" sz="2000" dirty="0" smtClean="0">
+                <a:solidFill>
+                  <a:srgbClr val="3095B4"/>
+                </a:solidFill>
+              </a:rPr>
+              <a:t>?</a:t>
+            </a:r>
+          </a:p>
+          <a:p>
+            <a:pPr>
+              <a:lnSpc>
+                <a:spcPct val="100000"/>
+              </a:lnSpc>
+            </a:pPr>
+            <a:endParaRPr lang="sv-SE" sz="2000" dirty="0" smtClean="0">
+              <a:solidFill>
+                <a:srgbClr val="3095B4"/>
+              </a:solidFill>
+            </a:endParaRPr>
+          </a:p>
+          <a:p>
+            <a:pPr marL="457200" indent="-457200">
+              <a:lnSpc>
+                <a:spcPct val="100000"/>
+              </a:lnSpc>
+              <a:buAutoNum type="arabicPeriod"/>
+            </a:pPr>
+            <a:r>
+              <a:rPr lang="sv-SE" sz="2000" dirty="0" err="1" smtClean="0">
+                <a:solidFill>
+                  <a:srgbClr val="3095B4"/>
+                </a:solidFill>
+              </a:rPr>
+              <a:t>Dependent</a:t>
+            </a:r>
+            <a:r>
+              <a:rPr lang="sv-SE" sz="2000" dirty="0" smtClean="0">
+                <a:solidFill>
+                  <a:srgbClr val="3095B4"/>
+                </a:solidFill>
+              </a:rPr>
+              <a:t> on Person </a:t>
+            </a:r>
+            <a:r>
+              <a:rPr lang="sv-SE" sz="2000" dirty="0" err="1" smtClean="0">
+                <a:solidFill>
+                  <a:srgbClr val="3095B4"/>
+                </a:solidFill>
+              </a:rPr>
+              <a:t>variables</a:t>
+            </a:r>
+            <a:endParaRPr lang="sv-SE" sz="2000" dirty="0" smtClean="0">
+              <a:solidFill>
+                <a:srgbClr val="3095B4"/>
+              </a:solidFill>
+            </a:endParaRPr>
+          </a:p>
+          <a:p>
+            <a:pPr marL="457200" indent="-457200">
+              <a:lnSpc>
+                <a:spcPct val="100000"/>
+              </a:lnSpc>
+              <a:buAutoNum type="arabicPeriod"/>
+            </a:pPr>
+            <a:r>
+              <a:rPr lang="sv-SE" sz="2000" dirty="0" smtClean="0">
+                <a:solidFill>
+                  <a:srgbClr val="3095B4"/>
+                </a:solidFill>
+              </a:rPr>
+              <a:t>If print persons </a:t>
+            </a:r>
+            <a:r>
+              <a:rPr lang="sv-SE" sz="2000" dirty="0" err="1" smtClean="0">
+                <a:solidFill>
+                  <a:srgbClr val="3095B4"/>
+                </a:solidFill>
+              </a:rPr>
+              <a:t>with</a:t>
+            </a:r>
+            <a:r>
+              <a:rPr lang="sv-SE" sz="2000" dirty="0" smtClean="0">
+                <a:solidFill>
+                  <a:srgbClr val="3095B4"/>
+                </a:solidFill>
+              </a:rPr>
+              <a:t> </a:t>
+            </a:r>
+            <a:r>
+              <a:rPr lang="sv-SE" sz="2000" dirty="0" err="1" smtClean="0">
+                <a:solidFill>
+                  <a:srgbClr val="3095B4"/>
+                </a:solidFill>
+              </a:rPr>
+              <a:t>other</a:t>
+            </a:r>
+            <a:r>
+              <a:rPr lang="sv-SE" sz="2000" dirty="0" smtClean="0">
+                <a:solidFill>
+                  <a:srgbClr val="3095B4"/>
+                </a:solidFill>
+              </a:rPr>
+              <a:t> </a:t>
+            </a:r>
+            <a:r>
+              <a:rPr lang="sv-SE" sz="2000" dirty="0" err="1" smtClean="0">
+                <a:solidFill>
+                  <a:srgbClr val="3095B4"/>
+                </a:solidFill>
+              </a:rPr>
+              <a:t>seachcriteria</a:t>
+            </a:r>
+            <a:r>
+              <a:rPr lang="sv-SE" sz="2000" dirty="0" smtClean="0">
+                <a:solidFill>
+                  <a:srgbClr val="3095B4"/>
+                </a:solidFill>
+              </a:rPr>
+              <a:t>?</a:t>
+            </a:r>
+            <a:endParaRPr sz="2000" dirty="0">
+              <a:solidFill>
+                <a:srgbClr val="3095B4"/>
+              </a:solidFill>
+            </a:endParaRPr>
+          </a:p>
         </p:txBody>
       </p:sp>
     </p:spTree>
     <p:extLst>
       <p:ext uri="{BB962C8B-B14F-4D97-AF65-F5344CB8AC3E}">
-        <p14:creationId xmlns:p14="http://schemas.microsoft.com/office/powerpoint/2010/main" val="776329511"/>
+        <p14:creationId xmlns:p14="http://schemas.microsoft.com/office/powerpoint/2010/main" val="899164076"/>
       </p:ext>
     </p:extLst>
   </p:cSld>
@@ -9036,16 +10528,16 @@
                   <a:srgbClr val="3095B4"/>
                 </a:solidFill>
               </a:rPr>
-              <a:t>Solution?</a:t>
-            </a:r>
-          </a:p>
-          <a:p>
-            <a:pPr>
-              <a:lnSpc>
-                <a:spcPct val="100000"/>
-              </a:lnSpc>
-            </a:pPr>
-            <a:endParaRPr lang="en-US" sz="2000" dirty="0">
+              <a:t>Task 2</a:t>
+            </a:r>
+          </a:p>
+          <a:p>
+            <a:pPr>
+              <a:lnSpc>
+                <a:spcPct val="100000"/>
+              </a:lnSpc>
+            </a:pPr>
+            <a:endParaRPr lang="en-US" sz="2000" dirty="0" smtClean="0">
               <a:solidFill>
                 <a:srgbClr val="3095B4"/>
               </a:solidFill>
@@ -9063,27 +10555,162 @@
                   <a:srgbClr val="3095B4"/>
                 </a:solidFill>
               </a:rPr>
-              <a:t>Separate the code that specifies the criteria you want to search in a different class.</a:t>
-            </a:r>
-          </a:p>
-          <a:p>
-            <a:pPr>
-              <a:lnSpc>
-                <a:spcPct val="100000"/>
-              </a:lnSpc>
-            </a:pPr>
-            <a:endParaRPr lang="en-US" sz="2000" dirty="0">
+              <a:t>Write a body to this method:</a:t>
+            </a:r>
+          </a:p>
+          <a:p>
+            <a:pPr>
+              <a:lnSpc>
+                <a:spcPct val="100000"/>
+              </a:lnSpc>
+            </a:pPr>
+            <a:endParaRPr lang="en-US" sz="2000" dirty="0" smtClean="0">
               <a:solidFill>
                 <a:srgbClr val="3095B4"/>
               </a:solidFill>
             </a:endParaRPr>
           </a:p>
+          <a:p>
+            <a:pPr>
+              <a:lnSpc>
+                <a:spcPct val="100000"/>
+              </a:lnSpc>
+            </a:pPr>
+            <a:r>
+              <a:rPr lang="sv-SE" sz="1400" dirty="0">
+                <a:solidFill>
+                  <a:srgbClr val="3095B4"/>
+                </a:solidFill>
+              </a:rPr>
+              <a:t>public </a:t>
+            </a:r>
+            <a:r>
+              <a:rPr lang="sv-SE" sz="1400" dirty="0" err="1">
+                <a:solidFill>
+                  <a:srgbClr val="3095B4"/>
+                </a:solidFill>
+              </a:rPr>
+              <a:t>static</a:t>
+            </a:r>
+            <a:r>
+              <a:rPr lang="sv-SE" sz="1400" dirty="0">
+                <a:solidFill>
+                  <a:srgbClr val="3095B4"/>
+                </a:solidFill>
+              </a:rPr>
+              <a:t> </a:t>
+            </a:r>
+            <a:r>
+              <a:rPr lang="sv-SE" sz="1400" dirty="0" err="1">
+                <a:solidFill>
+                  <a:srgbClr val="3095B4"/>
+                </a:solidFill>
+              </a:rPr>
+              <a:t>void</a:t>
+            </a:r>
+            <a:r>
+              <a:rPr lang="sv-SE" sz="1400" dirty="0">
+                <a:solidFill>
+                  <a:srgbClr val="3095B4"/>
+                </a:solidFill>
+              </a:rPr>
+              <a:t> </a:t>
+            </a:r>
+            <a:r>
+              <a:rPr lang="sv-SE" sz="1400" dirty="0" err="1">
+                <a:solidFill>
+                  <a:srgbClr val="3095B4"/>
+                </a:solidFill>
+              </a:rPr>
+              <a:t>printPersonsWithinAgeRange</a:t>
+            </a:r>
+            <a:r>
+              <a:rPr lang="sv-SE" sz="1400" dirty="0">
+                <a:solidFill>
+                  <a:srgbClr val="3095B4"/>
+                </a:solidFill>
+              </a:rPr>
+              <a:t>(</a:t>
+            </a:r>
+            <a:r>
+              <a:rPr lang="en-US" sz="1400" dirty="0">
+                <a:solidFill>
+                  <a:srgbClr val="3095B4"/>
+                </a:solidFill>
+              </a:rPr>
+              <a:t>List&lt;Person&gt; roster, </a:t>
+            </a:r>
+            <a:r>
+              <a:rPr lang="en-US" sz="1400" dirty="0" err="1">
+                <a:solidFill>
+                  <a:srgbClr val="3095B4"/>
+                </a:solidFill>
+              </a:rPr>
+              <a:t>int</a:t>
+            </a:r>
+            <a:r>
+              <a:rPr lang="en-US" sz="1400" dirty="0">
+                <a:solidFill>
+                  <a:srgbClr val="3095B4"/>
+                </a:solidFill>
+              </a:rPr>
+              <a:t> low, </a:t>
+            </a:r>
+            <a:r>
+              <a:rPr lang="en-US" sz="1400" dirty="0" err="1">
+                <a:solidFill>
+                  <a:srgbClr val="3095B4"/>
+                </a:solidFill>
+              </a:rPr>
+              <a:t>int</a:t>
+            </a:r>
+            <a:r>
+              <a:rPr lang="en-US" sz="1400" dirty="0">
+                <a:solidFill>
+                  <a:srgbClr val="3095B4"/>
+                </a:solidFill>
+              </a:rPr>
+              <a:t> high) {</a:t>
+            </a:r>
+          </a:p>
+          <a:p>
+            <a:pPr>
+              <a:lnSpc>
+                <a:spcPct val="100000"/>
+              </a:lnSpc>
+            </a:pPr>
+            <a:endParaRPr lang="en-US" sz="1400" dirty="0" smtClean="0">
+              <a:solidFill>
+                <a:srgbClr val="3095B4"/>
+              </a:solidFill>
+            </a:endParaRPr>
+          </a:p>
+          <a:p>
+            <a:pPr>
+              <a:lnSpc>
+                <a:spcPct val="100000"/>
+              </a:lnSpc>
+            </a:pPr>
+            <a:r>
+              <a:rPr lang="en-US" sz="1400" dirty="0" smtClean="0">
+                <a:solidFill>
+                  <a:srgbClr val="3095B4"/>
+                </a:solidFill>
+              </a:rPr>
+              <a:t>}</a:t>
+            </a:r>
+            <a:endParaRPr lang="en-US" sz="1400" dirty="0">
+              <a:solidFill>
+                <a:srgbClr val="3095B4"/>
+              </a:solidFill>
+            </a:endParaRPr>
+          </a:p>
         </p:txBody>
       </p:sp>
     </p:spTree>
     <p:extLst>
       <p:ext uri="{BB962C8B-B14F-4D97-AF65-F5344CB8AC3E}">
-        <p14:creationId xmlns:p14="http://schemas.microsoft.com/office/powerpoint/2010/main" val="2933177584"/>
+        <p14:creationId xmlns:p14="http://schemas.microsoft.com/office/powerpoint/2010/main" val="1856119285"/>
       </p:ext>
     </p:extLst>
   </p:cSld>
@@ -9189,7 +10816,7 @@
         <p:spPr>
           <a:xfrm>
             <a:off x="871200" y="1626840"/>
-            <a:ext cx="7808400" cy="5042520"/>
+            <a:ext cx="7808400" cy="3664440"/>
           </a:xfrm>
           <a:prstGeom prst="rect">
             <a:avLst/>
@@ -9218,7 +10845,7 @@
                   <a:srgbClr val="3095B4"/>
                 </a:solidFill>
               </a:rPr>
-              <a:t>Task 3</a:t>
+              <a:t>Task 2</a:t>
             </a:r>
           </a:p>
           <a:p>
@@ -9234,29 +10861,18 @@
             </a:endParaRPr>
           </a:p>
           <a:p>
+            <a:pPr>
+              <a:lnSpc>
+                <a:spcPct val="100000"/>
+              </a:lnSpc>
+            </a:pPr>
             <a:r>
               <a:rPr lang="en-US" sz="2000" dirty="0" smtClean="0">
                 <a:solidFill>
                   <a:srgbClr val="3095B4"/>
                 </a:solidFill>
               </a:rPr>
-              <a:t>1. Create a </a:t>
-            </a:r>
-            <a:r>
-              <a:rPr lang="en-US" sz="2000" dirty="0" err="1" smtClean="0">
-                <a:solidFill>
-                  <a:srgbClr val="3095B4"/>
-                </a:solidFill>
-              </a:rPr>
-              <a:t>CheckPerson</a:t>
-            </a:r>
-            <a:r>
-              <a:rPr lang="en-US" sz="2000" dirty="0" smtClean="0">
-                <a:solidFill>
-                  <a:srgbClr val="3095B4"/>
-                </a:solidFill>
-              </a:rPr>
-              <a:t> interface with one test method taking a Person object as input parameter</a:t>
+              <a:t>Problems about this?</a:t>
             </a:r>
           </a:p>
           <a:p>
@@ -9272,10 +10888,11 @@
             </a:endParaRPr>
           </a:p>
           <a:p>
-            <a:pPr>
-              <a:lnSpc>
-                <a:spcPct val="100000"/>
-              </a:lnSpc>
+            <a:pPr marL="457200" indent="-457200">
+              <a:lnSpc>
+                <a:spcPct val="100000"/>
+              </a:lnSpc>
+              <a:buAutoNum type="arabicPeriod"/>
             </a:pPr>
             <a:r>
               <a:rPr lang="en-US" sz="2000" dirty="0" smtClean="0">
@@ -9283,354 +10900,20 @@
                   <a:srgbClr val="3095B4"/>
                 </a:solidFill>
               </a:rPr>
-              <a:t>2. Write a body to this method:</a:t>
-            </a:r>
-          </a:p>
-          <a:p>
-            <a:pPr>
-              <a:lnSpc>
-                <a:spcPct val="100000"/>
-              </a:lnSpc>
-            </a:pPr>
-            <a:endParaRPr lang="en-US" sz="2000" dirty="0" smtClean="0">
+              <a:t>Same problem as for 1</a:t>
+            </a:r>
+            <a:endParaRPr lang="en-US" sz="2000" dirty="0">
               <a:solidFill>
                 <a:srgbClr val="3095B4"/>
               </a:solidFill>
             </a:endParaRPr>
           </a:p>
-          <a:p>
-            <a:pPr>
-              <a:lnSpc>
-                <a:spcPct val="100000"/>
-              </a:lnSpc>
-            </a:pPr>
-            <a:r>
-              <a:rPr lang="sv-SE" dirty="0" smtClean="0">
-                <a:solidFill>
-                  <a:srgbClr val="3095B4"/>
-                </a:solidFill>
-              </a:rPr>
-              <a:t>public </a:t>
-            </a:r>
-            <a:r>
-              <a:rPr lang="sv-SE" dirty="0" err="1" smtClean="0">
-                <a:solidFill>
-                  <a:srgbClr val="3095B4"/>
-                </a:solidFill>
-              </a:rPr>
-              <a:t>static</a:t>
-            </a:r>
-            <a:r>
-              <a:rPr lang="sv-SE" dirty="0" smtClean="0">
-                <a:solidFill>
-                  <a:srgbClr val="3095B4"/>
-                </a:solidFill>
-              </a:rPr>
-              <a:t> </a:t>
-            </a:r>
-            <a:r>
-              <a:rPr lang="sv-SE" dirty="0" err="1" smtClean="0">
-                <a:solidFill>
-                  <a:srgbClr val="3095B4"/>
-                </a:solidFill>
-              </a:rPr>
-              <a:t>void</a:t>
-            </a:r>
-            <a:r>
-              <a:rPr lang="sv-SE" dirty="0" smtClean="0">
-                <a:solidFill>
-                  <a:srgbClr val="3095B4"/>
-                </a:solidFill>
-              </a:rPr>
-              <a:t> </a:t>
-            </a:r>
-            <a:r>
-              <a:rPr lang="sv-SE" dirty="0" err="1" smtClean="0">
-                <a:solidFill>
-                  <a:srgbClr val="3095B4"/>
-                </a:solidFill>
-              </a:rPr>
-              <a:t>printPersons</a:t>
-            </a:r>
-            <a:r>
-              <a:rPr lang="sv-SE" dirty="0" smtClean="0">
-                <a:solidFill>
-                  <a:srgbClr val="3095B4"/>
-                </a:solidFill>
-              </a:rPr>
-              <a:t>( List&lt;Person&gt; persons, </a:t>
-            </a:r>
-            <a:r>
-              <a:rPr lang="sv-SE" dirty="0" err="1" smtClean="0">
-                <a:solidFill>
-                  <a:srgbClr val="3095B4"/>
-                </a:solidFill>
-              </a:rPr>
-              <a:t>CheckPerson</a:t>
-            </a:r>
-            <a:r>
-              <a:rPr lang="sv-SE" dirty="0" smtClean="0">
-                <a:solidFill>
-                  <a:srgbClr val="3095B4"/>
-                </a:solidFill>
-              </a:rPr>
-              <a:t> tester) {</a:t>
-            </a:r>
-          </a:p>
-          <a:p>
-            <a:pPr>
-              <a:lnSpc>
-                <a:spcPct val="100000"/>
-              </a:lnSpc>
-            </a:pPr>
-            <a:r>
-              <a:rPr lang="sv-SE" dirty="0" smtClean="0">
-                <a:solidFill>
-                  <a:srgbClr val="3095B4"/>
-                </a:solidFill>
-              </a:rPr>
-              <a:t>}</a:t>
-            </a:r>
-          </a:p>
-          <a:p>
-            <a:pPr>
-              <a:lnSpc>
-                <a:spcPct val="100000"/>
-              </a:lnSpc>
-            </a:pPr>
-            <a:endParaRPr lang="sv-SE" dirty="0" smtClean="0">
-              <a:solidFill>
-                <a:srgbClr val="3095B4"/>
-              </a:solidFill>
-            </a:endParaRPr>
-          </a:p>
-          <a:p>
-            <a:pPr>
-              <a:lnSpc>
-                <a:spcPct val="100000"/>
-              </a:lnSpc>
-            </a:pPr>
-            <a:r>
-              <a:rPr lang="sv-SE" dirty="0" smtClean="0">
-                <a:solidFill>
-                  <a:srgbClr val="3095B4"/>
-                </a:solidFill>
-              </a:rPr>
-              <a:t>3. </a:t>
-            </a:r>
-            <a:r>
-              <a:rPr lang="sv-SE" dirty="0" err="1" smtClean="0">
-                <a:solidFill>
-                  <a:srgbClr val="3095B4"/>
-                </a:solidFill>
-              </a:rPr>
-              <a:t>Write</a:t>
-            </a:r>
-            <a:r>
-              <a:rPr lang="sv-SE" dirty="0" smtClean="0">
-                <a:solidFill>
-                  <a:srgbClr val="3095B4"/>
-                </a:solidFill>
-              </a:rPr>
-              <a:t> a </a:t>
-            </a:r>
-            <a:r>
-              <a:rPr lang="sv-SE" dirty="0" err="1" smtClean="0">
-                <a:solidFill>
-                  <a:srgbClr val="3095B4"/>
-                </a:solidFill>
-              </a:rPr>
-              <a:t>body</a:t>
-            </a:r>
-            <a:r>
-              <a:rPr lang="sv-SE" dirty="0" smtClean="0">
-                <a:solidFill>
-                  <a:srgbClr val="3095B4"/>
-                </a:solidFill>
-              </a:rPr>
-              <a:t> </a:t>
-            </a:r>
-            <a:r>
-              <a:rPr lang="sv-SE" dirty="0" err="1" smtClean="0">
-                <a:solidFill>
-                  <a:srgbClr val="3095B4"/>
-                </a:solidFill>
-              </a:rPr>
-              <a:t>to</a:t>
-            </a:r>
-            <a:r>
-              <a:rPr lang="sv-SE" dirty="0" smtClean="0">
-                <a:solidFill>
-                  <a:srgbClr val="3095B4"/>
-                </a:solidFill>
-              </a:rPr>
-              <a:t> </a:t>
-            </a:r>
-            <a:r>
-              <a:rPr lang="sv-SE" dirty="0" err="1" smtClean="0">
-                <a:solidFill>
-                  <a:srgbClr val="3095B4"/>
-                </a:solidFill>
-              </a:rPr>
-              <a:t>this</a:t>
-            </a:r>
-            <a:r>
-              <a:rPr lang="sv-SE" dirty="0" smtClean="0">
-                <a:solidFill>
-                  <a:srgbClr val="3095B4"/>
-                </a:solidFill>
-              </a:rPr>
-              <a:t> </a:t>
-            </a:r>
-            <a:r>
-              <a:rPr lang="sv-SE" dirty="0" err="1" smtClean="0">
-                <a:solidFill>
-                  <a:srgbClr val="3095B4"/>
-                </a:solidFill>
-              </a:rPr>
-              <a:t>method</a:t>
-            </a:r>
-            <a:r>
-              <a:rPr lang="sv-SE" dirty="0" smtClean="0">
-                <a:solidFill>
-                  <a:srgbClr val="3095B4"/>
-                </a:solidFill>
-              </a:rPr>
-              <a:t> (:</a:t>
-            </a:r>
-            <a:endParaRPr lang="en-US" dirty="0" smtClean="0">
-              <a:solidFill>
-                <a:srgbClr val="3095B4"/>
-              </a:solidFill>
-            </a:endParaRPr>
-          </a:p>
-          <a:p>
-            <a:pPr>
-              <a:lnSpc>
-                <a:spcPct val="100000"/>
-              </a:lnSpc>
-            </a:pPr>
-            <a:r>
-              <a:rPr lang="en-US" dirty="0">
-                <a:solidFill>
-                  <a:srgbClr val="3095B4"/>
-                </a:solidFill>
-              </a:rPr>
-              <a:t>class </a:t>
-            </a:r>
-            <a:r>
-              <a:rPr lang="en-US" dirty="0" err="1">
-                <a:solidFill>
-                  <a:srgbClr val="3095B4"/>
-                </a:solidFill>
-              </a:rPr>
-              <a:t>CheckPersonEligibleForSelectiveService</a:t>
-            </a:r>
-            <a:r>
-              <a:rPr lang="en-US" dirty="0">
-                <a:solidFill>
-                  <a:srgbClr val="3095B4"/>
-                </a:solidFill>
-              </a:rPr>
-              <a:t> implements </a:t>
-            </a:r>
-            <a:r>
-              <a:rPr lang="en-US" dirty="0" err="1">
-                <a:solidFill>
-                  <a:srgbClr val="3095B4"/>
-                </a:solidFill>
-              </a:rPr>
-              <a:t>CheckPerson</a:t>
-            </a:r>
-            <a:r>
-              <a:rPr lang="en-US" dirty="0">
-                <a:solidFill>
-                  <a:srgbClr val="3095B4"/>
-                </a:solidFill>
-              </a:rPr>
-              <a:t> { </a:t>
-            </a:r>
-            <a:r>
-              <a:rPr lang="en-US" dirty="0" smtClean="0">
-                <a:solidFill>
-                  <a:srgbClr val="3095B4"/>
-                </a:solidFill>
-              </a:rPr>
-              <a:t>	public </a:t>
-            </a:r>
-            <a:r>
-              <a:rPr lang="en-US" dirty="0" err="1">
-                <a:solidFill>
-                  <a:srgbClr val="3095B4"/>
-                </a:solidFill>
-              </a:rPr>
-              <a:t>boolean</a:t>
-            </a:r>
-            <a:r>
-              <a:rPr lang="en-US" dirty="0">
-                <a:solidFill>
-                  <a:srgbClr val="3095B4"/>
-                </a:solidFill>
-              </a:rPr>
-              <a:t> test(Person p) </a:t>
-            </a:r>
-            <a:r>
-              <a:rPr lang="en-US" dirty="0" smtClean="0">
-                <a:solidFill>
-                  <a:srgbClr val="3095B4"/>
-                </a:solidFill>
-              </a:rPr>
-              <a:t>{</a:t>
-            </a:r>
-          </a:p>
-          <a:p>
-            <a:pPr>
-              <a:lnSpc>
-                <a:spcPct val="100000"/>
-              </a:lnSpc>
-            </a:pPr>
-            <a:r>
-              <a:rPr lang="en-US" dirty="0" smtClean="0">
-                <a:solidFill>
-                  <a:srgbClr val="3095B4"/>
-                </a:solidFill>
-              </a:rPr>
-              <a:t>	}</a:t>
-            </a:r>
-          </a:p>
-          <a:p>
-            <a:pPr>
-              <a:lnSpc>
-                <a:spcPct val="100000"/>
-              </a:lnSpc>
-            </a:pPr>
-            <a:r>
-              <a:rPr lang="en-US" dirty="0">
-                <a:solidFill>
-                  <a:srgbClr val="3095B4"/>
-                </a:solidFill>
-              </a:rPr>
-              <a:t>}</a:t>
-            </a:r>
-          </a:p>
-          <a:p>
-            <a:pPr>
-              <a:lnSpc>
-                <a:spcPct val="100000"/>
-              </a:lnSpc>
-            </a:pPr>
-            <a:endParaRPr lang="en-US" sz="2000" dirty="0" smtClean="0">
-              <a:solidFill>
-                <a:srgbClr val="3095B4"/>
-              </a:solidFill>
-            </a:endParaRPr>
-          </a:p>
         </p:txBody>
       </p:sp>
     </p:spTree>
     <p:extLst>
       <p:ext uri="{BB962C8B-B14F-4D97-AF65-F5344CB8AC3E}">
-        <p14:creationId xmlns:p14="http://schemas.microsoft.com/office/powerpoint/2010/main" val="3288175128"/>
+        <p14:creationId xmlns:p14="http://schemas.microsoft.com/office/powerpoint/2010/main" val="3315742542"/>
       </p:ext>
     </p:extLst>
   </p:cSld>
@@ -10121,4 +11404,47 @@
   <a:objectDefaults/>
   <a:extraClrSchemeLst/>
 </a:theme>
+</file>
+
+<file path=ppt/theme/themeOverride1.xml><?xml version="1.0" encoding="utf-8"?>
+<a:themeOverride xmlns:a="http://schemas.openxmlformats.org/drawingml/2006/main">
+  <a:clrScheme name="Office">
+    <a:dk1>
+      <a:sysClr val="windowText" lastClr="000000"/>
+    </a:dk1>
+    <a:lt1>
+      <a:sysClr val="window" lastClr="FFFFFF"/>
+    </a:lt1>
+    <a:dk2>
+      <a:srgbClr val="1F497D"/>
+    </a:dk2>
+    <a:lt2>
+      <a:srgbClr val="EEECE1"/>
+    </a:lt2>
+    <a:accent1>
+      <a:srgbClr val="4F81BD"/>
+    </a:accent1>
+    <a:accent2>
+      <a:srgbClr val="C0504D"/>
+    </a:accent2>
+    <a:accent3>
+      <a:srgbClr val="9BBB59"/>
+    </a:accent3>
+    <a:accent4>
+      <a:srgbClr val="8064A2"/>
+    </a:accent4>
+    <a:accent5>
+      <a:srgbClr val="4BACC6"/>
+    </a:accent5>
+    <a:accent6>
+      <a:srgbClr val="F79646"/>
+    </a:accent6>
+    <a:hlink>
+      <a:srgbClr val="0000FF"/>
+    </a:hlink>
+    <a:folHlink>
+      <a:srgbClr val="800080"/>
+    </a:folHlink>
+  </a:clrScheme>
+</a:themeOverride>
 </file>
--- a/slides/Java 8 - Lambda Expresssions.pptx
+++ b/slides/Java 8 - Lambda Expresssions.pptx
@@ -5847,16 +5847,7 @@
                 </a:solidFill>
                 <a:latin typeface="Lucida Bright"/>
               </a:rPr>
-              <a:t>Lambda </a:t>
-            </a:r>
-            <a:r>
-              <a:rPr lang="en-US" sz="3200" dirty="0" smtClean="0">
-                <a:solidFill>
-                  <a:srgbClr val="5C7F92"/>
-                </a:solidFill>
-                <a:latin typeface="Lucida Bright"/>
-              </a:rPr>
-              <a:t>Expressions – some rules</a:t>
+              <a:t>Lambda Expressions – some rules</a:t>
             </a:r>
             <a:endParaRPr dirty="0"/>
           </a:p>
@@ -8528,15 +8519,7 @@
                   <a:srgbClr val="3095B4"/>
                 </a:solidFill>
               </a:rPr>
-              <a:t> as an </a:t>
-            </a:r>
-            <a:r>
-              <a:rPr lang="sv-SE" sz="2000" dirty="0" smtClean="0">
-                <a:solidFill>
-                  <a:srgbClr val="3095B4"/>
-                </a:solidFill>
-              </a:rPr>
-              <a:t>argument </a:t>
+              <a:t> as an argument </a:t>
             </a:r>
             <a:r>
               <a:rPr lang="sv-SE" sz="2000" dirty="0" err="1" smtClean="0">
@@ -9157,15 +9140,7 @@
                   <a:srgbClr val="3095B4"/>
                 </a:solidFill>
               </a:rPr>
-              <a:t> as an </a:t>
-            </a:r>
-            <a:r>
-              <a:rPr lang="sv-SE" sz="2000" dirty="0" smtClean="0">
-                <a:solidFill>
-                  <a:srgbClr val="3095B4"/>
-                </a:solidFill>
-              </a:rPr>
-              <a:t>argument </a:t>
+              <a:t> as an argument </a:t>
             </a:r>
             <a:r>
               <a:rPr lang="sv-SE" sz="2000" dirty="0" err="1" smtClean="0">
@@ -9209,11 +9184,6 @@
               </a:rPr>
               <a:t>: Lambda Expressions</a:t>
             </a:r>
-            <a:endParaRPr lang="sv-SE" sz="2000" dirty="0" smtClean="0">
-              <a:solidFill>
-                <a:srgbClr val="3095B4"/>
-              </a:solidFill>
-            </a:endParaRPr>
           </a:p>
           <a:p>
             <a:pPr>

--- a/slides/Java 8 - Lambda Expresssions.pptx
+++ b/slides/Java 8 - Lambda Expresssions.pptx
@@ -9339,153 +9339,21 @@
               </a:lnSpc>
             </a:pPr>
             <a:r>
-              <a:rPr lang="sv-SE" sz="2000" dirty="0">
-                <a:solidFill>
-                  <a:srgbClr val="3095B4"/>
-                </a:solidFill>
-                <a:hlinkClick r:id="rId2"/>
-              </a:rPr>
-              <a:t>http://docs.oracle.com/</a:t>
-            </a:r>
-            <a:r>
-              <a:rPr lang="sv-SE" sz="2000" dirty="0" err="1">
-                <a:solidFill>
-                  <a:srgbClr val="3095B4"/>
-                </a:solidFill>
-                <a:hlinkClick r:id="rId2"/>
-              </a:rPr>
-              <a:t>javafx</a:t>
-            </a:r>
-            <a:r>
-              <a:rPr lang="sv-SE" sz="2000" dirty="0">
-                <a:solidFill>
-                  <a:srgbClr val="3095B4"/>
-                </a:solidFill>
-                <a:hlinkClick r:id="rId2"/>
-              </a:rPr>
-              <a:t>/2/</a:t>
-            </a:r>
-            <a:r>
-              <a:rPr lang="sv-SE" sz="2000" dirty="0" err="1">
-                <a:solidFill>
-                  <a:srgbClr val="3095B4"/>
-                </a:solidFill>
-                <a:hlinkClick r:id="rId2"/>
-              </a:rPr>
-              <a:t>api</a:t>
-            </a:r>
-            <a:r>
-              <a:rPr lang="sv-SE" sz="2000" dirty="0">
-                <a:solidFill>
-                  <a:srgbClr val="3095B4"/>
-                </a:solidFill>
-                <a:hlinkClick r:id="rId2"/>
-              </a:rPr>
-              <a:t>/</a:t>
-            </a:r>
-            <a:r>
-              <a:rPr lang="sv-SE" sz="2000" dirty="0" err="1">
-                <a:solidFill>
-                  <a:srgbClr val="3095B4"/>
-                </a:solidFill>
-                <a:hlinkClick r:id="rId2"/>
-              </a:rPr>
-              <a:t>javafx</a:t>
-            </a:r>
-            <a:r>
-              <a:rPr lang="sv-SE" sz="2000" dirty="0">
-                <a:solidFill>
-                  <a:srgbClr val="3095B4"/>
-                </a:solidFill>
-                <a:hlinkClick r:id="rId2"/>
-              </a:rPr>
-              <a:t>/</a:t>
-            </a:r>
-            <a:r>
-              <a:rPr lang="sv-SE" sz="2000" dirty="0" err="1">
-                <a:solidFill>
-                  <a:srgbClr val="3095B4"/>
-                </a:solidFill>
-                <a:hlinkClick r:id="rId2"/>
-              </a:rPr>
-              <a:t>scene</a:t>
-            </a:r>
-            <a:r>
-              <a:rPr lang="sv-SE" sz="2000" dirty="0">
-                <a:solidFill>
-                  <a:srgbClr val="3095B4"/>
-                </a:solidFill>
-                <a:hlinkClick r:id="rId2"/>
-              </a:rPr>
-              <a:t>/</a:t>
-            </a:r>
-            <a:r>
-              <a:rPr lang="sv-SE" sz="2000" dirty="0" err="1">
-                <a:solidFill>
-                  <a:srgbClr val="3095B4"/>
-                </a:solidFill>
-                <a:hlinkClick r:id="rId2"/>
-              </a:rPr>
-              <a:t>control</a:t>
-            </a:r>
-            <a:r>
-              <a:rPr lang="sv-SE" sz="2000" dirty="0">
-                <a:solidFill>
-                  <a:srgbClr val="3095B4"/>
-                </a:solidFill>
-                <a:hlinkClick r:id="rId2"/>
-              </a:rPr>
-              <a:t>/</a:t>
-            </a:r>
-            <a:r>
-              <a:rPr lang="sv-SE" sz="2000" dirty="0" err="1">
-                <a:solidFill>
-                  <a:srgbClr val="3095B4"/>
-                </a:solidFill>
-                <a:hlinkClick r:id="rId2"/>
-              </a:rPr>
-              <a:t>ButtonBase.html#setOnAction</a:t>
-            </a:r>
-            <a:r>
-              <a:rPr lang="sv-SE" sz="2000" dirty="0">
-                <a:solidFill>
-                  <a:srgbClr val="3095B4"/>
-                </a:solidFill>
-                <a:hlinkClick r:id="rId2"/>
-              </a:rPr>
-              <a:t>(</a:t>
-            </a:r>
-            <a:r>
-              <a:rPr lang="sv-SE" sz="2000" dirty="0" err="1">
-                <a:solidFill>
-                  <a:srgbClr val="3095B4"/>
-                </a:solidFill>
-                <a:hlinkClick r:id="rId2"/>
-              </a:rPr>
-              <a:t>javafx.event.EventHandler</a:t>
-            </a:r>
-            <a:r>
               <a:rPr lang="sv-SE" sz="2000" dirty="0" smtClean="0">
                 <a:solidFill>
                   <a:srgbClr val="3095B4"/>
                 </a:solidFill>
-                <a:hlinkClick r:id="rId2"/>
-              </a:rPr>
-              <a:t>)</a:t>
-            </a:r>
-            <a:endParaRPr lang="sv-SE" sz="2000" dirty="0" smtClean="0">
-              <a:solidFill>
-                <a:srgbClr val="3095B4"/>
-              </a:solidFill>
-            </a:endParaRPr>
-          </a:p>
-          <a:p>
-            <a:pPr>
-              <a:lnSpc>
-                <a:spcPct val="100000"/>
-              </a:lnSpc>
-            </a:pPr>
-            <a:endParaRPr sz="2000" dirty="0">
+              </a:rPr>
+              <a:t>http://docs.oracle.com/javafx/2/api/javafx/scene/control/ButtonBase.html#setOnAction(javafx.event.EventHandler</a:t>
+            </a:r>
+          </a:p>
+          <a:p>
+            <a:pPr>
+              <a:lnSpc>
+                <a:spcPct val="100000"/>
+              </a:lnSpc>
+            </a:pPr>
+            <a:endParaRPr sz="2000" dirty="0" smtClean="0">
               <a:solidFill>
                 <a:srgbClr val="3095B4"/>
               </a:solidFill>

--- a/slides/Java 8 - Lambda Expresssions.pptx
+++ b/slides/Java 8 - Lambda Expresssions.pptx
@@ -11,26 +11,19 @@
     <p:sldId id="281" r:id="rId5"/>
     <p:sldId id="283" r:id="rId6"/>
     <p:sldId id="257" r:id="rId7"/>
-    <p:sldId id="259" r:id="rId8"/>
-    <p:sldId id="260" r:id="rId9"/>
-    <p:sldId id="261" r:id="rId10"/>
-    <p:sldId id="263" r:id="rId11"/>
-    <p:sldId id="264" r:id="rId12"/>
-    <p:sldId id="265" r:id="rId13"/>
-    <p:sldId id="266" r:id="rId14"/>
-    <p:sldId id="267" r:id="rId15"/>
-    <p:sldId id="268" r:id="rId16"/>
-    <p:sldId id="269" r:id="rId17"/>
-    <p:sldId id="270" r:id="rId18"/>
-    <p:sldId id="272" r:id="rId19"/>
-    <p:sldId id="273" r:id="rId20"/>
-    <p:sldId id="274" r:id="rId21"/>
-    <p:sldId id="275" r:id="rId22"/>
-    <p:sldId id="276" r:id="rId23"/>
-    <p:sldId id="277" r:id="rId24"/>
-    <p:sldId id="278" r:id="rId25"/>
-    <p:sldId id="279" r:id="rId26"/>
-    <p:sldId id="280" r:id="rId27"/>
+    <p:sldId id="284" r:id="rId8"/>
+    <p:sldId id="259" r:id="rId9"/>
+    <p:sldId id="260" r:id="rId10"/>
+    <p:sldId id="261" r:id="rId11"/>
+    <p:sldId id="268" r:id="rId12"/>
+    <p:sldId id="269" r:id="rId13"/>
+    <p:sldId id="270" r:id="rId14"/>
+    <p:sldId id="272" r:id="rId15"/>
+    <p:sldId id="273" r:id="rId16"/>
+    <p:sldId id="274" r:id="rId17"/>
+    <p:sldId id="276" r:id="rId18"/>
+    <p:sldId id="279" r:id="rId19"/>
+    <p:sldId id="280" r:id="rId20"/>
   </p:sldIdLst>
   <p:sldSz cx="9144000" cy="6858000" type="screen4x3"/>
   <p:notesSz cx="7772400" cy="10058400"/>
@@ -3436,7 +3429,7 @@
         <p:spPr>
           <a:xfrm>
             <a:off x="871200" y="1626840"/>
-            <a:ext cx="7808400" cy="3664440"/>
+            <a:ext cx="7808400" cy="5042520"/>
           </a:xfrm>
           <a:prstGeom prst="rect">
             <a:avLst/>
@@ -3465,20 +3458,81 @@
                   <a:srgbClr val="3095B4"/>
                 </a:solidFill>
               </a:rPr>
-              <a:t>Solution?</a:t>
-            </a:r>
-            <a:endParaRPr lang="en-US" sz="2000" dirty="0">
+              <a:t>Task </a:t>
+            </a:r>
+            <a:r>
+              <a:rPr lang="en-US" sz="2000" dirty="0" smtClean="0">
+                <a:solidFill>
+                  <a:srgbClr val="3095B4"/>
+                </a:solidFill>
+              </a:rPr>
+              <a:t>3</a:t>
+            </a:r>
+            <a:endParaRPr lang="en-US" sz="2000" dirty="0" smtClean="0">
               <a:solidFill>
                 <a:srgbClr val="3095B4"/>
               </a:solidFill>
             </a:endParaRPr>
           </a:p>
+          <a:p>
+            <a:pPr>
+              <a:lnSpc>
+                <a:spcPct val="100000"/>
+              </a:lnSpc>
+            </a:pPr>
+            <a:endParaRPr lang="en-US" sz="2000" dirty="0" smtClean="0">
+              <a:solidFill>
+                <a:srgbClr val="3095B4"/>
+              </a:solidFill>
+            </a:endParaRPr>
+          </a:p>
+          <a:p>
+            <a:pPr marL="457200" indent="-457200">
+              <a:buAutoNum type="arabicPeriod"/>
+            </a:pPr>
+            <a:r>
+              <a:rPr lang="en-US" sz="2000" dirty="0">
+                <a:solidFill>
+                  <a:srgbClr val="3095B4"/>
+                </a:solidFill>
+              </a:rPr>
+              <a:t>The </a:t>
+            </a:r>
+            <a:r>
+              <a:rPr lang="en-US" sz="2000" dirty="0" err="1">
+                <a:solidFill>
+                  <a:srgbClr val="3095B4"/>
+                </a:solidFill>
+              </a:rPr>
+              <a:t>CheckPerson</a:t>
+            </a:r>
+            <a:r>
+              <a:rPr lang="en-US" sz="2000" dirty="0">
+                <a:solidFill>
+                  <a:srgbClr val="3095B4"/>
+                </a:solidFill>
+              </a:rPr>
+              <a:t> interface is a functional interface. A functional interface is any interface that contains only one method</a:t>
+            </a:r>
+          </a:p>
+          <a:p>
+            <a:pPr>
+              <a:lnSpc>
+                <a:spcPct val="100000"/>
+              </a:lnSpc>
+            </a:pPr>
+            <a:endParaRPr lang="en-US" sz="2000" dirty="0" smtClean="0">
+              <a:solidFill>
+                <a:srgbClr val="3095B4"/>
+              </a:solidFill>
+            </a:endParaRPr>
+          </a:p>
         </p:txBody>
       </p:sp>
     </p:spTree>
     <p:extLst>
       <p:ext uri="{BB962C8B-B14F-4D97-AF65-F5344CB8AC3E}">
-        <p14:creationId xmlns:p14="http://schemas.microsoft.com/office/powerpoint/2010/main" val="776329511"/>
+        <p14:creationId xmlns:p14="http://schemas.microsoft.com/office/powerpoint/2010/main" val="1860879513"/>
       </p:ext>
     </p:extLst>
   </p:cSld>
@@ -3584,7 +3638,7 @@
         <p:spPr>
           <a:xfrm>
             <a:off x="871200" y="1626840"/>
-            <a:ext cx="7808400" cy="3664440"/>
+            <a:ext cx="7808400" cy="5042520"/>
           </a:xfrm>
           <a:prstGeom prst="rect">
             <a:avLst/>
@@ -3613,54 +3667,116 @@
                   <a:srgbClr val="3095B4"/>
                 </a:solidFill>
               </a:rPr>
-              <a:t>Solution?</a:t>
-            </a:r>
-          </a:p>
-          <a:p>
-            <a:pPr>
-              <a:lnSpc>
-                <a:spcPct val="100000"/>
-              </a:lnSpc>
-            </a:pPr>
+              <a:t>Task </a:t>
+            </a:r>
+            <a:r>
+              <a:rPr lang="en-US" sz="2000" dirty="0" smtClean="0">
+                <a:solidFill>
+                  <a:srgbClr val="3095B4"/>
+                </a:solidFill>
+              </a:rPr>
+              <a:t>3</a:t>
+            </a:r>
+            <a:endParaRPr lang="en-US" sz="2000" dirty="0" smtClean="0">
+              <a:solidFill>
+                <a:srgbClr val="3095B4"/>
+              </a:solidFill>
+            </a:endParaRPr>
+          </a:p>
+          <a:p>
+            <a:pPr>
+              <a:lnSpc>
+                <a:spcPct val="100000"/>
+              </a:lnSpc>
+            </a:pPr>
+            <a:endParaRPr lang="en-US" sz="2000" dirty="0" smtClean="0">
+              <a:solidFill>
+                <a:srgbClr val="3095B4"/>
+              </a:solidFill>
+            </a:endParaRPr>
+          </a:p>
+          <a:p>
+            <a:pPr marL="457200" indent="-457200">
+              <a:buAutoNum type="arabicPeriod"/>
+            </a:pPr>
+            <a:r>
+              <a:rPr lang="en-US" sz="2000" dirty="0" smtClean="0">
+                <a:solidFill>
+                  <a:srgbClr val="3095B4"/>
+                </a:solidFill>
+              </a:rPr>
+              <a:t>We are still in test class. Create a lambda expression.</a:t>
+            </a:r>
+            <a:endParaRPr lang="en-US" sz="2000" dirty="0" smtClean="0">
+              <a:solidFill>
+                <a:srgbClr val="3095B4"/>
+              </a:solidFill>
+            </a:endParaRPr>
+          </a:p>
+          <a:p>
+            <a:pPr marL="457200" indent="-457200">
+              <a:buAutoNum type="arabicPeriod"/>
+            </a:pPr>
+            <a:endParaRPr lang="en-US" sz="2000" dirty="0" smtClean="0">
+              <a:solidFill>
+                <a:srgbClr val="3095B4"/>
+              </a:solidFill>
+            </a:endParaRPr>
+          </a:p>
+          <a:p>
+            <a:pPr>
+              <a:lnSpc>
+                <a:spcPct val="100000"/>
+              </a:lnSpc>
+            </a:pPr>
+            <a:endParaRPr lang="en-US" sz="2000" dirty="0" smtClean="0">
+              <a:solidFill>
+                <a:srgbClr val="3095B4"/>
+              </a:solidFill>
+            </a:endParaRPr>
+          </a:p>
+          <a:p>
+            <a:pPr>
+              <a:lnSpc>
+                <a:spcPct val="100000"/>
+              </a:lnSpc>
+            </a:pPr>
+            <a:r>
+              <a:rPr lang="sv-SE" sz="2000" dirty="0" smtClean="0">
+                <a:solidFill>
+                  <a:srgbClr val="3095B4"/>
+                </a:solidFill>
+              </a:rPr>
+              <a:t>	</a:t>
+            </a:r>
+            <a:r>
+              <a:rPr lang="sv-SE" sz="2000" dirty="0" err="1">
+                <a:solidFill>
+                  <a:srgbClr val="3095B4"/>
+                </a:solidFill>
+              </a:rPr>
+              <a:t>testgetPersonsLambda</a:t>
+            </a:r>
+            <a:r>
+              <a:rPr lang="sv-SE" sz="2000" dirty="0">
+                <a:solidFill>
+                  <a:srgbClr val="3095B4"/>
+                </a:solidFill>
+              </a:rPr>
+              <a:t>(…</a:t>
+            </a:r>
             <a:endParaRPr lang="en-US" sz="2000" dirty="0">
               <a:solidFill>
                 <a:srgbClr val="3095B4"/>
               </a:solidFill>
             </a:endParaRPr>
           </a:p>
-          <a:p>
-            <a:pPr>
-              <a:lnSpc>
-                <a:spcPct val="100000"/>
-              </a:lnSpc>
-            </a:pPr>
-            <a:r>
-              <a:rPr lang="en-US" sz="2000" dirty="0" smtClean="0">
-                <a:solidFill>
-                  <a:srgbClr val="3095B4"/>
-                </a:solidFill>
-              </a:rPr>
-              <a:t>Separate the code that specifies the criteria you want to search in a different class.</a:t>
-            </a:r>
-          </a:p>
-          <a:p>
-            <a:pPr>
-              <a:lnSpc>
-                <a:spcPct val="100000"/>
-              </a:lnSpc>
-            </a:pPr>
-            <a:endParaRPr lang="en-US" sz="2000" dirty="0">
-              <a:solidFill>
-                <a:srgbClr val="3095B4"/>
-              </a:solidFill>
-            </a:endParaRPr>
-          </a:p>
         </p:txBody>
       </p:sp>
     </p:spTree>
     <p:extLst>
       <p:ext uri="{BB962C8B-B14F-4D97-AF65-F5344CB8AC3E}">
-        <p14:creationId xmlns:p14="http://schemas.microsoft.com/office/powerpoint/2010/main" val="2933177584"/>
+        <p14:creationId xmlns:p14="http://schemas.microsoft.com/office/powerpoint/2010/main" val="3319973182"/>
       </p:ext>
     </p:extLst>
   </p:cSld>
@@ -3795,7 +3911,23 @@
                   <a:srgbClr val="3095B4"/>
                 </a:solidFill>
               </a:rPr>
-              <a:t>Task 3</a:t>
+              <a:t>Task </a:t>
+            </a:r>
+            <a:r>
+              <a:rPr lang="en-US" sz="2000" dirty="0" smtClean="0">
+                <a:solidFill>
+                  <a:srgbClr val="3095B4"/>
+                </a:solidFill>
+              </a:rPr>
+              <a:t>4 </a:t>
+            </a:r>
+            <a:r>
+              <a:rPr lang="en-US" sz="2000" dirty="0" smtClean="0">
+                <a:solidFill>
+                  <a:srgbClr val="3095B4"/>
+                </a:solidFill>
+              </a:rPr>
+              <a:t>Replace your interface with an existing one</a:t>
             </a:r>
           </a:p>
           <a:p>
@@ -3812,15 +3944,23 @@
           </a:p>
           <a:p>
             <a:r>
+              <a:rPr lang="en-US" sz="2000" dirty="0">
+                <a:solidFill>
+                  <a:srgbClr val="3095B4"/>
+                </a:solidFill>
+              </a:rPr>
+              <a:t> </a:t>
+            </a:r>
+            <a:r>
               <a:rPr lang="en-US" sz="2000" dirty="0" smtClean="0">
                 <a:solidFill>
                   <a:srgbClr val="3095B4"/>
                 </a:solidFill>
               </a:rPr>
-              <a:t>1. Create a </a:t>
-            </a:r>
-            <a:r>
-              <a:rPr lang="en-US" sz="2000" dirty="0" err="1" smtClean="0">
+              <a:t>      interface </a:t>
+            </a:r>
+            <a:r>
+              <a:rPr lang="en-US" sz="2000" dirty="0" err="1">
                 <a:solidFill>
                   <a:srgbClr val="3095B4"/>
                 </a:solidFill>
@@ -3828,20 +3968,13 @@
               <a:t>CheckPerson</a:t>
             </a:r>
             <a:r>
-              <a:rPr lang="en-US" sz="2000" dirty="0" smtClean="0">
-                <a:solidFill>
-                  <a:srgbClr val="3095B4"/>
-                </a:solidFill>
-              </a:rPr>
-              <a:t> interface with one test method taking a Person object as input parameter</a:t>
-            </a:r>
-          </a:p>
-          <a:p>
-            <a:pPr>
-              <a:lnSpc>
-                <a:spcPct val="100000"/>
-              </a:lnSpc>
-            </a:pPr>
+              <a:rPr lang="en-US" sz="2000" dirty="0">
+                <a:solidFill>
+                  <a:srgbClr val="3095B4"/>
+                </a:solidFill>
+              </a:rPr>
+              <a:t> { </a:t>
+            </a:r>
             <a:endParaRPr lang="en-US" sz="2000" dirty="0" smtClean="0">
               <a:solidFill>
                 <a:srgbClr val="3095B4"/>
@@ -3849,26 +3982,39 @@
             </a:endParaRPr>
           </a:p>
           <a:p>
-            <a:pPr>
-              <a:lnSpc>
-                <a:spcPct val="100000"/>
-              </a:lnSpc>
-            </a:pPr>
+            <a:pPr lvl="1"/>
             <a:r>
               <a:rPr lang="en-US" sz="2000" dirty="0" smtClean="0">
                 <a:solidFill>
                   <a:srgbClr val="3095B4"/>
                 </a:solidFill>
               </a:rPr>
-              <a:t>2. Write a body to this method:</a:t>
-            </a:r>
-          </a:p>
-          <a:p>
-            <a:pPr>
-              <a:lnSpc>
-                <a:spcPct val="100000"/>
-              </a:lnSpc>
-            </a:pPr>
+              <a:t>         </a:t>
+            </a:r>
+            <a:r>
+              <a:rPr lang="en-US" sz="2000" dirty="0" err="1" smtClean="0">
+                <a:solidFill>
+                  <a:srgbClr val="3095B4"/>
+                </a:solidFill>
+              </a:rPr>
+              <a:t>boolean</a:t>
+            </a:r>
+            <a:r>
+              <a:rPr lang="en-US" sz="2000" dirty="0" smtClean="0">
+                <a:solidFill>
+                  <a:srgbClr val="3095B4"/>
+                </a:solidFill>
+              </a:rPr>
+              <a:t> </a:t>
+            </a:r>
+            <a:r>
+              <a:rPr lang="en-US" sz="2000" dirty="0">
+                <a:solidFill>
+                  <a:srgbClr val="3095B4"/>
+                </a:solidFill>
+              </a:rPr>
+              <a:t>test(Person p); </a:t>
+            </a:r>
             <a:endParaRPr lang="en-US" sz="2000" dirty="0" smtClean="0">
               <a:solidFill>
                 <a:srgbClr val="3095B4"/>
@@ -3876,338 +4022,27 @@
             </a:endParaRPr>
           </a:p>
           <a:p>
-            <a:pPr>
-              <a:lnSpc>
-                <a:spcPct val="100000"/>
-              </a:lnSpc>
-            </a:pPr>
-            <a:r>
-              <a:rPr lang="sv-SE" dirty="0" smtClean="0">
-                <a:solidFill>
-                  <a:srgbClr val="3095B4"/>
-                </a:solidFill>
-              </a:rPr>
-              <a:t>public </a:t>
-            </a:r>
-            <a:r>
-              <a:rPr lang="sv-SE" dirty="0" err="1" smtClean="0">
-                <a:solidFill>
-                  <a:srgbClr val="3095B4"/>
-                </a:solidFill>
-              </a:rPr>
-              <a:t>static</a:t>
-            </a:r>
-            <a:r>
-              <a:rPr lang="sv-SE" dirty="0" smtClean="0">
-                <a:solidFill>
-                  <a:srgbClr val="3095B4"/>
-                </a:solidFill>
-              </a:rPr>
-              <a:t> </a:t>
-            </a:r>
-            <a:r>
-              <a:rPr lang="sv-SE" dirty="0" err="1" smtClean="0">
-                <a:solidFill>
-                  <a:srgbClr val="3095B4"/>
-                </a:solidFill>
-              </a:rPr>
-              <a:t>void</a:t>
-            </a:r>
-            <a:r>
-              <a:rPr lang="sv-SE" dirty="0" smtClean="0">
-                <a:solidFill>
-                  <a:srgbClr val="3095B4"/>
-                </a:solidFill>
-              </a:rPr>
-              <a:t> </a:t>
-            </a:r>
-            <a:r>
-              <a:rPr lang="sv-SE" dirty="0" err="1" smtClean="0">
-                <a:solidFill>
-                  <a:srgbClr val="3095B4"/>
-                </a:solidFill>
-              </a:rPr>
-              <a:t>printPersons</a:t>
-            </a:r>
-            <a:r>
-              <a:rPr lang="sv-SE" dirty="0" smtClean="0">
-                <a:solidFill>
-                  <a:srgbClr val="3095B4"/>
-                </a:solidFill>
-              </a:rPr>
-              <a:t>( List&lt;Person&gt; persons, </a:t>
-            </a:r>
-            <a:r>
-              <a:rPr lang="sv-SE" dirty="0" err="1" smtClean="0">
-                <a:solidFill>
-                  <a:srgbClr val="3095B4"/>
-                </a:solidFill>
-              </a:rPr>
-              <a:t>CheckPerson</a:t>
-            </a:r>
-            <a:r>
-              <a:rPr lang="sv-SE" dirty="0" smtClean="0">
-                <a:solidFill>
-                  <a:srgbClr val="3095B4"/>
-                </a:solidFill>
-              </a:rPr>
-              <a:t> tester) {</a:t>
-            </a:r>
-          </a:p>
-          <a:p>
-            <a:pPr>
-              <a:lnSpc>
-                <a:spcPct val="100000"/>
-              </a:lnSpc>
-            </a:pPr>
-            <a:r>
-              <a:rPr lang="sv-SE" dirty="0" smtClean="0">
+            <a:pPr lvl="1"/>
+            <a:r>
+              <a:rPr lang="en-US" sz="2000" dirty="0" smtClean="0">
                 <a:solidFill>
                   <a:srgbClr val="3095B4"/>
                 </a:solidFill>
               </a:rPr>
               <a:t>}</a:t>
             </a:r>
-          </a:p>
-          <a:p>
-            <a:pPr>
-              <a:lnSpc>
-                <a:spcPct val="100000"/>
-              </a:lnSpc>
-            </a:pPr>
-            <a:endParaRPr lang="sv-SE" dirty="0" smtClean="0">
+            <a:endParaRPr lang="en-US" sz="2000" dirty="0">
               <a:solidFill>
                 <a:srgbClr val="3095B4"/>
               </a:solidFill>
             </a:endParaRPr>
           </a:p>
-          <a:p>
-            <a:pPr>
-              <a:lnSpc>
-                <a:spcPct val="100000"/>
-              </a:lnSpc>
-            </a:pPr>
-            <a:r>
-              <a:rPr lang="sv-SE" dirty="0" smtClean="0">
-                <a:solidFill>
-                  <a:srgbClr val="3095B4"/>
-                </a:solidFill>
-              </a:rPr>
-              <a:t>3. </a:t>
-            </a:r>
-            <a:r>
-              <a:rPr lang="sv-SE" dirty="0" err="1" smtClean="0">
-                <a:solidFill>
-                  <a:srgbClr val="3095B4"/>
-                </a:solidFill>
-              </a:rPr>
-              <a:t>Write</a:t>
-            </a:r>
-            <a:r>
-              <a:rPr lang="sv-SE" dirty="0" smtClean="0">
-                <a:solidFill>
-                  <a:srgbClr val="3095B4"/>
-                </a:solidFill>
-              </a:rPr>
-              <a:t> a </a:t>
-            </a:r>
-            <a:r>
-              <a:rPr lang="sv-SE" dirty="0" err="1" smtClean="0">
-                <a:solidFill>
-                  <a:srgbClr val="3095B4"/>
-                </a:solidFill>
-              </a:rPr>
-              <a:t>body</a:t>
-            </a:r>
-            <a:r>
-              <a:rPr lang="sv-SE" dirty="0" smtClean="0">
-                <a:solidFill>
-                  <a:srgbClr val="3095B4"/>
-                </a:solidFill>
-              </a:rPr>
-              <a:t> </a:t>
-            </a:r>
-            <a:r>
-              <a:rPr lang="sv-SE" dirty="0" err="1" smtClean="0">
-                <a:solidFill>
-                  <a:srgbClr val="3095B4"/>
-                </a:solidFill>
-              </a:rPr>
-              <a:t>to</a:t>
-            </a:r>
-            <a:r>
-              <a:rPr lang="sv-SE" dirty="0" smtClean="0">
-                <a:solidFill>
-                  <a:srgbClr val="3095B4"/>
-                </a:solidFill>
-              </a:rPr>
-              <a:t> </a:t>
-            </a:r>
-            <a:r>
-              <a:rPr lang="sv-SE" dirty="0" err="1" smtClean="0">
-                <a:solidFill>
-                  <a:srgbClr val="3095B4"/>
-                </a:solidFill>
-              </a:rPr>
-              <a:t>this</a:t>
-            </a:r>
-            <a:r>
-              <a:rPr lang="sv-SE" dirty="0" smtClean="0">
-                <a:solidFill>
-                  <a:srgbClr val="3095B4"/>
-                </a:solidFill>
-              </a:rPr>
-              <a:t> </a:t>
-            </a:r>
-            <a:r>
-              <a:rPr lang="sv-SE" dirty="0" err="1" smtClean="0">
-                <a:solidFill>
-                  <a:srgbClr val="3095B4"/>
-                </a:solidFill>
-              </a:rPr>
-              <a:t>method</a:t>
-            </a:r>
-            <a:r>
-              <a:rPr lang="sv-SE" dirty="0" smtClean="0">
-                <a:solidFill>
-                  <a:srgbClr val="3095B4"/>
-                </a:solidFill>
-              </a:rPr>
-              <a:t> (:</a:t>
-            </a:r>
-            <a:endParaRPr lang="en-US" dirty="0" smtClean="0">
-              <a:solidFill>
-                <a:srgbClr val="3095B4"/>
-              </a:solidFill>
-            </a:endParaRPr>
-          </a:p>
-          <a:p>
-            <a:pPr>
-              <a:lnSpc>
-                <a:spcPct val="100000"/>
-              </a:lnSpc>
-            </a:pPr>
-            <a:r>
-              <a:rPr lang="en-US" dirty="0">
-                <a:solidFill>
-                  <a:srgbClr val="3095B4"/>
-                </a:solidFill>
-              </a:rPr>
-              <a:t>class </a:t>
-            </a:r>
-            <a:r>
-              <a:rPr lang="en-US" dirty="0" err="1">
-                <a:solidFill>
-                  <a:srgbClr val="3095B4"/>
-                </a:solidFill>
-              </a:rPr>
-              <a:t>CheckPersonEligibleForSelectiveService</a:t>
-            </a:r>
-            <a:r>
-              <a:rPr lang="en-US" dirty="0">
-                <a:solidFill>
-                  <a:srgbClr val="3095B4"/>
-                </a:solidFill>
-              </a:rPr>
-              <a:t> implements </a:t>
-            </a:r>
-            <a:r>
-              <a:rPr lang="en-US" dirty="0" err="1">
-                <a:solidFill>
-                  <a:srgbClr val="3095B4"/>
-                </a:solidFill>
-              </a:rPr>
-              <a:t>CheckPerson</a:t>
-            </a:r>
-            <a:r>
-              <a:rPr lang="en-US" dirty="0">
-                <a:solidFill>
-                  <a:srgbClr val="3095B4"/>
-                </a:solidFill>
-              </a:rPr>
-              <a:t> { </a:t>
-            </a:r>
-            <a:r>
-              <a:rPr lang="en-US" dirty="0" smtClean="0">
-                <a:solidFill>
-                  <a:srgbClr val="3095B4"/>
-                </a:solidFill>
-              </a:rPr>
-              <a:t>	public </a:t>
-            </a:r>
-            <a:r>
-              <a:rPr lang="en-US" dirty="0" err="1">
-                <a:solidFill>
-                  <a:srgbClr val="3095B4"/>
-                </a:solidFill>
-              </a:rPr>
-              <a:t>boolean</a:t>
-            </a:r>
-            <a:r>
-              <a:rPr lang="en-US" dirty="0">
-                <a:solidFill>
-                  <a:srgbClr val="3095B4"/>
-                </a:solidFill>
-              </a:rPr>
-              <a:t> test(Person p) </a:t>
-            </a:r>
-            <a:r>
-              <a:rPr lang="en-US" dirty="0" smtClean="0">
-                <a:solidFill>
-                  <a:srgbClr val="3095B4"/>
-                </a:solidFill>
-              </a:rPr>
-              <a:t>{</a:t>
-            </a:r>
-          </a:p>
-          <a:p>
-            <a:pPr>
-              <a:lnSpc>
-                <a:spcPct val="100000"/>
-              </a:lnSpc>
-            </a:pPr>
-            <a:r>
-              <a:rPr lang="en-US" dirty="0" smtClean="0">
-                <a:solidFill>
-                  <a:srgbClr val="3095B4"/>
-                </a:solidFill>
-              </a:rPr>
-              <a:t>	}</a:t>
-            </a:r>
-          </a:p>
-          <a:p>
-            <a:pPr>
-              <a:lnSpc>
-                <a:spcPct val="100000"/>
-              </a:lnSpc>
-            </a:pPr>
-            <a:r>
-              <a:rPr lang="en-US" dirty="0">
-                <a:solidFill>
-                  <a:srgbClr val="3095B4"/>
-                </a:solidFill>
-              </a:rPr>
-              <a:t>}</a:t>
-            </a:r>
-          </a:p>
-          <a:p>
-            <a:pPr>
-              <a:lnSpc>
-                <a:spcPct val="100000"/>
-              </a:lnSpc>
-            </a:pPr>
-            <a:endParaRPr lang="en-US" sz="2000" dirty="0" smtClean="0">
-              <a:solidFill>
-                <a:srgbClr val="3095B4"/>
-              </a:solidFill>
-            </a:endParaRPr>
-          </a:p>
         </p:txBody>
       </p:sp>
     </p:spTree>
     <p:extLst>
       <p:ext uri="{BB962C8B-B14F-4D97-AF65-F5344CB8AC3E}">
-        <p14:creationId xmlns:p14="http://schemas.microsoft.com/office/powerpoint/2010/main" val="3288175128"/>
+        <p14:creationId xmlns:p14="http://schemas.microsoft.com/office/powerpoint/2010/main" val="3549172482"/>
       </p:ext>
     </p:extLst>
   </p:cSld>
@@ -4342,7 +4177,23 @@
                   <a:srgbClr val="3095B4"/>
                 </a:solidFill>
               </a:rPr>
-              <a:t>Task 4</a:t>
+              <a:t>Task </a:t>
+            </a:r>
+            <a:r>
+              <a:rPr lang="en-US" sz="2000" dirty="0" smtClean="0">
+                <a:solidFill>
+                  <a:srgbClr val="3095B4"/>
+                </a:solidFill>
+              </a:rPr>
+              <a:t>4 </a:t>
+            </a:r>
+            <a:r>
+              <a:rPr lang="en-US" sz="2000" dirty="0" smtClean="0">
+                <a:solidFill>
+                  <a:srgbClr val="3095B4"/>
+                </a:solidFill>
+              </a:rPr>
+              <a:t>This is a good one</a:t>
             </a:r>
           </a:p>
           <a:p>
@@ -4358,109 +4209,99 @@
             </a:endParaRPr>
           </a:p>
           <a:p>
-            <a:pPr marL="457200" indent="-457200">
-              <a:buAutoNum type="arabicPeriod"/>
-            </a:pPr>
+            <a:r>
+              <a:rPr lang="en-US" sz="2000" dirty="0">
+                <a:solidFill>
+                  <a:srgbClr val="3095B4"/>
+                </a:solidFill>
+              </a:rPr>
+              <a:t> </a:t>
+            </a:r>
             <a:r>
               <a:rPr lang="en-US" sz="2000" dirty="0" smtClean="0">
                 <a:solidFill>
                   <a:srgbClr val="3095B4"/>
                 </a:solidFill>
               </a:rPr>
-              <a:t>Call </a:t>
-            </a:r>
-            <a:r>
-              <a:rPr lang="en-US" sz="2000" dirty="0" err="1" smtClean="0">
-                <a:solidFill>
-                  <a:srgbClr val="3095B4"/>
-                </a:solidFill>
-              </a:rPr>
-              <a:t>printPerson</a:t>
-            </a:r>
-            <a:r>
-              <a:rPr lang="en-US" sz="2000" dirty="0" smtClean="0">
-                <a:solidFill>
-                  <a:srgbClr val="3095B4"/>
-                </a:solidFill>
-              </a:rPr>
-              <a:t> and Specify Search Criteria Code in an Anonymous Class</a:t>
-            </a:r>
-          </a:p>
-          <a:p>
-            <a:pPr marL="457200" indent="-457200">
-              <a:buAutoNum type="arabicPeriod"/>
-            </a:pPr>
-            <a:endParaRPr lang="en-US" sz="2000" dirty="0" smtClean="0">
+              <a:t>      </a:t>
+            </a:r>
+            <a:r>
+              <a:rPr lang="sv-SE" sz="2000" dirty="0">
+                <a:solidFill>
+                  <a:srgbClr val="3095B4"/>
+                </a:solidFill>
+              </a:rPr>
+              <a:t>interface </a:t>
+            </a:r>
+            <a:r>
+              <a:rPr lang="sv-SE" sz="2000" dirty="0" err="1">
+                <a:solidFill>
+                  <a:srgbClr val="3095B4"/>
+                </a:solidFill>
+              </a:rPr>
+              <a:t>Predicate</a:t>
+            </a:r>
+            <a:r>
+              <a:rPr lang="sv-SE" sz="2000" dirty="0">
+                <a:solidFill>
+                  <a:srgbClr val="3095B4"/>
+                </a:solidFill>
+              </a:rPr>
+              <a:t>&lt;T&gt; { </a:t>
+            </a:r>
+            <a:endParaRPr lang="sv-SE" sz="2000" dirty="0" smtClean="0">
               <a:solidFill>
                 <a:srgbClr val="3095B4"/>
               </a:solidFill>
             </a:endParaRPr>
           </a:p>
           <a:p>
-            <a:pPr>
-              <a:lnSpc>
-                <a:spcPct val="100000"/>
-              </a:lnSpc>
-            </a:pPr>
-            <a:endParaRPr lang="en-US" sz="2000" dirty="0" smtClean="0">
+            <a:r>
+              <a:rPr lang="sv-SE" sz="2000" dirty="0">
+                <a:solidFill>
+                  <a:srgbClr val="3095B4"/>
+                </a:solidFill>
+              </a:rPr>
+              <a:t>	</a:t>
+            </a:r>
+            <a:r>
+              <a:rPr lang="sv-SE" sz="2000" dirty="0" err="1" smtClean="0">
+                <a:solidFill>
+                  <a:srgbClr val="3095B4"/>
+                </a:solidFill>
+              </a:rPr>
+              <a:t>boolean</a:t>
+            </a:r>
+            <a:r>
+              <a:rPr lang="sv-SE" sz="2000" dirty="0" smtClean="0">
+                <a:solidFill>
+                  <a:srgbClr val="3095B4"/>
+                </a:solidFill>
+              </a:rPr>
+              <a:t> </a:t>
+            </a:r>
+            <a:r>
+              <a:rPr lang="sv-SE" sz="2000" dirty="0">
+                <a:solidFill>
+                  <a:srgbClr val="3095B4"/>
+                </a:solidFill>
+              </a:rPr>
+              <a:t>test(T t); </a:t>
+            </a:r>
+            <a:endParaRPr lang="sv-SE" sz="2000" dirty="0" smtClean="0">
               <a:solidFill>
                 <a:srgbClr val="3095B4"/>
               </a:solidFill>
             </a:endParaRPr>
           </a:p>
           <a:p>
-            <a:pPr>
-              <a:lnSpc>
-                <a:spcPct val="100000"/>
-              </a:lnSpc>
-            </a:pPr>
             <a:r>
               <a:rPr lang="sv-SE" sz="2000" dirty="0" smtClean="0">
                 <a:solidFill>
                   <a:srgbClr val="3095B4"/>
                 </a:solidFill>
               </a:rPr>
-              <a:t>	</a:t>
-            </a:r>
-            <a:r>
-              <a:rPr lang="sv-SE" sz="2000" dirty="0" err="1" smtClean="0">
-                <a:solidFill>
-                  <a:srgbClr val="3095B4"/>
-                </a:solidFill>
-              </a:rPr>
-              <a:t>printPersons</a:t>
-            </a:r>
-            <a:r>
-              <a:rPr lang="sv-SE" sz="2000" dirty="0">
-                <a:solidFill>
-                  <a:srgbClr val="3095B4"/>
-                </a:solidFill>
-              </a:rPr>
-              <a:t>( </a:t>
-            </a:r>
-            <a:r>
-              <a:rPr lang="sv-SE" sz="2000" dirty="0" smtClean="0">
-                <a:solidFill>
-                  <a:srgbClr val="3095B4"/>
-                </a:solidFill>
-              </a:rPr>
-              <a:t>person, new </a:t>
-            </a:r>
-            <a:r>
-              <a:rPr lang="sv-SE" sz="2000" dirty="0" err="1" smtClean="0">
-                <a:solidFill>
-                  <a:srgbClr val="3095B4"/>
-                </a:solidFill>
-              </a:rPr>
-              <a:t>CheckPerson</a:t>
-            </a:r>
-            <a:r>
-              <a:rPr lang="sv-SE" sz="2000" dirty="0" smtClean="0">
-                <a:solidFill>
-                  <a:srgbClr val="3095B4"/>
-                </a:solidFill>
-              </a:rPr>
-              <a:t>() {…</a:t>
+              <a:t>        }</a:t>
             </a:r>
             <a:endParaRPr lang="en-US" sz="2000" dirty="0">
               <a:solidFill>
@@ -4473,7 +4314,7 @@
     </p:spTree>
     <p:extLst>
       <p:ext uri="{BB962C8B-B14F-4D97-AF65-F5344CB8AC3E}">
-        <p14:creationId xmlns:p14="http://schemas.microsoft.com/office/powerpoint/2010/main" val="949413036"/>
+        <p14:creationId xmlns:p14="http://schemas.microsoft.com/office/powerpoint/2010/main" val="3099518014"/>
       </p:ext>
     </p:extLst>
   </p:cSld>
@@ -4603,13 +4444,58 @@
               </a:lnSpc>
             </a:pPr>
             <a:r>
-              <a:rPr lang="en-US" sz="2000" dirty="0" smtClean="0">
-                <a:solidFill>
-                  <a:srgbClr val="3095B4"/>
-                </a:solidFill>
-              </a:rPr>
-              <a:t>Task 5</a:t>
-            </a:r>
+              <a:rPr lang="en-US" sz="2000" dirty="0">
+                <a:solidFill>
+                  <a:srgbClr val="3095B4"/>
+                </a:solidFill>
+              </a:rPr>
+              <a:t>Test </a:t>
+            </a:r>
+            <a:r>
+              <a:rPr lang="sv-SE" sz="2000" dirty="0" err="1">
+                <a:solidFill>
+                  <a:srgbClr val="3095B4"/>
+                </a:solidFill>
+              </a:rPr>
+              <a:t>testGetPersonsWithPredicate</a:t>
+            </a:r>
+            <a:r>
+              <a:rPr lang="sv-SE" sz="2000" dirty="0" smtClean="0">
+                <a:solidFill>
+                  <a:srgbClr val="3095B4"/>
+                </a:solidFill>
+              </a:rPr>
+              <a:t>(… </a:t>
+            </a:r>
+            <a:r>
+              <a:rPr lang="sv-SE" sz="2000" dirty="0" err="1" smtClean="0">
+                <a:solidFill>
+                  <a:srgbClr val="3095B4"/>
+                </a:solidFill>
+              </a:rPr>
+              <a:t>should</a:t>
+            </a:r>
+            <a:r>
+              <a:rPr lang="sv-SE" sz="2000" dirty="0" smtClean="0">
+                <a:solidFill>
+                  <a:srgbClr val="3095B4"/>
+                </a:solidFill>
+              </a:rPr>
+              <a:t> still </a:t>
+            </a:r>
+            <a:r>
+              <a:rPr lang="sv-SE" sz="2000" dirty="0" err="1" smtClean="0">
+                <a:solidFill>
+                  <a:srgbClr val="3095B4"/>
+                </a:solidFill>
+              </a:rPr>
+              <a:t>work</a:t>
+            </a:r>
+            <a:endParaRPr lang="en-US" sz="2000" dirty="0">
+              <a:solidFill>
+                <a:srgbClr val="3095B4"/>
+              </a:solidFill>
+            </a:endParaRPr>
           </a:p>
           <a:p>
             <a:pPr>
@@ -4623,53 +4509,12 @@
               </a:solidFill>
             </a:endParaRPr>
           </a:p>
-          <a:p>
-            <a:pPr marL="457200" indent="-457200">
-              <a:buAutoNum type="arabicPeriod"/>
-            </a:pPr>
-            <a:r>
-              <a:rPr lang="en-US" sz="2000" dirty="0">
-                <a:solidFill>
-                  <a:srgbClr val="3095B4"/>
-                </a:solidFill>
-              </a:rPr>
-              <a:t>The </a:t>
-            </a:r>
-            <a:r>
-              <a:rPr lang="en-US" sz="2000" dirty="0" err="1">
-                <a:solidFill>
-                  <a:srgbClr val="3095B4"/>
-                </a:solidFill>
-              </a:rPr>
-              <a:t>CheckPerson</a:t>
-            </a:r>
-            <a:r>
-              <a:rPr lang="en-US" sz="2000" dirty="0">
-                <a:solidFill>
-                  <a:srgbClr val="3095B4"/>
-                </a:solidFill>
-              </a:rPr>
-              <a:t> interface is a functional interface. A functional interface is any interface that contains only one method</a:t>
-            </a:r>
-          </a:p>
-          <a:p>
-            <a:pPr>
-              <a:lnSpc>
-                <a:spcPct val="100000"/>
-              </a:lnSpc>
-            </a:pPr>
-            <a:endParaRPr lang="en-US" sz="2000" dirty="0" smtClean="0">
-              <a:solidFill>
-                <a:srgbClr val="3095B4"/>
-              </a:solidFill>
-            </a:endParaRPr>
-          </a:p>
         </p:txBody>
       </p:sp>
     </p:spTree>
     <p:extLst>
       <p:ext uri="{BB962C8B-B14F-4D97-AF65-F5344CB8AC3E}">
-        <p14:creationId xmlns:p14="http://schemas.microsoft.com/office/powerpoint/2010/main" val="1860879513"/>
+        <p14:creationId xmlns:p14="http://schemas.microsoft.com/office/powerpoint/2010/main" val="993777835"/>
       </p:ext>
     </p:extLst>
   </p:cSld>
@@ -4804,7 +4649,31 @@
                   <a:srgbClr val="3095B4"/>
                 </a:solidFill>
               </a:rPr>
-              <a:t>Task 5</a:t>
+              <a:t>Task </a:t>
+            </a:r>
+            <a:r>
+              <a:rPr lang="en-US" sz="2000" dirty="0" smtClean="0">
+                <a:solidFill>
+                  <a:srgbClr val="3095B4"/>
+                </a:solidFill>
+              </a:rPr>
+              <a:t>5 </a:t>
+            </a:r>
+            <a:r>
+              <a:rPr lang="en-US" sz="2000" dirty="0" smtClean="0">
+                <a:solidFill>
+                  <a:srgbClr val="3095B4"/>
+                </a:solidFill>
+              </a:rPr>
+              <a:t>Could we replace more code with Lambda Expressions</a:t>
+            </a:r>
+            <a:r>
+              <a:rPr lang="en-US" sz="2000" dirty="0" smtClean="0">
+                <a:solidFill>
+                  <a:srgbClr val="3095B4"/>
+                </a:solidFill>
+              </a:rPr>
+              <a:t>?</a:t>
             </a:r>
           </a:p>
           <a:p>
@@ -4820,40 +4689,65 @@
             </a:endParaRPr>
           </a:p>
           <a:p>
-            <a:pPr marL="457200" indent="-457200">
-              <a:buAutoNum type="arabicPeriod"/>
-            </a:pPr>
+            <a:pPr>
+              <a:lnSpc>
+                <a:spcPct val="100000"/>
+              </a:lnSpc>
+            </a:pPr>
+            <a:endParaRPr lang="en-US" sz="2000" dirty="0">
+              <a:solidFill>
+                <a:srgbClr val="3095B4"/>
+              </a:solidFill>
+            </a:endParaRPr>
+          </a:p>
+          <a:p>
+            <a:pPr>
+              <a:lnSpc>
+                <a:spcPct val="100000"/>
+              </a:lnSpc>
+            </a:pPr>
+            <a:r>
+              <a:rPr lang="en-US" sz="2000" dirty="0" err="1" smtClean="0">
+                <a:solidFill>
+                  <a:srgbClr val="3095B4"/>
+                </a:solidFill>
+              </a:rPr>
+              <a:t>p.printPerson</a:t>
+            </a:r>
             <a:r>
               <a:rPr lang="en-US" sz="2000" dirty="0" smtClean="0">
                 <a:solidFill>
                   <a:srgbClr val="3095B4"/>
                 </a:solidFill>
               </a:rPr>
-              <a:t>Call </a:t>
-            </a:r>
-            <a:r>
-              <a:rPr lang="en-US" sz="2000" dirty="0" err="1" smtClean="0">
-                <a:solidFill>
-                  <a:srgbClr val="3095B4"/>
-                </a:solidFill>
-              </a:rPr>
-              <a:t>printPerson</a:t>
-            </a:r>
+              <a:t>()?</a:t>
+            </a:r>
+          </a:p>
+          <a:p>
+            <a:pPr>
+              <a:lnSpc>
+                <a:spcPct val="100000"/>
+              </a:lnSpc>
+            </a:pPr>
+            <a:endParaRPr lang="en-US" sz="2000" dirty="0">
+              <a:solidFill>
+                <a:srgbClr val="3095B4"/>
+              </a:solidFill>
+            </a:endParaRPr>
+          </a:p>
+          <a:p>
+            <a:pPr>
+              <a:lnSpc>
+                <a:spcPct val="100000"/>
+              </a:lnSpc>
+            </a:pPr>
             <a:r>
               <a:rPr lang="en-US" sz="2000" dirty="0" smtClean="0">
                 <a:solidFill>
                   <a:srgbClr val="3095B4"/>
                 </a:solidFill>
               </a:rPr>
-              <a:t> and Specify Search Criteria Code with a Lambda </a:t>
-            </a:r>
-            <a:r>
-              <a:rPr lang="en-US" sz="2000" dirty="0" err="1" smtClean="0">
-                <a:solidFill>
-                  <a:srgbClr val="3095B4"/>
-                </a:solidFill>
-              </a:rPr>
-              <a:t>Expresssion</a:t>
+              <a:t>Add a new existing function interface as parameter.</a:t>
             </a:r>
             <a:endParaRPr lang="en-US" sz="2000" dirty="0" smtClean="0">
               <a:solidFill>
@@ -4862,8 +4756,10 @@
             </a:endParaRPr>
           </a:p>
           <a:p>
-            <a:pPr marL="457200" indent="-457200">
-              <a:buAutoNum type="arabicPeriod"/>
+            <a:pPr>
+              <a:lnSpc>
+                <a:spcPct val="100000"/>
+              </a:lnSpc>
             </a:pPr>
             <a:endParaRPr lang="en-US" sz="2000" dirty="0" smtClean="0">
               <a:solidFill>
@@ -4871,68 +4767,12 @@
               </a:solidFill>
             </a:endParaRPr>
           </a:p>
-          <a:p>
-            <a:pPr>
-              <a:lnSpc>
-                <a:spcPct val="100000"/>
-              </a:lnSpc>
-            </a:pPr>
-            <a:endParaRPr lang="en-US" sz="2000" dirty="0" smtClean="0">
-              <a:solidFill>
-                <a:srgbClr val="3095B4"/>
-              </a:solidFill>
-            </a:endParaRPr>
-          </a:p>
-          <a:p>
-            <a:pPr>
-              <a:lnSpc>
-                <a:spcPct val="100000"/>
-              </a:lnSpc>
-            </a:pPr>
-            <a:r>
-              <a:rPr lang="sv-SE" sz="2000" dirty="0" smtClean="0">
-                <a:solidFill>
-                  <a:srgbClr val="3095B4"/>
-                </a:solidFill>
-              </a:rPr>
-              <a:t>	</a:t>
-            </a:r>
-            <a:r>
-              <a:rPr lang="sv-SE" sz="2000" dirty="0" err="1" smtClean="0">
-                <a:solidFill>
-                  <a:srgbClr val="3095B4"/>
-                </a:solidFill>
-              </a:rPr>
-              <a:t>printPersons</a:t>
-            </a:r>
-            <a:r>
-              <a:rPr lang="sv-SE" sz="2000" dirty="0">
-                <a:solidFill>
-                  <a:srgbClr val="3095B4"/>
-                </a:solidFill>
-              </a:rPr>
-              <a:t>( </a:t>
-            </a:r>
-            <a:r>
-              <a:rPr lang="sv-SE" sz="2000" dirty="0" smtClean="0">
-                <a:solidFill>
-                  <a:srgbClr val="3095B4"/>
-                </a:solidFill>
-              </a:rPr>
-              <a:t>person, (Person p) -&gt;</a:t>
-            </a:r>
-            <a:endParaRPr lang="en-US" sz="2000" dirty="0">
-              <a:solidFill>
-                <a:srgbClr val="3095B4"/>
-              </a:solidFill>
-            </a:endParaRPr>
-          </a:p>
         </p:txBody>
       </p:sp>
     </p:spTree>
     <p:extLst>
       <p:ext uri="{BB962C8B-B14F-4D97-AF65-F5344CB8AC3E}">
-        <p14:creationId xmlns:p14="http://schemas.microsoft.com/office/powerpoint/2010/main" val="3319973182"/>
+        <p14:creationId xmlns:p14="http://schemas.microsoft.com/office/powerpoint/2010/main" val="3040441235"/>
       </p:ext>
     </p:extLst>
   </p:cSld>
@@ -5067,7 +4907,15 @@
                   <a:srgbClr val="3095B4"/>
                 </a:solidFill>
               </a:rPr>
-              <a:t>Task 6 Replace your interface with an existing one</a:t>
+              <a:t>Task </a:t>
+            </a:r>
+            <a:r>
+              <a:rPr lang="en-US" sz="2000" dirty="0" smtClean="0">
+                <a:solidFill>
+                  <a:srgbClr val="3095B4"/>
+                </a:solidFill>
+              </a:rPr>
+              <a:t>5 </a:t>
             </a:r>
           </a:p>
           <a:p>
@@ -5083,37 +4931,45 @@
             </a:endParaRPr>
           </a:p>
           <a:p>
-            <a:r>
-              <a:rPr lang="en-US" sz="2000" dirty="0">
-                <a:solidFill>
-                  <a:srgbClr val="3095B4"/>
-                </a:solidFill>
-              </a:rPr>
-              <a:t> </a:t>
-            </a:r>
+            <a:pPr>
+              <a:lnSpc>
+                <a:spcPct val="100000"/>
+              </a:lnSpc>
+            </a:pPr>
             <a:r>
               <a:rPr lang="en-US" sz="2000" dirty="0" smtClean="0">
                 <a:solidFill>
                   <a:srgbClr val="3095B4"/>
                 </a:solidFill>
               </a:rPr>
-              <a:t>      interface </a:t>
-            </a:r>
-            <a:r>
-              <a:rPr lang="en-US" sz="2000" dirty="0" err="1">
-                <a:solidFill>
-                  <a:srgbClr val="3095B4"/>
-                </a:solidFill>
-              </a:rPr>
-              <a:t>CheckPerson</a:t>
-            </a:r>
-            <a:r>
-              <a:rPr lang="en-US" sz="2000" dirty="0">
-                <a:solidFill>
-                  <a:srgbClr val="3095B4"/>
-                </a:solidFill>
-              </a:rPr>
-              <a:t> { </a:t>
+              <a:t>Maybe this one can be used?</a:t>
+            </a:r>
+          </a:p>
+          <a:p>
+            <a:pPr>
+              <a:lnSpc>
+                <a:spcPct val="100000"/>
+              </a:lnSpc>
+            </a:pPr>
+            <a:endParaRPr lang="en-US" sz="2000" dirty="0">
+              <a:solidFill>
+                <a:srgbClr val="3095B4"/>
+              </a:solidFill>
+            </a:endParaRPr>
+          </a:p>
+          <a:p>
+            <a:pPr>
+              <a:lnSpc>
+                <a:spcPct val="100000"/>
+              </a:lnSpc>
+            </a:pPr>
+            <a:r>
+              <a:rPr lang="en-US" sz="2000" dirty="0" smtClean="0">
+                <a:solidFill>
+                  <a:srgbClr val="3095B4"/>
+                </a:solidFill>
+              </a:rPr>
+              <a:t>Consumer</a:t>
             </a:r>
             <a:endParaRPr lang="en-US" sz="2000" dirty="0" smtClean="0">
               <a:solidFill>
@@ -5122,22 +4978,30 @@
             </a:endParaRPr>
           </a:p>
           <a:p>
-            <a:pPr lvl="1"/>
+            <a:pPr>
+              <a:lnSpc>
+                <a:spcPct val="100000"/>
+              </a:lnSpc>
+            </a:pPr>
+            <a:endParaRPr lang="en-US" sz="2000" dirty="0">
+              <a:solidFill>
+                <a:srgbClr val="3095B4"/>
+              </a:solidFill>
+            </a:endParaRPr>
+          </a:p>
+          <a:p>
+            <a:pPr>
+              <a:lnSpc>
+                <a:spcPct val="100000"/>
+              </a:lnSpc>
+            </a:pPr>
             <a:r>
               <a:rPr lang="en-US" sz="2000" dirty="0" smtClean="0">
                 <a:solidFill>
                   <a:srgbClr val="3095B4"/>
                 </a:solidFill>
               </a:rPr>
-              <a:t>         </a:t>
-            </a:r>
-            <a:r>
-              <a:rPr lang="en-US" sz="2000" dirty="0" err="1" smtClean="0">
-                <a:solidFill>
-                  <a:srgbClr val="3095B4"/>
-                </a:solidFill>
-              </a:rPr>
-              <a:t>boolean</a:t>
+              <a:t>T-&gt; </a:t>
             </a:r>
             <a:r>
               <a:rPr lang="en-US" sz="2000" dirty="0" smtClean="0">
@@ -5145,16 +5009,27 @@
                   <a:srgbClr val="3095B4"/>
                 </a:solidFill>
               </a:rPr>
-              <a:t> </a:t>
-            </a:r>
-            <a:r>
-              <a:rPr lang="en-US" sz="2000" dirty="0">
-                <a:solidFill>
-                  <a:srgbClr val="3095B4"/>
-                </a:solidFill>
-              </a:rPr>
-              <a:t>test(Person p); </a:t>
-            </a:r>
+              <a:t>void</a:t>
+            </a:r>
+          </a:p>
+          <a:p>
+            <a:pPr>
+              <a:lnSpc>
+                <a:spcPct val="100000"/>
+              </a:lnSpc>
+            </a:pPr>
+            <a:endParaRPr lang="en-US" sz="2000" dirty="0">
+              <a:solidFill>
+                <a:srgbClr val="3095B4"/>
+              </a:solidFill>
+            </a:endParaRPr>
+          </a:p>
+          <a:p>
+            <a:pPr>
+              <a:lnSpc>
+                <a:spcPct val="100000"/>
+              </a:lnSpc>
+            </a:pPr>
             <a:endParaRPr lang="en-US" sz="2000" dirty="0" smtClean="0">
               <a:solidFill>
                 <a:srgbClr val="3095B4"/>
@@ -5162,14 +5037,34 @@
             </a:endParaRPr>
           </a:p>
           <a:p>
-            <a:pPr lvl="1"/>
+            <a:pPr>
+              <a:lnSpc>
+                <a:spcPct val="100000"/>
+              </a:lnSpc>
+            </a:pPr>
             <a:r>
               <a:rPr lang="en-US" sz="2000" dirty="0" smtClean="0">
                 <a:solidFill>
                   <a:srgbClr val="3095B4"/>
                 </a:solidFill>
               </a:rPr>
-              <a:t>}</a:t>
+              <a:t>Show </a:t>
+            </a:r>
+            <a:r>
+              <a:rPr lang="sv-SE" sz="2000" dirty="0" err="1" smtClean="0">
+                <a:solidFill>
+                  <a:srgbClr val="3095B4"/>
+                </a:solidFill>
+              </a:rPr>
+              <a:t>testProcessPersons</a:t>
+            </a:r>
+            <a:r>
+              <a:rPr lang="sv-SE" sz="2000" dirty="0" smtClean="0">
+                <a:solidFill>
+                  <a:srgbClr val="3095B4"/>
+                </a:solidFill>
+              </a:rPr>
+              <a:t>(…</a:t>
             </a:r>
             <a:endParaRPr lang="en-US" sz="2000" dirty="0">
               <a:solidFill>
@@ -5177,12 +5072,24 @@
               </a:solidFill>
             </a:endParaRPr>
           </a:p>
+          <a:p>
+            <a:pPr>
+              <a:lnSpc>
+                <a:spcPct val="100000"/>
+              </a:lnSpc>
+            </a:pPr>
+            <a:endParaRPr lang="en-US" sz="2000" dirty="0">
+              <a:solidFill>
+                <a:srgbClr val="3095B4"/>
+              </a:solidFill>
+            </a:endParaRPr>
+          </a:p>
         </p:txBody>
       </p:sp>
     </p:spTree>
     <p:extLst>
       <p:ext uri="{BB962C8B-B14F-4D97-AF65-F5344CB8AC3E}">
-        <p14:creationId xmlns:p14="http://schemas.microsoft.com/office/powerpoint/2010/main" val="3549172482"/>
+        <p14:creationId xmlns:p14="http://schemas.microsoft.com/office/powerpoint/2010/main" val="2990108188"/>
       </p:ext>
     </p:extLst>
   </p:cSld>
@@ -5317,7 +5224,7 @@
                   <a:srgbClr val="3095B4"/>
                 </a:solidFill>
               </a:rPr>
-              <a:t>Task 6 This is a good one</a:t>
+              <a:t>Final solution:</a:t>
             </a:r>
           </a:p>
           <a:p>
@@ -5333,8 +5240,45 @@
             </a:endParaRPr>
           </a:p>
           <a:p>
-            <a:r>
-              <a:rPr lang="en-US" sz="2000" dirty="0">
+            <a:pPr>
+              <a:lnSpc>
+                <a:spcPct val="100000"/>
+              </a:lnSpc>
+            </a:pPr>
+            <a:r>
+              <a:rPr lang="sv-SE" sz="2000" dirty="0">
+                <a:solidFill>
+                  <a:srgbClr val="3095B4"/>
+                </a:solidFill>
+              </a:rPr>
+              <a:t>public </a:t>
+            </a:r>
+            <a:r>
+              <a:rPr lang="sv-SE" sz="2000" dirty="0" smtClean="0">
+                <a:solidFill>
+                  <a:srgbClr val="3095B4"/>
+                </a:solidFill>
+              </a:rPr>
+              <a:t>&lt;X</a:t>
+            </a:r>
+            <a:r>
+              <a:rPr lang="sv-SE" sz="2000" dirty="0">
+                <a:solidFill>
+                  <a:srgbClr val="3095B4"/>
+                </a:solidFill>
+              </a:rPr>
+              <a:t>, Y&gt; </a:t>
+            </a:r>
+            <a:r>
+              <a:rPr lang="sv-SE" sz="2000" dirty="0" err="1">
+                <a:solidFill>
+                  <a:srgbClr val="3095B4"/>
+                </a:solidFill>
+              </a:rPr>
+              <a:t>void</a:t>
+            </a:r>
+            <a:r>
+              <a:rPr lang="sv-SE" sz="2000" dirty="0">
                 <a:solidFill>
                   <a:srgbClr val="3095B4"/>
                 </a:solidFill>
@@ -5342,12 +5286,12 @@
               <a:t> </a:t>
             </a:r>
             <a:r>
-              <a:rPr lang="en-US" sz="2000" dirty="0" smtClean="0">
-                <a:solidFill>
-                  <a:srgbClr val="3095B4"/>
-                </a:solidFill>
-              </a:rPr>
-              <a:t>      </a:t>
+              <a:rPr lang="sv-SE" sz="2000" dirty="0" err="1">
+                <a:solidFill>
+                  <a:srgbClr val="3095B4"/>
+                </a:solidFill>
+              </a:rPr>
+              <a:t>processElements</a:t>
             </a:r>
             <a:r>
               <a:rPr lang="sv-SE" sz="2000" dirty="0">
@@ -5355,23 +5299,7 @@
                   <a:srgbClr val="3095B4"/>
                 </a:solidFill>
               </a:rPr>
-              <a:t>interface </a:t>
-            </a:r>
-            <a:r>
-              <a:rPr lang="sv-SE" sz="2000" dirty="0" err="1">
-                <a:solidFill>
-                  <a:srgbClr val="3095B4"/>
-                </a:solidFill>
-              </a:rPr>
-              <a:t>Predicate</a:t>
-            </a:r>
-            <a:r>
-              <a:rPr lang="sv-SE" sz="2000" dirty="0">
-                <a:solidFill>
-                  <a:srgbClr val="3095B4"/>
-                </a:solidFill>
-              </a:rPr>
-              <a:t>&lt;T&gt; { </a:t>
+              <a:t>( </a:t>
             </a:r>
             <a:endParaRPr lang="sv-SE" sz="2000" dirty="0" smtClean="0">
               <a:solidFill>
@@ -5380,6 +5308,11 @@
             </a:endParaRPr>
           </a:p>
           <a:p>
+            <a:pPr>
+              <a:lnSpc>
+                <a:spcPct val="100000"/>
+              </a:lnSpc>
+            </a:pPr>
             <a:r>
               <a:rPr lang="sv-SE" sz="2000" dirty="0">
                 <a:solidFill>
@@ -5394,7 +5327,7 @@
                   <a:srgbClr val="3095B4"/>
                 </a:solidFill>
               </a:rPr>
-              <a:t>boolean</a:t>
+              <a:t>Iterable</a:t>
             </a:r>
             <a:r>
               <a:rPr lang="sv-SE" sz="2000" dirty="0" smtClean="0">
@@ -5402,7 +5335,7 @@
                   <a:srgbClr val="3095B4"/>
                 </a:solidFill>
               </a:rPr>
-              <a:t> </a:t>
+              <a:t>&lt;X</a:t>
             </a:r>
             <a:r>
               <a:rPr lang="sv-SE" sz="2000" dirty="0">
@@ -5410,7 +5343,7 @@
                   <a:srgbClr val="3095B4"/>
                 </a:solidFill>
               </a:rPr>
-              <a:t>test(T t); </a:t>
+              <a:t>&gt; source, </a:t>
             </a:r>
             <a:endParaRPr lang="sv-SE" sz="2000" dirty="0" smtClean="0">
               <a:solidFill>
@@ -5419,13 +5352,408 @@
             </a:endParaRPr>
           </a:p>
           <a:p>
+            <a:pPr>
+              <a:lnSpc>
+                <a:spcPct val="100000"/>
+              </a:lnSpc>
+            </a:pPr>
+            <a:r>
+              <a:rPr lang="sv-SE" sz="2000" dirty="0">
+                <a:solidFill>
+                  <a:srgbClr val="3095B4"/>
+                </a:solidFill>
+              </a:rPr>
+              <a:t>	</a:t>
+            </a:r>
+            <a:r>
+              <a:rPr lang="sv-SE" sz="2000" dirty="0" err="1" smtClean="0">
+                <a:solidFill>
+                  <a:srgbClr val="3095B4"/>
+                </a:solidFill>
+              </a:rPr>
+              <a:t>Predicate</a:t>
+            </a:r>
             <a:r>
               <a:rPr lang="sv-SE" sz="2000" dirty="0" smtClean="0">
                 <a:solidFill>
                   <a:srgbClr val="3095B4"/>
                 </a:solidFill>
               </a:rPr>
-              <a:t>        }</a:t>
+              <a:t>&lt;X</a:t>
+            </a:r>
+            <a:r>
+              <a:rPr lang="sv-SE" sz="2000" dirty="0">
+                <a:solidFill>
+                  <a:srgbClr val="3095B4"/>
+                </a:solidFill>
+              </a:rPr>
+              <a:t>&gt; tester, </a:t>
+            </a:r>
+            <a:endParaRPr lang="sv-SE" sz="2000" dirty="0" smtClean="0">
+              <a:solidFill>
+                <a:srgbClr val="3095B4"/>
+              </a:solidFill>
+            </a:endParaRPr>
+          </a:p>
+          <a:p>
+            <a:pPr>
+              <a:lnSpc>
+                <a:spcPct val="100000"/>
+              </a:lnSpc>
+            </a:pPr>
+            <a:r>
+              <a:rPr lang="sv-SE" sz="2000" dirty="0">
+                <a:solidFill>
+                  <a:srgbClr val="3095B4"/>
+                </a:solidFill>
+              </a:rPr>
+              <a:t>	</a:t>
+            </a:r>
+            <a:r>
+              <a:rPr lang="sv-SE" sz="2000" dirty="0" err="1" smtClean="0">
+                <a:solidFill>
+                  <a:srgbClr val="3095B4"/>
+                </a:solidFill>
+              </a:rPr>
+              <a:t>Function</a:t>
+            </a:r>
+            <a:r>
+              <a:rPr lang="sv-SE" sz="2000" dirty="0" smtClean="0">
+                <a:solidFill>
+                  <a:srgbClr val="3095B4"/>
+                </a:solidFill>
+              </a:rPr>
+              <a:t> </a:t>
+            </a:r>
+            <a:r>
+              <a:rPr lang="sv-SE" sz="2000" dirty="0">
+                <a:solidFill>
+                  <a:srgbClr val="3095B4"/>
+                </a:solidFill>
+              </a:rPr>
+              <a:t>&lt;X, Y&gt; </a:t>
+            </a:r>
+            <a:r>
+              <a:rPr lang="sv-SE" sz="2000" dirty="0" err="1">
+                <a:solidFill>
+                  <a:srgbClr val="3095B4"/>
+                </a:solidFill>
+              </a:rPr>
+              <a:t>mapper</a:t>
+            </a:r>
+            <a:r>
+              <a:rPr lang="sv-SE" sz="2000" dirty="0">
+                <a:solidFill>
+                  <a:srgbClr val="3095B4"/>
+                </a:solidFill>
+              </a:rPr>
+              <a:t>, </a:t>
+            </a:r>
+            <a:endParaRPr lang="sv-SE" sz="2000" dirty="0" smtClean="0">
+              <a:solidFill>
+                <a:srgbClr val="3095B4"/>
+              </a:solidFill>
+            </a:endParaRPr>
+          </a:p>
+          <a:p>
+            <a:pPr>
+              <a:lnSpc>
+                <a:spcPct val="100000"/>
+              </a:lnSpc>
+            </a:pPr>
+            <a:r>
+              <a:rPr lang="sv-SE" sz="2000" dirty="0">
+                <a:solidFill>
+                  <a:srgbClr val="3095B4"/>
+                </a:solidFill>
+              </a:rPr>
+              <a:t>	</a:t>
+            </a:r>
+            <a:r>
+              <a:rPr lang="sv-SE" sz="2000" dirty="0" err="1" smtClean="0">
+                <a:solidFill>
+                  <a:srgbClr val="3095B4"/>
+                </a:solidFill>
+              </a:rPr>
+              <a:t>Consumer</a:t>
+            </a:r>
+            <a:r>
+              <a:rPr lang="sv-SE" sz="2000" dirty="0" smtClean="0">
+                <a:solidFill>
+                  <a:srgbClr val="3095B4"/>
+                </a:solidFill>
+              </a:rPr>
+              <a:t>&lt;Y</a:t>
+            </a:r>
+            <a:r>
+              <a:rPr lang="sv-SE" sz="2000" dirty="0">
+                <a:solidFill>
+                  <a:srgbClr val="3095B4"/>
+                </a:solidFill>
+              </a:rPr>
+              <a:t>&gt; block) { </a:t>
+            </a:r>
+            <a:endParaRPr lang="sv-SE" sz="2000" dirty="0" smtClean="0">
+              <a:solidFill>
+                <a:srgbClr val="3095B4"/>
+              </a:solidFill>
+            </a:endParaRPr>
+          </a:p>
+          <a:p>
+            <a:pPr>
+              <a:lnSpc>
+                <a:spcPct val="100000"/>
+              </a:lnSpc>
+            </a:pPr>
+            <a:r>
+              <a:rPr lang="sv-SE" sz="2000" dirty="0">
+                <a:solidFill>
+                  <a:srgbClr val="3095B4"/>
+                </a:solidFill>
+              </a:rPr>
+              <a:t>	</a:t>
+            </a:r>
+            <a:r>
+              <a:rPr lang="sv-SE" sz="2000" dirty="0" smtClean="0">
+                <a:solidFill>
+                  <a:srgbClr val="3095B4"/>
+                </a:solidFill>
+              </a:rPr>
+              <a:t>	for </a:t>
+            </a:r>
+            <a:r>
+              <a:rPr lang="sv-SE" sz="2000" dirty="0">
+                <a:solidFill>
+                  <a:srgbClr val="3095B4"/>
+                </a:solidFill>
+              </a:rPr>
+              <a:t>(X p : source) { </a:t>
+            </a:r>
+            <a:endParaRPr lang="sv-SE" sz="2000" dirty="0" smtClean="0">
+              <a:solidFill>
+                <a:srgbClr val="3095B4"/>
+              </a:solidFill>
+            </a:endParaRPr>
+          </a:p>
+          <a:p>
+            <a:pPr>
+              <a:lnSpc>
+                <a:spcPct val="100000"/>
+              </a:lnSpc>
+            </a:pPr>
+            <a:r>
+              <a:rPr lang="sv-SE" sz="2000" dirty="0">
+                <a:solidFill>
+                  <a:srgbClr val="3095B4"/>
+                </a:solidFill>
+              </a:rPr>
+              <a:t>	</a:t>
+            </a:r>
+            <a:r>
+              <a:rPr lang="sv-SE" sz="2000" dirty="0" smtClean="0">
+                <a:solidFill>
+                  <a:srgbClr val="3095B4"/>
+                </a:solidFill>
+              </a:rPr>
+              <a:t>		</a:t>
+            </a:r>
+            <a:r>
+              <a:rPr lang="sv-SE" sz="2000" dirty="0" err="1" smtClean="0">
+                <a:solidFill>
+                  <a:srgbClr val="3095B4"/>
+                </a:solidFill>
+              </a:rPr>
+              <a:t>if</a:t>
+            </a:r>
+            <a:r>
+              <a:rPr lang="sv-SE" sz="2000" dirty="0" smtClean="0">
+                <a:solidFill>
+                  <a:srgbClr val="3095B4"/>
+                </a:solidFill>
+              </a:rPr>
+              <a:t> </a:t>
+            </a:r>
+            <a:r>
+              <a:rPr lang="sv-SE" sz="2000" dirty="0">
+                <a:solidFill>
+                  <a:srgbClr val="3095B4"/>
+                </a:solidFill>
+              </a:rPr>
+              <a:t>(</a:t>
+            </a:r>
+            <a:r>
+              <a:rPr lang="sv-SE" sz="2000" dirty="0" err="1">
+                <a:solidFill>
+                  <a:srgbClr val="3095B4"/>
+                </a:solidFill>
+              </a:rPr>
+              <a:t>tester.test</a:t>
+            </a:r>
+            <a:r>
+              <a:rPr lang="sv-SE" sz="2000" dirty="0">
+                <a:solidFill>
+                  <a:srgbClr val="3095B4"/>
+                </a:solidFill>
+              </a:rPr>
+              <a:t>(p)) { </a:t>
+            </a:r>
+            <a:endParaRPr lang="sv-SE" sz="2000" dirty="0" smtClean="0">
+              <a:solidFill>
+                <a:srgbClr val="3095B4"/>
+              </a:solidFill>
+            </a:endParaRPr>
+          </a:p>
+          <a:p>
+            <a:pPr>
+              <a:lnSpc>
+                <a:spcPct val="100000"/>
+              </a:lnSpc>
+            </a:pPr>
+            <a:r>
+              <a:rPr lang="sv-SE" sz="2000" dirty="0">
+                <a:solidFill>
+                  <a:srgbClr val="3095B4"/>
+                </a:solidFill>
+              </a:rPr>
+              <a:t>	</a:t>
+            </a:r>
+            <a:r>
+              <a:rPr lang="sv-SE" sz="2000" dirty="0" smtClean="0">
+                <a:solidFill>
+                  <a:srgbClr val="3095B4"/>
+                </a:solidFill>
+              </a:rPr>
+              <a:t>			Y </a:t>
+            </a:r>
+            <a:r>
+              <a:rPr lang="sv-SE" sz="2000" dirty="0">
+                <a:solidFill>
+                  <a:srgbClr val="3095B4"/>
+                </a:solidFill>
+              </a:rPr>
+              <a:t>data = </a:t>
+            </a:r>
+            <a:r>
+              <a:rPr lang="sv-SE" sz="2000" dirty="0" err="1">
+                <a:solidFill>
+                  <a:srgbClr val="3095B4"/>
+                </a:solidFill>
+              </a:rPr>
+              <a:t>mapper.apply</a:t>
+            </a:r>
+            <a:r>
+              <a:rPr lang="sv-SE" sz="2000" dirty="0">
+                <a:solidFill>
+                  <a:srgbClr val="3095B4"/>
+                </a:solidFill>
+              </a:rPr>
+              <a:t>(p); </a:t>
+            </a:r>
+            <a:r>
+              <a:rPr lang="sv-SE" sz="2000" dirty="0" smtClean="0">
+                <a:solidFill>
+                  <a:srgbClr val="3095B4"/>
+                </a:solidFill>
+              </a:rPr>
+              <a:t>					</a:t>
+            </a:r>
+            <a:r>
+              <a:rPr lang="sv-SE" sz="2000" dirty="0" err="1" smtClean="0">
+                <a:solidFill>
+                  <a:srgbClr val="3095B4"/>
+                </a:solidFill>
+              </a:rPr>
+              <a:t>block.accept</a:t>
+            </a:r>
+            <a:r>
+              <a:rPr lang="sv-SE" sz="2000" dirty="0" smtClean="0">
+                <a:solidFill>
+                  <a:srgbClr val="3095B4"/>
+                </a:solidFill>
+              </a:rPr>
+              <a:t>(data);</a:t>
+            </a:r>
+          </a:p>
+          <a:p>
+            <a:pPr>
+              <a:lnSpc>
+                <a:spcPct val="100000"/>
+              </a:lnSpc>
+            </a:pPr>
+            <a:r>
+              <a:rPr lang="sv-SE" sz="2000" dirty="0">
+                <a:solidFill>
+                  <a:srgbClr val="3095B4"/>
+                </a:solidFill>
+              </a:rPr>
+              <a:t>	</a:t>
+            </a:r>
+            <a:r>
+              <a:rPr lang="sv-SE" sz="2000" dirty="0" smtClean="0">
+                <a:solidFill>
+                  <a:srgbClr val="3095B4"/>
+                </a:solidFill>
+              </a:rPr>
+              <a:t>		 </a:t>
+            </a:r>
+            <a:r>
+              <a:rPr lang="sv-SE" sz="2000" dirty="0">
+                <a:solidFill>
+                  <a:srgbClr val="3095B4"/>
+                </a:solidFill>
+              </a:rPr>
+              <a:t>} </a:t>
+            </a:r>
+            <a:endParaRPr lang="sv-SE" sz="2000" dirty="0" smtClean="0">
+              <a:solidFill>
+                <a:srgbClr val="3095B4"/>
+              </a:solidFill>
+            </a:endParaRPr>
+          </a:p>
+          <a:p>
+            <a:pPr>
+              <a:lnSpc>
+                <a:spcPct val="100000"/>
+              </a:lnSpc>
+            </a:pPr>
+            <a:r>
+              <a:rPr lang="sv-SE" sz="2000" dirty="0">
+                <a:solidFill>
+                  <a:srgbClr val="3095B4"/>
+                </a:solidFill>
+              </a:rPr>
+              <a:t>	</a:t>
+            </a:r>
+            <a:r>
+              <a:rPr lang="sv-SE" sz="2000" dirty="0" smtClean="0">
+                <a:solidFill>
+                  <a:srgbClr val="3095B4"/>
+                </a:solidFill>
+              </a:rPr>
+              <a:t>	} </a:t>
+            </a:r>
+          </a:p>
+          <a:p>
+            <a:pPr>
+              <a:lnSpc>
+                <a:spcPct val="100000"/>
+              </a:lnSpc>
+            </a:pPr>
+            <a:r>
+              <a:rPr lang="sv-SE" sz="2000" dirty="0">
+                <a:solidFill>
+                  <a:srgbClr val="3095B4"/>
+                </a:solidFill>
+              </a:rPr>
+              <a:t>	</a:t>
+            </a:r>
+            <a:r>
+              <a:rPr lang="sv-SE" sz="2000" dirty="0" smtClean="0">
+                <a:solidFill>
+                  <a:srgbClr val="3095B4"/>
+                </a:solidFill>
+              </a:rPr>
+              <a:t>}</a:t>
             </a:r>
             <a:endParaRPr lang="en-US" sz="2000" dirty="0">
               <a:solidFill>
@@ -5433,12 +5761,24 @@
               </a:solidFill>
             </a:endParaRPr>
           </a:p>
+          <a:p>
+            <a:pPr>
+              <a:lnSpc>
+                <a:spcPct val="100000"/>
+              </a:lnSpc>
+            </a:pPr>
+            <a:endParaRPr lang="en-US" sz="2000" dirty="0">
+              <a:solidFill>
+                <a:srgbClr val="3095B4"/>
+              </a:solidFill>
+            </a:endParaRPr>
+          </a:p>
         </p:txBody>
       </p:sp>
     </p:spTree>
     <p:extLst>
       <p:ext uri="{BB962C8B-B14F-4D97-AF65-F5344CB8AC3E}">
-        <p14:creationId xmlns:p14="http://schemas.microsoft.com/office/powerpoint/2010/main" val="3099518014"/>
+        <p14:creationId xmlns:p14="http://schemas.microsoft.com/office/powerpoint/2010/main" val="3051950035"/>
       </p:ext>
     </p:extLst>
   </p:cSld>
@@ -5573,7 +5913,7 @@
                   <a:srgbClr val="3095B4"/>
                 </a:solidFill>
               </a:rPr>
-              <a:t>Task 6 Task 5 should still work</a:t>
+              <a:t>Final call:</a:t>
             </a:r>
           </a:p>
           <a:p>
@@ -5588,167 +5928,339 @@
               </a:solidFill>
             </a:endParaRPr>
           </a:p>
-        </p:txBody>
-      </p:sp>
-    </p:spTree>
-    <p:extLst>
-      <p:ext uri="{BB962C8B-B14F-4D97-AF65-F5344CB8AC3E}">
-        <p14:creationId xmlns:p14="http://schemas.microsoft.com/office/powerpoint/2010/main" val="993777835"/>
-      </p:ext>
-    </p:extLst>
-  </p:cSld>
-  <p:clrMapOvr>
-    <a:masterClrMapping/>
-  </p:clrMapOvr>
-  <p:timing>
-    <p:tnLst>
-      <p:par>
-        <p:cTn id="1" dur="indefinite" restart="never" nodeType="tmRoot">
-          <p:childTnLst>
-            <p:seq>
-              <p:cTn id="2" nodeType="mainSeq">
-                <p:childTnLst>
-                  <p:par>
-                    <p:cTn id="3"/>
-                  </p:par>
-                </p:childTnLst>
-              </p:cTn>
-              <p:prevCondLst>
-                <p:cond evt="onPrev" delay="0">
-                  <p:tgtEl>
-                    <p:sldTgt/>
-                  </p:tgtEl>
-                </p:cond>
-              </p:prevCondLst>
-              <p:nextCondLst>
-                <p:cond evt="onNext" delay="0">
-                  <p:tgtEl>
-                    <p:sldTgt/>
-                  </p:tgtEl>
-                </p:cond>
-              </p:nextCondLst>
-            </p:seq>
-          </p:childTnLst>
-        </p:cTn>
-      </p:par>
-    </p:tnLst>
-  </p:timing>
-</p:sld>
-</file>
-
-<file path=ppt/slides/slide19.xml><?xml version="1.0" encoding="utf-8"?>
-<p:sld xmlns:a="http://schemas.openxmlformats.org/drawingml/2006/main" xmlns:r="http://schemas.openxmlformats.org/officeDocument/2006/relationships" xmlns:p="http://schemas.openxmlformats.org/presentationml/2006/main">
-  <p:cSld>
-    <p:spTree>
-      <p:nvGrpSpPr>
-        <p:cNvPr id="1" name=""/>
-        <p:cNvGrpSpPr/>
-        <p:nvPr/>
-      </p:nvGrpSpPr>
-      <p:grpSpPr>
-        <a:xfrm>
-          <a:off x="0" y="0"/>
-          <a:ext cx="0" cy="0"/>
-          <a:chOff x="0" y="0"/>
-          <a:chExt cx="0" cy="0"/>
-        </a:xfrm>
-      </p:grpSpPr>
-      <p:sp>
-        <p:nvSpPr>
-          <p:cNvPr id="78" name="CustomShape 1"/>
-          <p:cNvSpPr/>
-          <p:nvPr/>
-        </p:nvSpPr>
-        <p:spPr>
-          <a:xfrm>
-            <a:off x="497160" y="57960"/>
-            <a:ext cx="7820280" cy="1160640"/>
-          </a:xfrm>
-          <a:prstGeom prst="rect">
-            <a:avLst/>
-          </a:prstGeom>
-        </p:spPr>
-        <p:txBody>
-          <a:bodyPr lIns="90000" tIns="45000" rIns="90000" bIns="45000" anchor="b"/>
-          <a:lstStyle/>
-          <a:p>
-            <a:pPr>
-              <a:lnSpc>
-                <a:spcPct val="100000"/>
-              </a:lnSpc>
-            </a:pPr>
-            <a:r>
-              <a:rPr lang="en-US" sz="3200" dirty="0" smtClean="0">
-                <a:solidFill>
-                  <a:srgbClr val="5C7F92"/>
-                </a:solidFill>
-                <a:latin typeface="Lucida Bright"/>
-              </a:rPr>
-              <a:t>Lambda Expressions</a:t>
-            </a:r>
-            <a:endParaRPr lang="en-US" sz="3200" dirty="0"/>
-          </a:p>
-        </p:txBody>
-      </p:sp>
-      <p:sp>
-        <p:nvSpPr>
-          <p:cNvPr id="79" name="CustomShape 2"/>
-          <p:cNvSpPr/>
-          <p:nvPr/>
-        </p:nvSpPr>
-        <p:spPr>
-          <a:xfrm>
-            <a:off x="871200" y="1626840"/>
-            <a:ext cx="7808400" cy="5042520"/>
-          </a:xfrm>
-          <a:prstGeom prst="rect">
-            <a:avLst/>
-          </a:prstGeom>
-        </p:spPr>
-        <p:txBody>
-          <a:bodyPr lIns="90000" tIns="45000" rIns="90000" bIns="45000"/>
-          <a:lstStyle/>
-          <a:p>
-            <a:pPr>
-              <a:lnSpc>
-                <a:spcPct val="100000"/>
-              </a:lnSpc>
-            </a:pPr>
-            <a:endParaRPr dirty="0"/>
-          </a:p>
-          <a:p>
-            <a:pPr>
-              <a:lnSpc>
-                <a:spcPct val="100000"/>
-              </a:lnSpc>
-            </a:pPr>
-            <a:r>
-              <a:rPr lang="en-US" sz="2000" dirty="0" smtClean="0">
-                <a:solidFill>
-                  <a:srgbClr val="3095B4"/>
-                </a:solidFill>
-              </a:rPr>
-              <a:t>Task 7 Could we replace more code with Lambda Expressions?</a:t>
-            </a:r>
-          </a:p>
-          <a:p>
-            <a:pPr>
-              <a:lnSpc>
-                <a:spcPct val="100000"/>
-              </a:lnSpc>
-            </a:pPr>
-            <a:endParaRPr lang="en-US" sz="2000" dirty="0" smtClean="0">
+          <a:p>
+            <a:pPr>
+              <a:lnSpc>
+                <a:spcPct val="100000"/>
+              </a:lnSpc>
+            </a:pPr>
+            <a:r>
+              <a:rPr lang="sv-SE" sz="2000" dirty="0" err="1">
+                <a:solidFill>
+                  <a:srgbClr val="3095B4"/>
+                </a:solidFill>
+              </a:rPr>
+              <a:t>processElements</a:t>
+            </a:r>
+            <a:r>
+              <a:rPr lang="sv-SE" sz="2000" dirty="0">
+                <a:solidFill>
+                  <a:srgbClr val="3095B4"/>
+                </a:solidFill>
+              </a:rPr>
+              <a:t>( </a:t>
+            </a:r>
+            <a:r>
+              <a:rPr lang="sv-SE" sz="2000" dirty="0" err="1">
+                <a:solidFill>
+                  <a:srgbClr val="3095B4"/>
+                </a:solidFill>
+              </a:rPr>
+              <a:t>roster</a:t>
+            </a:r>
+            <a:r>
+              <a:rPr lang="sv-SE" sz="2000" dirty="0">
+                <a:solidFill>
+                  <a:srgbClr val="3095B4"/>
+                </a:solidFill>
+              </a:rPr>
+              <a:t>, </a:t>
+            </a:r>
+            <a:endParaRPr lang="sv-SE" sz="2000" dirty="0" smtClean="0">
               <a:solidFill>
                 <a:srgbClr val="3095B4"/>
               </a:solidFill>
             </a:endParaRPr>
           </a:p>
+          <a:p>
+            <a:pPr>
+              <a:lnSpc>
+                <a:spcPct val="100000"/>
+              </a:lnSpc>
+            </a:pPr>
+            <a:r>
+              <a:rPr lang="sv-SE" sz="2000" dirty="0">
+                <a:solidFill>
+                  <a:srgbClr val="3095B4"/>
+                </a:solidFill>
+              </a:rPr>
+              <a:t>	</a:t>
+            </a:r>
+            <a:r>
+              <a:rPr lang="sv-SE" sz="2000" dirty="0" smtClean="0">
+                <a:solidFill>
+                  <a:srgbClr val="3095B4"/>
+                </a:solidFill>
+              </a:rPr>
+              <a:t>p </a:t>
+            </a:r>
+            <a:r>
+              <a:rPr lang="sv-SE" sz="2000" dirty="0">
+                <a:solidFill>
+                  <a:srgbClr val="3095B4"/>
+                </a:solidFill>
+              </a:rPr>
+              <a:t>-&gt; </a:t>
+            </a:r>
+            <a:r>
+              <a:rPr lang="sv-SE" sz="2000" dirty="0" err="1">
+                <a:solidFill>
+                  <a:srgbClr val="3095B4"/>
+                </a:solidFill>
+              </a:rPr>
+              <a:t>p.getGender</a:t>
+            </a:r>
+            <a:r>
+              <a:rPr lang="sv-SE" sz="2000" dirty="0">
+                <a:solidFill>
+                  <a:srgbClr val="3095B4"/>
+                </a:solidFill>
+              </a:rPr>
+              <a:t>() == </a:t>
+            </a:r>
+            <a:r>
+              <a:rPr lang="sv-SE" sz="2000" dirty="0" err="1">
+                <a:solidFill>
+                  <a:srgbClr val="3095B4"/>
+                </a:solidFill>
+              </a:rPr>
+              <a:t>Person.Sex.MALE</a:t>
+            </a:r>
+            <a:r>
+              <a:rPr lang="sv-SE" sz="2000" dirty="0">
+                <a:solidFill>
+                  <a:srgbClr val="3095B4"/>
+                </a:solidFill>
+              </a:rPr>
+              <a:t> </a:t>
+            </a:r>
+            <a:endParaRPr lang="sv-SE" sz="2000" dirty="0" smtClean="0">
+              <a:solidFill>
+                <a:srgbClr val="3095B4"/>
+              </a:solidFill>
+            </a:endParaRPr>
+          </a:p>
+          <a:p>
+            <a:pPr>
+              <a:lnSpc>
+                <a:spcPct val="100000"/>
+              </a:lnSpc>
+            </a:pPr>
+            <a:r>
+              <a:rPr lang="sv-SE" sz="2000" dirty="0">
+                <a:solidFill>
+                  <a:srgbClr val="3095B4"/>
+                </a:solidFill>
+              </a:rPr>
+              <a:t>	</a:t>
+            </a:r>
+            <a:r>
+              <a:rPr lang="sv-SE" sz="2000" dirty="0" smtClean="0">
+                <a:solidFill>
+                  <a:srgbClr val="3095B4"/>
+                </a:solidFill>
+              </a:rPr>
+              <a:t>&amp;&amp; </a:t>
+            </a:r>
+            <a:r>
+              <a:rPr lang="sv-SE" sz="2000" dirty="0" err="1">
+                <a:solidFill>
+                  <a:srgbClr val="3095B4"/>
+                </a:solidFill>
+              </a:rPr>
+              <a:t>p.getAge</a:t>
+            </a:r>
+            <a:r>
+              <a:rPr lang="sv-SE" sz="2000" dirty="0">
+                <a:solidFill>
+                  <a:srgbClr val="3095B4"/>
+                </a:solidFill>
+              </a:rPr>
+              <a:t>() &gt;= 18 </a:t>
+            </a:r>
+            <a:endParaRPr lang="sv-SE" sz="2000" dirty="0" smtClean="0">
+              <a:solidFill>
+                <a:srgbClr val="3095B4"/>
+              </a:solidFill>
+            </a:endParaRPr>
+          </a:p>
+          <a:p>
+            <a:pPr>
+              <a:lnSpc>
+                <a:spcPct val="100000"/>
+              </a:lnSpc>
+            </a:pPr>
+            <a:r>
+              <a:rPr lang="sv-SE" sz="2000" dirty="0">
+                <a:solidFill>
+                  <a:srgbClr val="3095B4"/>
+                </a:solidFill>
+              </a:rPr>
+              <a:t>	</a:t>
+            </a:r>
+            <a:r>
+              <a:rPr lang="sv-SE" sz="2000" dirty="0" smtClean="0">
+                <a:solidFill>
+                  <a:srgbClr val="3095B4"/>
+                </a:solidFill>
+              </a:rPr>
+              <a:t>&amp;&amp; </a:t>
+            </a:r>
+            <a:r>
+              <a:rPr lang="sv-SE" sz="2000" dirty="0" err="1" smtClean="0">
+                <a:solidFill>
+                  <a:srgbClr val="3095B4"/>
+                </a:solidFill>
+              </a:rPr>
+              <a:t>p.getAge</a:t>
+            </a:r>
+            <a:r>
+              <a:rPr lang="sv-SE" sz="2000" dirty="0">
+                <a:solidFill>
+                  <a:srgbClr val="3095B4"/>
+                </a:solidFill>
+              </a:rPr>
+              <a:t>() &lt;= 25, </a:t>
+            </a:r>
+            <a:endParaRPr lang="sv-SE" sz="2000" dirty="0" smtClean="0">
+              <a:solidFill>
+                <a:srgbClr val="3095B4"/>
+              </a:solidFill>
+            </a:endParaRPr>
+          </a:p>
+          <a:p>
+            <a:pPr>
+              <a:lnSpc>
+                <a:spcPct val="100000"/>
+              </a:lnSpc>
+            </a:pPr>
+            <a:r>
+              <a:rPr lang="sv-SE" sz="2000" dirty="0">
+                <a:solidFill>
+                  <a:srgbClr val="3095B4"/>
+                </a:solidFill>
+              </a:rPr>
+              <a:t>	</a:t>
+            </a:r>
+            <a:r>
+              <a:rPr lang="sv-SE" sz="2000" dirty="0" smtClean="0">
+                <a:solidFill>
+                  <a:srgbClr val="3095B4"/>
+                </a:solidFill>
+              </a:rPr>
+              <a:t>p </a:t>
+            </a:r>
+            <a:r>
+              <a:rPr lang="sv-SE" sz="2000" dirty="0">
+                <a:solidFill>
+                  <a:srgbClr val="3095B4"/>
+                </a:solidFill>
+              </a:rPr>
+              <a:t>-&gt; </a:t>
+            </a:r>
+            <a:r>
+              <a:rPr lang="sv-SE" sz="2000" dirty="0" err="1">
+                <a:solidFill>
+                  <a:srgbClr val="3095B4"/>
+                </a:solidFill>
+              </a:rPr>
+              <a:t>p.getEmailAddress</a:t>
+            </a:r>
+            <a:r>
+              <a:rPr lang="sv-SE" sz="2000" dirty="0">
+                <a:solidFill>
+                  <a:srgbClr val="3095B4"/>
+                </a:solidFill>
+              </a:rPr>
+              <a:t>(), </a:t>
+            </a:r>
+            <a:endParaRPr lang="sv-SE" sz="2000" dirty="0" smtClean="0">
+              <a:solidFill>
+                <a:srgbClr val="3095B4"/>
+              </a:solidFill>
+            </a:endParaRPr>
+          </a:p>
+          <a:p>
+            <a:pPr>
+              <a:lnSpc>
+                <a:spcPct val="100000"/>
+              </a:lnSpc>
+            </a:pPr>
+            <a:r>
+              <a:rPr lang="sv-SE" sz="2000" dirty="0">
+                <a:solidFill>
+                  <a:srgbClr val="3095B4"/>
+                </a:solidFill>
+              </a:rPr>
+              <a:t>	</a:t>
+            </a:r>
+            <a:r>
+              <a:rPr lang="sv-SE" sz="2000" dirty="0" smtClean="0">
+                <a:solidFill>
+                  <a:srgbClr val="3095B4"/>
+                </a:solidFill>
+              </a:rPr>
+              <a:t>email </a:t>
+            </a:r>
+            <a:r>
+              <a:rPr lang="sv-SE" sz="2000" dirty="0">
+                <a:solidFill>
+                  <a:srgbClr val="3095B4"/>
+                </a:solidFill>
+              </a:rPr>
+              <a:t>-&gt; </a:t>
+            </a:r>
+            <a:r>
+              <a:rPr lang="sv-SE" sz="2000" dirty="0" err="1">
+                <a:solidFill>
+                  <a:srgbClr val="3095B4"/>
+                </a:solidFill>
+              </a:rPr>
+              <a:t>System.out.println</a:t>
+            </a:r>
+            <a:r>
+              <a:rPr lang="sv-SE" sz="2000">
+                <a:solidFill>
+                  <a:srgbClr val="3095B4"/>
+                </a:solidFill>
+              </a:rPr>
+              <a:t>(email</a:t>
+            </a:r>
+            <a:r>
+              <a:rPr lang="sv-SE" sz="2000" smtClean="0">
+                <a:solidFill>
+                  <a:srgbClr val="3095B4"/>
+                </a:solidFill>
+              </a:rPr>
+              <a:t>)</a:t>
+            </a:r>
+          </a:p>
+          <a:p>
+            <a:pPr>
+              <a:lnSpc>
+                <a:spcPct val="100000"/>
+              </a:lnSpc>
+            </a:pPr>
+            <a:r>
+              <a:rPr lang="sv-SE" sz="2000" smtClean="0">
+                <a:solidFill>
+                  <a:srgbClr val="3095B4"/>
+                </a:solidFill>
+              </a:rPr>
+              <a:t>);</a:t>
+            </a:r>
+            <a:endParaRPr lang="en-US" sz="2000" dirty="0">
+              <a:solidFill>
+                <a:srgbClr val="3095B4"/>
+              </a:solidFill>
+            </a:endParaRPr>
+          </a:p>
         </p:txBody>
       </p:sp>
     </p:spTree>
     <p:extLst>
       <p:ext uri="{BB962C8B-B14F-4D97-AF65-F5344CB8AC3E}">
-        <p14:creationId xmlns:p14="http://schemas.microsoft.com/office/powerpoint/2010/main" val="3040441235"/>
+        <p14:creationId xmlns:p14="http://schemas.microsoft.com/office/powerpoint/2010/main" val="3480618671"/>
       </p:ext>
     </p:extLst>
   </p:cSld>
@@ -6146,2245 +6658,6 @@
 </p:sld>
 </file>
 
-<file path=ppt/slides/slide20.xml><?xml version="1.0" encoding="utf-8"?>
-<p:sld xmlns:a="http://schemas.openxmlformats.org/drawingml/2006/main" xmlns:r="http://schemas.openxmlformats.org/officeDocument/2006/relationships" xmlns:p="http://schemas.openxmlformats.org/presentationml/2006/main">
-  <p:cSld>
-    <p:spTree>
-      <p:nvGrpSpPr>
-        <p:cNvPr id="1" name=""/>
-        <p:cNvGrpSpPr/>
-        <p:nvPr/>
-      </p:nvGrpSpPr>
-      <p:grpSpPr>
-        <a:xfrm>
-          <a:off x="0" y="0"/>
-          <a:ext cx="0" cy="0"/>
-          <a:chOff x="0" y="0"/>
-          <a:chExt cx="0" cy="0"/>
-        </a:xfrm>
-      </p:grpSpPr>
-      <p:sp>
-        <p:nvSpPr>
-          <p:cNvPr id="78" name="CustomShape 1"/>
-          <p:cNvSpPr/>
-          <p:nvPr/>
-        </p:nvSpPr>
-        <p:spPr>
-          <a:xfrm>
-            <a:off x="497160" y="57960"/>
-            <a:ext cx="7820280" cy="1160640"/>
-          </a:xfrm>
-          <a:prstGeom prst="rect">
-            <a:avLst/>
-          </a:prstGeom>
-        </p:spPr>
-        <p:txBody>
-          <a:bodyPr lIns="90000" tIns="45000" rIns="90000" bIns="45000" anchor="b"/>
-          <a:lstStyle/>
-          <a:p>
-            <a:pPr>
-              <a:lnSpc>
-                <a:spcPct val="100000"/>
-              </a:lnSpc>
-            </a:pPr>
-            <a:r>
-              <a:rPr lang="en-US" sz="3200" dirty="0" smtClean="0">
-                <a:solidFill>
-                  <a:srgbClr val="5C7F92"/>
-                </a:solidFill>
-                <a:latin typeface="Lucida Bright"/>
-              </a:rPr>
-              <a:t>Lambda Expressions</a:t>
-            </a:r>
-            <a:endParaRPr lang="en-US" sz="3200" dirty="0"/>
-          </a:p>
-        </p:txBody>
-      </p:sp>
-      <p:sp>
-        <p:nvSpPr>
-          <p:cNvPr id="79" name="CustomShape 2"/>
-          <p:cNvSpPr/>
-          <p:nvPr/>
-        </p:nvSpPr>
-        <p:spPr>
-          <a:xfrm>
-            <a:off x="871200" y="1626840"/>
-            <a:ext cx="7808400" cy="5042520"/>
-          </a:xfrm>
-          <a:prstGeom prst="rect">
-            <a:avLst/>
-          </a:prstGeom>
-        </p:spPr>
-        <p:txBody>
-          <a:bodyPr lIns="90000" tIns="45000" rIns="90000" bIns="45000"/>
-          <a:lstStyle/>
-          <a:p>
-            <a:pPr>
-              <a:lnSpc>
-                <a:spcPct val="100000"/>
-              </a:lnSpc>
-            </a:pPr>
-            <a:endParaRPr dirty="0"/>
-          </a:p>
-          <a:p>
-            <a:pPr>
-              <a:lnSpc>
-                <a:spcPct val="100000"/>
-              </a:lnSpc>
-            </a:pPr>
-            <a:r>
-              <a:rPr lang="en-US" sz="2000" dirty="0" smtClean="0">
-                <a:solidFill>
-                  <a:srgbClr val="3095B4"/>
-                </a:solidFill>
-              </a:rPr>
-              <a:t>Task 7 </a:t>
-            </a:r>
-            <a:r>
-              <a:rPr lang="en-US" sz="2000" dirty="0" err="1" smtClean="0">
-                <a:solidFill>
-                  <a:srgbClr val="3095B4"/>
-                </a:solidFill>
-              </a:rPr>
-              <a:t>p.printPerson</a:t>
-            </a:r>
-            <a:r>
-              <a:rPr lang="en-US" sz="2000" dirty="0" smtClean="0">
-                <a:solidFill>
-                  <a:srgbClr val="3095B4"/>
-                </a:solidFill>
-              </a:rPr>
-              <a:t>()?</a:t>
-            </a:r>
-          </a:p>
-          <a:p>
-            <a:pPr>
-              <a:lnSpc>
-                <a:spcPct val="100000"/>
-              </a:lnSpc>
-            </a:pPr>
-            <a:endParaRPr lang="en-US" sz="2000" dirty="0">
-              <a:solidFill>
-                <a:srgbClr val="3095B4"/>
-              </a:solidFill>
-            </a:endParaRPr>
-          </a:p>
-          <a:p>
-            <a:pPr>
-              <a:lnSpc>
-                <a:spcPct val="100000"/>
-              </a:lnSpc>
-            </a:pPr>
-            <a:r>
-              <a:rPr lang="en-US" sz="2000" dirty="0" smtClean="0">
-                <a:solidFill>
-                  <a:srgbClr val="3095B4"/>
-                </a:solidFill>
-              </a:rPr>
-              <a:t>Person -&gt; void</a:t>
-            </a:r>
-          </a:p>
-          <a:p>
-            <a:pPr>
-              <a:lnSpc>
-                <a:spcPct val="100000"/>
-              </a:lnSpc>
-            </a:pPr>
-            <a:endParaRPr lang="en-US" sz="2000" dirty="0" smtClean="0">
-              <a:solidFill>
-                <a:srgbClr val="3095B4"/>
-              </a:solidFill>
-            </a:endParaRPr>
-          </a:p>
-        </p:txBody>
-      </p:sp>
-    </p:spTree>
-    <p:extLst>
-      <p:ext uri="{BB962C8B-B14F-4D97-AF65-F5344CB8AC3E}">
-        <p14:creationId xmlns:p14="http://schemas.microsoft.com/office/powerpoint/2010/main" val="2671806943"/>
-      </p:ext>
-    </p:extLst>
-  </p:cSld>
-  <p:clrMapOvr>
-    <a:masterClrMapping/>
-  </p:clrMapOvr>
-  <p:timing>
-    <p:tnLst>
-      <p:par>
-        <p:cTn id="1" dur="indefinite" restart="never" nodeType="tmRoot">
-          <p:childTnLst>
-            <p:seq>
-              <p:cTn id="2" nodeType="mainSeq">
-                <p:childTnLst>
-                  <p:par>
-                    <p:cTn id="3"/>
-                  </p:par>
-                </p:childTnLst>
-              </p:cTn>
-              <p:prevCondLst>
-                <p:cond evt="onPrev" delay="0">
-                  <p:tgtEl>
-                    <p:sldTgt/>
-                  </p:tgtEl>
-                </p:cond>
-              </p:prevCondLst>
-              <p:nextCondLst>
-                <p:cond evt="onNext" delay="0">
-                  <p:tgtEl>
-                    <p:sldTgt/>
-                  </p:tgtEl>
-                </p:cond>
-              </p:nextCondLst>
-            </p:seq>
-          </p:childTnLst>
-        </p:cTn>
-      </p:par>
-    </p:tnLst>
-  </p:timing>
-</p:sld>
-</file>
-
-<file path=ppt/slides/slide21.xml><?xml version="1.0" encoding="utf-8"?>
-<p:sld xmlns:a="http://schemas.openxmlformats.org/drawingml/2006/main" xmlns:r="http://schemas.openxmlformats.org/officeDocument/2006/relationships" xmlns:p="http://schemas.openxmlformats.org/presentationml/2006/main">
-  <p:cSld>
-    <p:spTree>
-      <p:nvGrpSpPr>
-        <p:cNvPr id="1" name=""/>
-        <p:cNvGrpSpPr/>
-        <p:nvPr/>
-      </p:nvGrpSpPr>
-      <p:grpSpPr>
-        <a:xfrm>
-          <a:off x="0" y="0"/>
-          <a:ext cx="0" cy="0"/>
-          <a:chOff x="0" y="0"/>
-          <a:chExt cx="0" cy="0"/>
-        </a:xfrm>
-      </p:grpSpPr>
-      <p:sp>
-        <p:nvSpPr>
-          <p:cNvPr id="78" name="CustomShape 1"/>
-          <p:cNvSpPr/>
-          <p:nvPr/>
-        </p:nvSpPr>
-        <p:spPr>
-          <a:xfrm>
-            <a:off x="497160" y="57960"/>
-            <a:ext cx="7820280" cy="1160640"/>
-          </a:xfrm>
-          <a:prstGeom prst="rect">
-            <a:avLst/>
-          </a:prstGeom>
-        </p:spPr>
-        <p:txBody>
-          <a:bodyPr lIns="90000" tIns="45000" rIns="90000" bIns="45000" anchor="b"/>
-          <a:lstStyle/>
-          <a:p>
-            <a:pPr>
-              <a:lnSpc>
-                <a:spcPct val="100000"/>
-              </a:lnSpc>
-            </a:pPr>
-            <a:r>
-              <a:rPr lang="en-US" sz="3200" dirty="0" smtClean="0">
-                <a:solidFill>
-                  <a:srgbClr val="5C7F92"/>
-                </a:solidFill>
-                <a:latin typeface="Lucida Bright"/>
-              </a:rPr>
-              <a:t>Lambda Expressions</a:t>
-            </a:r>
-            <a:endParaRPr lang="en-US" sz="3200" dirty="0"/>
-          </a:p>
-        </p:txBody>
-      </p:sp>
-      <p:sp>
-        <p:nvSpPr>
-          <p:cNvPr id="79" name="CustomShape 2"/>
-          <p:cNvSpPr/>
-          <p:nvPr/>
-        </p:nvSpPr>
-        <p:spPr>
-          <a:xfrm>
-            <a:off x="871200" y="1626840"/>
-            <a:ext cx="7808400" cy="5042520"/>
-          </a:xfrm>
-          <a:prstGeom prst="rect">
-            <a:avLst/>
-          </a:prstGeom>
-        </p:spPr>
-        <p:txBody>
-          <a:bodyPr lIns="90000" tIns="45000" rIns="90000" bIns="45000"/>
-          <a:lstStyle/>
-          <a:p>
-            <a:pPr>
-              <a:lnSpc>
-                <a:spcPct val="100000"/>
-              </a:lnSpc>
-            </a:pPr>
-            <a:endParaRPr dirty="0"/>
-          </a:p>
-          <a:p>
-            <a:pPr>
-              <a:lnSpc>
-                <a:spcPct val="100000"/>
-              </a:lnSpc>
-            </a:pPr>
-            <a:r>
-              <a:rPr lang="en-US" sz="2000" dirty="0" smtClean="0">
-                <a:solidFill>
-                  <a:srgbClr val="3095B4"/>
-                </a:solidFill>
-              </a:rPr>
-              <a:t>Task 7 Consumer</a:t>
-            </a:r>
-          </a:p>
-          <a:p>
-            <a:pPr>
-              <a:lnSpc>
-                <a:spcPct val="100000"/>
-              </a:lnSpc>
-            </a:pPr>
-            <a:endParaRPr lang="en-US" sz="2000" dirty="0">
-              <a:solidFill>
-                <a:srgbClr val="3095B4"/>
-              </a:solidFill>
-            </a:endParaRPr>
-          </a:p>
-          <a:p>
-            <a:pPr>
-              <a:lnSpc>
-                <a:spcPct val="100000"/>
-              </a:lnSpc>
-            </a:pPr>
-            <a:r>
-              <a:rPr lang="en-US" sz="2000" dirty="0" smtClean="0">
-                <a:solidFill>
-                  <a:srgbClr val="3095B4"/>
-                </a:solidFill>
-              </a:rPr>
-              <a:t>T-&gt; void</a:t>
-            </a:r>
-          </a:p>
-          <a:p>
-            <a:pPr>
-              <a:lnSpc>
-                <a:spcPct val="100000"/>
-              </a:lnSpc>
-            </a:pPr>
-            <a:endParaRPr lang="en-US" sz="2000" dirty="0" smtClean="0">
-              <a:solidFill>
-                <a:srgbClr val="3095B4"/>
-              </a:solidFill>
-            </a:endParaRPr>
-          </a:p>
-        </p:txBody>
-      </p:sp>
-    </p:spTree>
-    <p:extLst>
-      <p:ext uri="{BB962C8B-B14F-4D97-AF65-F5344CB8AC3E}">
-        <p14:creationId xmlns:p14="http://schemas.microsoft.com/office/powerpoint/2010/main" val="2990108188"/>
-      </p:ext>
-    </p:extLst>
-  </p:cSld>
-  <p:clrMapOvr>
-    <a:masterClrMapping/>
-  </p:clrMapOvr>
-  <p:timing>
-    <p:tnLst>
-      <p:par>
-        <p:cTn id="1" dur="indefinite" restart="never" nodeType="tmRoot">
-          <p:childTnLst>
-            <p:seq>
-              <p:cTn id="2" nodeType="mainSeq">
-                <p:childTnLst>
-                  <p:par>
-                    <p:cTn id="3"/>
-                  </p:par>
-                </p:childTnLst>
-              </p:cTn>
-              <p:prevCondLst>
-                <p:cond evt="onPrev" delay="0">
-                  <p:tgtEl>
-                    <p:sldTgt/>
-                  </p:tgtEl>
-                </p:cond>
-              </p:prevCondLst>
-              <p:nextCondLst>
-                <p:cond evt="onNext" delay="0">
-                  <p:tgtEl>
-                    <p:sldTgt/>
-                  </p:tgtEl>
-                </p:cond>
-              </p:nextCondLst>
-            </p:seq>
-          </p:childTnLst>
-        </p:cTn>
-      </p:par>
-    </p:tnLst>
-  </p:timing>
-</p:sld>
-</file>
-
-<file path=ppt/slides/slide22.xml><?xml version="1.0" encoding="utf-8"?>
-<p:sld xmlns:a="http://schemas.openxmlformats.org/drawingml/2006/main" xmlns:r="http://schemas.openxmlformats.org/officeDocument/2006/relationships" xmlns:p="http://schemas.openxmlformats.org/presentationml/2006/main">
-  <p:cSld>
-    <p:spTree>
-      <p:nvGrpSpPr>
-        <p:cNvPr id="1" name=""/>
-        <p:cNvGrpSpPr/>
-        <p:nvPr/>
-      </p:nvGrpSpPr>
-      <p:grpSpPr>
-        <a:xfrm>
-          <a:off x="0" y="0"/>
-          <a:ext cx="0" cy="0"/>
-          <a:chOff x="0" y="0"/>
-          <a:chExt cx="0" cy="0"/>
-        </a:xfrm>
-      </p:grpSpPr>
-      <p:sp>
-        <p:nvSpPr>
-          <p:cNvPr id="78" name="CustomShape 1"/>
-          <p:cNvSpPr/>
-          <p:nvPr/>
-        </p:nvSpPr>
-        <p:spPr>
-          <a:xfrm>
-            <a:off x="497160" y="57960"/>
-            <a:ext cx="7820280" cy="1160640"/>
-          </a:xfrm>
-          <a:prstGeom prst="rect">
-            <a:avLst/>
-          </a:prstGeom>
-        </p:spPr>
-        <p:txBody>
-          <a:bodyPr lIns="90000" tIns="45000" rIns="90000" bIns="45000" anchor="b"/>
-          <a:lstStyle/>
-          <a:p>
-            <a:pPr>
-              <a:lnSpc>
-                <a:spcPct val="100000"/>
-              </a:lnSpc>
-            </a:pPr>
-            <a:r>
-              <a:rPr lang="en-US" sz="3200" dirty="0" smtClean="0">
-                <a:solidFill>
-                  <a:srgbClr val="5C7F92"/>
-                </a:solidFill>
-                <a:latin typeface="Lucida Bright"/>
-              </a:rPr>
-              <a:t>Lambda Expressions</a:t>
-            </a:r>
-            <a:endParaRPr lang="en-US" sz="3200" dirty="0"/>
-          </a:p>
-        </p:txBody>
-      </p:sp>
-      <p:sp>
-        <p:nvSpPr>
-          <p:cNvPr id="79" name="CustomShape 2"/>
-          <p:cNvSpPr/>
-          <p:nvPr/>
-        </p:nvSpPr>
-        <p:spPr>
-          <a:xfrm>
-            <a:off x="871200" y="1626840"/>
-            <a:ext cx="7808400" cy="5042520"/>
-          </a:xfrm>
-          <a:prstGeom prst="rect">
-            <a:avLst/>
-          </a:prstGeom>
-        </p:spPr>
-        <p:txBody>
-          <a:bodyPr lIns="90000" tIns="45000" rIns="90000" bIns="45000"/>
-          <a:lstStyle/>
-          <a:p>
-            <a:pPr>
-              <a:lnSpc>
-                <a:spcPct val="100000"/>
-              </a:lnSpc>
-            </a:pPr>
-            <a:endParaRPr dirty="0"/>
-          </a:p>
-          <a:p>
-            <a:pPr>
-              <a:lnSpc>
-                <a:spcPct val="100000"/>
-              </a:lnSpc>
-            </a:pPr>
-            <a:r>
-              <a:rPr lang="en-US" sz="2000" dirty="0" smtClean="0">
-                <a:solidFill>
-                  <a:srgbClr val="3095B4"/>
-                </a:solidFill>
-              </a:rPr>
-              <a:t>Task 7 Add Consumer to this method</a:t>
-            </a:r>
-          </a:p>
-          <a:p>
-            <a:pPr>
-              <a:lnSpc>
-                <a:spcPct val="100000"/>
-              </a:lnSpc>
-            </a:pPr>
-            <a:endParaRPr lang="en-US" sz="2000" dirty="0">
-              <a:solidFill>
-                <a:srgbClr val="3095B4"/>
-              </a:solidFill>
-            </a:endParaRPr>
-          </a:p>
-          <a:p>
-            <a:pPr>
-              <a:lnSpc>
-                <a:spcPct val="100000"/>
-              </a:lnSpc>
-            </a:pPr>
-            <a:r>
-              <a:rPr lang="sv-SE" sz="2000" dirty="0">
-                <a:solidFill>
-                  <a:srgbClr val="3095B4"/>
-                </a:solidFill>
-              </a:rPr>
-              <a:t>public </a:t>
-            </a:r>
-            <a:r>
-              <a:rPr lang="sv-SE" sz="2000" dirty="0" err="1" smtClean="0">
-                <a:solidFill>
-                  <a:srgbClr val="3095B4"/>
-                </a:solidFill>
-              </a:rPr>
-              <a:t>void</a:t>
-            </a:r>
-            <a:r>
-              <a:rPr lang="sv-SE" sz="2000" dirty="0" smtClean="0">
-                <a:solidFill>
-                  <a:srgbClr val="3095B4"/>
-                </a:solidFill>
-              </a:rPr>
-              <a:t> </a:t>
-            </a:r>
-            <a:r>
-              <a:rPr lang="sv-SE" sz="2000" dirty="0" err="1">
-                <a:solidFill>
-                  <a:srgbClr val="3095B4"/>
-                </a:solidFill>
-              </a:rPr>
-              <a:t>printPersonsWithPredicate</a:t>
-            </a:r>
-            <a:r>
-              <a:rPr lang="sv-SE" sz="2000" dirty="0">
-                <a:solidFill>
-                  <a:srgbClr val="3095B4"/>
-                </a:solidFill>
-              </a:rPr>
-              <a:t>( </a:t>
-            </a:r>
-            <a:endParaRPr lang="sv-SE" sz="2000" dirty="0" smtClean="0">
-              <a:solidFill>
-                <a:srgbClr val="3095B4"/>
-              </a:solidFill>
-            </a:endParaRPr>
-          </a:p>
-          <a:p>
-            <a:pPr>
-              <a:lnSpc>
-                <a:spcPct val="100000"/>
-              </a:lnSpc>
-            </a:pPr>
-            <a:r>
-              <a:rPr lang="sv-SE" sz="2000" dirty="0">
-                <a:solidFill>
-                  <a:srgbClr val="3095B4"/>
-                </a:solidFill>
-              </a:rPr>
-              <a:t>	</a:t>
-            </a:r>
-            <a:r>
-              <a:rPr lang="sv-SE" sz="2000" dirty="0" smtClean="0">
-                <a:solidFill>
-                  <a:srgbClr val="3095B4"/>
-                </a:solidFill>
-              </a:rPr>
-              <a:t>List&lt;Person</a:t>
-            </a:r>
-            <a:r>
-              <a:rPr lang="sv-SE" sz="2000" dirty="0">
-                <a:solidFill>
-                  <a:srgbClr val="3095B4"/>
-                </a:solidFill>
-              </a:rPr>
-              <a:t>&gt; </a:t>
-            </a:r>
-            <a:r>
-              <a:rPr lang="sv-SE" sz="2000" dirty="0" err="1">
-                <a:solidFill>
-                  <a:srgbClr val="3095B4"/>
-                </a:solidFill>
-              </a:rPr>
-              <a:t>roster</a:t>
-            </a:r>
-            <a:r>
-              <a:rPr lang="sv-SE" sz="2000" dirty="0">
-                <a:solidFill>
-                  <a:srgbClr val="3095B4"/>
-                </a:solidFill>
-              </a:rPr>
-              <a:t>, </a:t>
-            </a:r>
-            <a:r>
-              <a:rPr lang="sv-SE" sz="2000" dirty="0" err="1">
-                <a:solidFill>
-                  <a:srgbClr val="3095B4"/>
-                </a:solidFill>
-              </a:rPr>
-              <a:t>Predicate</a:t>
-            </a:r>
-            <a:r>
-              <a:rPr lang="sv-SE" sz="2000" dirty="0">
-                <a:solidFill>
-                  <a:srgbClr val="3095B4"/>
-                </a:solidFill>
-              </a:rPr>
-              <a:t>&lt;Person&gt; tester) </a:t>
-            </a:r>
-            <a:endParaRPr lang="sv-SE" sz="2000" dirty="0" smtClean="0">
-              <a:solidFill>
-                <a:srgbClr val="3095B4"/>
-              </a:solidFill>
-            </a:endParaRPr>
-          </a:p>
-          <a:p>
-            <a:pPr>
-              <a:lnSpc>
-                <a:spcPct val="100000"/>
-              </a:lnSpc>
-            </a:pPr>
-            <a:r>
-              <a:rPr lang="sv-SE" sz="2000" dirty="0" smtClean="0">
-                <a:solidFill>
-                  <a:srgbClr val="3095B4"/>
-                </a:solidFill>
-              </a:rPr>
-              <a:t>{ </a:t>
-            </a:r>
-          </a:p>
-          <a:p>
-            <a:pPr>
-              <a:lnSpc>
-                <a:spcPct val="100000"/>
-              </a:lnSpc>
-            </a:pPr>
-            <a:r>
-              <a:rPr lang="sv-SE" sz="2000" dirty="0">
-                <a:solidFill>
-                  <a:srgbClr val="3095B4"/>
-                </a:solidFill>
-              </a:rPr>
-              <a:t>	</a:t>
-            </a:r>
-            <a:r>
-              <a:rPr lang="sv-SE" sz="2000" dirty="0" smtClean="0">
-                <a:solidFill>
-                  <a:srgbClr val="3095B4"/>
-                </a:solidFill>
-              </a:rPr>
-              <a:t>for </a:t>
-            </a:r>
-            <a:r>
-              <a:rPr lang="sv-SE" sz="2000" dirty="0">
-                <a:solidFill>
-                  <a:srgbClr val="3095B4"/>
-                </a:solidFill>
-              </a:rPr>
-              <a:t>(Person p : </a:t>
-            </a:r>
-            <a:r>
-              <a:rPr lang="sv-SE" sz="2000" dirty="0" err="1">
-                <a:solidFill>
-                  <a:srgbClr val="3095B4"/>
-                </a:solidFill>
-              </a:rPr>
-              <a:t>roster</a:t>
-            </a:r>
-            <a:r>
-              <a:rPr lang="sv-SE" sz="2000" dirty="0">
-                <a:solidFill>
-                  <a:srgbClr val="3095B4"/>
-                </a:solidFill>
-              </a:rPr>
-              <a:t>) { </a:t>
-            </a:r>
-            <a:endParaRPr lang="sv-SE" sz="2000" dirty="0" smtClean="0">
-              <a:solidFill>
-                <a:srgbClr val="3095B4"/>
-              </a:solidFill>
-            </a:endParaRPr>
-          </a:p>
-          <a:p>
-            <a:pPr>
-              <a:lnSpc>
-                <a:spcPct val="100000"/>
-              </a:lnSpc>
-            </a:pPr>
-            <a:r>
-              <a:rPr lang="sv-SE" sz="2000" dirty="0">
-                <a:solidFill>
-                  <a:srgbClr val="3095B4"/>
-                </a:solidFill>
-              </a:rPr>
-              <a:t>	</a:t>
-            </a:r>
-            <a:r>
-              <a:rPr lang="sv-SE" sz="2000" dirty="0" smtClean="0">
-                <a:solidFill>
-                  <a:srgbClr val="3095B4"/>
-                </a:solidFill>
-              </a:rPr>
-              <a:t>	</a:t>
-            </a:r>
-            <a:r>
-              <a:rPr lang="sv-SE" sz="2000" dirty="0" err="1" smtClean="0">
-                <a:solidFill>
-                  <a:srgbClr val="3095B4"/>
-                </a:solidFill>
-              </a:rPr>
-              <a:t>if</a:t>
-            </a:r>
-            <a:r>
-              <a:rPr lang="sv-SE" sz="2000" dirty="0" smtClean="0">
-                <a:solidFill>
-                  <a:srgbClr val="3095B4"/>
-                </a:solidFill>
-              </a:rPr>
-              <a:t> </a:t>
-            </a:r>
-            <a:r>
-              <a:rPr lang="sv-SE" sz="2000" dirty="0">
-                <a:solidFill>
-                  <a:srgbClr val="3095B4"/>
-                </a:solidFill>
-              </a:rPr>
-              <a:t>(</a:t>
-            </a:r>
-            <a:r>
-              <a:rPr lang="sv-SE" sz="2000" dirty="0" err="1">
-                <a:solidFill>
-                  <a:srgbClr val="3095B4"/>
-                </a:solidFill>
-              </a:rPr>
-              <a:t>tester.test</a:t>
-            </a:r>
-            <a:r>
-              <a:rPr lang="sv-SE" sz="2000" dirty="0">
-                <a:solidFill>
-                  <a:srgbClr val="3095B4"/>
-                </a:solidFill>
-              </a:rPr>
-              <a:t>(p)) { </a:t>
-            </a:r>
-            <a:endParaRPr lang="sv-SE" sz="2000" dirty="0" smtClean="0">
-              <a:solidFill>
-                <a:srgbClr val="3095B4"/>
-              </a:solidFill>
-            </a:endParaRPr>
-          </a:p>
-          <a:p>
-            <a:pPr>
-              <a:lnSpc>
-                <a:spcPct val="100000"/>
-              </a:lnSpc>
-            </a:pPr>
-            <a:r>
-              <a:rPr lang="sv-SE" sz="2000" dirty="0">
-                <a:solidFill>
-                  <a:srgbClr val="3095B4"/>
-                </a:solidFill>
-              </a:rPr>
-              <a:t>	</a:t>
-            </a:r>
-            <a:r>
-              <a:rPr lang="sv-SE" sz="2000" dirty="0" smtClean="0">
-                <a:solidFill>
-                  <a:srgbClr val="3095B4"/>
-                </a:solidFill>
-              </a:rPr>
-              <a:t>		</a:t>
-            </a:r>
-            <a:r>
-              <a:rPr lang="sv-SE" sz="2000" dirty="0" err="1" smtClean="0">
-                <a:solidFill>
-                  <a:srgbClr val="3095B4"/>
-                </a:solidFill>
-              </a:rPr>
-              <a:t>p.printPerson</a:t>
-            </a:r>
-            <a:r>
-              <a:rPr lang="sv-SE" sz="2000" dirty="0">
-                <a:solidFill>
-                  <a:srgbClr val="3095B4"/>
-                </a:solidFill>
-              </a:rPr>
-              <a:t>(); </a:t>
-            </a:r>
-            <a:endParaRPr lang="sv-SE" sz="2000" dirty="0" smtClean="0">
-              <a:solidFill>
-                <a:srgbClr val="3095B4"/>
-              </a:solidFill>
-            </a:endParaRPr>
-          </a:p>
-          <a:p>
-            <a:pPr>
-              <a:lnSpc>
-                <a:spcPct val="100000"/>
-              </a:lnSpc>
-            </a:pPr>
-            <a:r>
-              <a:rPr lang="sv-SE" sz="2000" dirty="0">
-                <a:solidFill>
-                  <a:srgbClr val="3095B4"/>
-                </a:solidFill>
-              </a:rPr>
-              <a:t>	</a:t>
-            </a:r>
-            <a:r>
-              <a:rPr lang="sv-SE" sz="2000" dirty="0" smtClean="0">
-                <a:solidFill>
-                  <a:srgbClr val="3095B4"/>
-                </a:solidFill>
-              </a:rPr>
-              <a:t>	} </a:t>
-            </a:r>
-          </a:p>
-          <a:p>
-            <a:pPr>
-              <a:lnSpc>
-                <a:spcPct val="100000"/>
-              </a:lnSpc>
-            </a:pPr>
-            <a:r>
-              <a:rPr lang="sv-SE" sz="2000" dirty="0">
-                <a:solidFill>
-                  <a:srgbClr val="3095B4"/>
-                </a:solidFill>
-              </a:rPr>
-              <a:t>	</a:t>
-            </a:r>
-            <a:r>
-              <a:rPr lang="sv-SE" sz="2000" dirty="0" smtClean="0">
-                <a:solidFill>
-                  <a:srgbClr val="3095B4"/>
-                </a:solidFill>
-              </a:rPr>
-              <a:t>} </a:t>
-            </a:r>
-          </a:p>
-          <a:p>
-            <a:pPr>
-              <a:lnSpc>
-                <a:spcPct val="100000"/>
-              </a:lnSpc>
-            </a:pPr>
-            <a:r>
-              <a:rPr lang="sv-SE" sz="2000" dirty="0" smtClean="0">
-                <a:solidFill>
-                  <a:srgbClr val="3095B4"/>
-                </a:solidFill>
-              </a:rPr>
-              <a:t>}</a:t>
-            </a:r>
-            <a:endParaRPr lang="en-US" sz="2000" dirty="0">
-              <a:solidFill>
-                <a:srgbClr val="3095B4"/>
-              </a:solidFill>
-            </a:endParaRPr>
-          </a:p>
-        </p:txBody>
-      </p:sp>
-    </p:spTree>
-    <p:extLst>
-      <p:ext uri="{BB962C8B-B14F-4D97-AF65-F5344CB8AC3E}">
-        <p14:creationId xmlns:p14="http://schemas.microsoft.com/office/powerpoint/2010/main" val="752415888"/>
-      </p:ext>
-    </p:extLst>
-  </p:cSld>
-  <p:clrMapOvr>
-    <a:masterClrMapping/>
-  </p:clrMapOvr>
-  <p:timing>
-    <p:tnLst>
-      <p:par>
-        <p:cTn id="1" dur="indefinite" restart="never" nodeType="tmRoot">
-          <p:childTnLst>
-            <p:seq>
-              <p:cTn id="2" nodeType="mainSeq">
-                <p:childTnLst>
-                  <p:par>
-                    <p:cTn id="3"/>
-                  </p:par>
-                </p:childTnLst>
-              </p:cTn>
-              <p:prevCondLst>
-                <p:cond evt="onPrev" delay="0">
-                  <p:tgtEl>
-                    <p:sldTgt/>
-                  </p:tgtEl>
-                </p:cond>
-              </p:prevCondLst>
-              <p:nextCondLst>
-                <p:cond evt="onNext" delay="0">
-                  <p:tgtEl>
-                    <p:sldTgt/>
-                  </p:tgtEl>
-                </p:cond>
-              </p:nextCondLst>
-            </p:seq>
-          </p:childTnLst>
-        </p:cTn>
-      </p:par>
-    </p:tnLst>
-  </p:timing>
-</p:sld>
-</file>
-
-<file path=ppt/slides/slide23.xml><?xml version="1.0" encoding="utf-8"?>
-<p:sld xmlns:a="http://schemas.openxmlformats.org/drawingml/2006/main" xmlns:r="http://schemas.openxmlformats.org/officeDocument/2006/relationships" xmlns:p="http://schemas.openxmlformats.org/presentationml/2006/main">
-  <p:cSld>
-    <p:spTree>
-      <p:nvGrpSpPr>
-        <p:cNvPr id="1" name=""/>
-        <p:cNvGrpSpPr/>
-        <p:nvPr/>
-      </p:nvGrpSpPr>
-      <p:grpSpPr>
-        <a:xfrm>
-          <a:off x="0" y="0"/>
-          <a:ext cx="0" cy="0"/>
-          <a:chOff x="0" y="0"/>
-          <a:chExt cx="0" cy="0"/>
-        </a:xfrm>
-      </p:grpSpPr>
-      <p:sp>
-        <p:nvSpPr>
-          <p:cNvPr id="78" name="CustomShape 1"/>
-          <p:cNvSpPr/>
-          <p:nvPr/>
-        </p:nvSpPr>
-        <p:spPr>
-          <a:xfrm>
-            <a:off x="497160" y="57960"/>
-            <a:ext cx="7820280" cy="1160640"/>
-          </a:xfrm>
-          <a:prstGeom prst="rect">
-            <a:avLst/>
-          </a:prstGeom>
-        </p:spPr>
-        <p:txBody>
-          <a:bodyPr lIns="90000" tIns="45000" rIns="90000" bIns="45000" anchor="b"/>
-          <a:lstStyle/>
-          <a:p>
-            <a:pPr>
-              <a:lnSpc>
-                <a:spcPct val="100000"/>
-              </a:lnSpc>
-            </a:pPr>
-            <a:r>
-              <a:rPr lang="en-US" sz="3200" dirty="0" smtClean="0">
-                <a:solidFill>
-                  <a:srgbClr val="5C7F92"/>
-                </a:solidFill>
-                <a:latin typeface="Lucida Bright"/>
-              </a:rPr>
-              <a:t>Lambda Expressions</a:t>
-            </a:r>
-            <a:endParaRPr lang="en-US" sz="3200" dirty="0"/>
-          </a:p>
-        </p:txBody>
-      </p:sp>
-      <p:sp>
-        <p:nvSpPr>
-          <p:cNvPr id="79" name="CustomShape 2"/>
-          <p:cNvSpPr/>
-          <p:nvPr/>
-        </p:nvSpPr>
-        <p:spPr>
-          <a:xfrm>
-            <a:off x="871200" y="1626840"/>
-            <a:ext cx="7808400" cy="5042520"/>
-          </a:xfrm>
-          <a:prstGeom prst="rect">
-            <a:avLst/>
-          </a:prstGeom>
-        </p:spPr>
-        <p:txBody>
-          <a:bodyPr lIns="90000" tIns="45000" rIns="90000" bIns="45000"/>
-          <a:lstStyle/>
-          <a:p>
-            <a:pPr>
-              <a:lnSpc>
-                <a:spcPct val="100000"/>
-              </a:lnSpc>
-            </a:pPr>
-            <a:endParaRPr dirty="0"/>
-          </a:p>
-          <a:p>
-            <a:pPr>
-              <a:lnSpc>
-                <a:spcPct val="100000"/>
-              </a:lnSpc>
-            </a:pPr>
-            <a:r>
-              <a:rPr lang="en-US" sz="2000" dirty="0" smtClean="0">
-                <a:solidFill>
-                  <a:srgbClr val="3095B4"/>
-                </a:solidFill>
-              </a:rPr>
-              <a:t>Task 7 Go to Task 5 and change the call </a:t>
-            </a:r>
-            <a:r>
-              <a:rPr lang="en-US" sz="2000" dirty="0" err="1" smtClean="0">
-                <a:solidFill>
-                  <a:srgbClr val="3095B4"/>
-                </a:solidFill>
-              </a:rPr>
-              <a:t>printPersons</a:t>
-            </a:r>
-            <a:endParaRPr lang="en-US" sz="2000" dirty="0" smtClean="0">
-              <a:solidFill>
-                <a:srgbClr val="3095B4"/>
-              </a:solidFill>
-            </a:endParaRPr>
-          </a:p>
-          <a:p>
-            <a:pPr>
-              <a:lnSpc>
-                <a:spcPct val="100000"/>
-              </a:lnSpc>
-            </a:pPr>
-            <a:endParaRPr lang="en-US" sz="2000" dirty="0">
-              <a:solidFill>
-                <a:srgbClr val="3095B4"/>
-              </a:solidFill>
-            </a:endParaRPr>
-          </a:p>
-        </p:txBody>
-      </p:sp>
-    </p:spTree>
-    <p:extLst>
-      <p:ext uri="{BB962C8B-B14F-4D97-AF65-F5344CB8AC3E}">
-        <p14:creationId xmlns:p14="http://schemas.microsoft.com/office/powerpoint/2010/main" val="3354717438"/>
-      </p:ext>
-    </p:extLst>
-  </p:cSld>
-  <p:clrMapOvr>
-    <a:masterClrMapping/>
-  </p:clrMapOvr>
-  <p:timing>
-    <p:tnLst>
-      <p:par>
-        <p:cTn id="1" dur="indefinite" restart="never" nodeType="tmRoot">
-          <p:childTnLst>
-            <p:seq>
-              <p:cTn id="2" nodeType="mainSeq">
-                <p:childTnLst>
-                  <p:par>
-                    <p:cTn id="3"/>
-                  </p:par>
-                </p:childTnLst>
-              </p:cTn>
-              <p:prevCondLst>
-                <p:cond evt="onPrev" delay="0">
-                  <p:tgtEl>
-                    <p:sldTgt/>
-                  </p:tgtEl>
-                </p:cond>
-              </p:prevCondLst>
-              <p:nextCondLst>
-                <p:cond evt="onNext" delay="0">
-                  <p:tgtEl>
-                    <p:sldTgt/>
-                  </p:tgtEl>
-                </p:cond>
-              </p:nextCondLst>
-            </p:seq>
-          </p:childTnLst>
-        </p:cTn>
-      </p:par>
-    </p:tnLst>
-  </p:timing>
-</p:sld>
-</file>
-
-<file path=ppt/slides/slide24.xml><?xml version="1.0" encoding="utf-8"?>
-<p:sld xmlns:a="http://schemas.openxmlformats.org/drawingml/2006/main" xmlns:r="http://schemas.openxmlformats.org/officeDocument/2006/relationships" xmlns:p="http://schemas.openxmlformats.org/presentationml/2006/main">
-  <p:cSld>
-    <p:spTree>
-      <p:nvGrpSpPr>
-        <p:cNvPr id="1" name=""/>
-        <p:cNvGrpSpPr/>
-        <p:nvPr/>
-      </p:nvGrpSpPr>
-      <p:grpSpPr>
-        <a:xfrm>
-          <a:off x="0" y="0"/>
-          <a:ext cx="0" cy="0"/>
-          <a:chOff x="0" y="0"/>
-          <a:chExt cx="0" cy="0"/>
-        </a:xfrm>
-      </p:grpSpPr>
-      <p:sp>
-        <p:nvSpPr>
-          <p:cNvPr id="78" name="CustomShape 1"/>
-          <p:cNvSpPr/>
-          <p:nvPr/>
-        </p:nvSpPr>
-        <p:spPr>
-          <a:xfrm>
-            <a:off x="497160" y="57960"/>
-            <a:ext cx="7820280" cy="1160640"/>
-          </a:xfrm>
-          <a:prstGeom prst="rect">
-            <a:avLst/>
-          </a:prstGeom>
-        </p:spPr>
-        <p:txBody>
-          <a:bodyPr lIns="90000" tIns="45000" rIns="90000" bIns="45000" anchor="b"/>
-          <a:lstStyle/>
-          <a:p>
-            <a:pPr>
-              <a:lnSpc>
-                <a:spcPct val="100000"/>
-              </a:lnSpc>
-            </a:pPr>
-            <a:r>
-              <a:rPr lang="en-US" sz="3200" dirty="0" smtClean="0">
-                <a:solidFill>
-                  <a:srgbClr val="5C7F92"/>
-                </a:solidFill>
-                <a:latin typeface="Lucida Bright"/>
-              </a:rPr>
-              <a:t>Lambda Expressions</a:t>
-            </a:r>
-            <a:endParaRPr lang="en-US" sz="3200" dirty="0"/>
-          </a:p>
-        </p:txBody>
-      </p:sp>
-      <p:sp>
-        <p:nvSpPr>
-          <p:cNvPr id="79" name="CustomShape 2"/>
-          <p:cNvSpPr/>
-          <p:nvPr/>
-        </p:nvSpPr>
-        <p:spPr>
-          <a:xfrm>
-            <a:off x="871200" y="1626840"/>
-            <a:ext cx="7808400" cy="5042520"/>
-          </a:xfrm>
-          <a:prstGeom prst="rect">
-            <a:avLst/>
-          </a:prstGeom>
-        </p:spPr>
-        <p:txBody>
-          <a:bodyPr lIns="90000" tIns="45000" rIns="90000" bIns="45000"/>
-          <a:lstStyle/>
-          <a:p>
-            <a:pPr>
-              <a:lnSpc>
-                <a:spcPct val="100000"/>
-              </a:lnSpc>
-            </a:pPr>
-            <a:endParaRPr dirty="0"/>
-          </a:p>
-          <a:p>
-            <a:pPr>
-              <a:lnSpc>
-                <a:spcPct val="100000"/>
-              </a:lnSpc>
-            </a:pPr>
-            <a:r>
-              <a:rPr lang="en-US" sz="2000" dirty="0" smtClean="0">
-                <a:solidFill>
-                  <a:srgbClr val="3095B4"/>
-                </a:solidFill>
-              </a:rPr>
-              <a:t>Final solution:</a:t>
-            </a:r>
-          </a:p>
-          <a:p>
-            <a:pPr>
-              <a:lnSpc>
-                <a:spcPct val="100000"/>
-              </a:lnSpc>
-            </a:pPr>
-            <a:endParaRPr lang="en-US" sz="2000" dirty="0" smtClean="0">
-              <a:solidFill>
-                <a:srgbClr val="3095B4"/>
-              </a:solidFill>
-            </a:endParaRPr>
-          </a:p>
-          <a:p>
-            <a:pPr>
-              <a:lnSpc>
-                <a:spcPct val="100000"/>
-              </a:lnSpc>
-            </a:pPr>
-            <a:r>
-              <a:rPr lang="sv-SE" sz="2000" dirty="0">
-                <a:solidFill>
-                  <a:srgbClr val="3095B4"/>
-                </a:solidFill>
-              </a:rPr>
-              <a:t>public </a:t>
-            </a:r>
-            <a:r>
-              <a:rPr lang="sv-SE" sz="2000" dirty="0" smtClean="0">
-                <a:solidFill>
-                  <a:srgbClr val="3095B4"/>
-                </a:solidFill>
-              </a:rPr>
-              <a:t>&lt;X</a:t>
-            </a:r>
-            <a:r>
-              <a:rPr lang="sv-SE" sz="2000" dirty="0">
-                <a:solidFill>
-                  <a:srgbClr val="3095B4"/>
-                </a:solidFill>
-              </a:rPr>
-              <a:t>, Y&gt; </a:t>
-            </a:r>
-            <a:r>
-              <a:rPr lang="sv-SE" sz="2000" dirty="0" err="1">
-                <a:solidFill>
-                  <a:srgbClr val="3095B4"/>
-                </a:solidFill>
-              </a:rPr>
-              <a:t>void</a:t>
-            </a:r>
-            <a:r>
-              <a:rPr lang="sv-SE" sz="2000" dirty="0">
-                <a:solidFill>
-                  <a:srgbClr val="3095B4"/>
-                </a:solidFill>
-              </a:rPr>
-              <a:t> </a:t>
-            </a:r>
-            <a:r>
-              <a:rPr lang="sv-SE" sz="2000" dirty="0" err="1">
-                <a:solidFill>
-                  <a:srgbClr val="3095B4"/>
-                </a:solidFill>
-              </a:rPr>
-              <a:t>processElements</a:t>
-            </a:r>
-            <a:r>
-              <a:rPr lang="sv-SE" sz="2000" dirty="0">
-                <a:solidFill>
-                  <a:srgbClr val="3095B4"/>
-                </a:solidFill>
-              </a:rPr>
-              <a:t>( </a:t>
-            </a:r>
-            <a:endParaRPr lang="sv-SE" sz="2000" dirty="0" smtClean="0">
-              <a:solidFill>
-                <a:srgbClr val="3095B4"/>
-              </a:solidFill>
-            </a:endParaRPr>
-          </a:p>
-          <a:p>
-            <a:pPr>
-              <a:lnSpc>
-                <a:spcPct val="100000"/>
-              </a:lnSpc>
-            </a:pPr>
-            <a:r>
-              <a:rPr lang="sv-SE" sz="2000" dirty="0">
-                <a:solidFill>
-                  <a:srgbClr val="3095B4"/>
-                </a:solidFill>
-              </a:rPr>
-              <a:t>	</a:t>
-            </a:r>
-            <a:r>
-              <a:rPr lang="sv-SE" sz="2000" dirty="0" err="1" smtClean="0">
-                <a:solidFill>
-                  <a:srgbClr val="3095B4"/>
-                </a:solidFill>
-              </a:rPr>
-              <a:t>Iterable</a:t>
-            </a:r>
-            <a:r>
-              <a:rPr lang="sv-SE" sz="2000" dirty="0" smtClean="0">
-                <a:solidFill>
-                  <a:srgbClr val="3095B4"/>
-                </a:solidFill>
-              </a:rPr>
-              <a:t>&lt;X</a:t>
-            </a:r>
-            <a:r>
-              <a:rPr lang="sv-SE" sz="2000" dirty="0">
-                <a:solidFill>
-                  <a:srgbClr val="3095B4"/>
-                </a:solidFill>
-              </a:rPr>
-              <a:t>&gt; source, </a:t>
-            </a:r>
-            <a:endParaRPr lang="sv-SE" sz="2000" dirty="0" smtClean="0">
-              <a:solidFill>
-                <a:srgbClr val="3095B4"/>
-              </a:solidFill>
-            </a:endParaRPr>
-          </a:p>
-          <a:p>
-            <a:pPr>
-              <a:lnSpc>
-                <a:spcPct val="100000"/>
-              </a:lnSpc>
-            </a:pPr>
-            <a:r>
-              <a:rPr lang="sv-SE" sz="2000" dirty="0">
-                <a:solidFill>
-                  <a:srgbClr val="3095B4"/>
-                </a:solidFill>
-              </a:rPr>
-              <a:t>	</a:t>
-            </a:r>
-            <a:r>
-              <a:rPr lang="sv-SE" sz="2000" dirty="0" err="1" smtClean="0">
-                <a:solidFill>
-                  <a:srgbClr val="3095B4"/>
-                </a:solidFill>
-              </a:rPr>
-              <a:t>Predicate</a:t>
-            </a:r>
-            <a:r>
-              <a:rPr lang="sv-SE" sz="2000" dirty="0" smtClean="0">
-                <a:solidFill>
-                  <a:srgbClr val="3095B4"/>
-                </a:solidFill>
-              </a:rPr>
-              <a:t>&lt;X</a:t>
-            </a:r>
-            <a:r>
-              <a:rPr lang="sv-SE" sz="2000" dirty="0">
-                <a:solidFill>
-                  <a:srgbClr val="3095B4"/>
-                </a:solidFill>
-              </a:rPr>
-              <a:t>&gt; tester, </a:t>
-            </a:r>
-            <a:endParaRPr lang="sv-SE" sz="2000" dirty="0" smtClean="0">
-              <a:solidFill>
-                <a:srgbClr val="3095B4"/>
-              </a:solidFill>
-            </a:endParaRPr>
-          </a:p>
-          <a:p>
-            <a:pPr>
-              <a:lnSpc>
-                <a:spcPct val="100000"/>
-              </a:lnSpc>
-            </a:pPr>
-            <a:r>
-              <a:rPr lang="sv-SE" sz="2000" dirty="0">
-                <a:solidFill>
-                  <a:srgbClr val="3095B4"/>
-                </a:solidFill>
-              </a:rPr>
-              <a:t>	</a:t>
-            </a:r>
-            <a:r>
-              <a:rPr lang="sv-SE" sz="2000" dirty="0" err="1" smtClean="0">
-                <a:solidFill>
-                  <a:srgbClr val="3095B4"/>
-                </a:solidFill>
-              </a:rPr>
-              <a:t>Function</a:t>
-            </a:r>
-            <a:r>
-              <a:rPr lang="sv-SE" sz="2000" dirty="0" smtClean="0">
-                <a:solidFill>
-                  <a:srgbClr val="3095B4"/>
-                </a:solidFill>
-              </a:rPr>
-              <a:t> </a:t>
-            </a:r>
-            <a:r>
-              <a:rPr lang="sv-SE" sz="2000" dirty="0">
-                <a:solidFill>
-                  <a:srgbClr val="3095B4"/>
-                </a:solidFill>
-              </a:rPr>
-              <a:t>&lt;X, Y&gt; </a:t>
-            </a:r>
-            <a:r>
-              <a:rPr lang="sv-SE" sz="2000" dirty="0" err="1">
-                <a:solidFill>
-                  <a:srgbClr val="3095B4"/>
-                </a:solidFill>
-              </a:rPr>
-              <a:t>mapper</a:t>
-            </a:r>
-            <a:r>
-              <a:rPr lang="sv-SE" sz="2000" dirty="0">
-                <a:solidFill>
-                  <a:srgbClr val="3095B4"/>
-                </a:solidFill>
-              </a:rPr>
-              <a:t>, </a:t>
-            </a:r>
-            <a:endParaRPr lang="sv-SE" sz="2000" dirty="0" smtClean="0">
-              <a:solidFill>
-                <a:srgbClr val="3095B4"/>
-              </a:solidFill>
-            </a:endParaRPr>
-          </a:p>
-          <a:p>
-            <a:pPr>
-              <a:lnSpc>
-                <a:spcPct val="100000"/>
-              </a:lnSpc>
-            </a:pPr>
-            <a:r>
-              <a:rPr lang="sv-SE" sz="2000" dirty="0">
-                <a:solidFill>
-                  <a:srgbClr val="3095B4"/>
-                </a:solidFill>
-              </a:rPr>
-              <a:t>	</a:t>
-            </a:r>
-            <a:r>
-              <a:rPr lang="sv-SE" sz="2000" dirty="0" err="1" smtClean="0">
-                <a:solidFill>
-                  <a:srgbClr val="3095B4"/>
-                </a:solidFill>
-              </a:rPr>
-              <a:t>Consumer</a:t>
-            </a:r>
-            <a:r>
-              <a:rPr lang="sv-SE" sz="2000" dirty="0" smtClean="0">
-                <a:solidFill>
-                  <a:srgbClr val="3095B4"/>
-                </a:solidFill>
-              </a:rPr>
-              <a:t>&lt;Y</a:t>
-            </a:r>
-            <a:r>
-              <a:rPr lang="sv-SE" sz="2000" dirty="0">
-                <a:solidFill>
-                  <a:srgbClr val="3095B4"/>
-                </a:solidFill>
-              </a:rPr>
-              <a:t>&gt; block) { </a:t>
-            </a:r>
-            <a:endParaRPr lang="sv-SE" sz="2000" dirty="0" smtClean="0">
-              <a:solidFill>
-                <a:srgbClr val="3095B4"/>
-              </a:solidFill>
-            </a:endParaRPr>
-          </a:p>
-          <a:p>
-            <a:pPr>
-              <a:lnSpc>
-                <a:spcPct val="100000"/>
-              </a:lnSpc>
-            </a:pPr>
-            <a:r>
-              <a:rPr lang="sv-SE" sz="2000" dirty="0">
-                <a:solidFill>
-                  <a:srgbClr val="3095B4"/>
-                </a:solidFill>
-              </a:rPr>
-              <a:t>	</a:t>
-            </a:r>
-            <a:r>
-              <a:rPr lang="sv-SE" sz="2000" dirty="0" smtClean="0">
-                <a:solidFill>
-                  <a:srgbClr val="3095B4"/>
-                </a:solidFill>
-              </a:rPr>
-              <a:t>	for </a:t>
-            </a:r>
-            <a:r>
-              <a:rPr lang="sv-SE" sz="2000" dirty="0">
-                <a:solidFill>
-                  <a:srgbClr val="3095B4"/>
-                </a:solidFill>
-              </a:rPr>
-              <a:t>(X p : source) { </a:t>
-            </a:r>
-            <a:endParaRPr lang="sv-SE" sz="2000" dirty="0" smtClean="0">
-              <a:solidFill>
-                <a:srgbClr val="3095B4"/>
-              </a:solidFill>
-            </a:endParaRPr>
-          </a:p>
-          <a:p>
-            <a:pPr>
-              <a:lnSpc>
-                <a:spcPct val="100000"/>
-              </a:lnSpc>
-            </a:pPr>
-            <a:r>
-              <a:rPr lang="sv-SE" sz="2000" dirty="0">
-                <a:solidFill>
-                  <a:srgbClr val="3095B4"/>
-                </a:solidFill>
-              </a:rPr>
-              <a:t>	</a:t>
-            </a:r>
-            <a:r>
-              <a:rPr lang="sv-SE" sz="2000" dirty="0" smtClean="0">
-                <a:solidFill>
-                  <a:srgbClr val="3095B4"/>
-                </a:solidFill>
-              </a:rPr>
-              <a:t>		</a:t>
-            </a:r>
-            <a:r>
-              <a:rPr lang="sv-SE" sz="2000" dirty="0" err="1" smtClean="0">
-                <a:solidFill>
-                  <a:srgbClr val="3095B4"/>
-                </a:solidFill>
-              </a:rPr>
-              <a:t>if</a:t>
-            </a:r>
-            <a:r>
-              <a:rPr lang="sv-SE" sz="2000" dirty="0" smtClean="0">
-                <a:solidFill>
-                  <a:srgbClr val="3095B4"/>
-                </a:solidFill>
-              </a:rPr>
-              <a:t> </a:t>
-            </a:r>
-            <a:r>
-              <a:rPr lang="sv-SE" sz="2000" dirty="0">
-                <a:solidFill>
-                  <a:srgbClr val="3095B4"/>
-                </a:solidFill>
-              </a:rPr>
-              <a:t>(</a:t>
-            </a:r>
-            <a:r>
-              <a:rPr lang="sv-SE" sz="2000" dirty="0" err="1">
-                <a:solidFill>
-                  <a:srgbClr val="3095B4"/>
-                </a:solidFill>
-              </a:rPr>
-              <a:t>tester.test</a:t>
-            </a:r>
-            <a:r>
-              <a:rPr lang="sv-SE" sz="2000" dirty="0">
-                <a:solidFill>
-                  <a:srgbClr val="3095B4"/>
-                </a:solidFill>
-              </a:rPr>
-              <a:t>(p)) { </a:t>
-            </a:r>
-            <a:endParaRPr lang="sv-SE" sz="2000" dirty="0" smtClean="0">
-              <a:solidFill>
-                <a:srgbClr val="3095B4"/>
-              </a:solidFill>
-            </a:endParaRPr>
-          </a:p>
-          <a:p>
-            <a:pPr>
-              <a:lnSpc>
-                <a:spcPct val="100000"/>
-              </a:lnSpc>
-            </a:pPr>
-            <a:r>
-              <a:rPr lang="sv-SE" sz="2000" dirty="0">
-                <a:solidFill>
-                  <a:srgbClr val="3095B4"/>
-                </a:solidFill>
-              </a:rPr>
-              <a:t>	</a:t>
-            </a:r>
-            <a:r>
-              <a:rPr lang="sv-SE" sz="2000" dirty="0" smtClean="0">
-                <a:solidFill>
-                  <a:srgbClr val="3095B4"/>
-                </a:solidFill>
-              </a:rPr>
-              <a:t>			Y </a:t>
-            </a:r>
-            <a:r>
-              <a:rPr lang="sv-SE" sz="2000" dirty="0">
-                <a:solidFill>
-                  <a:srgbClr val="3095B4"/>
-                </a:solidFill>
-              </a:rPr>
-              <a:t>data = </a:t>
-            </a:r>
-            <a:r>
-              <a:rPr lang="sv-SE" sz="2000" dirty="0" err="1">
-                <a:solidFill>
-                  <a:srgbClr val="3095B4"/>
-                </a:solidFill>
-              </a:rPr>
-              <a:t>mapper.apply</a:t>
-            </a:r>
-            <a:r>
-              <a:rPr lang="sv-SE" sz="2000" dirty="0">
-                <a:solidFill>
-                  <a:srgbClr val="3095B4"/>
-                </a:solidFill>
-              </a:rPr>
-              <a:t>(p); </a:t>
-            </a:r>
-            <a:r>
-              <a:rPr lang="sv-SE" sz="2000" dirty="0" smtClean="0">
-                <a:solidFill>
-                  <a:srgbClr val="3095B4"/>
-                </a:solidFill>
-              </a:rPr>
-              <a:t>					</a:t>
-            </a:r>
-            <a:r>
-              <a:rPr lang="sv-SE" sz="2000" dirty="0" err="1" smtClean="0">
-                <a:solidFill>
-                  <a:srgbClr val="3095B4"/>
-                </a:solidFill>
-              </a:rPr>
-              <a:t>block.accept</a:t>
-            </a:r>
-            <a:r>
-              <a:rPr lang="sv-SE" sz="2000" dirty="0" smtClean="0">
-                <a:solidFill>
-                  <a:srgbClr val="3095B4"/>
-                </a:solidFill>
-              </a:rPr>
-              <a:t>(data);</a:t>
-            </a:r>
-          </a:p>
-          <a:p>
-            <a:pPr>
-              <a:lnSpc>
-                <a:spcPct val="100000"/>
-              </a:lnSpc>
-            </a:pPr>
-            <a:r>
-              <a:rPr lang="sv-SE" sz="2000" dirty="0">
-                <a:solidFill>
-                  <a:srgbClr val="3095B4"/>
-                </a:solidFill>
-              </a:rPr>
-              <a:t>	</a:t>
-            </a:r>
-            <a:r>
-              <a:rPr lang="sv-SE" sz="2000" dirty="0" smtClean="0">
-                <a:solidFill>
-                  <a:srgbClr val="3095B4"/>
-                </a:solidFill>
-              </a:rPr>
-              <a:t>		 </a:t>
-            </a:r>
-            <a:r>
-              <a:rPr lang="sv-SE" sz="2000" dirty="0">
-                <a:solidFill>
-                  <a:srgbClr val="3095B4"/>
-                </a:solidFill>
-              </a:rPr>
-              <a:t>} </a:t>
-            </a:r>
-            <a:endParaRPr lang="sv-SE" sz="2000" dirty="0" smtClean="0">
-              <a:solidFill>
-                <a:srgbClr val="3095B4"/>
-              </a:solidFill>
-            </a:endParaRPr>
-          </a:p>
-          <a:p>
-            <a:pPr>
-              <a:lnSpc>
-                <a:spcPct val="100000"/>
-              </a:lnSpc>
-            </a:pPr>
-            <a:r>
-              <a:rPr lang="sv-SE" sz="2000" dirty="0">
-                <a:solidFill>
-                  <a:srgbClr val="3095B4"/>
-                </a:solidFill>
-              </a:rPr>
-              <a:t>	</a:t>
-            </a:r>
-            <a:r>
-              <a:rPr lang="sv-SE" sz="2000" dirty="0" smtClean="0">
-                <a:solidFill>
-                  <a:srgbClr val="3095B4"/>
-                </a:solidFill>
-              </a:rPr>
-              <a:t>	} </a:t>
-            </a:r>
-          </a:p>
-          <a:p>
-            <a:pPr>
-              <a:lnSpc>
-                <a:spcPct val="100000"/>
-              </a:lnSpc>
-            </a:pPr>
-            <a:r>
-              <a:rPr lang="sv-SE" sz="2000" dirty="0">
-                <a:solidFill>
-                  <a:srgbClr val="3095B4"/>
-                </a:solidFill>
-              </a:rPr>
-              <a:t>	</a:t>
-            </a:r>
-            <a:r>
-              <a:rPr lang="sv-SE" sz="2000" dirty="0" smtClean="0">
-                <a:solidFill>
-                  <a:srgbClr val="3095B4"/>
-                </a:solidFill>
-              </a:rPr>
-              <a:t>}</a:t>
-            </a:r>
-            <a:endParaRPr lang="en-US" sz="2000" dirty="0">
-              <a:solidFill>
-                <a:srgbClr val="3095B4"/>
-              </a:solidFill>
-            </a:endParaRPr>
-          </a:p>
-          <a:p>
-            <a:pPr>
-              <a:lnSpc>
-                <a:spcPct val="100000"/>
-              </a:lnSpc>
-            </a:pPr>
-            <a:endParaRPr lang="en-US" sz="2000" dirty="0">
-              <a:solidFill>
-                <a:srgbClr val="3095B4"/>
-              </a:solidFill>
-            </a:endParaRPr>
-          </a:p>
-        </p:txBody>
-      </p:sp>
-    </p:spTree>
-    <p:extLst>
-      <p:ext uri="{BB962C8B-B14F-4D97-AF65-F5344CB8AC3E}">
-        <p14:creationId xmlns:p14="http://schemas.microsoft.com/office/powerpoint/2010/main" val="3051950035"/>
-      </p:ext>
-    </p:extLst>
-  </p:cSld>
-  <p:clrMapOvr>
-    <a:masterClrMapping/>
-  </p:clrMapOvr>
-  <p:timing>
-    <p:tnLst>
-      <p:par>
-        <p:cTn id="1" dur="indefinite" restart="never" nodeType="tmRoot">
-          <p:childTnLst>
-            <p:seq>
-              <p:cTn id="2" nodeType="mainSeq">
-                <p:childTnLst>
-                  <p:par>
-                    <p:cTn id="3"/>
-                  </p:par>
-                </p:childTnLst>
-              </p:cTn>
-              <p:prevCondLst>
-                <p:cond evt="onPrev" delay="0">
-                  <p:tgtEl>
-                    <p:sldTgt/>
-                  </p:tgtEl>
-                </p:cond>
-              </p:prevCondLst>
-              <p:nextCondLst>
-                <p:cond evt="onNext" delay="0">
-                  <p:tgtEl>
-                    <p:sldTgt/>
-                  </p:tgtEl>
-                </p:cond>
-              </p:nextCondLst>
-            </p:seq>
-          </p:childTnLst>
-        </p:cTn>
-      </p:par>
-    </p:tnLst>
-  </p:timing>
-</p:sld>
-</file>
-
-<file path=ppt/slides/slide25.xml><?xml version="1.0" encoding="utf-8"?>
-<p:sld xmlns:a="http://schemas.openxmlformats.org/drawingml/2006/main" xmlns:r="http://schemas.openxmlformats.org/officeDocument/2006/relationships" xmlns:p="http://schemas.openxmlformats.org/presentationml/2006/main">
-  <p:cSld>
-    <p:spTree>
-      <p:nvGrpSpPr>
-        <p:cNvPr id="1" name=""/>
-        <p:cNvGrpSpPr/>
-        <p:nvPr/>
-      </p:nvGrpSpPr>
-      <p:grpSpPr>
-        <a:xfrm>
-          <a:off x="0" y="0"/>
-          <a:ext cx="0" cy="0"/>
-          <a:chOff x="0" y="0"/>
-          <a:chExt cx="0" cy="0"/>
-        </a:xfrm>
-      </p:grpSpPr>
-      <p:sp>
-        <p:nvSpPr>
-          <p:cNvPr id="78" name="CustomShape 1"/>
-          <p:cNvSpPr/>
-          <p:nvPr/>
-        </p:nvSpPr>
-        <p:spPr>
-          <a:xfrm>
-            <a:off x="497160" y="57960"/>
-            <a:ext cx="7820280" cy="1160640"/>
-          </a:xfrm>
-          <a:prstGeom prst="rect">
-            <a:avLst/>
-          </a:prstGeom>
-        </p:spPr>
-        <p:txBody>
-          <a:bodyPr lIns="90000" tIns="45000" rIns="90000" bIns="45000" anchor="b"/>
-          <a:lstStyle/>
-          <a:p>
-            <a:pPr>
-              <a:lnSpc>
-                <a:spcPct val="100000"/>
-              </a:lnSpc>
-            </a:pPr>
-            <a:r>
-              <a:rPr lang="en-US" sz="3200" dirty="0" smtClean="0">
-                <a:solidFill>
-                  <a:srgbClr val="5C7F92"/>
-                </a:solidFill>
-                <a:latin typeface="Lucida Bright"/>
-              </a:rPr>
-              <a:t>Lambda Expressions</a:t>
-            </a:r>
-            <a:endParaRPr lang="en-US" sz="3200" dirty="0"/>
-          </a:p>
-        </p:txBody>
-      </p:sp>
-      <p:sp>
-        <p:nvSpPr>
-          <p:cNvPr id="79" name="CustomShape 2"/>
-          <p:cNvSpPr/>
-          <p:nvPr/>
-        </p:nvSpPr>
-        <p:spPr>
-          <a:xfrm>
-            <a:off x="871200" y="1626840"/>
-            <a:ext cx="7808400" cy="5042520"/>
-          </a:xfrm>
-          <a:prstGeom prst="rect">
-            <a:avLst/>
-          </a:prstGeom>
-        </p:spPr>
-        <p:txBody>
-          <a:bodyPr lIns="90000" tIns="45000" rIns="90000" bIns="45000"/>
-          <a:lstStyle/>
-          <a:p>
-            <a:pPr>
-              <a:lnSpc>
-                <a:spcPct val="100000"/>
-              </a:lnSpc>
-            </a:pPr>
-            <a:endParaRPr dirty="0"/>
-          </a:p>
-          <a:p>
-            <a:pPr>
-              <a:lnSpc>
-                <a:spcPct val="100000"/>
-              </a:lnSpc>
-            </a:pPr>
-            <a:r>
-              <a:rPr lang="en-US" sz="2000" dirty="0" smtClean="0">
-                <a:solidFill>
-                  <a:srgbClr val="3095B4"/>
-                </a:solidFill>
-              </a:rPr>
-              <a:t>Final call:</a:t>
-            </a:r>
-          </a:p>
-          <a:p>
-            <a:pPr>
-              <a:lnSpc>
-                <a:spcPct val="100000"/>
-              </a:lnSpc>
-            </a:pPr>
-            <a:endParaRPr lang="en-US" sz="2000" dirty="0" smtClean="0">
-              <a:solidFill>
-                <a:srgbClr val="3095B4"/>
-              </a:solidFill>
-            </a:endParaRPr>
-          </a:p>
-          <a:p>
-            <a:pPr>
-              <a:lnSpc>
-                <a:spcPct val="100000"/>
-              </a:lnSpc>
-            </a:pPr>
-            <a:r>
-              <a:rPr lang="sv-SE" sz="2000" dirty="0" err="1">
-                <a:solidFill>
-                  <a:srgbClr val="3095B4"/>
-                </a:solidFill>
-              </a:rPr>
-              <a:t>processElements</a:t>
-            </a:r>
-            <a:r>
-              <a:rPr lang="sv-SE" sz="2000" dirty="0">
-                <a:solidFill>
-                  <a:srgbClr val="3095B4"/>
-                </a:solidFill>
-              </a:rPr>
-              <a:t>( </a:t>
-            </a:r>
-            <a:r>
-              <a:rPr lang="sv-SE" sz="2000" dirty="0" err="1">
-                <a:solidFill>
-                  <a:srgbClr val="3095B4"/>
-                </a:solidFill>
-              </a:rPr>
-              <a:t>roster</a:t>
-            </a:r>
-            <a:r>
-              <a:rPr lang="sv-SE" sz="2000" dirty="0">
-                <a:solidFill>
-                  <a:srgbClr val="3095B4"/>
-                </a:solidFill>
-              </a:rPr>
-              <a:t>, </a:t>
-            </a:r>
-            <a:endParaRPr lang="sv-SE" sz="2000" dirty="0" smtClean="0">
-              <a:solidFill>
-                <a:srgbClr val="3095B4"/>
-              </a:solidFill>
-            </a:endParaRPr>
-          </a:p>
-          <a:p>
-            <a:pPr>
-              <a:lnSpc>
-                <a:spcPct val="100000"/>
-              </a:lnSpc>
-            </a:pPr>
-            <a:r>
-              <a:rPr lang="sv-SE" sz="2000" dirty="0">
-                <a:solidFill>
-                  <a:srgbClr val="3095B4"/>
-                </a:solidFill>
-              </a:rPr>
-              <a:t>	</a:t>
-            </a:r>
-            <a:r>
-              <a:rPr lang="sv-SE" sz="2000" dirty="0" smtClean="0">
-                <a:solidFill>
-                  <a:srgbClr val="3095B4"/>
-                </a:solidFill>
-              </a:rPr>
-              <a:t>p </a:t>
-            </a:r>
-            <a:r>
-              <a:rPr lang="sv-SE" sz="2000" dirty="0">
-                <a:solidFill>
-                  <a:srgbClr val="3095B4"/>
-                </a:solidFill>
-              </a:rPr>
-              <a:t>-&gt; </a:t>
-            </a:r>
-            <a:r>
-              <a:rPr lang="sv-SE" sz="2000" dirty="0" err="1">
-                <a:solidFill>
-                  <a:srgbClr val="3095B4"/>
-                </a:solidFill>
-              </a:rPr>
-              <a:t>p.getGender</a:t>
-            </a:r>
-            <a:r>
-              <a:rPr lang="sv-SE" sz="2000" dirty="0">
-                <a:solidFill>
-                  <a:srgbClr val="3095B4"/>
-                </a:solidFill>
-              </a:rPr>
-              <a:t>() == </a:t>
-            </a:r>
-            <a:r>
-              <a:rPr lang="sv-SE" sz="2000" dirty="0" err="1">
-                <a:solidFill>
-                  <a:srgbClr val="3095B4"/>
-                </a:solidFill>
-              </a:rPr>
-              <a:t>Person.Sex.MALE</a:t>
-            </a:r>
-            <a:r>
-              <a:rPr lang="sv-SE" sz="2000" dirty="0">
-                <a:solidFill>
-                  <a:srgbClr val="3095B4"/>
-                </a:solidFill>
-              </a:rPr>
-              <a:t> </a:t>
-            </a:r>
-            <a:endParaRPr lang="sv-SE" sz="2000" dirty="0" smtClean="0">
-              <a:solidFill>
-                <a:srgbClr val="3095B4"/>
-              </a:solidFill>
-            </a:endParaRPr>
-          </a:p>
-          <a:p>
-            <a:pPr>
-              <a:lnSpc>
-                <a:spcPct val="100000"/>
-              </a:lnSpc>
-            </a:pPr>
-            <a:r>
-              <a:rPr lang="sv-SE" sz="2000" dirty="0">
-                <a:solidFill>
-                  <a:srgbClr val="3095B4"/>
-                </a:solidFill>
-              </a:rPr>
-              <a:t>	</a:t>
-            </a:r>
-            <a:r>
-              <a:rPr lang="sv-SE" sz="2000" dirty="0" smtClean="0">
-                <a:solidFill>
-                  <a:srgbClr val="3095B4"/>
-                </a:solidFill>
-              </a:rPr>
-              <a:t>&amp;&amp; </a:t>
-            </a:r>
-            <a:r>
-              <a:rPr lang="sv-SE" sz="2000" dirty="0" err="1">
-                <a:solidFill>
-                  <a:srgbClr val="3095B4"/>
-                </a:solidFill>
-              </a:rPr>
-              <a:t>p.getAge</a:t>
-            </a:r>
-            <a:r>
-              <a:rPr lang="sv-SE" sz="2000" dirty="0">
-                <a:solidFill>
-                  <a:srgbClr val="3095B4"/>
-                </a:solidFill>
-              </a:rPr>
-              <a:t>() &gt;= 18 </a:t>
-            </a:r>
-            <a:endParaRPr lang="sv-SE" sz="2000" dirty="0" smtClean="0">
-              <a:solidFill>
-                <a:srgbClr val="3095B4"/>
-              </a:solidFill>
-            </a:endParaRPr>
-          </a:p>
-          <a:p>
-            <a:pPr>
-              <a:lnSpc>
-                <a:spcPct val="100000"/>
-              </a:lnSpc>
-            </a:pPr>
-            <a:r>
-              <a:rPr lang="sv-SE" sz="2000" dirty="0">
-                <a:solidFill>
-                  <a:srgbClr val="3095B4"/>
-                </a:solidFill>
-              </a:rPr>
-              <a:t>	</a:t>
-            </a:r>
-            <a:r>
-              <a:rPr lang="sv-SE" sz="2000" dirty="0" smtClean="0">
-                <a:solidFill>
-                  <a:srgbClr val="3095B4"/>
-                </a:solidFill>
-              </a:rPr>
-              <a:t>&amp;&amp; </a:t>
-            </a:r>
-            <a:r>
-              <a:rPr lang="sv-SE" sz="2000" dirty="0" err="1" smtClean="0">
-                <a:solidFill>
-                  <a:srgbClr val="3095B4"/>
-                </a:solidFill>
-              </a:rPr>
-              <a:t>p.getAge</a:t>
-            </a:r>
-            <a:r>
-              <a:rPr lang="sv-SE" sz="2000" dirty="0">
-                <a:solidFill>
-                  <a:srgbClr val="3095B4"/>
-                </a:solidFill>
-              </a:rPr>
-              <a:t>() &lt;= 25, </a:t>
-            </a:r>
-            <a:endParaRPr lang="sv-SE" sz="2000" dirty="0" smtClean="0">
-              <a:solidFill>
-                <a:srgbClr val="3095B4"/>
-              </a:solidFill>
-            </a:endParaRPr>
-          </a:p>
-          <a:p>
-            <a:pPr>
-              <a:lnSpc>
-                <a:spcPct val="100000"/>
-              </a:lnSpc>
-            </a:pPr>
-            <a:r>
-              <a:rPr lang="sv-SE" sz="2000" dirty="0">
-                <a:solidFill>
-                  <a:srgbClr val="3095B4"/>
-                </a:solidFill>
-              </a:rPr>
-              <a:t>	</a:t>
-            </a:r>
-            <a:r>
-              <a:rPr lang="sv-SE" sz="2000" dirty="0" smtClean="0">
-                <a:solidFill>
-                  <a:srgbClr val="3095B4"/>
-                </a:solidFill>
-              </a:rPr>
-              <a:t>p </a:t>
-            </a:r>
-            <a:r>
-              <a:rPr lang="sv-SE" sz="2000" dirty="0">
-                <a:solidFill>
-                  <a:srgbClr val="3095B4"/>
-                </a:solidFill>
-              </a:rPr>
-              <a:t>-&gt; </a:t>
-            </a:r>
-            <a:r>
-              <a:rPr lang="sv-SE" sz="2000" dirty="0" err="1">
-                <a:solidFill>
-                  <a:srgbClr val="3095B4"/>
-                </a:solidFill>
-              </a:rPr>
-              <a:t>p.getEmailAddress</a:t>
-            </a:r>
-            <a:r>
-              <a:rPr lang="sv-SE" sz="2000" dirty="0">
-                <a:solidFill>
-                  <a:srgbClr val="3095B4"/>
-                </a:solidFill>
-              </a:rPr>
-              <a:t>(), </a:t>
-            </a:r>
-            <a:endParaRPr lang="sv-SE" sz="2000" dirty="0" smtClean="0">
-              <a:solidFill>
-                <a:srgbClr val="3095B4"/>
-              </a:solidFill>
-            </a:endParaRPr>
-          </a:p>
-          <a:p>
-            <a:pPr>
-              <a:lnSpc>
-                <a:spcPct val="100000"/>
-              </a:lnSpc>
-            </a:pPr>
-            <a:r>
-              <a:rPr lang="sv-SE" sz="2000" dirty="0">
-                <a:solidFill>
-                  <a:srgbClr val="3095B4"/>
-                </a:solidFill>
-              </a:rPr>
-              <a:t>	</a:t>
-            </a:r>
-            <a:r>
-              <a:rPr lang="sv-SE" sz="2000" dirty="0" smtClean="0">
-                <a:solidFill>
-                  <a:srgbClr val="3095B4"/>
-                </a:solidFill>
-              </a:rPr>
-              <a:t>email </a:t>
-            </a:r>
-            <a:r>
-              <a:rPr lang="sv-SE" sz="2000" dirty="0">
-                <a:solidFill>
-                  <a:srgbClr val="3095B4"/>
-                </a:solidFill>
-              </a:rPr>
-              <a:t>-&gt; </a:t>
-            </a:r>
-            <a:r>
-              <a:rPr lang="sv-SE" sz="2000" dirty="0" err="1">
-                <a:solidFill>
-                  <a:srgbClr val="3095B4"/>
-                </a:solidFill>
-              </a:rPr>
-              <a:t>System.out.println</a:t>
-            </a:r>
-            <a:r>
-              <a:rPr lang="sv-SE" sz="2000">
-                <a:solidFill>
-                  <a:srgbClr val="3095B4"/>
-                </a:solidFill>
-              </a:rPr>
-              <a:t>(email</a:t>
-            </a:r>
-            <a:r>
-              <a:rPr lang="sv-SE" sz="2000" smtClean="0">
-                <a:solidFill>
-                  <a:srgbClr val="3095B4"/>
-                </a:solidFill>
-              </a:rPr>
-              <a:t>)</a:t>
-            </a:r>
-          </a:p>
-          <a:p>
-            <a:pPr>
-              <a:lnSpc>
-                <a:spcPct val="100000"/>
-              </a:lnSpc>
-            </a:pPr>
-            <a:r>
-              <a:rPr lang="sv-SE" sz="2000" smtClean="0">
-                <a:solidFill>
-                  <a:srgbClr val="3095B4"/>
-                </a:solidFill>
-              </a:rPr>
-              <a:t>);</a:t>
-            </a:r>
-            <a:endParaRPr lang="en-US" sz="2000" dirty="0">
-              <a:solidFill>
-                <a:srgbClr val="3095B4"/>
-              </a:solidFill>
-            </a:endParaRPr>
-          </a:p>
-        </p:txBody>
-      </p:sp>
-    </p:spTree>
-    <p:extLst>
-      <p:ext uri="{BB962C8B-B14F-4D97-AF65-F5344CB8AC3E}">
-        <p14:creationId xmlns:p14="http://schemas.microsoft.com/office/powerpoint/2010/main" val="3480618671"/>
-      </p:ext>
-    </p:extLst>
-  </p:cSld>
-  <p:clrMapOvr>
-    <a:masterClrMapping/>
-  </p:clrMapOvr>
-  <p:timing>
-    <p:tnLst>
-      <p:par>
-        <p:cTn id="1" dur="indefinite" restart="never" nodeType="tmRoot">
-          <p:childTnLst>
-            <p:seq>
-              <p:cTn id="2" nodeType="mainSeq">
-                <p:childTnLst>
-                  <p:par>
-                    <p:cTn id="3"/>
-                  </p:par>
-                </p:childTnLst>
-              </p:cTn>
-              <p:prevCondLst>
-                <p:cond evt="onPrev" delay="0">
-                  <p:tgtEl>
-                    <p:sldTgt/>
-                  </p:tgtEl>
-                </p:cond>
-              </p:prevCondLst>
-              <p:nextCondLst>
-                <p:cond evt="onNext" delay="0">
-                  <p:tgtEl>
-                    <p:sldTgt/>
-                  </p:tgtEl>
-                </p:cond>
-              </p:nextCondLst>
-            </p:seq>
-          </p:childTnLst>
-        </p:cTn>
-      </p:par>
-    </p:tnLst>
-  </p:timing>
-</p:sld>
-</file>
-
 <file path=ppt/slides/slide3.xml><?xml version="1.0" encoding="utf-8"?>
 <p:sld xmlns:a="http://schemas.openxmlformats.org/drawingml/2006/main" xmlns:r="http://schemas.openxmlformats.org/officeDocument/2006/relationships" xmlns:p="http://schemas.openxmlformats.org/presentationml/2006/main">
   <p:cSld>
@@ -9748,12 +8021,12 @@
               </a:lnSpc>
             </a:pPr>
             <a:r>
-              <a:rPr lang="sv-SE" sz="2000" dirty="0">
-                <a:solidFill>
-                  <a:srgbClr val="3095B4"/>
-                </a:solidFill>
-              </a:rPr>
-              <a:t>Task </a:t>
+              <a:rPr lang="sv-SE" sz="2000" dirty="0" err="1" smtClean="0">
+                <a:solidFill>
+                  <a:srgbClr val="3095B4"/>
+                </a:solidFill>
+              </a:rPr>
+              <a:t>This</a:t>
             </a:r>
             <a:r>
               <a:rPr lang="sv-SE" sz="2000" dirty="0" smtClean="0">
@@ -9761,7 +8034,119 @@
                   <a:srgbClr val="3095B4"/>
                 </a:solidFill>
               </a:rPr>
-              <a:t>1</a:t>
+              <a:t> </a:t>
+            </a:r>
+            <a:r>
+              <a:rPr lang="sv-SE" sz="2000" dirty="0" err="1" smtClean="0">
+                <a:solidFill>
+                  <a:srgbClr val="3095B4"/>
+                </a:solidFill>
+              </a:rPr>
+              <a:t>method</a:t>
+            </a:r>
+            <a:r>
+              <a:rPr lang="sv-SE" sz="2000" dirty="0" smtClean="0">
+                <a:solidFill>
+                  <a:srgbClr val="3095B4"/>
+                </a:solidFill>
+              </a:rPr>
+              <a:t> list all persons, </a:t>
+            </a:r>
+            <a:r>
+              <a:rPr lang="sv-SE" sz="2000" dirty="0" err="1" smtClean="0">
+                <a:solidFill>
+                  <a:srgbClr val="3095B4"/>
+                </a:solidFill>
+              </a:rPr>
+              <a:t>greater</a:t>
+            </a:r>
+            <a:r>
+              <a:rPr lang="sv-SE" sz="2000" dirty="0" smtClean="0">
+                <a:solidFill>
+                  <a:srgbClr val="3095B4"/>
+                </a:solidFill>
+              </a:rPr>
+              <a:t> </a:t>
+            </a:r>
+            <a:r>
+              <a:rPr lang="sv-SE" sz="2000" dirty="0" err="1" smtClean="0">
+                <a:solidFill>
+                  <a:srgbClr val="3095B4"/>
+                </a:solidFill>
+              </a:rPr>
+              <a:t>than</a:t>
+            </a:r>
+            <a:r>
+              <a:rPr lang="sv-SE" sz="2000" dirty="0" smtClean="0">
+                <a:solidFill>
+                  <a:srgbClr val="3095B4"/>
+                </a:solidFill>
+              </a:rPr>
+              <a:t> a </a:t>
+            </a:r>
+            <a:r>
+              <a:rPr lang="sv-SE" sz="2000" dirty="0" err="1" smtClean="0">
+                <a:solidFill>
+                  <a:srgbClr val="3095B4"/>
+                </a:solidFill>
+              </a:rPr>
+              <a:t>specific</a:t>
+            </a:r>
+            <a:r>
+              <a:rPr lang="sv-SE" sz="2000" dirty="0" smtClean="0">
+                <a:solidFill>
+                  <a:srgbClr val="3095B4"/>
+                </a:solidFill>
+              </a:rPr>
+              <a:t> age, print it </a:t>
+            </a:r>
+            <a:r>
+              <a:rPr lang="sv-SE" sz="2000" dirty="0" err="1" smtClean="0">
+                <a:solidFill>
+                  <a:srgbClr val="3095B4"/>
+                </a:solidFill>
+              </a:rPr>
+              <a:t>out</a:t>
+            </a:r>
+            <a:r>
+              <a:rPr lang="sv-SE" sz="2000" dirty="0" smtClean="0">
+                <a:solidFill>
+                  <a:srgbClr val="3095B4"/>
+                </a:solidFill>
+              </a:rPr>
+              <a:t> and </a:t>
+            </a:r>
+            <a:r>
+              <a:rPr lang="sv-SE" sz="2000" dirty="0" err="1" smtClean="0">
+                <a:solidFill>
+                  <a:srgbClr val="3095B4"/>
+                </a:solidFill>
+              </a:rPr>
+              <a:t>return</a:t>
+            </a:r>
+            <a:r>
+              <a:rPr lang="sv-SE" sz="2000" dirty="0" smtClean="0">
+                <a:solidFill>
+                  <a:srgbClr val="3095B4"/>
+                </a:solidFill>
+              </a:rPr>
+              <a:t> </a:t>
+            </a:r>
+            <a:r>
+              <a:rPr lang="sv-SE" sz="2000" dirty="0" err="1" smtClean="0">
+                <a:solidFill>
+                  <a:srgbClr val="3095B4"/>
+                </a:solidFill>
+              </a:rPr>
+              <a:t>those</a:t>
+            </a:r>
+            <a:r>
+              <a:rPr lang="sv-SE" sz="2000" dirty="0" smtClean="0">
+                <a:solidFill>
+                  <a:srgbClr val="3095B4"/>
+                </a:solidFill>
+              </a:rPr>
+              <a:t> persons.</a:t>
             </a:r>
           </a:p>
           <a:p>
@@ -9783,127 +8168,97 @@
               </a:lnSpc>
             </a:pPr>
             <a:r>
-              <a:rPr lang="en-US" sz="2000" dirty="0" smtClean="0">
-                <a:solidFill>
-                  <a:srgbClr val="3095B4"/>
-                </a:solidFill>
-              </a:rPr>
-              <a:t>Write a body to this method:</a:t>
-            </a:r>
-          </a:p>
-          <a:p>
-            <a:pPr>
-              <a:lnSpc>
-                <a:spcPct val="100000"/>
-              </a:lnSpc>
-            </a:pPr>
-            <a:endParaRPr lang="en-US" sz="2000" dirty="0" smtClean="0">
+              <a:rPr lang="sv-SE" sz="2000" dirty="0" smtClean="0">
+                <a:solidFill>
+                  <a:srgbClr val="3095B4"/>
+                </a:solidFill>
+              </a:rPr>
+              <a:t>A new </a:t>
+            </a:r>
+            <a:r>
+              <a:rPr lang="sv-SE" sz="2000" dirty="0" err="1" smtClean="0">
+                <a:solidFill>
+                  <a:srgbClr val="3095B4"/>
+                </a:solidFill>
+              </a:rPr>
+              <a:t>requirement</a:t>
+            </a:r>
+            <a:r>
+              <a:rPr lang="sv-SE" sz="2000" dirty="0" smtClean="0">
+                <a:solidFill>
+                  <a:srgbClr val="3095B4"/>
+                </a:solidFill>
+              </a:rPr>
+              <a:t>: age </a:t>
+            </a:r>
+            <a:r>
+              <a:rPr lang="sv-SE" sz="2000" dirty="0" err="1" smtClean="0">
+                <a:solidFill>
+                  <a:srgbClr val="3095B4"/>
+                </a:solidFill>
+              </a:rPr>
+              <a:t>should</a:t>
+            </a:r>
+            <a:r>
+              <a:rPr lang="sv-SE" sz="2000" dirty="0" smtClean="0">
+                <a:solidFill>
+                  <a:srgbClr val="3095B4"/>
+                </a:solidFill>
+              </a:rPr>
+              <a:t> be </a:t>
+            </a:r>
+            <a:r>
+              <a:rPr lang="sv-SE" sz="2000" dirty="0" err="1" smtClean="0">
+                <a:solidFill>
+                  <a:srgbClr val="3095B4"/>
+                </a:solidFill>
+              </a:rPr>
+              <a:t>between</a:t>
+            </a:r>
+            <a:r>
+              <a:rPr lang="sv-SE" sz="2000" dirty="0" smtClean="0">
+                <a:solidFill>
+                  <a:srgbClr val="3095B4"/>
+                </a:solidFill>
+              </a:rPr>
+              <a:t> </a:t>
+            </a:r>
+            <a:r>
+              <a:rPr lang="sv-SE" sz="2000" dirty="0" err="1" smtClean="0">
+                <a:solidFill>
+                  <a:srgbClr val="3095B4"/>
+                </a:solidFill>
+              </a:rPr>
+              <a:t>low</a:t>
+            </a:r>
+            <a:r>
+              <a:rPr lang="sv-SE" sz="2000" dirty="0" smtClean="0">
+                <a:solidFill>
+                  <a:srgbClr val="3095B4"/>
+                </a:solidFill>
+              </a:rPr>
+              <a:t> and </a:t>
+            </a:r>
+            <a:r>
+              <a:rPr lang="sv-SE" sz="2000" dirty="0" err="1" smtClean="0">
+                <a:solidFill>
+                  <a:srgbClr val="3095B4"/>
+                </a:solidFill>
+              </a:rPr>
+              <a:t>high</a:t>
+            </a:r>
+            <a:endParaRPr lang="sv-SE" sz="2000" dirty="0" smtClean="0">
               <a:solidFill>
                 <a:srgbClr val="3095B4"/>
               </a:solidFill>
             </a:endParaRPr>
           </a:p>
-          <a:p>
-            <a:pPr>
-              <a:lnSpc>
-                <a:spcPct val="100000"/>
-              </a:lnSpc>
-            </a:pPr>
-            <a:r>
-              <a:rPr lang="en-US" sz="2000" dirty="0" smtClean="0">
-                <a:solidFill>
-                  <a:srgbClr val="3095B4"/>
-                </a:solidFill>
-              </a:rPr>
-              <a:t>public </a:t>
-            </a:r>
-            <a:r>
-              <a:rPr lang="en-US" sz="2000" dirty="0">
-                <a:solidFill>
-                  <a:srgbClr val="3095B4"/>
-                </a:solidFill>
-              </a:rPr>
-              <a:t>void </a:t>
-            </a:r>
-            <a:r>
-              <a:rPr lang="en-US" sz="2000" dirty="0" err="1">
-                <a:solidFill>
-                  <a:srgbClr val="3095B4"/>
-                </a:solidFill>
-              </a:rPr>
-              <a:t>printPersonsOlderThan</a:t>
-            </a:r>
-            <a:r>
-              <a:rPr lang="en-US" sz="2000" dirty="0">
-                <a:solidFill>
-                  <a:srgbClr val="3095B4"/>
-                </a:solidFill>
-              </a:rPr>
-              <a:t>(List&lt;Person&gt; </a:t>
-            </a:r>
-            <a:r>
-              <a:rPr lang="en-US" sz="2000" dirty="0" smtClean="0">
-                <a:solidFill>
-                  <a:srgbClr val="3095B4"/>
-                </a:solidFill>
-              </a:rPr>
-              <a:t>persons, </a:t>
-            </a:r>
-            <a:r>
-              <a:rPr lang="en-US" sz="2000" dirty="0" err="1">
-                <a:solidFill>
-                  <a:srgbClr val="3095B4"/>
-                </a:solidFill>
-              </a:rPr>
-              <a:t>int</a:t>
-            </a:r>
-            <a:r>
-              <a:rPr lang="en-US" sz="2000" dirty="0">
-                <a:solidFill>
-                  <a:srgbClr val="3095B4"/>
-                </a:solidFill>
-              </a:rPr>
-              <a:t> age) {</a:t>
-            </a:r>
-          </a:p>
-          <a:p>
-            <a:pPr>
-              <a:lnSpc>
-                <a:spcPct val="100000"/>
-              </a:lnSpc>
-            </a:pPr>
-            <a:endParaRPr lang="en-US" sz="2000" dirty="0">
-              <a:solidFill>
-                <a:srgbClr val="3095B4"/>
-              </a:solidFill>
-            </a:endParaRPr>
-          </a:p>
-          <a:p>
-            <a:pPr>
-              <a:lnSpc>
-                <a:spcPct val="100000"/>
-              </a:lnSpc>
-            </a:pPr>
-            <a:r>
-              <a:rPr lang="en-US" sz="2000" dirty="0">
-                <a:solidFill>
-                  <a:srgbClr val="3095B4"/>
-                </a:solidFill>
-              </a:rPr>
-              <a:t>}</a:t>
-            </a:r>
-            <a:endParaRPr sz="2000" dirty="0">
-              <a:solidFill>
-                <a:srgbClr val="3095B4"/>
-              </a:solidFill>
-            </a:endParaRPr>
-          </a:p>
         </p:txBody>
       </p:sp>
     </p:spTree>
     <p:extLst>
       <p:ext uri="{BB962C8B-B14F-4D97-AF65-F5344CB8AC3E}">
-        <p14:creationId xmlns:p14="http://schemas.microsoft.com/office/powerpoint/2010/main" val="1463622730"/>
+        <p14:creationId xmlns:p14="http://schemas.microsoft.com/office/powerpoint/2010/main" val="3899851480"/>
       </p:ext>
     </p:extLst>
   </p:cSld>
@@ -10068,64 +8423,31 @@
               </a:lnSpc>
             </a:pPr>
             <a:r>
-              <a:rPr lang="sv-SE" sz="2000" dirty="0" smtClean="0">
-                <a:solidFill>
-                  <a:srgbClr val="3095B4"/>
-                </a:solidFill>
-              </a:rPr>
-              <a:t>Problems </a:t>
-            </a:r>
-            <a:r>
-              <a:rPr lang="sv-SE" sz="2000" dirty="0" err="1" smtClean="0">
-                <a:solidFill>
-                  <a:srgbClr val="3095B4"/>
-                </a:solidFill>
-              </a:rPr>
-              <a:t>about</a:t>
-            </a:r>
-            <a:r>
-              <a:rPr lang="sv-SE" sz="2000" dirty="0" smtClean="0">
-                <a:solidFill>
-                  <a:srgbClr val="3095B4"/>
-                </a:solidFill>
-              </a:rPr>
-              <a:t> </a:t>
-            </a:r>
-            <a:r>
-              <a:rPr lang="sv-SE" sz="2000" dirty="0" err="1" smtClean="0">
-                <a:solidFill>
-                  <a:srgbClr val="3095B4"/>
-                </a:solidFill>
-              </a:rPr>
-              <a:t>this</a:t>
-            </a:r>
-            <a:r>
-              <a:rPr lang="sv-SE" sz="2000" dirty="0" smtClean="0">
-                <a:solidFill>
-                  <a:srgbClr val="3095B4"/>
-                </a:solidFill>
-              </a:rPr>
-              <a:t>?</a:t>
-            </a:r>
-          </a:p>
-          <a:p>
-            <a:pPr>
-              <a:lnSpc>
-                <a:spcPct val="100000"/>
-              </a:lnSpc>
-            </a:pPr>
-            <a:endParaRPr lang="sv-SE" sz="2000" dirty="0" smtClean="0">
+              <a:rPr lang="en-US" sz="2000" dirty="0" smtClean="0">
+                <a:solidFill>
+                  <a:srgbClr val="3095B4"/>
+                </a:solidFill>
+              </a:rPr>
+              <a:t>Add a new condition to method </a:t>
+            </a:r>
+          </a:p>
+          <a:p>
+            <a:pPr>
+              <a:lnSpc>
+                <a:spcPct val="100000"/>
+              </a:lnSpc>
+            </a:pPr>
+            <a:endParaRPr lang="en-US" sz="2000" dirty="0">
               <a:solidFill>
                 <a:srgbClr val="3095B4"/>
               </a:solidFill>
             </a:endParaRPr>
           </a:p>
           <a:p>
-            <a:pPr marL="457200" indent="-457200">
-              <a:lnSpc>
-                <a:spcPct val="100000"/>
-              </a:lnSpc>
-              <a:buAutoNum type="arabicPeriod"/>
+            <a:pPr>
+              <a:lnSpc>
+                <a:spcPct val="100000"/>
+              </a:lnSpc>
             </a:pPr>
             <a:r>
               <a:rPr lang="sv-SE" sz="2000" dirty="0" err="1" smtClean="0">
@@ -10133,7 +8455,7 @@
                   <a:srgbClr val="3095B4"/>
                 </a:solidFill>
               </a:rPr>
-              <a:t>Dependent</a:t>
+              <a:t>getAndPrintPersonsWithinAgeRange</a:t>
             </a:r>
             <a:r>
               <a:rPr lang="sv-SE" sz="2000" dirty="0" smtClean="0">
@@ -10141,28 +8463,26 @@
                   <a:srgbClr val="3095B4"/>
                 </a:solidFill>
               </a:rPr>
-              <a:t> on Person </a:t>
-            </a:r>
-            <a:r>
-              <a:rPr lang="sv-SE" sz="2000" dirty="0" err="1" smtClean="0">
-                <a:solidFill>
-                  <a:srgbClr val="3095B4"/>
-                </a:solidFill>
-              </a:rPr>
-              <a:t>variables</a:t>
-            </a:r>
-            <a:endParaRPr lang="sv-SE" sz="2000" dirty="0" smtClean="0">
+              <a:t>(…</a:t>
+            </a:r>
+          </a:p>
+          <a:p>
+            <a:pPr>
+              <a:lnSpc>
+                <a:spcPct val="100000"/>
+              </a:lnSpc>
+            </a:pPr>
+            <a:endParaRPr lang="sv-SE" sz="2000" dirty="0">
               <a:solidFill>
                 <a:srgbClr val="3095B4"/>
               </a:solidFill>
             </a:endParaRPr>
           </a:p>
           <a:p>
-            <a:pPr marL="457200" indent="-457200">
-              <a:lnSpc>
-                <a:spcPct val="100000"/>
-              </a:lnSpc>
-              <a:buAutoNum type="arabicPeriod"/>
+            <a:pPr>
+              <a:lnSpc>
+                <a:spcPct val="100000"/>
+              </a:lnSpc>
             </a:pPr>
             <a:r>
               <a:rPr lang="sv-SE" sz="2000" dirty="0" smtClean="0">
@@ -10170,7 +8490,7 @@
                   <a:srgbClr val="3095B4"/>
                 </a:solidFill>
               </a:rPr>
-              <a:t>If print persons </a:t>
+              <a:t>To support the new </a:t>
             </a:r>
             <a:r>
               <a:rPr lang="sv-SE" sz="2000" dirty="0" err="1" smtClean="0">
@@ -10178,47 +8498,7 @@
                   <a:srgbClr val="3095B4"/>
                 </a:solidFill>
               </a:rPr>
-              <a:t>with</a:t>
-            </a:r>
-            <a:r>
-              <a:rPr lang="sv-SE" sz="2000" dirty="0" smtClean="0">
-                <a:solidFill>
-                  <a:srgbClr val="3095B4"/>
-                </a:solidFill>
-              </a:rPr>
-              <a:t> </a:t>
-            </a:r>
-            <a:r>
-              <a:rPr lang="sv-SE" sz="2000" dirty="0" err="1" smtClean="0">
-                <a:solidFill>
-                  <a:srgbClr val="3095B4"/>
-                </a:solidFill>
-              </a:rPr>
-              <a:t>other</a:t>
-            </a:r>
-            <a:r>
-              <a:rPr lang="sv-SE" sz="2000" dirty="0" smtClean="0">
-                <a:solidFill>
-                  <a:srgbClr val="3095B4"/>
-                </a:solidFill>
-              </a:rPr>
-              <a:t> </a:t>
-            </a:r>
-            <a:r>
-              <a:rPr lang="sv-SE" sz="2000" dirty="0" err="1" smtClean="0">
-                <a:solidFill>
-                  <a:srgbClr val="3095B4"/>
-                </a:solidFill>
-              </a:rPr>
-              <a:t>seachcriteria</a:t>
-            </a:r>
-            <a:r>
-              <a:rPr lang="sv-SE" sz="2000" dirty="0" smtClean="0">
-                <a:solidFill>
-                  <a:srgbClr val="3095B4"/>
-                </a:solidFill>
-              </a:rPr>
-              <a:t>?</a:t>
+              <a:t>requirement</a:t>
             </a:r>
             <a:endParaRPr sz="2000" dirty="0">
               <a:solidFill>
@@ -10231,7 +8511,7 @@
     </p:spTree>
     <p:extLst>
       <p:ext uri="{BB962C8B-B14F-4D97-AF65-F5344CB8AC3E}">
-        <p14:creationId xmlns:p14="http://schemas.microsoft.com/office/powerpoint/2010/main" val="899164076"/>
+        <p14:creationId xmlns:p14="http://schemas.microsoft.com/office/powerpoint/2010/main" val="1463622730"/>
       </p:ext>
     </p:extLst>
   </p:cSld>
@@ -10361,21 +8641,29 @@
               </a:lnSpc>
             </a:pPr>
             <a:r>
-              <a:rPr lang="en-US" sz="2000" dirty="0" smtClean="0">
-                <a:solidFill>
-                  <a:srgbClr val="3095B4"/>
-                </a:solidFill>
-              </a:rPr>
-              <a:t>Task 2</a:t>
-            </a:r>
-          </a:p>
-          <a:p>
-            <a:pPr>
-              <a:lnSpc>
-                <a:spcPct val="100000"/>
-              </a:lnSpc>
-            </a:pPr>
-            <a:endParaRPr lang="en-US" sz="2000" dirty="0" smtClean="0">
+              <a:rPr lang="sv-SE" sz="2000" dirty="0">
+                <a:solidFill>
+                  <a:srgbClr val="3095B4"/>
+                </a:solidFill>
+              </a:rPr>
+              <a:t>Task </a:t>
+            </a:r>
+            <a:r>
+              <a:rPr lang="sv-SE" sz="2000" dirty="0" smtClean="0">
+                <a:solidFill>
+                  <a:srgbClr val="3095B4"/>
+                </a:solidFill>
+              </a:rPr>
+              <a:t>1</a:t>
+            </a:r>
+          </a:p>
+          <a:p>
+            <a:pPr>
+              <a:lnSpc>
+                <a:spcPct val="100000"/>
+              </a:lnSpc>
+            </a:pPr>
+            <a:endParaRPr lang="sv-SE" sz="2000" dirty="0">
               <a:solidFill>
                 <a:srgbClr val="3095B4"/>
               </a:solidFill>
@@ -10388,167 +8676,341 @@
               </a:lnSpc>
             </a:pPr>
             <a:r>
-              <a:rPr lang="en-US" sz="2000" dirty="0" smtClean="0">
-                <a:solidFill>
-                  <a:srgbClr val="3095B4"/>
-                </a:solidFill>
-              </a:rPr>
-              <a:t>Write a body to this method:</a:t>
-            </a:r>
-          </a:p>
-          <a:p>
-            <a:pPr>
-              <a:lnSpc>
-                <a:spcPct val="100000"/>
-              </a:lnSpc>
-            </a:pPr>
-            <a:endParaRPr lang="en-US" sz="2000" dirty="0" smtClean="0">
+              <a:rPr lang="sv-SE" sz="2000" dirty="0" smtClean="0">
+                <a:solidFill>
+                  <a:srgbClr val="3095B4"/>
+                </a:solidFill>
+              </a:rPr>
+              <a:t>Problems </a:t>
+            </a:r>
+            <a:r>
+              <a:rPr lang="sv-SE" sz="2000" dirty="0" err="1" smtClean="0">
+                <a:solidFill>
+                  <a:srgbClr val="3095B4"/>
+                </a:solidFill>
+              </a:rPr>
+              <a:t>about</a:t>
+            </a:r>
+            <a:r>
+              <a:rPr lang="sv-SE" sz="2000" dirty="0" smtClean="0">
+                <a:solidFill>
+                  <a:srgbClr val="3095B4"/>
+                </a:solidFill>
+              </a:rPr>
+              <a:t> </a:t>
+            </a:r>
+            <a:r>
+              <a:rPr lang="sv-SE" sz="2000" dirty="0" err="1" smtClean="0">
+                <a:solidFill>
+                  <a:srgbClr val="3095B4"/>
+                </a:solidFill>
+              </a:rPr>
+              <a:t>this</a:t>
+            </a:r>
+            <a:r>
+              <a:rPr lang="sv-SE" sz="2000" dirty="0" smtClean="0">
+                <a:solidFill>
+                  <a:srgbClr val="3095B4"/>
+                </a:solidFill>
+              </a:rPr>
+              <a:t>?</a:t>
+            </a:r>
+          </a:p>
+          <a:p>
+            <a:pPr>
+              <a:lnSpc>
+                <a:spcPct val="100000"/>
+              </a:lnSpc>
+            </a:pPr>
+            <a:endParaRPr lang="sv-SE" sz="2000" dirty="0" smtClean="0">
               <a:solidFill>
                 <a:srgbClr val="3095B4"/>
               </a:solidFill>
             </a:endParaRPr>
           </a:p>
           <a:p>
-            <a:pPr>
-              <a:lnSpc>
-                <a:spcPct val="100000"/>
-              </a:lnSpc>
-            </a:pPr>
-            <a:r>
-              <a:rPr lang="sv-SE" sz="1400" dirty="0">
-                <a:solidFill>
-                  <a:srgbClr val="3095B4"/>
-                </a:solidFill>
-              </a:rPr>
-              <a:t>public </a:t>
-            </a:r>
-            <a:r>
-              <a:rPr lang="sv-SE" sz="1400" dirty="0" err="1">
-                <a:solidFill>
-                  <a:srgbClr val="3095B4"/>
-                </a:solidFill>
-              </a:rPr>
-              <a:t>static</a:t>
-            </a:r>
-            <a:r>
-              <a:rPr lang="sv-SE" sz="1400" dirty="0">
-                <a:solidFill>
-                  <a:srgbClr val="3095B4"/>
-                </a:solidFill>
-              </a:rPr>
-              <a:t> </a:t>
-            </a:r>
-            <a:r>
-              <a:rPr lang="sv-SE" sz="1400" dirty="0" err="1">
-                <a:solidFill>
-                  <a:srgbClr val="3095B4"/>
-                </a:solidFill>
-              </a:rPr>
-              <a:t>void</a:t>
-            </a:r>
-            <a:r>
-              <a:rPr lang="sv-SE" sz="1400" dirty="0">
-                <a:solidFill>
-                  <a:srgbClr val="3095B4"/>
-                </a:solidFill>
-              </a:rPr>
-              <a:t> </a:t>
-            </a:r>
-            <a:r>
-              <a:rPr lang="sv-SE" sz="1400" dirty="0" err="1">
-                <a:solidFill>
-                  <a:srgbClr val="3095B4"/>
-                </a:solidFill>
-              </a:rPr>
-              <a:t>printPersonsWithinAgeRange</a:t>
-            </a:r>
-            <a:r>
-              <a:rPr lang="sv-SE" sz="1400" dirty="0">
-                <a:solidFill>
-                  <a:srgbClr val="3095B4"/>
-                </a:solidFill>
-              </a:rPr>
-              <a:t>(</a:t>
-            </a:r>
-            <a:r>
-              <a:rPr lang="en-US" sz="1400" dirty="0">
-                <a:solidFill>
-                  <a:srgbClr val="3095B4"/>
-                </a:solidFill>
-              </a:rPr>
-              <a:t>List&lt;Person&gt; roster, </a:t>
-            </a:r>
-            <a:r>
-              <a:rPr lang="en-US" sz="1400" dirty="0" err="1">
-                <a:solidFill>
-                  <a:srgbClr val="3095B4"/>
-                </a:solidFill>
-              </a:rPr>
-              <a:t>int</a:t>
-            </a:r>
-            <a:r>
-              <a:rPr lang="en-US" sz="1400" dirty="0">
-                <a:solidFill>
-                  <a:srgbClr val="3095B4"/>
-                </a:solidFill>
-              </a:rPr>
-              <a:t> low, </a:t>
-            </a:r>
-            <a:r>
-              <a:rPr lang="en-US" sz="1400" dirty="0" err="1">
-                <a:solidFill>
-                  <a:srgbClr val="3095B4"/>
-                </a:solidFill>
-              </a:rPr>
-              <a:t>int</a:t>
-            </a:r>
-            <a:r>
-              <a:rPr lang="en-US" sz="1400" dirty="0">
-                <a:solidFill>
-                  <a:srgbClr val="3095B4"/>
-                </a:solidFill>
-              </a:rPr>
-              <a:t> high) {</a:t>
-            </a:r>
-          </a:p>
-          <a:p>
-            <a:pPr>
-              <a:lnSpc>
-                <a:spcPct val="100000"/>
-              </a:lnSpc>
-            </a:pPr>
-            <a:endParaRPr lang="en-US" sz="1400" dirty="0" smtClean="0">
+            <a:pPr marL="457200" indent="-457200">
+              <a:lnSpc>
+                <a:spcPct val="100000"/>
+              </a:lnSpc>
+              <a:buAutoNum type="arabicPeriod"/>
+            </a:pPr>
+            <a:r>
+              <a:rPr lang="sv-SE" sz="2000" dirty="0" err="1" smtClean="0">
+                <a:solidFill>
+                  <a:srgbClr val="3095B4"/>
+                </a:solidFill>
+              </a:rPr>
+              <a:t>Dependent</a:t>
+            </a:r>
+            <a:r>
+              <a:rPr lang="sv-SE" sz="2000" dirty="0" smtClean="0">
+                <a:solidFill>
+                  <a:srgbClr val="3095B4"/>
+                </a:solidFill>
+              </a:rPr>
+              <a:t> on Person </a:t>
+            </a:r>
+            <a:r>
+              <a:rPr lang="sv-SE" sz="2000" dirty="0" err="1" smtClean="0">
+                <a:solidFill>
+                  <a:srgbClr val="3095B4"/>
+                </a:solidFill>
+              </a:rPr>
+              <a:t>variables</a:t>
+            </a:r>
+            <a:endParaRPr lang="sv-SE" sz="2000" dirty="0" smtClean="0">
               <a:solidFill>
                 <a:srgbClr val="3095B4"/>
               </a:solidFill>
             </a:endParaRPr>
           </a:p>
           <a:p>
-            <a:pPr>
-              <a:lnSpc>
-                <a:spcPct val="100000"/>
-              </a:lnSpc>
-            </a:pPr>
-            <a:r>
-              <a:rPr lang="en-US" sz="1400" dirty="0" smtClean="0">
-                <a:solidFill>
-                  <a:srgbClr val="3095B4"/>
-                </a:solidFill>
-              </a:rPr>
-              <a:t>}</a:t>
-            </a:r>
-            <a:endParaRPr lang="en-US" sz="1400" dirty="0">
+            <a:pPr marL="457200" indent="-457200">
+              <a:lnSpc>
+                <a:spcPct val="100000"/>
+              </a:lnSpc>
+              <a:buAutoNum type="arabicPeriod"/>
+            </a:pPr>
+            <a:r>
+              <a:rPr lang="sv-SE" sz="2000" dirty="0" smtClean="0">
+                <a:solidFill>
+                  <a:srgbClr val="3095B4"/>
+                </a:solidFill>
+              </a:rPr>
+              <a:t>If print persons </a:t>
+            </a:r>
+            <a:r>
+              <a:rPr lang="sv-SE" sz="2000" dirty="0" err="1" smtClean="0">
+                <a:solidFill>
+                  <a:srgbClr val="3095B4"/>
+                </a:solidFill>
+              </a:rPr>
+              <a:t>with</a:t>
+            </a:r>
+            <a:r>
+              <a:rPr lang="sv-SE" sz="2000" dirty="0" smtClean="0">
+                <a:solidFill>
+                  <a:srgbClr val="3095B4"/>
+                </a:solidFill>
+              </a:rPr>
+              <a:t> </a:t>
+            </a:r>
+            <a:r>
+              <a:rPr lang="sv-SE" sz="2000" dirty="0" err="1" smtClean="0">
+                <a:solidFill>
+                  <a:srgbClr val="3095B4"/>
+                </a:solidFill>
+              </a:rPr>
+              <a:t>other</a:t>
+            </a:r>
+            <a:r>
+              <a:rPr lang="sv-SE" sz="2000" dirty="0" smtClean="0">
+                <a:solidFill>
+                  <a:srgbClr val="3095B4"/>
+                </a:solidFill>
+              </a:rPr>
+              <a:t> </a:t>
+            </a:r>
+            <a:r>
+              <a:rPr lang="sv-SE" sz="2000" dirty="0" err="1" smtClean="0">
+                <a:solidFill>
+                  <a:srgbClr val="3095B4"/>
+                </a:solidFill>
+              </a:rPr>
+              <a:t>seachcriteria</a:t>
+            </a:r>
+            <a:r>
+              <a:rPr lang="sv-SE" sz="2000" dirty="0" smtClean="0">
+                <a:solidFill>
+                  <a:srgbClr val="3095B4"/>
+                </a:solidFill>
+              </a:rPr>
+              <a:t>?</a:t>
+            </a:r>
+          </a:p>
+          <a:p>
+            <a:pPr marL="457200" indent="-457200">
+              <a:lnSpc>
+                <a:spcPct val="100000"/>
+              </a:lnSpc>
+              <a:buAutoNum type="arabicPeriod"/>
+            </a:pPr>
+            <a:endParaRPr lang="sv-SE" sz="2000" dirty="0">
               <a:solidFill>
                 <a:srgbClr val="3095B4"/>
               </a:solidFill>
             </a:endParaRPr>
           </a:p>
+          <a:p>
+            <a:pPr>
+              <a:lnSpc>
+                <a:spcPct val="100000"/>
+              </a:lnSpc>
+            </a:pPr>
+            <a:r>
+              <a:rPr lang="sv-SE" sz="2000" dirty="0" err="1" smtClean="0">
+                <a:solidFill>
+                  <a:srgbClr val="3095B4"/>
+                </a:solidFill>
+              </a:rPr>
+              <a:t>It’s</a:t>
+            </a:r>
+            <a:r>
+              <a:rPr lang="sv-SE" sz="2000" dirty="0" smtClean="0">
+                <a:solidFill>
+                  <a:srgbClr val="3095B4"/>
+                </a:solidFill>
+              </a:rPr>
+              <a:t> is not a </a:t>
+            </a:r>
+            <a:r>
+              <a:rPr lang="sv-SE" sz="2000" dirty="0" err="1" smtClean="0">
+                <a:solidFill>
+                  <a:srgbClr val="3095B4"/>
+                </a:solidFill>
+              </a:rPr>
+              <a:t>good</a:t>
+            </a:r>
+            <a:r>
+              <a:rPr lang="sv-SE" sz="2000" dirty="0" smtClean="0">
+                <a:solidFill>
+                  <a:srgbClr val="3095B4"/>
+                </a:solidFill>
+              </a:rPr>
+              <a:t> design </a:t>
+            </a:r>
+            <a:r>
+              <a:rPr lang="sv-SE" sz="2000" dirty="0" err="1" smtClean="0">
+                <a:solidFill>
+                  <a:srgbClr val="3095B4"/>
+                </a:solidFill>
+              </a:rPr>
+              <a:t>to</a:t>
+            </a:r>
+            <a:r>
+              <a:rPr lang="sv-SE" sz="2000" dirty="0" smtClean="0">
+                <a:solidFill>
+                  <a:srgbClr val="3095B4"/>
+                </a:solidFill>
+              </a:rPr>
+              <a:t> </a:t>
+            </a:r>
+            <a:r>
+              <a:rPr lang="sv-SE" sz="2000" dirty="0" err="1" smtClean="0">
+                <a:solidFill>
+                  <a:srgbClr val="3095B4"/>
+                </a:solidFill>
+              </a:rPr>
+              <a:t>write</a:t>
+            </a:r>
+            <a:r>
+              <a:rPr lang="sv-SE" sz="2000" dirty="0" smtClean="0">
+                <a:solidFill>
+                  <a:srgbClr val="3095B4"/>
+                </a:solidFill>
+              </a:rPr>
+              <a:t> a new </a:t>
+            </a:r>
+            <a:r>
+              <a:rPr lang="sv-SE" sz="2000" dirty="0" err="1" smtClean="0">
+                <a:solidFill>
+                  <a:srgbClr val="3095B4"/>
+                </a:solidFill>
+              </a:rPr>
+              <a:t>mehtod</a:t>
+            </a:r>
+            <a:r>
+              <a:rPr lang="sv-SE" sz="2000" dirty="0" smtClean="0">
+                <a:solidFill>
+                  <a:srgbClr val="3095B4"/>
+                </a:solidFill>
+              </a:rPr>
+              <a:t> for </a:t>
+            </a:r>
+            <a:r>
+              <a:rPr lang="sv-SE" sz="2000" dirty="0" err="1" smtClean="0">
+                <a:solidFill>
+                  <a:srgbClr val="3095B4"/>
+                </a:solidFill>
+              </a:rPr>
+              <a:t>each</a:t>
+            </a:r>
+            <a:r>
+              <a:rPr lang="sv-SE" sz="2000" dirty="0" smtClean="0">
+                <a:solidFill>
+                  <a:srgbClr val="3095B4"/>
+                </a:solidFill>
+              </a:rPr>
+              <a:t> new </a:t>
+            </a:r>
+            <a:r>
+              <a:rPr lang="sv-SE" sz="2000" dirty="0" err="1" smtClean="0">
+                <a:solidFill>
+                  <a:srgbClr val="3095B4"/>
+                </a:solidFill>
+              </a:rPr>
+              <a:t>requirement</a:t>
+            </a:r>
+            <a:r>
+              <a:rPr lang="sv-SE" sz="2000" dirty="0" smtClean="0">
+                <a:solidFill>
+                  <a:srgbClr val="3095B4"/>
+                </a:solidFill>
+              </a:rPr>
+              <a:t>.</a:t>
+            </a:r>
+          </a:p>
+          <a:p>
+            <a:pPr>
+              <a:lnSpc>
+                <a:spcPct val="100000"/>
+              </a:lnSpc>
+            </a:pPr>
+            <a:endParaRPr lang="sv-SE" sz="2000" dirty="0">
+              <a:solidFill>
+                <a:srgbClr val="3095B4"/>
+              </a:solidFill>
+            </a:endParaRPr>
+          </a:p>
+          <a:p>
+            <a:pPr>
+              <a:lnSpc>
+                <a:spcPct val="100000"/>
+              </a:lnSpc>
+            </a:pPr>
+            <a:r>
+              <a:rPr lang="sv-SE" sz="2000" dirty="0" smtClean="0">
+                <a:solidFill>
+                  <a:srgbClr val="3095B4"/>
+                </a:solidFill>
+              </a:rPr>
+              <a:t>Solution?</a:t>
+            </a:r>
+            <a:endParaRPr lang="sv-SE" sz="2000" dirty="0" smtClean="0">
+              <a:solidFill>
+                <a:srgbClr val="3095B4"/>
+              </a:solidFill>
+            </a:endParaRPr>
+          </a:p>
+          <a:p>
+            <a:pPr>
+              <a:lnSpc>
+                <a:spcPct val="100000"/>
+              </a:lnSpc>
+            </a:pPr>
+            <a:endParaRPr sz="2000" dirty="0">
+              <a:solidFill>
+                <a:srgbClr val="3095B4"/>
+              </a:solidFill>
+            </a:endParaRPr>
+          </a:p>
         </p:txBody>
       </p:sp>
     </p:spTree>
     <p:extLst>
       <p:ext uri="{BB962C8B-B14F-4D97-AF65-F5344CB8AC3E}">
-        <p14:creationId xmlns:p14="http://schemas.microsoft.com/office/powerpoint/2010/main" val="1856119285"/>
+        <p14:creationId xmlns:p14="http://schemas.microsoft.com/office/powerpoint/2010/main" val="899164076"/>
       </p:ext>
     </p:extLst>
   </p:cSld>
@@ -10710,48 +9172,98 @@
                   <a:srgbClr val="3095B4"/>
                 </a:solidFill>
               </a:rPr>
-              <a:t>Problems about this?</a:t>
-            </a:r>
-          </a:p>
-          <a:p>
-            <a:pPr>
-              <a:lnSpc>
-                <a:spcPct val="100000"/>
-              </a:lnSpc>
-            </a:pPr>
-            <a:endParaRPr lang="en-US" sz="2000" dirty="0" smtClean="0">
-              <a:solidFill>
-                <a:srgbClr val="3095B4"/>
-              </a:solidFill>
-            </a:endParaRPr>
-          </a:p>
-          <a:p>
-            <a:pPr marL="457200" indent="-457200">
-              <a:lnSpc>
-                <a:spcPct val="100000"/>
-              </a:lnSpc>
-              <a:buAutoNum type="arabicPeriod"/>
-            </a:pPr>
+              <a:t>A new Interface </a:t>
+            </a:r>
+            <a:r>
+              <a:rPr lang="en-US" sz="2000" dirty="0" err="1" smtClean="0">
+                <a:solidFill>
+                  <a:srgbClr val="3095B4"/>
+                </a:solidFill>
+              </a:rPr>
+              <a:t>CheckPerson</a:t>
+            </a:r>
             <a:r>
               <a:rPr lang="en-US" sz="2000" dirty="0" smtClean="0">
                 <a:solidFill>
                   <a:srgbClr val="3095B4"/>
                 </a:solidFill>
               </a:rPr>
-              <a:t>Same problem as for 1</a:t>
-            </a:r>
+              <a:t> and add that as a parameter to your method.</a:t>
+            </a:r>
+          </a:p>
+          <a:p>
+            <a:pPr>
+              <a:lnSpc>
+                <a:spcPct val="100000"/>
+              </a:lnSpc>
+            </a:pPr>
             <a:endParaRPr lang="en-US" sz="2000" dirty="0">
               <a:solidFill>
                 <a:srgbClr val="3095B4"/>
               </a:solidFill>
             </a:endParaRPr>
           </a:p>
+          <a:p>
+            <a:pPr>
+              <a:lnSpc>
+                <a:spcPct val="100000"/>
+              </a:lnSpc>
+            </a:pPr>
+            <a:r>
+              <a:rPr lang="en-US" sz="2000" dirty="0" smtClean="0">
+                <a:solidFill>
+                  <a:srgbClr val="3095B4"/>
+                </a:solidFill>
+              </a:rPr>
+              <a:t>Go to test class and fill in correct condition in method</a:t>
+            </a:r>
+          </a:p>
+          <a:p>
+            <a:pPr>
+              <a:lnSpc>
+                <a:spcPct val="100000"/>
+              </a:lnSpc>
+            </a:pPr>
+            <a:endParaRPr lang="sv-SE" sz="2000" dirty="0" smtClean="0">
+              <a:solidFill>
+                <a:srgbClr val="3095B4"/>
+              </a:solidFill>
+            </a:endParaRPr>
+          </a:p>
+          <a:p>
+            <a:pPr>
+              <a:lnSpc>
+                <a:spcPct val="100000"/>
+              </a:lnSpc>
+            </a:pPr>
+            <a:r>
+              <a:rPr lang="sv-SE" sz="2000" dirty="0" err="1" smtClean="0">
+                <a:solidFill>
+                  <a:srgbClr val="3095B4"/>
+                </a:solidFill>
+              </a:rPr>
+              <a:t>testgetPersonsAnonymous</a:t>
+            </a:r>
+            <a:r>
+              <a:rPr lang="sv-SE" sz="2000" dirty="0" smtClean="0">
+                <a:solidFill>
+                  <a:srgbClr val="3095B4"/>
+                </a:solidFill>
+              </a:rPr>
+              <a:t>(…</a:t>
+            </a:r>
+            <a:endParaRPr lang="en-US" sz="2000" dirty="0">
+              <a:solidFill>
+                <a:srgbClr val="3095B4"/>
+              </a:solidFill>
+            </a:endParaRPr>
+          </a:p>
         </p:txBody>
       </p:sp>
     </p:spTree>
     <p:extLst>
       <p:ext uri="{BB962C8B-B14F-4D97-AF65-F5344CB8AC3E}">
-        <p14:creationId xmlns:p14="http://schemas.microsoft.com/office/powerpoint/2010/main" val="3315742542"/>
+        <p14:creationId xmlns:p14="http://schemas.microsoft.com/office/powerpoint/2010/main" val="1856119285"/>
       </p:ext>
     </p:extLst>
   </p:cSld>

--- a/slides/Java 8 - Lambda Expresssions.pptx
+++ b/slides/Java 8 - Lambda Expresssions.pptx
@@ -3458,21 +3458,8 @@
                   <a:srgbClr val="3095B4"/>
                 </a:solidFill>
               </a:rPr>
-              <a:t>Task </a:t>
-            </a:r>
-            <a:r>
-              <a:rPr lang="en-US" sz="2000" dirty="0" smtClean="0">
-                <a:solidFill>
-                  <a:srgbClr val="3095B4"/>
-                </a:solidFill>
-              </a:rPr>
-              <a:t>3</a:t>
-            </a:r>
-            <a:endParaRPr lang="en-US" sz="2000" dirty="0" smtClean="0">
-              <a:solidFill>
-                <a:srgbClr val="3095B4"/>
-              </a:solidFill>
-            </a:endParaRPr>
+              <a:t>Task 3</a:t>
+            </a:r>
           </a:p>
           <a:p>
             <a:pPr>
@@ -3667,16 +3654,15 @@
                   <a:srgbClr val="3095B4"/>
                 </a:solidFill>
               </a:rPr>
-              <a:t>Task </a:t>
-            </a:r>
-            <a:r>
-              <a:rPr lang="en-US" sz="2000" dirty="0" smtClean="0">
-                <a:solidFill>
-                  <a:srgbClr val="3095B4"/>
-                </a:solidFill>
-              </a:rPr>
-              <a:t>3</a:t>
-            </a:r>
+              <a:t>Task 3</a:t>
+            </a:r>
+          </a:p>
+          <a:p>
+            <a:pPr>
+              <a:lnSpc>
+                <a:spcPct val="100000"/>
+              </a:lnSpc>
+            </a:pPr>
             <a:endParaRPr lang="en-US" sz="2000" dirty="0" smtClean="0">
               <a:solidFill>
                 <a:srgbClr val="3095B4"/>
@@ -3684,18 +3670,6 @@
             </a:endParaRPr>
           </a:p>
           <a:p>
-            <a:pPr>
-              <a:lnSpc>
-                <a:spcPct val="100000"/>
-              </a:lnSpc>
-            </a:pPr>
-            <a:endParaRPr lang="en-US" sz="2000" dirty="0" smtClean="0">
-              <a:solidFill>
-                <a:srgbClr val="3095B4"/>
-              </a:solidFill>
-            </a:endParaRPr>
-          </a:p>
-          <a:p>
             <a:pPr marL="457200" indent="-457200">
               <a:buAutoNum type="arabicPeriod"/>
             </a:pPr>
@@ -3707,11 +3681,6 @@
               </a:rPr>
               <a:t>We are still in test class. Create a lambda expression.</a:t>
             </a:r>
-            <a:endParaRPr lang="en-US" sz="2000" dirty="0" smtClean="0">
-              <a:solidFill>
-                <a:srgbClr val="3095B4"/>
-              </a:solidFill>
-            </a:endParaRPr>
           </a:p>
           <a:p>
             <a:pPr marL="457200" indent="-457200">
@@ -3911,23 +3880,7 @@
                   <a:srgbClr val="3095B4"/>
                 </a:solidFill>
               </a:rPr>
-              <a:t>Task </a:t>
-            </a:r>
-            <a:r>
-              <a:rPr lang="en-US" sz="2000" dirty="0" smtClean="0">
-                <a:solidFill>
-                  <a:srgbClr val="3095B4"/>
-                </a:solidFill>
-              </a:rPr>
-              <a:t>4 </a:t>
-            </a:r>
-            <a:r>
-              <a:rPr lang="en-US" sz="2000" dirty="0" smtClean="0">
-                <a:solidFill>
-                  <a:srgbClr val="3095B4"/>
-                </a:solidFill>
-              </a:rPr>
-              <a:t>Replace your interface with an existing one</a:t>
+              <a:t>Task 4 Replace your interface with an existing one</a:t>
             </a:r>
           </a:p>
           <a:p>
@@ -4031,6 +3984,41 @@
               </a:rPr>
               <a:t>}</a:t>
             </a:r>
+          </a:p>
+          <a:p>
+            <a:pPr lvl="1"/>
+            <a:endParaRPr lang="en-US" sz="2000" dirty="0">
+              <a:solidFill>
+                <a:srgbClr val="3095B4"/>
+              </a:solidFill>
+            </a:endParaRPr>
+          </a:p>
+          <a:p>
+            <a:pPr lvl="1"/>
+            <a:endParaRPr lang="en-US" sz="2000" dirty="0" smtClean="0">
+              <a:solidFill>
+                <a:srgbClr val="3095B4"/>
+              </a:solidFill>
+            </a:endParaRPr>
+          </a:p>
+          <a:p>
+            <a:pPr lvl="1"/>
+            <a:r>
+              <a:rPr lang="sv-SE" sz="2000" dirty="0">
+                <a:hlinkClick r:id="rId2"/>
+              </a:rPr>
+              <a:t>http://download.java.net/jdk8/docs/api</a:t>
+            </a:r>
+            <a:r>
+              <a:rPr lang="sv-SE" sz="2000" dirty="0" smtClean="0">
+                <a:hlinkClick r:id="rId2"/>
+              </a:rPr>
+              <a:t>/</a:t>
+            </a:r>
+            <a:endParaRPr lang="sv-SE" sz="2000" dirty="0" smtClean="0"/>
+          </a:p>
+          <a:p>
+            <a:pPr lvl="1"/>
             <a:endParaRPr lang="en-US" sz="2000" dirty="0">
               <a:solidFill>
                 <a:srgbClr val="3095B4"/>
@@ -4177,23 +4165,7 @@
                   <a:srgbClr val="3095B4"/>
                 </a:solidFill>
               </a:rPr>
-              <a:t>Task </a:t>
-            </a:r>
-            <a:r>
-              <a:rPr lang="en-US" sz="2000" dirty="0" smtClean="0">
-                <a:solidFill>
-                  <a:srgbClr val="3095B4"/>
-                </a:solidFill>
-              </a:rPr>
-              <a:t>4 </a:t>
-            </a:r>
-            <a:r>
-              <a:rPr lang="en-US" sz="2000" dirty="0" smtClean="0">
-                <a:solidFill>
-                  <a:srgbClr val="3095B4"/>
-                </a:solidFill>
-              </a:rPr>
-              <a:t>This is a good one</a:t>
+              <a:t>Task 4 This is a good one</a:t>
             </a:r>
           </a:p>
           <a:p>
@@ -4649,31 +4621,7 @@
                   <a:srgbClr val="3095B4"/>
                 </a:solidFill>
               </a:rPr>
-              <a:t>Task </a:t>
-            </a:r>
-            <a:r>
-              <a:rPr lang="en-US" sz="2000" dirty="0" smtClean="0">
-                <a:solidFill>
-                  <a:srgbClr val="3095B4"/>
-                </a:solidFill>
-              </a:rPr>
-              <a:t>5 </a:t>
-            </a:r>
-            <a:r>
-              <a:rPr lang="en-US" sz="2000" dirty="0" smtClean="0">
-                <a:solidFill>
-                  <a:srgbClr val="3095B4"/>
-                </a:solidFill>
-              </a:rPr>
-              <a:t>Could we replace more code with Lambda Expressions</a:t>
-            </a:r>
-            <a:r>
-              <a:rPr lang="en-US" sz="2000" dirty="0" smtClean="0">
-                <a:solidFill>
-                  <a:srgbClr val="3095B4"/>
-                </a:solidFill>
-              </a:rPr>
-              <a:t>?</a:t>
+              <a:t>Task 5 Could we replace more code with Lambda Expressions?</a:t>
             </a:r>
           </a:p>
           <a:p>
@@ -4749,11 +4697,6 @@
               </a:rPr>
               <a:t>Add a new existing function interface as parameter.</a:t>
             </a:r>
-            <a:endParaRPr lang="en-US" sz="2000" dirty="0" smtClean="0">
-              <a:solidFill>
-                <a:srgbClr val="3095B4"/>
-              </a:solidFill>
-            </a:endParaRPr>
           </a:p>
           <a:p>
             <a:pPr>
@@ -4907,15 +4850,7 @@
                   <a:srgbClr val="3095B4"/>
                 </a:solidFill>
               </a:rPr>
-              <a:t>Task </a:t>
-            </a:r>
-            <a:r>
-              <a:rPr lang="en-US" sz="2000" dirty="0" smtClean="0">
-                <a:solidFill>
-                  <a:srgbClr val="3095B4"/>
-                </a:solidFill>
-              </a:rPr>
-              <a:t>5 </a:t>
+              <a:t>Task 5 </a:t>
             </a:r>
           </a:p>
           <a:p>
@@ -4971,11 +4906,6 @@
               </a:rPr>
               <a:t>Consumer</a:t>
             </a:r>
-            <a:endParaRPr lang="en-US" sz="2000" dirty="0" smtClean="0">
-              <a:solidFill>
-                <a:srgbClr val="3095B4"/>
-              </a:solidFill>
-            </a:endParaRPr>
           </a:p>
           <a:p>
             <a:pPr>
@@ -5001,15 +4931,7 @@
                   <a:srgbClr val="3095B4"/>
                 </a:solidFill>
               </a:rPr>
-              <a:t>T-&gt; </a:t>
-            </a:r>
-            <a:r>
-              <a:rPr lang="en-US" sz="2000" dirty="0" smtClean="0">
-                <a:solidFill>
-                  <a:srgbClr val="3095B4"/>
-                </a:solidFill>
-              </a:rPr>
-              <a:t>void</a:t>
+              <a:t>T-&gt; void</a:t>
             </a:r>
           </a:p>
           <a:p>
@@ -8862,7 +8784,15 @@
                   <a:srgbClr val="3095B4"/>
                 </a:solidFill>
               </a:rPr>
-              <a:t> is not a </a:t>
+              <a:t> is </a:t>
+            </a:r>
+            <a:r>
+              <a:rPr lang="sv-SE" sz="2000" dirty="0" smtClean="0">
+                <a:solidFill>
+                  <a:srgbClr val="3095B4"/>
+                </a:solidFill>
+              </a:rPr>
+              <a:t>not </a:t>
             </a:r>
             <a:r>
               <a:rPr lang="sv-SE" sz="2000" dirty="0" err="1" smtClean="0">
@@ -8878,7 +8808,15 @@
                   <a:srgbClr val="3095B4"/>
                 </a:solidFill>
               </a:rPr>
-              <a:t> design </a:t>
+              <a:t> </a:t>
+            </a:r>
+            <a:r>
+              <a:rPr lang="sv-SE" sz="2000" dirty="0" smtClean="0">
+                <a:solidFill>
+                  <a:srgbClr val="3095B4"/>
+                </a:solidFill>
+              </a:rPr>
+              <a:t>design </a:t>
             </a:r>
             <a:r>
               <a:rPr lang="sv-SE" sz="2000" dirty="0" err="1" smtClean="0">
@@ -8918,7 +8856,7 @@
                   <a:srgbClr val="3095B4"/>
                 </a:solidFill>
               </a:rPr>
-              <a:t>mehtod</a:t>
+              <a:t>method</a:t>
             </a:r>
             <a:r>
               <a:rPr lang="sv-SE" sz="2000" dirty="0" smtClean="0">
@@ -8926,7 +8864,15 @@
                   <a:srgbClr val="3095B4"/>
                 </a:solidFill>
               </a:rPr>
-              <a:t> for </a:t>
+              <a:t> </a:t>
+            </a:r>
+            <a:r>
+              <a:rPr lang="sv-SE" sz="2000" dirty="0" smtClean="0">
+                <a:solidFill>
+                  <a:srgbClr val="3095B4"/>
+                </a:solidFill>
+              </a:rPr>
+              <a:t>for </a:t>
             </a:r>
             <a:r>
               <a:rPr lang="sv-SE" sz="2000" dirty="0" err="1" smtClean="0">
@@ -8987,11 +8933,6 @@
               </a:rPr>
               <a:t>Solution?</a:t>
             </a:r>
-            <a:endParaRPr lang="sv-SE" sz="2000" dirty="0" smtClean="0">
-              <a:solidFill>
-                <a:srgbClr val="3095B4"/>
-              </a:solidFill>
-            </a:endParaRPr>
           </a:p>
           <a:p>
             <a:pPr>
